--- a/Assets/Powerpoints/DC Chopper.pptx
+++ b/Assets/Powerpoints/DC Chopper.pptx
@@ -105,6 +105,11 @@
       </a:defRPr>
     </a:lvl9pPr>
   </p:defaultTextStyle>
+  <p:extLst>
+    <p:ext uri="{EFAFB233-063F-42B5-8137-9DF3F51BA10A}">
+      <p15:sldGuideLst xmlns:p15="http://schemas.microsoft.com/office/powerpoint/2012/main"/>
+    </p:ext>
+  </p:extLst>
 </p:presentation>
 </file>
 
@@ -257,7 +262,7 @@
           <a:p>
             <a:fld id="{349876DB-90CB-4857-A9D0-B3C87AAB9427}" type="datetimeFigureOut">
               <a:rPr lang="en-IN" smtClean="0"/>
-              <a:t>08-12-2022</a:t>
+              <a:t>09-12-2022</a:t>
             </a:fld>
             <a:endParaRPr lang="en-IN"/>
           </a:p>
@@ -457,7 +462,7 @@
           <a:p>
             <a:fld id="{349876DB-90CB-4857-A9D0-B3C87AAB9427}" type="datetimeFigureOut">
               <a:rPr lang="en-IN" smtClean="0"/>
-              <a:t>08-12-2022</a:t>
+              <a:t>09-12-2022</a:t>
             </a:fld>
             <a:endParaRPr lang="en-IN"/>
           </a:p>
@@ -667,7 +672,7 @@
           <a:p>
             <a:fld id="{349876DB-90CB-4857-A9D0-B3C87AAB9427}" type="datetimeFigureOut">
               <a:rPr lang="en-IN" smtClean="0"/>
-              <a:t>08-12-2022</a:t>
+              <a:t>09-12-2022</a:t>
             </a:fld>
             <a:endParaRPr lang="en-IN"/>
           </a:p>
@@ -867,7 +872,7 @@
           <a:p>
             <a:fld id="{349876DB-90CB-4857-A9D0-B3C87AAB9427}" type="datetimeFigureOut">
               <a:rPr lang="en-IN" smtClean="0"/>
-              <a:t>08-12-2022</a:t>
+              <a:t>09-12-2022</a:t>
             </a:fld>
             <a:endParaRPr lang="en-IN"/>
           </a:p>
@@ -1143,7 +1148,7 @@
           <a:p>
             <a:fld id="{349876DB-90CB-4857-A9D0-B3C87AAB9427}" type="datetimeFigureOut">
               <a:rPr lang="en-IN" smtClean="0"/>
-              <a:t>08-12-2022</a:t>
+              <a:t>09-12-2022</a:t>
             </a:fld>
             <a:endParaRPr lang="en-IN"/>
           </a:p>
@@ -1411,7 +1416,7 @@
           <a:p>
             <a:fld id="{349876DB-90CB-4857-A9D0-B3C87AAB9427}" type="datetimeFigureOut">
               <a:rPr lang="en-IN" smtClean="0"/>
-              <a:t>08-12-2022</a:t>
+              <a:t>09-12-2022</a:t>
             </a:fld>
             <a:endParaRPr lang="en-IN"/>
           </a:p>
@@ -1826,7 +1831,7 @@
           <a:p>
             <a:fld id="{349876DB-90CB-4857-A9D0-B3C87AAB9427}" type="datetimeFigureOut">
               <a:rPr lang="en-IN" smtClean="0"/>
-              <a:t>08-12-2022</a:t>
+              <a:t>09-12-2022</a:t>
             </a:fld>
             <a:endParaRPr lang="en-IN"/>
           </a:p>
@@ -1968,7 +1973,7 @@
           <a:p>
             <a:fld id="{349876DB-90CB-4857-A9D0-B3C87AAB9427}" type="datetimeFigureOut">
               <a:rPr lang="en-IN" smtClean="0"/>
-              <a:t>08-12-2022</a:t>
+              <a:t>09-12-2022</a:t>
             </a:fld>
             <a:endParaRPr lang="en-IN"/>
           </a:p>
@@ -2081,7 +2086,7 @@
           <a:p>
             <a:fld id="{349876DB-90CB-4857-A9D0-B3C87AAB9427}" type="datetimeFigureOut">
               <a:rPr lang="en-IN" smtClean="0"/>
-              <a:t>08-12-2022</a:t>
+              <a:t>09-12-2022</a:t>
             </a:fld>
             <a:endParaRPr lang="en-IN"/>
           </a:p>
@@ -2394,7 +2399,7 @@
           <a:p>
             <a:fld id="{349876DB-90CB-4857-A9D0-B3C87AAB9427}" type="datetimeFigureOut">
               <a:rPr lang="en-IN" smtClean="0"/>
-              <a:t>08-12-2022</a:t>
+              <a:t>09-12-2022</a:t>
             </a:fld>
             <a:endParaRPr lang="en-IN"/>
           </a:p>
@@ -2683,7 +2688,7 @@
           <a:p>
             <a:fld id="{349876DB-90CB-4857-A9D0-B3C87AAB9427}" type="datetimeFigureOut">
               <a:rPr lang="en-IN" smtClean="0"/>
-              <a:t>08-12-2022</a:t>
+              <a:t>09-12-2022</a:t>
             </a:fld>
             <a:endParaRPr lang="en-IN"/>
           </a:p>
@@ -2926,7 +2931,7 @@
           <a:p>
             <a:fld id="{349876DB-90CB-4857-A9D0-B3C87AAB9427}" type="datetimeFigureOut">
               <a:rPr lang="en-IN" smtClean="0"/>
-              <a:t>08-12-2022</a:t>
+              <a:t>09-12-2022</a:t>
             </a:fld>
             <a:endParaRPr lang="en-IN"/>
           </a:p>
@@ -3343,321 +3348,6 @@
           <a:chExt cx="0" cy="0"/>
         </a:xfrm>
       </p:grpSpPr>
-      <p:grpSp>
-        <p:nvGrpSpPr>
-          <p:cNvPr id="181" name="Group 180">
-            <a:extLst>
-              <a:ext uri="{FF2B5EF4-FFF2-40B4-BE49-F238E27FC236}">
-                <a16:creationId xmlns:a16="http://schemas.microsoft.com/office/drawing/2014/main" id="{BC3E802A-DF3B-0FF4-1B3C-12284AC0D8E2}"/>
-              </a:ext>
-            </a:extLst>
-          </p:cNvPr>
-          <p:cNvGrpSpPr/>
-          <p:nvPr/>
-        </p:nvGrpSpPr>
-        <p:grpSpPr>
-          <a:xfrm>
-            <a:off x="5703480" y="4456073"/>
-            <a:ext cx="996881" cy="1264166"/>
-            <a:chOff x="3484200" y="3679520"/>
-            <a:chExt cx="996881" cy="1264166"/>
-          </a:xfrm>
-        </p:grpSpPr>
-        <p:sp>
-          <p:nvSpPr>
-            <p:cNvPr id="168" name="Oval 167">
-              <a:extLst>
-                <a:ext uri="{FF2B5EF4-FFF2-40B4-BE49-F238E27FC236}">
-                  <a16:creationId xmlns:a16="http://schemas.microsoft.com/office/drawing/2014/main" id="{55703FF1-6B06-A191-C93E-CBE4423AB709}"/>
-                </a:ext>
-              </a:extLst>
-            </p:cNvPr>
-            <p:cNvSpPr/>
-            <p:nvPr/>
-          </p:nvSpPr>
-          <p:spPr>
-            <a:xfrm>
-              <a:off x="3722279" y="3951911"/>
-              <a:ext cx="758802" cy="712118"/>
-            </a:xfrm>
-            <a:prstGeom prst="ellipse">
-              <a:avLst/>
-            </a:prstGeom>
-            <a:solidFill>
-              <a:schemeClr val="bg1">
-                <a:lumMod val="95000"/>
-              </a:schemeClr>
-            </a:solidFill>
-            <a:ln w="38100"/>
-          </p:spPr>
-          <p:style>
-            <a:lnRef idx="2">
-              <a:schemeClr val="accent1">
-                <a:shade val="50000"/>
-              </a:schemeClr>
-            </a:lnRef>
-            <a:fillRef idx="1">
-              <a:schemeClr val="accent1"/>
-            </a:fillRef>
-            <a:effectRef idx="0">
-              <a:schemeClr val="accent1"/>
-            </a:effectRef>
-            <a:fontRef idx="minor">
-              <a:schemeClr val="lt1"/>
-            </a:fontRef>
-          </p:style>
-          <p:txBody>
-            <a:bodyPr rtlCol="0" anchor="ctr"/>
-            <a:lstStyle/>
-            <a:p>
-              <a:pPr algn="ctr"/>
-              <a:endParaRPr lang="en-IN" dirty="0"/>
-            </a:p>
-          </p:txBody>
-        </p:sp>
-        <p:cxnSp>
-          <p:nvCxnSpPr>
-            <p:cNvPr id="147" name="Straight Connector 146">
-              <a:extLst>
-                <a:ext uri="{FF2B5EF4-FFF2-40B4-BE49-F238E27FC236}">
-                  <a16:creationId xmlns:a16="http://schemas.microsoft.com/office/drawing/2014/main" id="{DF37070B-3B02-5E79-7E6C-197B2C54342F}"/>
-                </a:ext>
-              </a:extLst>
-            </p:cNvPr>
-            <p:cNvCxnSpPr>
-              <a:cxnSpLocks/>
-            </p:cNvCxnSpPr>
-            <p:nvPr/>
-          </p:nvCxnSpPr>
-          <p:spPr>
-            <a:xfrm flipV="1">
-              <a:off x="3973687" y="4104684"/>
-              <a:ext cx="0" cy="406573"/>
-            </a:xfrm>
-            <a:prstGeom prst="line">
-              <a:avLst/>
-            </a:prstGeom>
-            <a:ln w="38100"/>
-          </p:spPr>
-          <p:style>
-            <a:lnRef idx="1">
-              <a:schemeClr val="accent1"/>
-            </a:lnRef>
-            <a:fillRef idx="0">
-              <a:schemeClr val="accent1"/>
-            </a:fillRef>
-            <a:effectRef idx="0">
-              <a:schemeClr val="accent1"/>
-            </a:effectRef>
-            <a:fontRef idx="minor">
-              <a:schemeClr val="tx1"/>
-            </a:fontRef>
-          </p:style>
-        </p:cxnSp>
-        <p:cxnSp>
-          <p:nvCxnSpPr>
-            <p:cNvPr id="163" name="Straight Connector 162">
-              <a:extLst>
-                <a:ext uri="{FF2B5EF4-FFF2-40B4-BE49-F238E27FC236}">
-                  <a16:creationId xmlns:a16="http://schemas.microsoft.com/office/drawing/2014/main" id="{174809AA-606B-9A0E-B6F9-BB5F8E96CE7F}"/>
-                </a:ext>
-              </a:extLst>
-            </p:cNvPr>
-            <p:cNvCxnSpPr>
-              <a:cxnSpLocks/>
-            </p:cNvCxnSpPr>
-            <p:nvPr/>
-          </p:nvCxnSpPr>
-          <p:spPr>
-            <a:xfrm flipV="1">
-              <a:off x="3973687" y="4050424"/>
-              <a:ext cx="254882" cy="184102"/>
-            </a:xfrm>
-            <a:prstGeom prst="line">
-              <a:avLst/>
-            </a:prstGeom>
-            <a:ln w="38100"/>
-          </p:spPr>
-          <p:style>
-            <a:lnRef idx="1">
-              <a:schemeClr val="accent1"/>
-            </a:lnRef>
-            <a:fillRef idx="0">
-              <a:schemeClr val="accent1"/>
-            </a:fillRef>
-            <a:effectRef idx="0">
-              <a:schemeClr val="accent1"/>
-            </a:effectRef>
-            <a:fontRef idx="minor">
-              <a:schemeClr val="tx1"/>
-            </a:fontRef>
-          </p:style>
-        </p:cxnSp>
-        <p:cxnSp>
-          <p:nvCxnSpPr>
-            <p:cNvPr id="166" name="Straight Connector 165">
-              <a:extLst>
-                <a:ext uri="{FF2B5EF4-FFF2-40B4-BE49-F238E27FC236}">
-                  <a16:creationId xmlns:a16="http://schemas.microsoft.com/office/drawing/2014/main" id="{89CC6C3E-24EE-BEF5-5B99-B896E4219C01}"/>
-                </a:ext>
-              </a:extLst>
-            </p:cNvPr>
-            <p:cNvCxnSpPr>
-              <a:cxnSpLocks/>
-            </p:cNvCxnSpPr>
-            <p:nvPr/>
-          </p:nvCxnSpPr>
-          <p:spPr>
-            <a:xfrm>
-              <a:off x="3973687" y="4381415"/>
-              <a:ext cx="254882" cy="184102"/>
-            </a:xfrm>
-            <a:prstGeom prst="line">
-              <a:avLst/>
-            </a:prstGeom>
-            <a:ln w="38100" cap="flat" cmpd="sng" algn="ctr">
-              <a:solidFill>
-                <a:schemeClr val="accent1"/>
-              </a:solidFill>
-              <a:prstDash val="solid"/>
-              <a:round/>
-              <a:headEnd type="none" w="med" len="med"/>
-              <a:tailEnd type="arrow" w="med" len="med"/>
-            </a:ln>
-          </p:spPr>
-          <p:style>
-            <a:lnRef idx="0">
-              <a:scrgbClr r="0" g="0" b="0"/>
-            </a:lnRef>
-            <a:fillRef idx="0">
-              <a:scrgbClr r="0" g="0" b="0"/>
-            </a:fillRef>
-            <a:effectRef idx="0">
-              <a:scrgbClr r="0" g="0" b="0"/>
-            </a:effectRef>
-            <a:fontRef idx="minor">
-              <a:schemeClr val="tx1"/>
-            </a:fontRef>
-          </p:style>
-        </p:cxnSp>
-        <p:cxnSp>
-          <p:nvCxnSpPr>
-            <p:cNvPr id="172" name="Straight Connector 171">
-              <a:extLst>
-                <a:ext uri="{FF2B5EF4-FFF2-40B4-BE49-F238E27FC236}">
-                  <a16:creationId xmlns:a16="http://schemas.microsoft.com/office/drawing/2014/main" id="{A543AFDD-C9B9-2671-31B1-80E88A0E1612}"/>
-                </a:ext>
-              </a:extLst>
-            </p:cNvPr>
-            <p:cNvCxnSpPr>
-              <a:cxnSpLocks/>
-            </p:cNvCxnSpPr>
-            <p:nvPr/>
-          </p:nvCxnSpPr>
-          <p:spPr>
-            <a:xfrm rot="5400000" flipV="1">
-              <a:off x="3722279" y="4069892"/>
-              <a:ext cx="0" cy="476157"/>
-            </a:xfrm>
-            <a:prstGeom prst="line">
-              <a:avLst/>
-            </a:prstGeom>
-            <a:ln w="38100"/>
-          </p:spPr>
-          <p:style>
-            <a:lnRef idx="1">
-              <a:schemeClr val="accent1"/>
-            </a:lnRef>
-            <a:fillRef idx="0">
-              <a:schemeClr val="accent1"/>
-            </a:fillRef>
-            <a:effectRef idx="0">
-              <a:schemeClr val="accent1"/>
-            </a:effectRef>
-            <a:fontRef idx="minor">
-              <a:schemeClr val="tx1"/>
-            </a:fontRef>
-          </p:style>
-        </p:cxnSp>
-        <p:cxnSp>
-          <p:nvCxnSpPr>
-            <p:cNvPr id="176" name="Straight Connector 175">
-              <a:extLst>
-                <a:ext uri="{FF2B5EF4-FFF2-40B4-BE49-F238E27FC236}">
-                  <a16:creationId xmlns:a16="http://schemas.microsoft.com/office/drawing/2014/main" id="{0D3DAE2C-A74F-E6F9-44BD-A763FF5538DE}"/>
-                </a:ext>
-              </a:extLst>
-            </p:cNvPr>
-            <p:cNvCxnSpPr>
-              <a:cxnSpLocks/>
-            </p:cNvCxnSpPr>
-            <p:nvPr/>
-          </p:nvCxnSpPr>
-          <p:spPr>
-            <a:xfrm flipV="1">
-              <a:off x="4215358" y="3679520"/>
-              <a:ext cx="0" cy="395131"/>
-            </a:xfrm>
-            <a:prstGeom prst="line">
-              <a:avLst/>
-            </a:prstGeom>
-            <a:ln w="38100"/>
-          </p:spPr>
-          <p:style>
-            <a:lnRef idx="1">
-              <a:schemeClr val="accent1"/>
-            </a:lnRef>
-            <a:fillRef idx="0">
-              <a:schemeClr val="accent1"/>
-            </a:fillRef>
-            <a:effectRef idx="0">
-              <a:schemeClr val="accent1"/>
-            </a:effectRef>
-            <a:fontRef idx="minor">
-              <a:schemeClr val="tx1"/>
-            </a:fontRef>
-          </p:style>
-        </p:cxnSp>
-        <p:cxnSp>
-          <p:nvCxnSpPr>
-            <p:cNvPr id="180" name="Straight Connector 179">
-              <a:extLst>
-                <a:ext uri="{FF2B5EF4-FFF2-40B4-BE49-F238E27FC236}">
-                  <a16:creationId xmlns:a16="http://schemas.microsoft.com/office/drawing/2014/main" id="{90FBFE68-2202-7CC8-38C0-E04F8346695C}"/>
-                </a:ext>
-              </a:extLst>
-            </p:cNvPr>
-            <p:cNvCxnSpPr>
-              <a:cxnSpLocks/>
-            </p:cNvCxnSpPr>
-            <p:nvPr/>
-          </p:nvCxnSpPr>
-          <p:spPr>
-            <a:xfrm flipV="1">
-              <a:off x="4205096" y="4548555"/>
-              <a:ext cx="0" cy="395131"/>
-            </a:xfrm>
-            <a:prstGeom prst="line">
-              <a:avLst/>
-            </a:prstGeom>
-            <a:ln w="38100"/>
-          </p:spPr>
-          <p:style>
-            <a:lnRef idx="1">
-              <a:schemeClr val="accent1"/>
-            </a:lnRef>
-            <a:fillRef idx="0">
-              <a:schemeClr val="accent1"/>
-            </a:fillRef>
-            <a:effectRef idx="0">
-              <a:schemeClr val="accent1"/>
-            </a:effectRef>
-            <a:fontRef idx="minor">
-              <a:schemeClr val="tx1"/>
-            </a:fontRef>
-          </p:style>
-        </p:cxnSp>
-      </p:grpSp>
       <p:cxnSp>
         <p:nvCxnSpPr>
           <p:cNvPr id="16" name="Straight Connector 15">
@@ -4007,8 +3697,8 @@
         </p:nvGrpSpPr>
         <p:grpSpPr>
           <a:xfrm>
-            <a:off x="2852171" y="374382"/>
-            <a:ext cx="1461448" cy="943455"/>
+            <a:off x="2885492" y="431634"/>
+            <a:ext cx="1310209" cy="806000"/>
             <a:chOff x="2677704" y="366749"/>
             <a:chExt cx="1461448" cy="943455"/>
           </a:xfrm>
@@ -4378,7 +4068,7 @@
         <p:spPr>
           <a:xfrm>
             <a:off x="7814986" y="858431"/>
-            <a:ext cx="5642" cy="3437809"/>
+            <a:ext cx="25013" cy="3281109"/>
           </a:xfrm>
           <a:prstGeom prst="line">
             <a:avLst/>
@@ -4418,7 +4108,7 @@
         </p:nvGrpSpPr>
         <p:grpSpPr>
           <a:xfrm>
-            <a:off x="7573460" y="2534499"/>
+            <a:off x="7583572" y="2129818"/>
             <a:ext cx="512854" cy="561746"/>
             <a:chOff x="3610045" y="3464345"/>
             <a:chExt cx="693435" cy="575227"/>
@@ -4530,7 +4220,7 @@
         </p:nvCxnSpPr>
         <p:spPr>
           <a:xfrm flipH="1">
-            <a:off x="6420512" y="4284073"/>
+            <a:off x="6420512" y="4151926"/>
             <a:ext cx="4592776" cy="0"/>
           </a:xfrm>
           <a:prstGeom prst="line">
@@ -4559,10 +4249,10 @@
       </p:cxnSp>
       <p:grpSp>
         <p:nvGrpSpPr>
-          <p:cNvPr id="78" name="Group 77">
+          <p:cNvPr id="50" name="Group 49">
             <a:extLst>
               <a:ext uri="{FF2B5EF4-FFF2-40B4-BE49-F238E27FC236}">
-                <a16:creationId xmlns:a16="http://schemas.microsoft.com/office/drawing/2014/main" id="{BAFF5583-9AD6-1D45-CB92-E6CCF9AE5096}"/>
+                <a16:creationId xmlns:a16="http://schemas.microsoft.com/office/drawing/2014/main" id="{5C1A4C46-466A-E7AA-325F-0568DEFCE1D2}"/>
               </a:ext>
             </a:extLst>
           </p:cNvPr>
@@ -4571,10 +4261,10 @@
         </p:nvGrpSpPr>
         <p:grpSpPr>
           <a:xfrm>
-            <a:off x="6096000" y="1512958"/>
-            <a:ext cx="524620" cy="2425224"/>
-            <a:chOff x="3744739" y="2375555"/>
-            <a:chExt cx="311004" cy="1748988"/>
+            <a:off x="6096000" y="1092138"/>
+            <a:ext cx="439795" cy="2425224"/>
+            <a:chOff x="6096002" y="1241982"/>
+            <a:chExt cx="439795" cy="2425224"/>
           </a:xfrm>
         </p:grpSpPr>
         <p:grpSp>
@@ -4591,10 +4281,10 @@
           </p:nvGrpSpPr>
           <p:grpSpPr>
             <a:xfrm rot="16200000">
-              <a:off x="3368067" y="3097164"/>
-              <a:ext cx="1064347" cy="311004"/>
-              <a:chOff x="2938509" y="3027281"/>
-              <a:chExt cx="1760744" cy="494935"/>
+              <a:off x="5694916" y="2383113"/>
+              <a:ext cx="1241968" cy="439795"/>
+              <a:chOff x="2905113" y="3027281"/>
+              <a:chExt cx="1489971" cy="494935"/>
             </a:xfrm>
           </p:grpSpPr>
           <p:cxnSp>
@@ -4612,9 +4302,9 @@
               <p:nvPr/>
             </p:nvCxnSpPr>
             <p:spPr>
-              <a:xfrm flipV="1">
-                <a:off x="2938509" y="3027285"/>
-                <a:ext cx="124287" cy="319597"/>
+              <a:xfrm rot="5400000" flipH="1" flipV="1">
+                <a:off x="2786718" y="3145681"/>
+                <a:ext cx="394474" cy="157683"/>
               </a:xfrm>
               <a:prstGeom prst="line">
                 <a:avLst/>
@@ -5068,119 +4758,12 @@
               </p:style>
             </p:cxnSp>
           </p:grpSp>
-          <p:grpSp>
-            <p:nvGrpSpPr>
-              <p:cNvPr id="60" name="Group 59">
+          <p:cxnSp>
+            <p:nvCxnSpPr>
+              <p:cNvPr id="63" name="Straight Connector 62">
                 <a:extLst>
                   <a:ext uri="{FF2B5EF4-FFF2-40B4-BE49-F238E27FC236}">
-                    <a16:creationId xmlns:a16="http://schemas.microsoft.com/office/drawing/2014/main" id="{83619B54-0BCB-C77B-A5A2-71B3EECD9E5E}"/>
-                  </a:ext>
-                </a:extLst>
-              </p:cNvPr>
-              <p:cNvGrpSpPr/>
-              <p:nvPr/>
-            </p:nvGrpSpPr>
-            <p:grpSpPr>
-              <a:xfrm>
-                <a:off x="4273124" y="3027284"/>
-                <a:ext cx="301842" cy="483835"/>
-                <a:chOff x="3062796" y="3027284"/>
-                <a:chExt cx="301842" cy="483835"/>
-              </a:xfrm>
-            </p:grpSpPr>
-            <p:cxnSp>
-              <p:nvCxnSpPr>
-                <p:cNvPr id="63" name="Straight Connector 62">
-                  <a:extLst>
-                    <a:ext uri="{FF2B5EF4-FFF2-40B4-BE49-F238E27FC236}">
-                      <a16:creationId xmlns:a16="http://schemas.microsoft.com/office/drawing/2014/main" id="{21037A3A-C159-F286-07D2-BC8B1B4ECE41}"/>
-                    </a:ext>
-                  </a:extLst>
-                </p:cNvPr>
-                <p:cNvCxnSpPr>
-                  <a:cxnSpLocks/>
-                </p:cNvCxnSpPr>
-                <p:nvPr/>
-              </p:nvCxnSpPr>
-              <p:spPr>
-                <a:xfrm flipH="1" flipV="1">
-                  <a:off x="3062796" y="3027285"/>
-                  <a:ext cx="150921" cy="483834"/>
-                </a:xfrm>
-                <a:prstGeom prst="line">
-                  <a:avLst/>
-                </a:prstGeom>
-                <a:ln w="57150">
-                  <a:solidFill>
-                    <a:srgbClr val="0070C0"/>
-                  </a:solidFill>
-                </a:ln>
-              </p:spPr>
-              <p:style>
-                <a:lnRef idx="1">
-                  <a:schemeClr val="accent1"/>
-                </a:lnRef>
-                <a:fillRef idx="0">
-                  <a:schemeClr val="accent1"/>
-                </a:fillRef>
-                <a:effectRef idx="0">
-                  <a:schemeClr val="accent1"/>
-                </a:effectRef>
-                <a:fontRef idx="minor">
-                  <a:schemeClr val="tx1"/>
-                </a:fontRef>
-              </p:style>
-            </p:cxnSp>
-            <p:cxnSp>
-              <p:nvCxnSpPr>
-                <p:cNvPr id="64" name="Straight Connector 63">
-                  <a:extLst>
-                    <a:ext uri="{FF2B5EF4-FFF2-40B4-BE49-F238E27FC236}">
-                      <a16:creationId xmlns:a16="http://schemas.microsoft.com/office/drawing/2014/main" id="{05079FEC-8CA3-40AC-1B67-03C1A69F7CDA}"/>
-                    </a:ext>
-                  </a:extLst>
-                </p:cNvPr>
-                <p:cNvCxnSpPr>
-                  <a:cxnSpLocks/>
-                </p:cNvCxnSpPr>
-                <p:nvPr/>
-              </p:nvCxnSpPr>
-              <p:spPr>
-                <a:xfrm flipV="1">
-                  <a:off x="3213717" y="3027284"/>
-                  <a:ext cx="150921" cy="483834"/>
-                </a:xfrm>
-                <a:prstGeom prst="line">
-                  <a:avLst/>
-                </a:prstGeom>
-                <a:ln w="57150">
-                  <a:solidFill>
-                    <a:srgbClr val="0070C0"/>
-                  </a:solidFill>
-                </a:ln>
-              </p:spPr>
-              <p:style>
-                <a:lnRef idx="1">
-                  <a:schemeClr val="accent1"/>
-                </a:lnRef>
-                <a:fillRef idx="0">
-                  <a:schemeClr val="accent1"/>
-                </a:fillRef>
-                <a:effectRef idx="0">
-                  <a:schemeClr val="accent1"/>
-                </a:effectRef>
-                <a:fontRef idx="minor">
-                  <a:schemeClr val="tx1"/>
-                </a:fontRef>
-              </p:style>
-            </p:cxnSp>
-          </p:grpSp>
-          <p:cxnSp>
-            <p:nvCxnSpPr>
-              <p:cNvPr id="61" name="Straight Connector 60">
-                <a:extLst>
-                  <a:ext uri="{FF2B5EF4-FFF2-40B4-BE49-F238E27FC236}">
-                    <a16:creationId xmlns:a16="http://schemas.microsoft.com/office/drawing/2014/main" id="{652819E4-581F-C0C2-F481-29E5402EB1AB}"/>
+                    <a16:creationId xmlns:a16="http://schemas.microsoft.com/office/drawing/2014/main" id="{21037A3A-C159-F286-07D2-BC8B1B4ECE41}"/>
                   </a:ext>
                 </a:extLst>
               </p:cNvPr>
@@ -5190,9 +4773,9 @@
               <p:nvPr/>
             </p:nvCxnSpPr>
             <p:spPr>
-              <a:xfrm flipH="1" flipV="1">
-                <a:off x="4574966" y="3038382"/>
-                <a:ext cx="124287" cy="319597"/>
+              <a:xfrm rot="5400000" flipH="1">
+                <a:off x="4136867" y="3163543"/>
+                <a:ext cx="394475" cy="121959"/>
               </a:xfrm>
               <a:prstGeom prst="line">
                 <a:avLst/>
@@ -5235,8 +4818,8 @@
           </p:nvCxnSpPr>
           <p:spPr>
             <a:xfrm>
-              <a:off x="3945567" y="2375555"/>
-              <a:ext cx="0" cy="344935"/>
+              <a:off x="6434769" y="1241982"/>
+              <a:ext cx="11763" cy="740045"/>
             </a:xfrm>
             <a:prstGeom prst="line">
               <a:avLst/>
@@ -5278,8 +4861,8 @@
           </p:nvCxnSpPr>
           <p:spPr>
             <a:xfrm>
-              <a:off x="3945567" y="3779608"/>
-              <a:ext cx="0" cy="344935"/>
+              <a:off x="6434769" y="3188904"/>
+              <a:ext cx="0" cy="478302"/>
             </a:xfrm>
             <a:prstGeom prst="line">
               <a:avLst/>
@@ -5321,9 +4904,9 @@
           <p:nvPr/>
         </p:nvCxnSpPr>
         <p:spPr>
-          <a:xfrm>
-            <a:off x="6434638" y="3828583"/>
-            <a:ext cx="0" cy="771343"/>
+          <a:xfrm flipH="1">
+            <a:off x="6433438" y="3435874"/>
+            <a:ext cx="7210" cy="1301496"/>
           </a:xfrm>
           <a:prstGeom prst="line">
             <a:avLst/>
@@ -5366,7 +4949,7 @@
         <p:spPr>
           <a:xfrm>
             <a:off x="6437004" y="846110"/>
-            <a:ext cx="0" cy="1001313"/>
+            <a:ext cx="9528" cy="635023"/>
           </a:xfrm>
           <a:prstGeom prst="line">
             <a:avLst/>
@@ -5409,7 +4992,7 @@
         <p:spPr>
           <a:xfrm>
             <a:off x="9323658" y="855022"/>
-            <a:ext cx="5642" cy="3437809"/>
+            <a:ext cx="0" cy="3296904"/>
           </a:xfrm>
           <a:prstGeom prst="line">
             <a:avLst/>
@@ -5452,7 +5035,7 @@
         <p:spPr>
           <a:xfrm>
             <a:off x="10988896" y="870162"/>
-            <a:ext cx="5642" cy="3437809"/>
+            <a:ext cx="0" cy="3269378"/>
           </a:xfrm>
           <a:prstGeom prst="line">
             <a:avLst/>
@@ -5492,7 +5075,7 @@
         </p:nvGrpSpPr>
         <p:grpSpPr>
           <a:xfrm>
-            <a:off x="10499572" y="2374235"/>
+            <a:off x="10499572" y="1982027"/>
             <a:ext cx="1027432" cy="754934"/>
             <a:chOff x="10186283" y="2962557"/>
             <a:chExt cx="1027432" cy="754934"/>
@@ -5665,8 +5248,8 @@
         </p:nvGrpSpPr>
         <p:grpSpPr>
           <a:xfrm>
-            <a:off x="8811563" y="1877120"/>
-            <a:ext cx="977326" cy="1438657"/>
+            <a:off x="8923221" y="1707399"/>
+            <a:ext cx="852332" cy="1246162"/>
             <a:chOff x="8831819" y="1851466"/>
             <a:chExt cx="977326" cy="1438657"/>
           </a:xfrm>
@@ -6105,123 +5688,459 @@
           </a:fontRef>
         </p:style>
       </p:cxnSp>
-      <p:sp>
-        <p:nvSpPr>
-          <p:cNvPr id="189" name="TextBox 188">
+      <p:grpSp>
+        <p:nvGrpSpPr>
+          <p:cNvPr id="35" name="Group 34">
             <a:extLst>
               <a:ext uri="{FF2B5EF4-FFF2-40B4-BE49-F238E27FC236}">
-                <a16:creationId xmlns:a16="http://schemas.microsoft.com/office/drawing/2014/main" id="{F3AD4FB9-2016-8B6D-9A5C-D5733CAE411C}"/>
+                <a16:creationId xmlns:a16="http://schemas.microsoft.com/office/drawing/2014/main" id="{6DEF4379-3AE3-D0DD-CADF-3C48870CEA4E}"/>
               </a:ext>
             </a:extLst>
           </p:cNvPr>
-          <p:cNvSpPr txBox="1"/>
+          <p:cNvGrpSpPr/>
           <p:nvPr/>
-        </p:nvSpPr>
-        <p:spPr>
+        </p:nvGrpSpPr>
+        <p:grpSpPr>
           <a:xfrm>
-            <a:off x="6370958" y="4757004"/>
-            <a:ext cx="338766" cy="276999"/>
+            <a:off x="5702280" y="4663688"/>
+            <a:ext cx="1006244" cy="1264166"/>
+            <a:chOff x="5703480" y="4456073"/>
+            <a:chExt cx="1006244" cy="1264166"/>
           </a:xfrm>
-          <a:prstGeom prst="rect">
-            <a:avLst/>
-          </a:prstGeom>
-          <a:noFill/>
-        </p:spPr>
-        <p:txBody>
-          <a:bodyPr wrap="square" rtlCol="0">
-            <a:spAutoFit/>
-          </a:bodyPr>
-          <a:lstStyle/>
-          <a:p>
-            <a:r>
-              <a:rPr lang="en-IN" sz="1200" b="1" dirty="0">
+        </p:grpSpPr>
+        <p:grpSp>
+          <p:nvGrpSpPr>
+            <p:cNvPr id="181" name="Group 180">
+              <a:extLst>
+                <a:ext uri="{FF2B5EF4-FFF2-40B4-BE49-F238E27FC236}">
+                  <a16:creationId xmlns:a16="http://schemas.microsoft.com/office/drawing/2014/main" id="{BC3E802A-DF3B-0FF4-1B3C-12284AC0D8E2}"/>
+                </a:ext>
+              </a:extLst>
+            </p:cNvPr>
+            <p:cNvGrpSpPr/>
+            <p:nvPr/>
+          </p:nvGrpSpPr>
+          <p:grpSpPr>
+            <a:xfrm>
+              <a:off x="5703480" y="4456073"/>
+              <a:ext cx="996881" cy="1264166"/>
+              <a:chOff x="3484200" y="3679520"/>
+              <a:chExt cx="996881" cy="1264166"/>
+            </a:xfrm>
+          </p:grpSpPr>
+          <p:sp>
+            <p:nvSpPr>
+              <p:cNvPr id="168" name="Oval 167">
+                <a:extLst>
+                  <a:ext uri="{FF2B5EF4-FFF2-40B4-BE49-F238E27FC236}">
+                    <a16:creationId xmlns:a16="http://schemas.microsoft.com/office/drawing/2014/main" id="{55703FF1-6B06-A191-C93E-CBE4423AB709}"/>
+                  </a:ext>
+                </a:extLst>
+              </p:cNvPr>
+              <p:cNvSpPr/>
+              <p:nvPr/>
+            </p:nvSpPr>
+            <p:spPr>
+              <a:xfrm>
+                <a:off x="3722279" y="3951911"/>
+                <a:ext cx="758802" cy="712118"/>
+              </a:xfrm>
+              <a:prstGeom prst="ellipse">
+                <a:avLst/>
+              </a:prstGeom>
+              <a:solidFill>
+                <a:schemeClr val="bg1">
+                  <a:lumMod val="95000"/>
+                </a:schemeClr>
+              </a:solidFill>
+              <a:ln w="38100"/>
+            </p:spPr>
+            <p:style>
+              <a:lnRef idx="2">
+                <a:schemeClr val="accent1">
+                  <a:shade val="50000"/>
+                </a:schemeClr>
+              </a:lnRef>
+              <a:fillRef idx="1">
+                <a:schemeClr val="accent1"/>
+              </a:fillRef>
+              <a:effectRef idx="0">
+                <a:schemeClr val="accent1"/>
+              </a:effectRef>
+              <a:fontRef idx="minor">
+                <a:schemeClr val="lt1"/>
+              </a:fontRef>
+            </p:style>
+            <p:txBody>
+              <a:bodyPr rtlCol="0" anchor="ctr"/>
+              <a:lstStyle/>
+              <a:p>
+                <a:pPr algn="ctr"/>
+                <a:endParaRPr lang="en-IN" dirty="0"/>
+              </a:p>
+            </p:txBody>
+          </p:sp>
+          <p:cxnSp>
+            <p:nvCxnSpPr>
+              <p:cNvPr id="147" name="Straight Connector 146">
+                <a:extLst>
+                  <a:ext uri="{FF2B5EF4-FFF2-40B4-BE49-F238E27FC236}">
+                    <a16:creationId xmlns:a16="http://schemas.microsoft.com/office/drawing/2014/main" id="{DF37070B-3B02-5E79-7E6C-197B2C54342F}"/>
+                  </a:ext>
+                </a:extLst>
+              </p:cNvPr>
+              <p:cNvCxnSpPr>
+                <a:cxnSpLocks/>
+              </p:cNvCxnSpPr>
+              <p:nvPr/>
+            </p:nvCxnSpPr>
+            <p:spPr>
+              <a:xfrm flipV="1">
+                <a:off x="3973687" y="4104684"/>
+                <a:ext cx="0" cy="406573"/>
+              </a:xfrm>
+              <a:prstGeom prst="line">
+                <a:avLst/>
+              </a:prstGeom>
+              <a:ln w="38100"/>
+            </p:spPr>
+            <p:style>
+              <a:lnRef idx="1">
+                <a:schemeClr val="accent1"/>
+              </a:lnRef>
+              <a:fillRef idx="0">
+                <a:schemeClr val="accent1"/>
+              </a:fillRef>
+              <a:effectRef idx="0">
+                <a:schemeClr val="accent1"/>
+              </a:effectRef>
+              <a:fontRef idx="minor">
+                <a:schemeClr val="tx1"/>
+              </a:fontRef>
+            </p:style>
+          </p:cxnSp>
+          <p:cxnSp>
+            <p:nvCxnSpPr>
+              <p:cNvPr id="163" name="Straight Connector 162">
+                <a:extLst>
+                  <a:ext uri="{FF2B5EF4-FFF2-40B4-BE49-F238E27FC236}">
+                    <a16:creationId xmlns:a16="http://schemas.microsoft.com/office/drawing/2014/main" id="{174809AA-606B-9A0E-B6F9-BB5F8E96CE7F}"/>
+                  </a:ext>
+                </a:extLst>
+              </p:cNvPr>
+              <p:cNvCxnSpPr>
+                <a:cxnSpLocks/>
+              </p:cNvCxnSpPr>
+              <p:nvPr/>
+            </p:nvCxnSpPr>
+            <p:spPr>
+              <a:xfrm flipV="1">
+                <a:off x="3973687" y="4050424"/>
+                <a:ext cx="254882" cy="184102"/>
+              </a:xfrm>
+              <a:prstGeom prst="line">
+                <a:avLst/>
+              </a:prstGeom>
+              <a:ln w="38100"/>
+            </p:spPr>
+            <p:style>
+              <a:lnRef idx="1">
+                <a:schemeClr val="accent1"/>
+              </a:lnRef>
+              <a:fillRef idx="0">
+                <a:schemeClr val="accent1"/>
+              </a:fillRef>
+              <a:effectRef idx="0">
+                <a:schemeClr val="accent1"/>
+              </a:effectRef>
+              <a:fontRef idx="minor">
+                <a:schemeClr val="tx1"/>
+              </a:fontRef>
+            </p:style>
+          </p:cxnSp>
+          <p:cxnSp>
+            <p:nvCxnSpPr>
+              <p:cNvPr id="166" name="Straight Connector 165">
+                <a:extLst>
+                  <a:ext uri="{FF2B5EF4-FFF2-40B4-BE49-F238E27FC236}">
+                    <a16:creationId xmlns:a16="http://schemas.microsoft.com/office/drawing/2014/main" id="{89CC6C3E-24EE-BEF5-5B99-B896E4219C01}"/>
+                  </a:ext>
+                </a:extLst>
+              </p:cNvPr>
+              <p:cNvCxnSpPr>
+                <a:cxnSpLocks/>
+              </p:cNvCxnSpPr>
+              <p:nvPr/>
+            </p:nvCxnSpPr>
+            <p:spPr>
+              <a:xfrm>
+                <a:off x="3973687" y="4381415"/>
+                <a:ext cx="254882" cy="184102"/>
+              </a:xfrm>
+              <a:prstGeom prst="line">
+                <a:avLst/>
+              </a:prstGeom>
+              <a:ln w="38100" cap="flat" cmpd="sng" algn="ctr">
                 <a:solidFill>
-                  <a:srgbClr val="FF0000"/>
+                  <a:schemeClr val="accent1"/>
                 </a:solidFill>
-              </a:rPr>
-              <a:t>C</a:t>
-            </a:r>
-          </a:p>
-        </p:txBody>
-      </p:sp>
-      <p:sp>
-        <p:nvSpPr>
-          <p:cNvPr id="190" name="TextBox 189">
-            <a:extLst>
-              <a:ext uri="{FF2B5EF4-FFF2-40B4-BE49-F238E27FC236}">
-                <a16:creationId xmlns:a16="http://schemas.microsoft.com/office/drawing/2014/main" id="{D8ACE40F-FFCC-B838-999E-A19F06E4CF34}"/>
-              </a:ext>
-            </a:extLst>
-          </p:cNvPr>
-          <p:cNvSpPr txBox="1"/>
-          <p:nvPr/>
-        </p:nvSpPr>
-        <p:spPr>
-          <a:xfrm>
-            <a:off x="6361596" y="5142516"/>
-            <a:ext cx="338766" cy="276999"/>
-          </a:xfrm>
-          <a:prstGeom prst="rect">
-            <a:avLst/>
-          </a:prstGeom>
-          <a:noFill/>
-        </p:spPr>
-        <p:txBody>
-          <a:bodyPr wrap="square" rtlCol="0">
-            <a:spAutoFit/>
-          </a:bodyPr>
-          <a:lstStyle/>
-          <a:p>
-            <a:r>
-              <a:rPr lang="en-IN" sz="1200" b="1" dirty="0">
-                <a:solidFill>
-                  <a:srgbClr val="FF0000"/>
-                </a:solidFill>
-              </a:rPr>
-              <a:t>E</a:t>
-            </a:r>
-          </a:p>
-        </p:txBody>
-      </p:sp>
-      <p:sp>
-        <p:nvSpPr>
-          <p:cNvPr id="191" name="TextBox 190">
-            <a:extLst>
-              <a:ext uri="{FF2B5EF4-FFF2-40B4-BE49-F238E27FC236}">
-                <a16:creationId xmlns:a16="http://schemas.microsoft.com/office/drawing/2014/main" id="{B834E399-1029-3F6B-6884-246F3B18ECDB}"/>
-              </a:ext>
-            </a:extLst>
-          </p:cNvPr>
-          <p:cNvSpPr txBox="1"/>
-          <p:nvPr/>
-        </p:nvSpPr>
-        <p:spPr>
-          <a:xfrm>
-            <a:off x="5959709" y="4856113"/>
-            <a:ext cx="338766" cy="276999"/>
-          </a:xfrm>
-          <a:prstGeom prst="rect">
-            <a:avLst/>
-          </a:prstGeom>
-          <a:noFill/>
-        </p:spPr>
-        <p:txBody>
-          <a:bodyPr wrap="square" rtlCol="0">
-            <a:spAutoFit/>
-          </a:bodyPr>
-          <a:lstStyle/>
-          <a:p>
-            <a:r>
-              <a:rPr lang="en-IN" sz="1200" b="1" dirty="0">
-                <a:solidFill>
-                  <a:srgbClr val="FF0000"/>
-                </a:solidFill>
-              </a:rPr>
-              <a:t>B</a:t>
-            </a:r>
-          </a:p>
-        </p:txBody>
-      </p:sp>
+                <a:prstDash val="solid"/>
+                <a:round/>
+                <a:headEnd type="none" w="med" len="med"/>
+                <a:tailEnd type="arrow" w="med" len="med"/>
+              </a:ln>
+            </p:spPr>
+            <p:style>
+              <a:lnRef idx="0">
+                <a:scrgbClr r="0" g="0" b="0"/>
+              </a:lnRef>
+              <a:fillRef idx="0">
+                <a:scrgbClr r="0" g="0" b="0"/>
+              </a:fillRef>
+              <a:effectRef idx="0">
+                <a:scrgbClr r="0" g="0" b="0"/>
+              </a:effectRef>
+              <a:fontRef idx="minor">
+                <a:schemeClr val="tx1"/>
+              </a:fontRef>
+            </p:style>
+          </p:cxnSp>
+          <p:cxnSp>
+            <p:nvCxnSpPr>
+              <p:cNvPr id="172" name="Straight Connector 171">
+                <a:extLst>
+                  <a:ext uri="{FF2B5EF4-FFF2-40B4-BE49-F238E27FC236}">
+                    <a16:creationId xmlns:a16="http://schemas.microsoft.com/office/drawing/2014/main" id="{A543AFDD-C9B9-2671-31B1-80E88A0E1612}"/>
+                  </a:ext>
+                </a:extLst>
+              </p:cNvPr>
+              <p:cNvCxnSpPr>
+                <a:cxnSpLocks/>
+              </p:cNvCxnSpPr>
+              <p:nvPr/>
+            </p:nvCxnSpPr>
+            <p:spPr>
+              <a:xfrm rot="5400000" flipV="1">
+                <a:off x="3722279" y="4069892"/>
+                <a:ext cx="0" cy="476157"/>
+              </a:xfrm>
+              <a:prstGeom prst="line">
+                <a:avLst/>
+              </a:prstGeom>
+              <a:ln w="38100"/>
+            </p:spPr>
+            <p:style>
+              <a:lnRef idx="1">
+                <a:schemeClr val="accent1"/>
+              </a:lnRef>
+              <a:fillRef idx="0">
+                <a:schemeClr val="accent1"/>
+              </a:fillRef>
+              <a:effectRef idx="0">
+                <a:schemeClr val="accent1"/>
+              </a:effectRef>
+              <a:fontRef idx="minor">
+                <a:schemeClr val="tx1"/>
+              </a:fontRef>
+            </p:style>
+          </p:cxnSp>
+          <p:cxnSp>
+            <p:nvCxnSpPr>
+              <p:cNvPr id="176" name="Straight Connector 175">
+                <a:extLst>
+                  <a:ext uri="{FF2B5EF4-FFF2-40B4-BE49-F238E27FC236}">
+                    <a16:creationId xmlns:a16="http://schemas.microsoft.com/office/drawing/2014/main" id="{0D3DAE2C-A74F-E6F9-44BD-A763FF5538DE}"/>
+                  </a:ext>
+                </a:extLst>
+              </p:cNvPr>
+              <p:cNvCxnSpPr>
+                <a:cxnSpLocks/>
+              </p:cNvCxnSpPr>
+              <p:nvPr/>
+            </p:nvCxnSpPr>
+            <p:spPr>
+              <a:xfrm flipV="1">
+                <a:off x="4215358" y="3679520"/>
+                <a:ext cx="0" cy="395131"/>
+              </a:xfrm>
+              <a:prstGeom prst="line">
+                <a:avLst/>
+              </a:prstGeom>
+              <a:ln w="38100"/>
+            </p:spPr>
+            <p:style>
+              <a:lnRef idx="1">
+                <a:schemeClr val="accent1"/>
+              </a:lnRef>
+              <a:fillRef idx="0">
+                <a:schemeClr val="accent1"/>
+              </a:fillRef>
+              <a:effectRef idx="0">
+                <a:schemeClr val="accent1"/>
+              </a:effectRef>
+              <a:fontRef idx="minor">
+                <a:schemeClr val="tx1"/>
+              </a:fontRef>
+            </p:style>
+          </p:cxnSp>
+          <p:cxnSp>
+            <p:nvCxnSpPr>
+              <p:cNvPr id="180" name="Straight Connector 179">
+                <a:extLst>
+                  <a:ext uri="{FF2B5EF4-FFF2-40B4-BE49-F238E27FC236}">
+                    <a16:creationId xmlns:a16="http://schemas.microsoft.com/office/drawing/2014/main" id="{90FBFE68-2202-7CC8-38C0-E04F8346695C}"/>
+                  </a:ext>
+                </a:extLst>
+              </p:cNvPr>
+              <p:cNvCxnSpPr>
+                <a:cxnSpLocks/>
+              </p:cNvCxnSpPr>
+              <p:nvPr/>
+            </p:nvCxnSpPr>
+            <p:spPr>
+              <a:xfrm flipV="1">
+                <a:off x="4205096" y="4548555"/>
+                <a:ext cx="0" cy="395131"/>
+              </a:xfrm>
+              <a:prstGeom prst="line">
+                <a:avLst/>
+              </a:prstGeom>
+              <a:ln w="38100"/>
+            </p:spPr>
+            <p:style>
+              <a:lnRef idx="1">
+                <a:schemeClr val="accent1"/>
+              </a:lnRef>
+              <a:fillRef idx="0">
+                <a:schemeClr val="accent1"/>
+              </a:fillRef>
+              <a:effectRef idx="0">
+                <a:schemeClr val="accent1"/>
+              </a:effectRef>
+              <a:fontRef idx="minor">
+                <a:schemeClr val="tx1"/>
+              </a:fontRef>
+            </p:style>
+          </p:cxnSp>
+        </p:grpSp>
+        <p:sp>
+          <p:nvSpPr>
+            <p:cNvPr id="189" name="TextBox 188">
+              <a:extLst>
+                <a:ext uri="{FF2B5EF4-FFF2-40B4-BE49-F238E27FC236}">
+                  <a16:creationId xmlns:a16="http://schemas.microsoft.com/office/drawing/2014/main" id="{F3AD4FB9-2016-8B6D-9A5C-D5733CAE411C}"/>
+                </a:ext>
+              </a:extLst>
+            </p:cNvPr>
+            <p:cNvSpPr txBox="1"/>
+            <p:nvPr/>
+          </p:nvSpPr>
+          <p:spPr>
+            <a:xfrm>
+              <a:off x="6370958" y="4757004"/>
+              <a:ext cx="338766" cy="276999"/>
+            </a:xfrm>
+            <a:prstGeom prst="rect">
+              <a:avLst/>
+            </a:prstGeom>
+            <a:noFill/>
+          </p:spPr>
+          <p:txBody>
+            <a:bodyPr wrap="square" rtlCol="0">
+              <a:spAutoFit/>
+            </a:bodyPr>
+            <a:lstStyle/>
+            <a:p>
+              <a:r>
+                <a:rPr lang="en-IN" sz="1200" b="1" dirty="0">
+                  <a:solidFill>
+                    <a:srgbClr val="FF0000"/>
+                  </a:solidFill>
+                </a:rPr>
+                <a:t>C</a:t>
+              </a:r>
+            </a:p>
+          </p:txBody>
+        </p:sp>
+        <p:sp>
+          <p:nvSpPr>
+            <p:cNvPr id="190" name="TextBox 189">
+              <a:extLst>
+                <a:ext uri="{FF2B5EF4-FFF2-40B4-BE49-F238E27FC236}">
+                  <a16:creationId xmlns:a16="http://schemas.microsoft.com/office/drawing/2014/main" id="{D8ACE40F-FFCC-B838-999E-A19F06E4CF34}"/>
+                </a:ext>
+              </a:extLst>
+            </p:cNvPr>
+            <p:cNvSpPr txBox="1"/>
+            <p:nvPr/>
+          </p:nvSpPr>
+          <p:spPr>
+            <a:xfrm>
+              <a:off x="6361596" y="5142516"/>
+              <a:ext cx="338766" cy="276999"/>
+            </a:xfrm>
+            <a:prstGeom prst="rect">
+              <a:avLst/>
+            </a:prstGeom>
+            <a:noFill/>
+          </p:spPr>
+          <p:txBody>
+            <a:bodyPr wrap="square" rtlCol="0">
+              <a:spAutoFit/>
+            </a:bodyPr>
+            <a:lstStyle/>
+            <a:p>
+              <a:r>
+                <a:rPr lang="en-IN" sz="1200" b="1" dirty="0">
+                  <a:solidFill>
+                    <a:srgbClr val="FF0000"/>
+                  </a:solidFill>
+                </a:rPr>
+                <a:t>E</a:t>
+              </a:r>
+            </a:p>
+          </p:txBody>
+        </p:sp>
+        <p:sp>
+          <p:nvSpPr>
+            <p:cNvPr id="191" name="TextBox 190">
+              <a:extLst>
+                <a:ext uri="{FF2B5EF4-FFF2-40B4-BE49-F238E27FC236}">
+                  <a16:creationId xmlns:a16="http://schemas.microsoft.com/office/drawing/2014/main" id="{B834E399-1029-3F6B-6884-246F3B18ECDB}"/>
+                </a:ext>
+              </a:extLst>
+            </p:cNvPr>
+            <p:cNvSpPr txBox="1"/>
+            <p:nvPr/>
+          </p:nvSpPr>
+          <p:spPr>
+            <a:xfrm>
+              <a:off x="5959709" y="4856113"/>
+              <a:ext cx="338766" cy="276999"/>
+            </a:xfrm>
+            <a:prstGeom prst="rect">
+              <a:avLst/>
+            </a:prstGeom>
+            <a:noFill/>
+          </p:spPr>
+          <p:txBody>
+            <a:bodyPr wrap="square" rtlCol="0">
+              <a:spAutoFit/>
+            </a:bodyPr>
+            <a:lstStyle/>
+            <a:p>
+              <a:r>
+                <a:rPr lang="en-IN" sz="1200" b="1" dirty="0">
+                  <a:solidFill>
+                    <a:srgbClr val="FF0000"/>
+                  </a:solidFill>
+                </a:rPr>
+                <a:t>B</a:t>
+              </a:r>
+            </a:p>
+          </p:txBody>
+        </p:sp>
+      </p:grpSp>
       <p:grpSp>
         <p:nvGrpSpPr>
           <p:cNvPr id="212" name="Group 211">
@@ -6236,7 +6155,7 @@
         </p:nvGrpSpPr>
         <p:grpSpPr>
           <a:xfrm>
-            <a:off x="1886112" y="4368136"/>
+            <a:off x="1874513" y="4564906"/>
             <a:ext cx="1462128" cy="912879"/>
             <a:chOff x="2075096" y="4345164"/>
             <a:chExt cx="1462128" cy="912879"/>
@@ -6630,7 +6549,7 @@
         </p:nvCxnSpPr>
         <p:spPr>
           <a:xfrm flipV="1">
-            <a:off x="3036962" y="5062532"/>
+            <a:off x="2949583" y="5290168"/>
             <a:ext cx="701135" cy="3939"/>
           </a:xfrm>
           <a:prstGeom prst="line">
@@ -6673,7 +6592,7 @@
         </p:nvCxnSpPr>
         <p:spPr>
           <a:xfrm>
-            <a:off x="4864139" y="5084504"/>
+            <a:off x="4882333" y="5292138"/>
             <a:ext cx="839341" cy="0"/>
           </a:xfrm>
           <a:prstGeom prst="line">
@@ -6715,9 +6634,9 @@
           <p:nvPr/>
         </p:nvCxnSpPr>
         <p:spPr>
-          <a:xfrm>
-            <a:off x="2265904" y="5095655"/>
-            <a:ext cx="0" cy="1200642"/>
+          <a:xfrm flipH="1">
+            <a:off x="2234391" y="5253545"/>
+            <a:ext cx="19835" cy="1051382"/>
           </a:xfrm>
           <a:prstGeom prst="line">
             <a:avLst/>
@@ -6758,9 +6677,9 @@
           <p:nvPr/>
         </p:nvCxnSpPr>
         <p:spPr>
-          <a:xfrm>
-            <a:off x="5056575" y="5081446"/>
-            <a:ext cx="0" cy="1233955"/>
+          <a:xfrm flipH="1">
+            <a:off x="5056575" y="5281015"/>
+            <a:ext cx="20139" cy="1034386"/>
           </a:xfrm>
           <a:prstGeom prst="line">
             <a:avLst/>
@@ -6800,7 +6719,7 @@
         </p:nvGrpSpPr>
         <p:grpSpPr>
           <a:xfrm>
-            <a:off x="4926800" y="5588492"/>
+            <a:off x="4946939" y="5677839"/>
             <a:ext cx="275563" cy="276991"/>
             <a:chOff x="3610045" y="3464345"/>
             <a:chExt cx="693435" cy="575227"/>
@@ -6951,7 +6870,7 @@
         </p:nvSpPr>
         <p:spPr>
           <a:xfrm>
-            <a:off x="4020884" y="4415260"/>
+            <a:off x="3966977" y="4665260"/>
             <a:ext cx="534547" cy="369332"/>
           </a:xfrm>
           <a:prstGeom prst="rect">
@@ -7007,7 +6926,7 @@
         </p:nvGrpSpPr>
         <p:grpSpPr>
           <a:xfrm rot="5400000">
-            <a:off x="3986468" y="4324845"/>
+            <a:off x="4051367" y="4532547"/>
             <a:ext cx="380181" cy="1411549"/>
             <a:chOff x="3744739" y="2571721"/>
             <a:chExt cx="311004" cy="1552822"/>
@@ -7673,7 +7592,7 @@
         </p:nvSpPr>
         <p:spPr>
           <a:xfrm>
-            <a:off x="7494679" y="3096245"/>
+            <a:off x="7471466" y="2723408"/>
             <a:ext cx="338766" cy="307777"/>
           </a:xfrm>
           <a:prstGeom prst="rect">
@@ -7699,169 +7618,6 @@
           </a:p>
         </p:txBody>
       </p:sp>
-      <p:grpSp>
-        <p:nvGrpSpPr>
-          <p:cNvPr id="262" name="Group 261">
-            <a:extLst>
-              <a:ext uri="{FF2B5EF4-FFF2-40B4-BE49-F238E27FC236}">
-                <a16:creationId xmlns:a16="http://schemas.microsoft.com/office/drawing/2014/main" id="{DA812F8A-C28A-2CF8-DBE5-2268426D7B08}"/>
-              </a:ext>
-            </a:extLst>
-          </p:cNvPr>
-          <p:cNvGrpSpPr/>
-          <p:nvPr/>
-        </p:nvGrpSpPr>
-        <p:grpSpPr>
-          <a:xfrm>
-            <a:off x="5377984" y="4982555"/>
-            <a:ext cx="136335" cy="186853"/>
-            <a:chOff x="4725296" y="1892231"/>
-            <a:chExt cx="136335" cy="186853"/>
-          </a:xfrm>
-        </p:grpSpPr>
-        <p:cxnSp>
-          <p:nvCxnSpPr>
-            <p:cNvPr id="259" name="Straight Connector 258">
-              <a:extLst>
-                <a:ext uri="{FF2B5EF4-FFF2-40B4-BE49-F238E27FC236}">
-                  <a16:creationId xmlns:a16="http://schemas.microsoft.com/office/drawing/2014/main" id="{31A3CDA6-E6D1-F2B0-6A3D-3A4C14F8A76F}"/>
-                </a:ext>
-              </a:extLst>
-            </p:cNvPr>
-            <p:cNvCxnSpPr>
-              <a:cxnSpLocks/>
-            </p:cNvCxnSpPr>
-            <p:nvPr/>
-          </p:nvCxnSpPr>
-          <p:spPr>
-            <a:xfrm>
-              <a:off x="4725556" y="1892231"/>
-              <a:ext cx="136075" cy="99029"/>
-            </a:xfrm>
-            <a:prstGeom prst="line">
-              <a:avLst/>
-            </a:prstGeom>
-            <a:ln w="38100">
-              <a:solidFill>
-                <a:srgbClr val="FF0000"/>
-              </a:solidFill>
-            </a:ln>
-          </p:spPr>
-          <p:style>
-            <a:lnRef idx="1">
-              <a:schemeClr val="accent1"/>
-            </a:lnRef>
-            <a:fillRef idx="0">
-              <a:schemeClr val="accent1"/>
-            </a:fillRef>
-            <a:effectRef idx="0">
-              <a:schemeClr val="accent1"/>
-            </a:effectRef>
-            <a:fontRef idx="minor">
-              <a:schemeClr val="tx1"/>
-            </a:fontRef>
-          </p:style>
-        </p:cxnSp>
-        <p:cxnSp>
-          <p:nvCxnSpPr>
-            <p:cNvPr id="261" name="Straight Connector 260">
-              <a:extLst>
-                <a:ext uri="{FF2B5EF4-FFF2-40B4-BE49-F238E27FC236}">
-                  <a16:creationId xmlns:a16="http://schemas.microsoft.com/office/drawing/2014/main" id="{9E7CDB19-1F07-8E10-8824-41B39B53EAAF}"/>
-                </a:ext>
-              </a:extLst>
-            </p:cNvPr>
-            <p:cNvCxnSpPr>
-              <a:cxnSpLocks/>
-            </p:cNvCxnSpPr>
-            <p:nvPr/>
-          </p:nvCxnSpPr>
-          <p:spPr>
-            <a:xfrm flipV="1">
-              <a:off x="4725296" y="1980055"/>
-              <a:ext cx="136075" cy="99029"/>
-            </a:xfrm>
-            <a:prstGeom prst="line">
-              <a:avLst/>
-            </a:prstGeom>
-            <a:ln w="38100">
-              <a:solidFill>
-                <a:srgbClr val="FF0000"/>
-              </a:solidFill>
-            </a:ln>
-          </p:spPr>
-          <p:style>
-            <a:lnRef idx="1">
-              <a:schemeClr val="accent1"/>
-            </a:lnRef>
-            <a:fillRef idx="0">
-              <a:schemeClr val="accent1"/>
-            </a:fillRef>
-            <a:effectRef idx="0">
-              <a:schemeClr val="accent1"/>
-            </a:effectRef>
-            <a:fontRef idx="minor">
-              <a:schemeClr val="tx1"/>
-            </a:fontRef>
-          </p:style>
-        </p:cxnSp>
-      </p:grpSp>
-      <p:sp>
-        <p:nvSpPr>
-          <p:cNvPr id="263" name="TextBox 262">
-            <a:extLst>
-              <a:ext uri="{FF2B5EF4-FFF2-40B4-BE49-F238E27FC236}">
-                <a16:creationId xmlns:a16="http://schemas.microsoft.com/office/drawing/2014/main" id="{95A1BAF0-D76D-D3AB-9662-36C1E918A058}"/>
-              </a:ext>
-            </a:extLst>
-          </p:cNvPr>
-          <p:cNvSpPr txBox="1"/>
-          <p:nvPr/>
-        </p:nvSpPr>
-        <p:spPr>
-          <a:xfrm>
-            <a:off x="5166892" y="4554585"/>
-            <a:ext cx="534547" cy="369332"/>
-          </a:xfrm>
-          <a:prstGeom prst="rect">
-            <a:avLst/>
-          </a:prstGeom>
-          <a:noFill/>
-        </p:spPr>
-        <p:txBody>
-          <a:bodyPr wrap="square" rtlCol="0">
-            <a:spAutoFit/>
-          </a:bodyPr>
-          <a:lstStyle/>
-          <a:p>
-            <a:pPr algn="ctr"/>
-            <a:r>
-              <a:rPr lang="en-IN" b="1" dirty="0">
-                <a:solidFill>
-                  <a:srgbClr val="FF0000"/>
-                </a:solidFill>
-                <a:latin typeface="Arial Rounded MT Bold" panose="020F0704030504030204" pitchFamily="34" charset="0"/>
-              </a:rPr>
-              <a:t>I</a:t>
-            </a:r>
-            <a:r>
-              <a:rPr lang="en-IN" b="1" baseline="-25000" dirty="0">
-                <a:solidFill>
-                  <a:srgbClr val="FF0000"/>
-                </a:solidFill>
-                <a:latin typeface="Arial Rounded MT Bold" panose="020F0704030504030204" pitchFamily="34" charset="0"/>
-              </a:rPr>
-              <a:t>B</a:t>
-            </a:r>
-            <a:endParaRPr lang="en-IN" b="1" dirty="0">
-              <a:solidFill>
-                <a:srgbClr val="FF0000"/>
-              </a:solidFill>
-              <a:latin typeface="Arial Rounded MT Bold" panose="020F0704030504030204" pitchFamily="34" charset="0"/>
-            </a:endParaRPr>
-          </a:p>
-        </p:txBody>
-      </p:sp>
       <p:sp>
         <p:nvSpPr>
           <p:cNvPr id="264" name="TextBox 263">
@@ -7876,7 +7632,7 @@
         </p:nvSpPr>
         <p:spPr>
           <a:xfrm>
-            <a:off x="7479041" y="2216194"/>
+            <a:off x="7470996" y="1806773"/>
             <a:ext cx="338766" cy="307777"/>
           </a:xfrm>
           <a:prstGeom prst="rect">
@@ -7902,6 +7658,708 @@
           </a:p>
         </p:txBody>
       </p:sp>
+      <p:cxnSp>
+        <p:nvCxnSpPr>
+          <p:cNvPr id="8" name="Straight Connector 7">
+            <a:extLst>
+              <a:ext uri="{FF2B5EF4-FFF2-40B4-BE49-F238E27FC236}">
+                <a16:creationId xmlns:a16="http://schemas.microsoft.com/office/drawing/2014/main" id="{C9C42967-634B-6807-EFBA-EF107D1374CA}"/>
+              </a:ext>
+            </a:extLst>
+          </p:cNvPr>
+          <p:cNvCxnSpPr/>
+          <p:nvPr/>
+        </p:nvCxnSpPr>
+        <p:spPr>
+          <a:xfrm>
+            <a:off x="337458" y="0"/>
+            <a:ext cx="0" cy="7053943"/>
+          </a:xfrm>
+          <a:prstGeom prst="line">
+            <a:avLst/>
+          </a:prstGeom>
+        </p:spPr>
+        <p:style>
+          <a:lnRef idx="1">
+            <a:schemeClr val="accent1"/>
+          </a:lnRef>
+          <a:fillRef idx="0">
+            <a:schemeClr val="accent1"/>
+          </a:fillRef>
+          <a:effectRef idx="0">
+            <a:schemeClr val="accent1"/>
+          </a:effectRef>
+          <a:fontRef idx="minor">
+            <a:schemeClr val="tx1"/>
+          </a:fontRef>
+        </p:style>
+      </p:cxnSp>
+      <p:cxnSp>
+        <p:nvCxnSpPr>
+          <p:cNvPr id="10" name="Straight Connector 9">
+            <a:extLst>
+              <a:ext uri="{FF2B5EF4-FFF2-40B4-BE49-F238E27FC236}">
+                <a16:creationId xmlns:a16="http://schemas.microsoft.com/office/drawing/2014/main" id="{6B9F846B-95F1-349C-CBFB-5318E5133A6D}"/>
+              </a:ext>
+            </a:extLst>
+          </p:cNvPr>
+          <p:cNvCxnSpPr>
+            <a:cxnSpLocks/>
+          </p:cNvCxnSpPr>
+          <p:nvPr/>
+        </p:nvCxnSpPr>
+        <p:spPr>
+          <a:xfrm>
+            <a:off x="1788709" y="1409537"/>
+            <a:ext cx="0" cy="3025268"/>
+          </a:xfrm>
+          <a:prstGeom prst="line">
+            <a:avLst/>
+          </a:prstGeom>
+        </p:spPr>
+        <p:style>
+          <a:lnRef idx="1">
+            <a:schemeClr val="accent1"/>
+          </a:lnRef>
+          <a:fillRef idx="0">
+            <a:schemeClr val="accent1"/>
+          </a:fillRef>
+          <a:effectRef idx="0">
+            <a:schemeClr val="accent1"/>
+          </a:effectRef>
+          <a:fontRef idx="minor">
+            <a:schemeClr val="tx1"/>
+          </a:fontRef>
+        </p:style>
+      </p:cxnSp>
+      <p:cxnSp>
+        <p:nvCxnSpPr>
+          <p:cNvPr id="15" name="Straight Connector 14">
+            <a:extLst>
+              <a:ext uri="{FF2B5EF4-FFF2-40B4-BE49-F238E27FC236}">
+                <a16:creationId xmlns:a16="http://schemas.microsoft.com/office/drawing/2014/main" id="{BC1CB230-B5BB-1A71-61E5-780C79230F97}"/>
+              </a:ext>
+            </a:extLst>
+          </p:cNvPr>
+          <p:cNvCxnSpPr>
+            <a:cxnSpLocks/>
+          </p:cNvCxnSpPr>
+          <p:nvPr/>
+        </p:nvCxnSpPr>
+        <p:spPr>
+          <a:xfrm>
+            <a:off x="292939" y="1409537"/>
+            <a:ext cx="12258290" cy="0"/>
+          </a:xfrm>
+          <a:prstGeom prst="line">
+            <a:avLst/>
+          </a:prstGeom>
+        </p:spPr>
+        <p:style>
+          <a:lnRef idx="1">
+            <a:schemeClr val="accent1"/>
+          </a:lnRef>
+          <a:fillRef idx="0">
+            <a:schemeClr val="accent1"/>
+          </a:fillRef>
+          <a:effectRef idx="0">
+            <a:schemeClr val="accent1"/>
+          </a:effectRef>
+          <a:fontRef idx="minor">
+            <a:schemeClr val="tx1"/>
+          </a:fontRef>
+        </p:style>
+      </p:cxnSp>
+      <p:cxnSp>
+        <p:nvCxnSpPr>
+          <p:cNvPr id="30" name="Straight Connector 29">
+            <a:extLst>
+              <a:ext uri="{FF2B5EF4-FFF2-40B4-BE49-F238E27FC236}">
+                <a16:creationId xmlns:a16="http://schemas.microsoft.com/office/drawing/2014/main" id="{85A4F46C-51B0-B39B-30D1-E197D6963F86}"/>
+              </a:ext>
+            </a:extLst>
+          </p:cNvPr>
+          <p:cNvCxnSpPr>
+            <a:cxnSpLocks/>
+          </p:cNvCxnSpPr>
+          <p:nvPr/>
+        </p:nvCxnSpPr>
+        <p:spPr>
+          <a:xfrm flipV="1">
+            <a:off x="87086" y="4434805"/>
+            <a:ext cx="12224657" cy="7550"/>
+          </a:xfrm>
+          <a:prstGeom prst="line">
+            <a:avLst/>
+          </a:prstGeom>
+        </p:spPr>
+        <p:style>
+          <a:lnRef idx="1">
+            <a:schemeClr val="accent1"/>
+          </a:lnRef>
+          <a:fillRef idx="0">
+            <a:schemeClr val="accent1"/>
+          </a:fillRef>
+          <a:effectRef idx="0">
+            <a:schemeClr val="accent1"/>
+          </a:effectRef>
+          <a:fontRef idx="minor">
+            <a:schemeClr val="tx1"/>
+          </a:fontRef>
+        </p:style>
+      </p:cxnSp>
+      <p:cxnSp>
+        <p:nvCxnSpPr>
+          <p:cNvPr id="34" name="Straight Connector 33">
+            <a:extLst>
+              <a:ext uri="{FF2B5EF4-FFF2-40B4-BE49-F238E27FC236}">
+                <a16:creationId xmlns:a16="http://schemas.microsoft.com/office/drawing/2014/main" id="{17F44487-19EA-FE48-8E4F-E9CAD4C2FE03}"/>
+              </a:ext>
+            </a:extLst>
+          </p:cNvPr>
+          <p:cNvCxnSpPr>
+            <a:cxnSpLocks/>
+          </p:cNvCxnSpPr>
+          <p:nvPr/>
+        </p:nvCxnSpPr>
+        <p:spPr>
+          <a:xfrm>
+            <a:off x="5691395" y="4447205"/>
+            <a:ext cx="0" cy="2742216"/>
+          </a:xfrm>
+          <a:prstGeom prst="line">
+            <a:avLst/>
+          </a:prstGeom>
+        </p:spPr>
+        <p:style>
+          <a:lnRef idx="1">
+            <a:schemeClr val="accent1"/>
+          </a:lnRef>
+          <a:fillRef idx="0">
+            <a:schemeClr val="accent1"/>
+          </a:fillRef>
+          <a:effectRef idx="0">
+            <a:schemeClr val="accent1"/>
+          </a:effectRef>
+          <a:fontRef idx="minor">
+            <a:schemeClr val="tx1"/>
+          </a:fontRef>
+        </p:style>
+      </p:cxnSp>
+      <p:cxnSp>
+        <p:nvCxnSpPr>
+          <p:cNvPr id="54" name="Straight Connector 53">
+            <a:extLst>
+              <a:ext uri="{FF2B5EF4-FFF2-40B4-BE49-F238E27FC236}">
+                <a16:creationId xmlns:a16="http://schemas.microsoft.com/office/drawing/2014/main" id="{348CC388-27A0-CCF7-6BD3-AABE761B0876}"/>
+              </a:ext>
+            </a:extLst>
+          </p:cNvPr>
+          <p:cNvCxnSpPr/>
+          <p:nvPr/>
+        </p:nvCxnSpPr>
+        <p:spPr>
+          <a:xfrm>
+            <a:off x="4645620" y="185057"/>
+            <a:ext cx="0" cy="1224480"/>
+          </a:xfrm>
+          <a:prstGeom prst="line">
+            <a:avLst/>
+          </a:prstGeom>
+        </p:spPr>
+        <p:style>
+          <a:lnRef idx="1">
+            <a:schemeClr val="accent1"/>
+          </a:lnRef>
+          <a:fillRef idx="0">
+            <a:schemeClr val="accent1"/>
+          </a:fillRef>
+          <a:effectRef idx="0">
+            <a:schemeClr val="accent1"/>
+          </a:effectRef>
+          <a:fontRef idx="minor">
+            <a:schemeClr val="tx1"/>
+          </a:fontRef>
+        </p:style>
+      </p:cxnSp>
+      <p:cxnSp>
+        <p:nvCxnSpPr>
+          <p:cNvPr id="75" name="Straight Connector 74">
+            <a:extLst>
+              <a:ext uri="{FF2B5EF4-FFF2-40B4-BE49-F238E27FC236}">
+                <a16:creationId xmlns:a16="http://schemas.microsoft.com/office/drawing/2014/main" id="{05398620-947B-DCAE-00C5-CDD7351127BA}"/>
+              </a:ext>
+            </a:extLst>
+          </p:cNvPr>
+          <p:cNvCxnSpPr/>
+          <p:nvPr/>
+        </p:nvCxnSpPr>
+        <p:spPr>
+          <a:xfrm>
+            <a:off x="2503714" y="182570"/>
+            <a:ext cx="0" cy="1224480"/>
+          </a:xfrm>
+          <a:prstGeom prst="line">
+            <a:avLst/>
+          </a:prstGeom>
+        </p:spPr>
+        <p:style>
+          <a:lnRef idx="1">
+            <a:schemeClr val="accent1"/>
+          </a:lnRef>
+          <a:fillRef idx="0">
+            <a:schemeClr val="accent1"/>
+          </a:fillRef>
+          <a:effectRef idx="0">
+            <a:schemeClr val="accent1"/>
+          </a:effectRef>
+          <a:fontRef idx="minor">
+            <a:schemeClr val="tx1"/>
+          </a:fontRef>
+        </p:style>
+      </p:cxnSp>
+      <p:cxnSp>
+        <p:nvCxnSpPr>
+          <p:cNvPr id="81" name="Straight Connector 80">
+            <a:extLst>
+              <a:ext uri="{FF2B5EF4-FFF2-40B4-BE49-F238E27FC236}">
+                <a16:creationId xmlns:a16="http://schemas.microsoft.com/office/drawing/2014/main" id="{AFFCC547-FCA3-07A4-2792-61708AC73F9C}"/>
+              </a:ext>
+            </a:extLst>
+          </p:cNvPr>
+          <p:cNvCxnSpPr/>
+          <p:nvPr/>
+        </p:nvCxnSpPr>
+        <p:spPr>
+          <a:xfrm>
+            <a:off x="5339743" y="3800374"/>
+            <a:ext cx="7990115" cy="0"/>
+          </a:xfrm>
+          <a:prstGeom prst="line">
+            <a:avLst/>
+          </a:prstGeom>
+        </p:spPr>
+        <p:style>
+          <a:lnRef idx="1">
+            <a:schemeClr val="accent1"/>
+          </a:lnRef>
+          <a:fillRef idx="0">
+            <a:schemeClr val="accent1"/>
+          </a:fillRef>
+          <a:effectRef idx="0">
+            <a:schemeClr val="accent1"/>
+          </a:effectRef>
+          <a:fontRef idx="minor">
+            <a:schemeClr val="tx1"/>
+          </a:fontRef>
+        </p:style>
+      </p:cxnSp>
+      <p:cxnSp>
+        <p:nvCxnSpPr>
+          <p:cNvPr id="84" name="Straight Connector 83">
+            <a:extLst>
+              <a:ext uri="{FF2B5EF4-FFF2-40B4-BE49-F238E27FC236}">
+                <a16:creationId xmlns:a16="http://schemas.microsoft.com/office/drawing/2014/main" id="{37C5B248-D544-B6D0-C5CC-E05A351B0B6E}"/>
+              </a:ext>
+            </a:extLst>
+          </p:cNvPr>
+          <p:cNvCxnSpPr>
+            <a:cxnSpLocks/>
+          </p:cNvCxnSpPr>
+          <p:nvPr/>
+        </p:nvCxnSpPr>
+        <p:spPr>
+          <a:xfrm>
+            <a:off x="5645780" y="1397534"/>
+            <a:ext cx="43952" cy="3408940"/>
+          </a:xfrm>
+          <a:prstGeom prst="line">
+            <a:avLst/>
+          </a:prstGeom>
+        </p:spPr>
+        <p:style>
+          <a:lnRef idx="1">
+            <a:schemeClr val="accent1"/>
+          </a:lnRef>
+          <a:fillRef idx="0">
+            <a:schemeClr val="accent1"/>
+          </a:fillRef>
+          <a:effectRef idx="0">
+            <a:schemeClr val="accent1"/>
+          </a:effectRef>
+          <a:fontRef idx="minor">
+            <a:schemeClr val="tx1"/>
+          </a:fontRef>
+        </p:style>
+      </p:cxnSp>
+      <p:cxnSp>
+        <p:nvCxnSpPr>
+          <p:cNvPr id="109" name="Straight Connector 108">
+            <a:extLst>
+              <a:ext uri="{FF2B5EF4-FFF2-40B4-BE49-F238E27FC236}">
+                <a16:creationId xmlns:a16="http://schemas.microsoft.com/office/drawing/2014/main" id="{709009E1-7F73-C466-23DA-41ED51DCB34E}"/>
+              </a:ext>
+            </a:extLst>
+          </p:cNvPr>
+          <p:cNvCxnSpPr>
+            <a:cxnSpLocks/>
+          </p:cNvCxnSpPr>
+          <p:nvPr/>
+        </p:nvCxnSpPr>
+        <p:spPr>
+          <a:xfrm>
+            <a:off x="5702280" y="6012966"/>
+            <a:ext cx="1285431" cy="0"/>
+          </a:xfrm>
+          <a:prstGeom prst="line">
+            <a:avLst/>
+          </a:prstGeom>
+        </p:spPr>
+        <p:style>
+          <a:lnRef idx="1">
+            <a:schemeClr val="accent1"/>
+          </a:lnRef>
+          <a:fillRef idx="0">
+            <a:schemeClr val="accent1"/>
+          </a:fillRef>
+          <a:effectRef idx="0">
+            <a:schemeClr val="accent1"/>
+          </a:effectRef>
+          <a:fontRef idx="minor">
+            <a:schemeClr val="tx1"/>
+          </a:fontRef>
+        </p:style>
+      </p:cxnSp>
+      <p:cxnSp>
+        <p:nvCxnSpPr>
+          <p:cNvPr id="111" name="Straight Connector 110">
+            <a:extLst>
+              <a:ext uri="{FF2B5EF4-FFF2-40B4-BE49-F238E27FC236}">
+                <a16:creationId xmlns:a16="http://schemas.microsoft.com/office/drawing/2014/main" id="{D0E4854A-D72E-B431-C902-93BE3DD62FE2}"/>
+              </a:ext>
+            </a:extLst>
+          </p:cNvPr>
+          <p:cNvCxnSpPr/>
+          <p:nvPr/>
+        </p:nvCxnSpPr>
+        <p:spPr>
+          <a:xfrm>
+            <a:off x="7336972" y="1407050"/>
+            <a:ext cx="0" cy="2393324"/>
+          </a:xfrm>
+          <a:prstGeom prst="line">
+            <a:avLst/>
+          </a:prstGeom>
+        </p:spPr>
+        <p:style>
+          <a:lnRef idx="1">
+            <a:schemeClr val="accent1"/>
+          </a:lnRef>
+          <a:fillRef idx="0">
+            <a:schemeClr val="accent1"/>
+          </a:fillRef>
+          <a:effectRef idx="0">
+            <a:schemeClr val="accent1"/>
+          </a:effectRef>
+          <a:fontRef idx="minor">
+            <a:schemeClr val="tx1"/>
+          </a:fontRef>
+        </p:style>
+      </p:cxnSp>
+      <p:cxnSp>
+        <p:nvCxnSpPr>
+          <p:cNvPr id="112" name="Straight Connector 111">
+            <a:extLst>
+              <a:ext uri="{FF2B5EF4-FFF2-40B4-BE49-F238E27FC236}">
+                <a16:creationId xmlns:a16="http://schemas.microsoft.com/office/drawing/2014/main" id="{19D4E6E4-997D-5E55-8F8B-3BFE989E42E4}"/>
+              </a:ext>
+            </a:extLst>
+          </p:cNvPr>
+          <p:cNvCxnSpPr/>
+          <p:nvPr/>
+        </p:nvCxnSpPr>
+        <p:spPr>
+          <a:xfrm>
+            <a:off x="8262257" y="1422735"/>
+            <a:ext cx="0" cy="2393324"/>
+          </a:xfrm>
+          <a:prstGeom prst="line">
+            <a:avLst/>
+          </a:prstGeom>
+        </p:spPr>
+        <p:style>
+          <a:lnRef idx="1">
+            <a:schemeClr val="accent1"/>
+          </a:lnRef>
+          <a:fillRef idx="0">
+            <a:schemeClr val="accent1"/>
+          </a:fillRef>
+          <a:effectRef idx="0">
+            <a:schemeClr val="accent1"/>
+          </a:effectRef>
+          <a:fontRef idx="minor">
+            <a:schemeClr val="tx1"/>
+          </a:fontRef>
+        </p:style>
+      </p:cxnSp>
+      <p:cxnSp>
+        <p:nvCxnSpPr>
+          <p:cNvPr id="113" name="Straight Connector 112">
+            <a:extLst>
+              <a:ext uri="{FF2B5EF4-FFF2-40B4-BE49-F238E27FC236}">
+                <a16:creationId xmlns:a16="http://schemas.microsoft.com/office/drawing/2014/main" id="{FBBD8626-3D63-CF10-7185-678999B57547}"/>
+              </a:ext>
+            </a:extLst>
+          </p:cNvPr>
+          <p:cNvCxnSpPr/>
+          <p:nvPr/>
+        </p:nvCxnSpPr>
+        <p:spPr>
+          <a:xfrm>
+            <a:off x="8716900" y="1407050"/>
+            <a:ext cx="0" cy="2393324"/>
+          </a:xfrm>
+          <a:prstGeom prst="line">
+            <a:avLst/>
+          </a:prstGeom>
+        </p:spPr>
+        <p:style>
+          <a:lnRef idx="1">
+            <a:schemeClr val="accent1"/>
+          </a:lnRef>
+          <a:fillRef idx="0">
+            <a:schemeClr val="accent1"/>
+          </a:fillRef>
+          <a:effectRef idx="0">
+            <a:schemeClr val="accent1"/>
+          </a:effectRef>
+          <a:fontRef idx="minor">
+            <a:schemeClr val="tx1"/>
+          </a:fontRef>
+        </p:style>
+      </p:cxnSp>
+      <p:cxnSp>
+        <p:nvCxnSpPr>
+          <p:cNvPr id="114" name="Straight Connector 113">
+            <a:extLst>
+              <a:ext uri="{FF2B5EF4-FFF2-40B4-BE49-F238E27FC236}">
+                <a16:creationId xmlns:a16="http://schemas.microsoft.com/office/drawing/2014/main" id="{704BFE8D-684F-E4E5-9087-130EBEBCBA07}"/>
+              </a:ext>
+            </a:extLst>
+          </p:cNvPr>
+          <p:cNvCxnSpPr/>
+          <p:nvPr/>
+        </p:nvCxnSpPr>
+        <p:spPr>
+          <a:xfrm>
+            <a:off x="9936100" y="1375820"/>
+            <a:ext cx="0" cy="2393324"/>
+          </a:xfrm>
+          <a:prstGeom prst="line">
+            <a:avLst/>
+          </a:prstGeom>
+        </p:spPr>
+        <p:style>
+          <a:lnRef idx="1">
+            <a:schemeClr val="accent1"/>
+          </a:lnRef>
+          <a:fillRef idx="0">
+            <a:schemeClr val="accent1"/>
+          </a:fillRef>
+          <a:effectRef idx="0">
+            <a:schemeClr val="accent1"/>
+          </a:effectRef>
+          <a:fontRef idx="minor">
+            <a:schemeClr val="tx1"/>
+          </a:fontRef>
+        </p:style>
+      </p:cxnSp>
+      <p:cxnSp>
+        <p:nvCxnSpPr>
+          <p:cNvPr id="115" name="Straight Connector 114">
+            <a:extLst>
+              <a:ext uri="{FF2B5EF4-FFF2-40B4-BE49-F238E27FC236}">
+                <a16:creationId xmlns:a16="http://schemas.microsoft.com/office/drawing/2014/main" id="{F7DFD839-A4F1-89F5-B9F7-8EDE9A1A6292}"/>
+              </a:ext>
+            </a:extLst>
+          </p:cNvPr>
+          <p:cNvCxnSpPr/>
+          <p:nvPr/>
+        </p:nvCxnSpPr>
+        <p:spPr>
+          <a:xfrm>
+            <a:off x="10284443" y="1422735"/>
+            <a:ext cx="0" cy="2393324"/>
+          </a:xfrm>
+          <a:prstGeom prst="line">
+            <a:avLst/>
+          </a:prstGeom>
+        </p:spPr>
+        <p:style>
+          <a:lnRef idx="1">
+            <a:schemeClr val="accent1"/>
+          </a:lnRef>
+          <a:fillRef idx="0">
+            <a:schemeClr val="accent1"/>
+          </a:fillRef>
+          <a:effectRef idx="0">
+            <a:schemeClr val="accent1"/>
+          </a:effectRef>
+          <a:fontRef idx="minor">
+            <a:schemeClr val="tx1"/>
+          </a:fontRef>
+        </p:style>
+      </p:cxnSp>
+      <p:cxnSp>
+        <p:nvCxnSpPr>
+          <p:cNvPr id="116" name="Straight Connector 115">
+            <a:extLst>
+              <a:ext uri="{FF2B5EF4-FFF2-40B4-BE49-F238E27FC236}">
+                <a16:creationId xmlns:a16="http://schemas.microsoft.com/office/drawing/2014/main" id="{AD7D9ED6-A069-0B4E-E0C0-831C0A9B187E}"/>
+              </a:ext>
+            </a:extLst>
+          </p:cNvPr>
+          <p:cNvCxnSpPr>
+            <a:cxnSpLocks/>
+          </p:cNvCxnSpPr>
+          <p:nvPr/>
+        </p:nvCxnSpPr>
+        <p:spPr>
+          <a:xfrm>
+            <a:off x="11710471" y="0"/>
+            <a:ext cx="0" cy="5178812"/>
+          </a:xfrm>
+          <a:prstGeom prst="line">
+            <a:avLst/>
+          </a:prstGeom>
+        </p:spPr>
+        <p:style>
+          <a:lnRef idx="1">
+            <a:schemeClr val="accent1"/>
+          </a:lnRef>
+          <a:fillRef idx="0">
+            <a:schemeClr val="accent1"/>
+          </a:fillRef>
+          <a:effectRef idx="0">
+            <a:schemeClr val="accent1"/>
+          </a:effectRef>
+          <a:fontRef idx="minor">
+            <a:schemeClr val="tx1"/>
+          </a:fontRef>
+        </p:style>
+      </p:cxnSp>
+      <p:cxnSp>
+        <p:nvCxnSpPr>
+          <p:cNvPr id="118" name="Straight Connector 117">
+            <a:extLst>
+              <a:ext uri="{FF2B5EF4-FFF2-40B4-BE49-F238E27FC236}">
+                <a16:creationId xmlns:a16="http://schemas.microsoft.com/office/drawing/2014/main" id="{3527181F-4078-109C-3955-67410AF401CD}"/>
+              </a:ext>
+            </a:extLst>
+          </p:cNvPr>
+          <p:cNvCxnSpPr>
+            <a:cxnSpLocks/>
+          </p:cNvCxnSpPr>
+          <p:nvPr/>
+        </p:nvCxnSpPr>
+        <p:spPr>
+          <a:xfrm>
+            <a:off x="6987711" y="4434805"/>
+            <a:ext cx="0" cy="2847738"/>
+          </a:xfrm>
+          <a:prstGeom prst="line">
+            <a:avLst/>
+          </a:prstGeom>
+        </p:spPr>
+        <p:style>
+          <a:lnRef idx="1">
+            <a:schemeClr val="accent1"/>
+          </a:lnRef>
+          <a:fillRef idx="0">
+            <a:schemeClr val="accent1"/>
+          </a:fillRef>
+          <a:effectRef idx="0">
+            <a:schemeClr val="accent1"/>
+          </a:effectRef>
+          <a:fontRef idx="minor">
+            <a:schemeClr val="tx1"/>
+          </a:fontRef>
+        </p:style>
+      </p:cxnSp>
+      <p:cxnSp>
+        <p:nvCxnSpPr>
+          <p:cNvPr id="125" name="Straight Connector 124">
+            <a:extLst>
+              <a:ext uri="{FF2B5EF4-FFF2-40B4-BE49-F238E27FC236}">
+                <a16:creationId xmlns:a16="http://schemas.microsoft.com/office/drawing/2014/main" id="{DB131B78-5287-5CFA-4CEE-973E40F1F4BD}"/>
+              </a:ext>
+            </a:extLst>
+          </p:cNvPr>
+          <p:cNvCxnSpPr>
+            <a:cxnSpLocks/>
+          </p:cNvCxnSpPr>
+          <p:nvPr/>
+        </p:nvCxnSpPr>
+        <p:spPr>
+          <a:xfrm flipV="1">
+            <a:off x="-280765" y="199962"/>
+            <a:ext cx="12224657" cy="7550"/>
+          </a:xfrm>
+          <a:prstGeom prst="line">
+            <a:avLst/>
+          </a:prstGeom>
+        </p:spPr>
+        <p:style>
+          <a:lnRef idx="1">
+            <a:schemeClr val="accent1"/>
+          </a:lnRef>
+          <a:fillRef idx="0">
+            <a:schemeClr val="accent1"/>
+          </a:fillRef>
+          <a:effectRef idx="0">
+            <a:schemeClr val="accent1"/>
+          </a:effectRef>
+          <a:fontRef idx="minor">
+            <a:schemeClr val="tx1"/>
+          </a:fontRef>
+        </p:style>
+      </p:cxnSp>
+      <p:cxnSp>
+        <p:nvCxnSpPr>
+          <p:cNvPr id="134" name="Straight Connector 133">
+            <a:extLst>
+              <a:ext uri="{FF2B5EF4-FFF2-40B4-BE49-F238E27FC236}">
+                <a16:creationId xmlns:a16="http://schemas.microsoft.com/office/drawing/2014/main" id="{9D945DB0-F626-7B73-4922-3A06BA2B3A6E}"/>
+              </a:ext>
+            </a:extLst>
+          </p:cNvPr>
+          <p:cNvCxnSpPr/>
+          <p:nvPr/>
+        </p:nvCxnSpPr>
+        <p:spPr>
+          <a:xfrm>
+            <a:off x="6987711" y="1422735"/>
+            <a:ext cx="0" cy="2393324"/>
+          </a:xfrm>
+          <a:prstGeom prst="line">
+            <a:avLst/>
+          </a:prstGeom>
+        </p:spPr>
+        <p:style>
+          <a:lnRef idx="1">
+            <a:schemeClr val="accent1"/>
+          </a:lnRef>
+          <a:fillRef idx="0">
+            <a:schemeClr val="accent1"/>
+          </a:fillRef>
+          <a:effectRef idx="0">
+            <a:schemeClr val="accent1"/>
+          </a:effectRef>
+          <a:fontRef idx="minor">
+            <a:schemeClr val="tx1"/>
+          </a:fontRef>
+        </p:style>
+      </p:cxnSp>
     </p:spTree>
     <p:extLst>
       <p:ext uri="{BB962C8B-B14F-4D97-AF65-F5344CB8AC3E}">

--- a/Assets/Powerpoints/DC Chopper.pptx
+++ b/Assets/Powerpoints/DC Chopper.pptx
@@ -262,7 +262,7 @@
           <a:p>
             <a:fld id="{349876DB-90CB-4857-A9D0-B3C87AAB9427}" type="datetimeFigureOut">
               <a:rPr lang="en-IN" smtClean="0"/>
-              <a:t>09-12-2022</a:t>
+              <a:t>14-12-2022</a:t>
             </a:fld>
             <a:endParaRPr lang="en-IN"/>
           </a:p>
@@ -462,7 +462,7 @@
           <a:p>
             <a:fld id="{349876DB-90CB-4857-A9D0-B3C87AAB9427}" type="datetimeFigureOut">
               <a:rPr lang="en-IN" smtClean="0"/>
-              <a:t>09-12-2022</a:t>
+              <a:t>14-12-2022</a:t>
             </a:fld>
             <a:endParaRPr lang="en-IN"/>
           </a:p>
@@ -672,7 +672,7 @@
           <a:p>
             <a:fld id="{349876DB-90CB-4857-A9D0-B3C87AAB9427}" type="datetimeFigureOut">
               <a:rPr lang="en-IN" smtClean="0"/>
-              <a:t>09-12-2022</a:t>
+              <a:t>14-12-2022</a:t>
             </a:fld>
             <a:endParaRPr lang="en-IN"/>
           </a:p>
@@ -872,7 +872,7 @@
           <a:p>
             <a:fld id="{349876DB-90CB-4857-A9D0-B3C87AAB9427}" type="datetimeFigureOut">
               <a:rPr lang="en-IN" smtClean="0"/>
-              <a:t>09-12-2022</a:t>
+              <a:t>14-12-2022</a:t>
             </a:fld>
             <a:endParaRPr lang="en-IN"/>
           </a:p>
@@ -1148,7 +1148,7 @@
           <a:p>
             <a:fld id="{349876DB-90CB-4857-A9D0-B3C87AAB9427}" type="datetimeFigureOut">
               <a:rPr lang="en-IN" smtClean="0"/>
-              <a:t>09-12-2022</a:t>
+              <a:t>14-12-2022</a:t>
             </a:fld>
             <a:endParaRPr lang="en-IN"/>
           </a:p>
@@ -1416,7 +1416,7 @@
           <a:p>
             <a:fld id="{349876DB-90CB-4857-A9D0-B3C87AAB9427}" type="datetimeFigureOut">
               <a:rPr lang="en-IN" smtClean="0"/>
-              <a:t>09-12-2022</a:t>
+              <a:t>14-12-2022</a:t>
             </a:fld>
             <a:endParaRPr lang="en-IN"/>
           </a:p>
@@ -1831,7 +1831,7 @@
           <a:p>
             <a:fld id="{349876DB-90CB-4857-A9D0-B3C87AAB9427}" type="datetimeFigureOut">
               <a:rPr lang="en-IN" smtClean="0"/>
-              <a:t>09-12-2022</a:t>
+              <a:t>14-12-2022</a:t>
             </a:fld>
             <a:endParaRPr lang="en-IN"/>
           </a:p>
@@ -1973,7 +1973,7 @@
           <a:p>
             <a:fld id="{349876DB-90CB-4857-A9D0-B3C87AAB9427}" type="datetimeFigureOut">
               <a:rPr lang="en-IN" smtClean="0"/>
-              <a:t>09-12-2022</a:t>
+              <a:t>14-12-2022</a:t>
             </a:fld>
             <a:endParaRPr lang="en-IN"/>
           </a:p>
@@ -2086,7 +2086,7 @@
           <a:p>
             <a:fld id="{349876DB-90CB-4857-A9D0-B3C87AAB9427}" type="datetimeFigureOut">
               <a:rPr lang="en-IN" smtClean="0"/>
-              <a:t>09-12-2022</a:t>
+              <a:t>14-12-2022</a:t>
             </a:fld>
             <a:endParaRPr lang="en-IN"/>
           </a:p>
@@ -2399,7 +2399,7 @@
           <a:p>
             <a:fld id="{349876DB-90CB-4857-A9D0-B3C87AAB9427}" type="datetimeFigureOut">
               <a:rPr lang="en-IN" smtClean="0"/>
-              <a:t>09-12-2022</a:t>
+              <a:t>14-12-2022</a:t>
             </a:fld>
             <a:endParaRPr lang="en-IN"/>
           </a:p>
@@ -2688,7 +2688,7 @@
           <a:p>
             <a:fld id="{349876DB-90CB-4857-A9D0-B3C87AAB9427}" type="datetimeFigureOut">
               <a:rPr lang="en-IN" smtClean="0"/>
-              <a:t>09-12-2022</a:t>
+              <a:t>14-12-2022</a:t>
             </a:fld>
             <a:endParaRPr lang="en-IN"/>
           </a:p>
@@ -2931,7 +2931,7 @@
           <a:p>
             <a:fld id="{349876DB-90CB-4857-A9D0-B3C87AAB9427}" type="datetimeFigureOut">
               <a:rPr lang="en-IN" smtClean="0"/>
-              <a:t>09-12-2022</a:t>
+              <a:t>14-12-2022</a:t>
             </a:fld>
             <a:endParaRPr lang="en-IN"/>
           </a:p>
@@ -5688,459 +5688,417 @@
           </a:fontRef>
         </p:style>
       </p:cxnSp>
-      <p:grpSp>
-        <p:nvGrpSpPr>
-          <p:cNvPr id="35" name="Group 34">
+      <p:sp>
+        <p:nvSpPr>
+          <p:cNvPr id="168" name="Oval 167">
             <a:extLst>
               <a:ext uri="{FF2B5EF4-FFF2-40B4-BE49-F238E27FC236}">
-                <a16:creationId xmlns:a16="http://schemas.microsoft.com/office/drawing/2014/main" id="{6DEF4379-3AE3-D0DD-CADF-3C48870CEA4E}"/>
+                <a16:creationId xmlns:a16="http://schemas.microsoft.com/office/drawing/2014/main" id="{55703FF1-6B06-A191-C93E-CBE4423AB709}"/>
               </a:ext>
             </a:extLst>
           </p:cNvPr>
-          <p:cNvGrpSpPr/>
+          <p:cNvSpPr/>
           <p:nvPr/>
-        </p:nvGrpSpPr>
-        <p:grpSpPr>
+        </p:nvSpPr>
+        <p:spPr>
           <a:xfrm>
-            <a:off x="5702280" y="4663688"/>
-            <a:ext cx="1006244" cy="1264166"/>
-            <a:chOff x="5703480" y="4456073"/>
-            <a:chExt cx="1006244" cy="1264166"/>
+            <a:off x="5940359" y="4936079"/>
+            <a:ext cx="758802" cy="712118"/>
           </a:xfrm>
-        </p:grpSpPr>
-        <p:grpSp>
-          <p:nvGrpSpPr>
-            <p:cNvPr id="181" name="Group 180">
-              <a:extLst>
-                <a:ext uri="{FF2B5EF4-FFF2-40B4-BE49-F238E27FC236}">
-                  <a16:creationId xmlns:a16="http://schemas.microsoft.com/office/drawing/2014/main" id="{BC3E802A-DF3B-0FF4-1B3C-12284AC0D8E2}"/>
-                </a:ext>
-              </a:extLst>
-            </p:cNvPr>
-            <p:cNvGrpSpPr/>
-            <p:nvPr/>
-          </p:nvGrpSpPr>
-          <p:grpSpPr>
-            <a:xfrm>
-              <a:off x="5703480" y="4456073"/>
-              <a:ext cx="996881" cy="1264166"/>
-              <a:chOff x="3484200" y="3679520"/>
-              <a:chExt cx="996881" cy="1264166"/>
-            </a:xfrm>
-          </p:grpSpPr>
-          <p:sp>
-            <p:nvSpPr>
-              <p:cNvPr id="168" name="Oval 167">
-                <a:extLst>
-                  <a:ext uri="{FF2B5EF4-FFF2-40B4-BE49-F238E27FC236}">
-                    <a16:creationId xmlns:a16="http://schemas.microsoft.com/office/drawing/2014/main" id="{55703FF1-6B06-A191-C93E-CBE4423AB709}"/>
-                  </a:ext>
-                </a:extLst>
-              </p:cNvPr>
-              <p:cNvSpPr/>
-              <p:nvPr/>
-            </p:nvSpPr>
-            <p:spPr>
-              <a:xfrm>
-                <a:off x="3722279" y="3951911"/>
-                <a:ext cx="758802" cy="712118"/>
-              </a:xfrm>
-              <a:prstGeom prst="ellipse">
-                <a:avLst/>
-              </a:prstGeom>
-              <a:solidFill>
-                <a:schemeClr val="bg1">
-                  <a:lumMod val="95000"/>
-                </a:schemeClr>
-              </a:solidFill>
-              <a:ln w="38100"/>
-            </p:spPr>
-            <p:style>
-              <a:lnRef idx="2">
-                <a:schemeClr val="accent1">
-                  <a:shade val="50000"/>
-                </a:schemeClr>
-              </a:lnRef>
-              <a:fillRef idx="1">
-                <a:schemeClr val="accent1"/>
-              </a:fillRef>
-              <a:effectRef idx="0">
-                <a:schemeClr val="accent1"/>
-              </a:effectRef>
-              <a:fontRef idx="minor">
-                <a:schemeClr val="lt1"/>
-              </a:fontRef>
-            </p:style>
-            <p:txBody>
-              <a:bodyPr rtlCol="0" anchor="ctr"/>
-              <a:lstStyle/>
-              <a:p>
-                <a:pPr algn="ctr"/>
-                <a:endParaRPr lang="en-IN" dirty="0"/>
-              </a:p>
-            </p:txBody>
-          </p:sp>
-          <p:cxnSp>
-            <p:nvCxnSpPr>
-              <p:cNvPr id="147" name="Straight Connector 146">
-                <a:extLst>
-                  <a:ext uri="{FF2B5EF4-FFF2-40B4-BE49-F238E27FC236}">
-                    <a16:creationId xmlns:a16="http://schemas.microsoft.com/office/drawing/2014/main" id="{DF37070B-3B02-5E79-7E6C-197B2C54342F}"/>
-                  </a:ext>
-                </a:extLst>
-              </p:cNvPr>
-              <p:cNvCxnSpPr>
-                <a:cxnSpLocks/>
-              </p:cNvCxnSpPr>
-              <p:nvPr/>
-            </p:nvCxnSpPr>
-            <p:spPr>
-              <a:xfrm flipV="1">
-                <a:off x="3973687" y="4104684"/>
-                <a:ext cx="0" cy="406573"/>
-              </a:xfrm>
-              <a:prstGeom prst="line">
-                <a:avLst/>
-              </a:prstGeom>
-              <a:ln w="38100"/>
-            </p:spPr>
-            <p:style>
-              <a:lnRef idx="1">
-                <a:schemeClr val="accent1"/>
-              </a:lnRef>
-              <a:fillRef idx="0">
-                <a:schemeClr val="accent1"/>
-              </a:fillRef>
-              <a:effectRef idx="0">
-                <a:schemeClr val="accent1"/>
-              </a:effectRef>
-              <a:fontRef idx="minor">
-                <a:schemeClr val="tx1"/>
-              </a:fontRef>
-            </p:style>
-          </p:cxnSp>
-          <p:cxnSp>
-            <p:nvCxnSpPr>
-              <p:cNvPr id="163" name="Straight Connector 162">
-                <a:extLst>
-                  <a:ext uri="{FF2B5EF4-FFF2-40B4-BE49-F238E27FC236}">
-                    <a16:creationId xmlns:a16="http://schemas.microsoft.com/office/drawing/2014/main" id="{174809AA-606B-9A0E-B6F9-BB5F8E96CE7F}"/>
-                  </a:ext>
-                </a:extLst>
-              </p:cNvPr>
-              <p:cNvCxnSpPr>
-                <a:cxnSpLocks/>
-              </p:cNvCxnSpPr>
-              <p:nvPr/>
-            </p:nvCxnSpPr>
-            <p:spPr>
-              <a:xfrm flipV="1">
-                <a:off x="3973687" y="4050424"/>
-                <a:ext cx="254882" cy="184102"/>
-              </a:xfrm>
-              <a:prstGeom prst="line">
-                <a:avLst/>
-              </a:prstGeom>
-              <a:ln w="38100"/>
-            </p:spPr>
-            <p:style>
-              <a:lnRef idx="1">
-                <a:schemeClr val="accent1"/>
-              </a:lnRef>
-              <a:fillRef idx="0">
-                <a:schemeClr val="accent1"/>
-              </a:fillRef>
-              <a:effectRef idx="0">
-                <a:schemeClr val="accent1"/>
-              </a:effectRef>
-              <a:fontRef idx="minor">
-                <a:schemeClr val="tx1"/>
-              </a:fontRef>
-            </p:style>
-          </p:cxnSp>
-          <p:cxnSp>
-            <p:nvCxnSpPr>
-              <p:cNvPr id="166" name="Straight Connector 165">
-                <a:extLst>
-                  <a:ext uri="{FF2B5EF4-FFF2-40B4-BE49-F238E27FC236}">
-                    <a16:creationId xmlns:a16="http://schemas.microsoft.com/office/drawing/2014/main" id="{89CC6C3E-24EE-BEF5-5B99-B896E4219C01}"/>
-                  </a:ext>
-                </a:extLst>
-              </p:cNvPr>
-              <p:cNvCxnSpPr>
-                <a:cxnSpLocks/>
-              </p:cNvCxnSpPr>
-              <p:nvPr/>
-            </p:nvCxnSpPr>
-            <p:spPr>
-              <a:xfrm>
-                <a:off x="3973687" y="4381415"/>
-                <a:ext cx="254882" cy="184102"/>
-              </a:xfrm>
-              <a:prstGeom prst="line">
-                <a:avLst/>
-              </a:prstGeom>
-              <a:ln w="38100" cap="flat" cmpd="sng" algn="ctr">
+          <a:prstGeom prst="ellipse">
+            <a:avLst/>
+          </a:prstGeom>
+          <a:solidFill>
+            <a:schemeClr val="bg1">
+              <a:lumMod val="95000"/>
+            </a:schemeClr>
+          </a:solidFill>
+          <a:ln w="38100"/>
+        </p:spPr>
+        <p:style>
+          <a:lnRef idx="2">
+            <a:schemeClr val="accent1">
+              <a:shade val="50000"/>
+            </a:schemeClr>
+          </a:lnRef>
+          <a:fillRef idx="1">
+            <a:schemeClr val="accent1"/>
+          </a:fillRef>
+          <a:effectRef idx="0">
+            <a:schemeClr val="accent1"/>
+          </a:effectRef>
+          <a:fontRef idx="minor">
+            <a:schemeClr val="lt1"/>
+          </a:fontRef>
+        </p:style>
+        <p:txBody>
+          <a:bodyPr rtlCol="0" anchor="ctr"/>
+          <a:lstStyle/>
+          <a:p>
+            <a:pPr algn="ctr"/>
+            <a:endParaRPr lang="en-IN" dirty="0"/>
+          </a:p>
+        </p:txBody>
+      </p:sp>
+      <p:cxnSp>
+        <p:nvCxnSpPr>
+          <p:cNvPr id="147" name="Straight Connector 146">
+            <a:extLst>
+              <a:ext uri="{FF2B5EF4-FFF2-40B4-BE49-F238E27FC236}">
+                <a16:creationId xmlns:a16="http://schemas.microsoft.com/office/drawing/2014/main" id="{DF37070B-3B02-5E79-7E6C-197B2C54342F}"/>
+              </a:ext>
+            </a:extLst>
+          </p:cNvPr>
+          <p:cNvCxnSpPr>
+            <a:cxnSpLocks/>
+          </p:cNvCxnSpPr>
+          <p:nvPr/>
+        </p:nvCxnSpPr>
+        <p:spPr>
+          <a:xfrm flipV="1">
+            <a:off x="6191767" y="5088852"/>
+            <a:ext cx="0" cy="406573"/>
+          </a:xfrm>
+          <a:prstGeom prst="line">
+            <a:avLst/>
+          </a:prstGeom>
+          <a:ln w="38100"/>
+        </p:spPr>
+        <p:style>
+          <a:lnRef idx="1">
+            <a:schemeClr val="accent1"/>
+          </a:lnRef>
+          <a:fillRef idx="0">
+            <a:schemeClr val="accent1"/>
+          </a:fillRef>
+          <a:effectRef idx="0">
+            <a:schemeClr val="accent1"/>
+          </a:effectRef>
+          <a:fontRef idx="minor">
+            <a:schemeClr val="tx1"/>
+          </a:fontRef>
+        </p:style>
+      </p:cxnSp>
+      <p:cxnSp>
+        <p:nvCxnSpPr>
+          <p:cNvPr id="163" name="Straight Connector 162">
+            <a:extLst>
+              <a:ext uri="{FF2B5EF4-FFF2-40B4-BE49-F238E27FC236}">
+                <a16:creationId xmlns:a16="http://schemas.microsoft.com/office/drawing/2014/main" id="{174809AA-606B-9A0E-B6F9-BB5F8E96CE7F}"/>
+              </a:ext>
+            </a:extLst>
+          </p:cNvPr>
+          <p:cNvCxnSpPr>
+            <a:cxnSpLocks/>
+          </p:cNvCxnSpPr>
+          <p:nvPr/>
+        </p:nvCxnSpPr>
+        <p:spPr>
+          <a:xfrm flipV="1">
+            <a:off x="6189788" y="5034592"/>
+            <a:ext cx="256861" cy="115981"/>
+          </a:xfrm>
+          <a:prstGeom prst="line">
+            <a:avLst/>
+          </a:prstGeom>
+          <a:ln w="38100"/>
+        </p:spPr>
+        <p:style>
+          <a:lnRef idx="1">
+            <a:schemeClr val="accent1"/>
+          </a:lnRef>
+          <a:fillRef idx="0">
+            <a:schemeClr val="accent1"/>
+          </a:fillRef>
+          <a:effectRef idx="0">
+            <a:schemeClr val="accent1"/>
+          </a:effectRef>
+          <a:fontRef idx="minor">
+            <a:schemeClr val="tx1"/>
+          </a:fontRef>
+        </p:style>
+      </p:cxnSp>
+      <p:cxnSp>
+        <p:nvCxnSpPr>
+          <p:cNvPr id="166" name="Straight Connector 165">
+            <a:extLst>
+              <a:ext uri="{FF2B5EF4-FFF2-40B4-BE49-F238E27FC236}">
+                <a16:creationId xmlns:a16="http://schemas.microsoft.com/office/drawing/2014/main" id="{89CC6C3E-24EE-BEF5-5B99-B896E4219C01}"/>
+              </a:ext>
+            </a:extLst>
+          </p:cNvPr>
+          <p:cNvCxnSpPr>
+            <a:cxnSpLocks/>
+          </p:cNvCxnSpPr>
+          <p:nvPr/>
+        </p:nvCxnSpPr>
+        <p:spPr>
+          <a:xfrm>
+            <a:off x="6191767" y="5365583"/>
+            <a:ext cx="254882" cy="184102"/>
+          </a:xfrm>
+          <a:prstGeom prst="line">
+            <a:avLst/>
+          </a:prstGeom>
+          <a:ln w="38100" cap="flat" cmpd="sng" algn="ctr">
+            <a:solidFill>
+              <a:schemeClr val="accent1"/>
+            </a:solidFill>
+            <a:prstDash val="solid"/>
+            <a:round/>
+            <a:headEnd type="none" w="med" len="med"/>
+            <a:tailEnd type="arrow" w="med" len="med"/>
+          </a:ln>
+        </p:spPr>
+        <p:style>
+          <a:lnRef idx="0">
+            <a:scrgbClr r="0" g="0" b="0"/>
+          </a:lnRef>
+          <a:fillRef idx="0">
+            <a:scrgbClr r="0" g="0" b="0"/>
+          </a:fillRef>
+          <a:effectRef idx="0">
+            <a:scrgbClr r="0" g="0" b="0"/>
+          </a:effectRef>
+          <a:fontRef idx="minor">
+            <a:schemeClr val="tx1"/>
+          </a:fontRef>
+        </p:style>
+      </p:cxnSp>
+      <p:cxnSp>
+        <p:nvCxnSpPr>
+          <p:cNvPr id="172" name="Straight Connector 171">
+            <a:extLst>
+              <a:ext uri="{FF2B5EF4-FFF2-40B4-BE49-F238E27FC236}">
+                <a16:creationId xmlns:a16="http://schemas.microsoft.com/office/drawing/2014/main" id="{A543AFDD-C9B9-2671-31B1-80E88A0E1612}"/>
+              </a:ext>
+            </a:extLst>
+          </p:cNvPr>
+          <p:cNvCxnSpPr>
+            <a:cxnSpLocks/>
+          </p:cNvCxnSpPr>
+          <p:nvPr/>
+        </p:nvCxnSpPr>
+        <p:spPr>
+          <a:xfrm rot="5400000" flipV="1">
+            <a:off x="5940359" y="4991041"/>
+            <a:ext cx="0" cy="476157"/>
+          </a:xfrm>
+          <a:prstGeom prst="line">
+            <a:avLst/>
+          </a:prstGeom>
+          <a:ln w="38100"/>
+        </p:spPr>
+        <p:style>
+          <a:lnRef idx="1">
+            <a:schemeClr val="accent1"/>
+          </a:lnRef>
+          <a:fillRef idx="0">
+            <a:schemeClr val="accent1"/>
+          </a:fillRef>
+          <a:effectRef idx="0">
+            <a:schemeClr val="accent1"/>
+          </a:effectRef>
+          <a:fontRef idx="minor">
+            <a:schemeClr val="tx1"/>
+          </a:fontRef>
+        </p:style>
+      </p:cxnSp>
+      <p:cxnSp>
+        <p:nvCxnSpPr>
+          <p:cNvPr id="176" name="Straight Connector 175">
+            <a:extLst>
+              <a:ext uri="{FF2B5EF4-FFF2-40B4-BE49-F238E27FC236}">
+                <a16:creationId xmlns:a16="http://schemas.microsoft.com/office/drawing/2014/main" id="{0D3DAE2C-A74F-E6F9-44BD-A763FF5538DE}"/>
+              </a:ext>
+            </a:extLst>
+          </p:cNvPr>
+          <p:cNvCxnSpPr>
+            <a:cxnSpLocks/>
+          </p:cNvCxnSpPr>
+          <p:nvPr/>
+        </p:nvCxnSpPr>
+        <p:spPr>
+          <a:xfrm flipV="1">
+            <a:off x="6433438" y="4663688"/>
+            <a:ext cx="0" cy="395131"/>
+          </a:xfrm>
+          <a:prstGeom prst="line">
+            <a:avLst/>
+          </a:prstGeom>
+          <a:ln w="38100"/>
+        </p:spPr>
+        <p:style>
+          <a:lnRef idx="1">
+            <a:schemeClr val="accent1"/>
+          </a:lnRef>
+          <a:fillRef idx="0">
+            <a:schemeClr val="accent1"/>
+          </a:fillRef>
+          <a:effectRef idx="0">
+            <a:schemeClr val="accent1"/>
+          </a:effectRef>
+          <a:fontRef idx="minor">
+            <a:schemeClr val="tx1"/>
+          </a:fontRef>
+        </p:style>
+      </p:cxnSp>
+      <p:cxnSp>
+        <p:nvCxnSpPr>
+          <p:cNvPr id="180" name="Straight Connector 179">
+            <a:extLst>
+              <a:ext uri="{FF2B5EF4-FFF2-40B4-BE49-F238E27FC236}">
+                <a16:creationId xmlns:a16="http://schemas.microsoft.com/office/drawing/2014/main" id="{90FBFE68-2202-7CC8-38C0-E04F8346695C}"/>
+              </a:ext>
+            </a:extLst>
+          </p:cNvPr>
+          <p:cNvCxnSpPr>
+            <a:cxnSpLocks/>
+          </p:cNvCxnSpPr>
+          <p:nvPr/>
+        </p:nvCxnSpPr>
+        <p:spPr>
+          <a:xfrm flipV="1">
+            <a:off x="6423176" y="5532723"/>
+            <a:ext cx="0" cy="395131"/>
+          </a:xfrm>
+          <a:prstGeom prst="line">
+            <a:avLst/>
+          </a:prstGeom>
+          <a:ln w="38100"/>
+        </p:spPr>
+        <p:style>
+          <a:lnRef idx="1">
+            <a:schemeClr val="accent1"/>
+          </a:lnRef>
+          <a:fillRef idx="0">
+            <a:schemeClr val="accent1"/>
+          </a:fillRef>
+          <a:effectRef idx="0">
+            <a:schemeClr val="accent1"/>
+          </a:effectRef>
+          <a:fontRef idx="minor">
+            <a:schemeClr val="tx1"/>
+          </a:fontRef>
+        </p:style>
+      </p:cxnSp>
+      <p:sp>
+        <p:nvSpPr>
+          <p:cNvPr id="189" name="TextBox 188">
+            <a:extLst>
+              <a:ext uri="{FF2B5EF4-FFF2-40B4-BE49-F238E27FC236}">
+                <a16:creationId xmlns:a16="http://schemas.microsoft.com/office/drawing/2014/main" id="{F3AD4FB9-2016-8B6D-9A5C-D5733CAE411C}"/>
+              </a:ext>
+            </a:extLst>
+          </p:cNvPr>
+          <p:cNvSpPr txBox="1"/>
+          <p:nvPr/>
+        </p:nvSpPr>
+        <p:spPr>
+          <a:xfrm>
+            <a:off x="6369758" y="4964619"/>
+            <a:ext cx="338766" cy="276999"/>
+          </a:xfrm>
+          <a:prstGeom prst="rect">
+            <a:avLst/>
+          </a:prstGeom>
+          <a:noFill/>
+        </p:spPr>
+        <p:txBody>
+          <a:bodyPr wrap="square" rtlCol="0">
+            <a:spAutoFit/>
+          </a:bodyPr>
+          <a:lstStyle/>
+          <a:p>
+            <a:r>
+              <a:rPr lang="en-IN" sz="1200" b="1" dirty="0">
                 <a:solidFill>
-                  <a:schemeClr val="accent1"/>
+                  <a:srgbClr val="FF0000"/>
                 </a:solidFill>
-                <a:prstDash val="solid"/>
-                <a:round/>
-                <a:headEnd type="none" w="med" len="med"/>
-                <a:tailEnd type="arrow" w="med" len="med"/>
-              </a:ln>
-            </p:spPr>
-            <p:style>
-              <a:lnRef idx="0">
-                <a:scrgbClr r="0" g="0" b="0"/>
-              </a:lnRef>
-              <a:fillRef idx="0">
-                <a:scrgbClr r="0" g="0" b="0"/>
-              </a:fillRef>
-              <a:effectRef idx="0">
-                <a:scrgbClr r="0" g="0" b="0"/>
-              </a:effectRef>
-              <a:fontRef idx="minor">
-                <a:schemeClr val="tx1"/>
-              </a:fontRef>
-            </p:style>
-          </p:cxnSp>
-          <p:cxnSp>
-            <p:nvCxnSpPr>
-              <p:cNvPr id="172" name="Straight Connector 171">
-                <a:extLst>
-                  <a:ext uri="{FF2B5EF4-FFF2-40B4-BE49-F238E27FC236}">
-                    <a16:creationId xmlns:a16="http://schemas.microsoft.com/office/drawing/2014/main" id="{A543AFDD-C9B9-2671-31B1-80E88A0E1612}"/>
-                  </a:ext>
-                </a:extLst>
-              </p:cNvPr>
-              <p:cNvCxnSpPr>
-                <a:cxnSpLocks/>
-              </p:cNvCxnSpPr>
-              <p:nvPr/>
-            </p:nvCxnSpPr>
-            <p:spPr>
-              <a:xfrm rot="5400000" flipV="1">
-                <a:off x="3722279" y="4069892"/>
-                <a:ext cx="0" cy="476157"/>
-              </a:xfrm>
-              <a:prstGeom prst="line">
-                <a:avLst/>
-              </a:prstGeom>
-              <a:ln w="38100"/>
-            </p:spPr>
-            <p:style>
-              <a:lnRef idx="1">
-                <a:schemeClr val="accent1"/>
-              </a:lnRef>
-              <a:fillRef idx="0">
-                <a:schemeClr val="accent1"/>
-              </a:fillRef>
-              <a:effectRef idx="0">
-                <a:schemeClr val="accent1"/>
-              </a:effectRef>
-              <a:fontRef idx="minor">
-                <a:schemeClr val="tx1"/>
-              </a:fontRef>
-            </p:style>
-          </p:cxnSp>
-          <p:cxnSp>
-            <p:nvCxnSpPr>
-              <p:cNvPr id="176" name="Straight Connector 175">
-                <a:extLst>
-                  <a:ext uri="{FF2B5EF4-FFF2-40B4-BE49-F238E27FC236}">
-                    <a16:creationId xmlns:a16="http://schemas.microsoft.com/office/drawing/2014/main" id="{0D3DAE2C-A74F-E6F9-44BD-A763FF5538DE}"/>
-                  </a:ext>
-                </a:extLst>
-              </p:cNvPr>
-              <p:cNvCxnSpPr>
-                <a:cxnSpLocks/>
-              </p:cNvCxnSpPr>
-              <p:nvPr/>
-            </p:nvCxnSpPr>
-            <p:spPr>
-              <a:xfrm flipV="1">
-                <a:off x="4215358" y="3679520"/>
-                <a:ext cx="0" cy="395131"/>
-              </a:xfrm>
-              <a:prstGeom prst="line">
-                <a:avLst/>
-              </a:prstGeom>
-              <a:ln w="38100"/>
-            </p:spPr>
-            <p:style>
-              <a:lnRef idx="1">
-                <a:schemeClr val="accent1"/>
-              </a:lnRef>
-              <a:fillRef idx="0">
-                <a:schemeClr val="accent1"/>
-              </a:fillRef>
-              <a:effectRef idx="0">
-                <a:schemeClr val="accent1"/>
-              </a:effectRef>
-              <a:fontRef idx="minor">
-                <a:schemeClr val="tx1"/>
-              </a:fontRef>
-            </p:style>
-          </p:cxnSp>
-          <p:cxnSp>
-            <p:nvCxnSpPr>
-              <p:cNvPr id="180" name="Straight Connector 179">
-                <a:extLst>
-                  <a:ext uri="{FF2B5EF4-FFF2-40B4-BE49-F238E27FC236}">
-                    <a16:creationId xmlns:a16="http://schemas.microsoft.com/office/drawing/2014/main" id="{90FBFE68-2202-7CC8-38C0-E04F8346695C}"/>
-                  </a:ext>
-                </a:extLst>
-              </p:cNvPr>
-              <p:cNvCxnSpPr>
-                <a:cxnSpLocks/>
-              </p:cNvCxnSpPr>
-              <p:nvPr/>
-            </p:nvCxnSpPr>
-            <p:spPr>
-              <a:xfrm flipV="1">
-                <a:off x="4205096" y="4548555"/>
-                <a:ext cx="0" cy="395131"/>
-              </a:xfrm>
-              <a:prstGeom prst="line">
-                <a:avLst/>
-              </a:prstGeom>
-              <a:ln w="38100"/>
-            </p:spPr>
-            <p:style>
-              <a:lnRef idx="1">
-                <a:schemeClr val="accent1"/>
-              </a:lnRef>
-              <a:fillRef idx="0">
-                <a:schemeClr val="accent1"/>
-              </a:fillRef>
-              <a:effectRef idx="0">
-                <a:schemeClr val="accent1"/>
-              </a:effectRef>
-              <a:fontRef idx="minor">
-                <a:schemeClr val="tx1"/>
-              </a:fontRef>
-            </p:style>
-          </p:cxnSp>
-        </p:grpSp>
-        <p:sp>
-          <p:nvSpPr>
-            <p:cNvPr id="189" name="TextBox 188">
-              <a:extLst>
-                <a:ext uri="{FF2B5EF4-FFF2-40B4-BE49-F238E27FC236}">
-                  <a16:creationId xmlns:a16="http://schemas.microsoft.com/office/drawing/2014/main" id="{F3AD4FB9-2016-8B6D-9A5C-D5733CAE411C}"/>
-                </a:ext>
-              </a:extLst>
-            </p:cNvPr>
-            <p:cNvSpPr txBox="1"/>
-            <p:nvPr/>
-          </p:nvSpPr>
-          <p:spPr>
-            <a:xfrm>
-              <a:off x="6370958" y="4757004"/>
-              <a:ext cx="338766" cy="276999"/>
-            </a:xfrm>
-            <a:prstGeom prst="rect">
-              <a:avLst/>
-            </a:prstGeom>
-            <a:noFill/>
-          </p:spPr>
-          <p:txBody>
-            <a:bodyPr wrap="square" rtlCol="0">
-              <a:spAutoFit/>
-            </a:bodyPr>
-            <a:lstStyle/>
-            <a:p>
-              <a:r>
-                <a:rPr lang="en-IN" sz="1200" b="1" dirty="0">
-                  <a:solidFill>
-                    <a:srgbClr val="FF0000"/>
-                  </a:solidFill>
-                </a:rPr>
-                <a:t>C</a:t>
-              </a:r>
-            </a:p>
-          </p:txBody>
-        </p:sp>
-        <p:sp>
-          <p:nvSpPr>
-            <p:cNvPr id="190" name="TextBox 189">
-              <a:extLst>
-                <a:ext uri="{FF2B5EF4-FFF2-40B4-BE49-F238E27FC236}">
-                  <a16:creationId xmlns:a16="http://schemas.microsoft.com/office/drawing/2014/main" id="{D8ACE40F-FFCC-B838-999E-A19F06E4CF34}"/>
-                </a:ext>
-              </a:extLst>
-            </p:cNvPr>
-            <p:cNvSpPr txBox="1"/>
-            <p:nvPr/>
-          </p:nvSpPr>
-          <p:spPr>
-            <a:xfrm>
-              <a:off x="6361596" y="5142516"/>
-              <a:ext cx="338766" cy="276999"/>
-            </a:xfrm>
-            <a:prstGeom prst="rect">
-              <a:avLst/>
-            </a:prstGeom>
-            <a:noFill/>
-          </p:spPr>
-          <p:txBody>
-            <a:bodyPr wrap="square" rtlCol="0">
-              <a:spAutoFit/>
-            </a:bodyPr>
-            <a:lstStyle/>
-            <a:p>
-              <a:r>
-                <a:rPr lang="en-IN" sz="1200" b="1" dirty="0">
-                  <a:solidFill>
-                    <a:srgbClr val="FF0000"/>
-                  </a:solidFill>
-                </a:rPr>
-                <a:t>E</a:t>
-              </a:r>
-            </a:p>
-          </p:txBody>
-        </p:sp>
-        <p:sp>
-          <p:nvSpPr>
-            <p:cNvPr id="191" name="TextBox 190">
-              <a:extLst>
-                <a:ext uri="{FF2B5EF4-FFF2-40B4-BE49-F238E27FC236}">
-                  <a16:creationId xmlns:a16="http://schemas.microsoft.com/office/drawing/2014/main" id="{B834E399-1029-3F6B-6884-246F3B18ECDB}"/>
-                </a:ext>
-              </a:extLst>
-            </p:cNvPr>
-            <p:cNvSpPr txBox="1"/>
-            <p:nvPr/>
-          </p:nvSpPr>
-          <p:spPr>
-            <a:xfrm>
-              <a:off x="5959709" y="4856113"/>
-              <a:ext cx="338766" cy="276999"/>
-            </a:xfrm>
-            <a:prstGeom prst="rect">
-              <a:avLst/>
-            </a:prstGeom>
-            <a:noFill/>
-          </p:spPr>
-          <p:txBody>
-            <a:bodyPr wrap="square" rtlCol="0">
-              <a:spAutoFit/>
-            </a:bodyPr>
-            <a:lstStyle/>
-            <a:p>
-              <a:r>
-                <a:rPr lang="en-IN" sz="1200" b="1" dirty="0">
-                  <a:solidFill>
-                    <a:srgbClr val="FF0000"/>
-                  </a:solidFill>
-                </a:rPr>
-                <a:t>B</a:t>
-              </a:r>
-            </a:p>
-          </p:txBody>
-        </p:sp>
-      </p:grpSp>
+              </a:rPr>
+              <a:t>C</a:t>
+            </a:r>
+          </a:p>
+        </p:txBody>
+      </p:sp>
+      <p:sp>
+        <p:nvSpPr>
+          <p:cNvPr id="190" name="TextBox 189">
+            <a:extLst>
+              <a:ext uri="{FF2B5EF4-FFF2-40B4-BE49-F238E27FC236}">
+                <a16:creationId xmlns:a16="http://schemas.microsoft.com/office/drawing/2014/main" id="{D8ACE40F-FFCC-B838-999E-A19F06E4CF34}"/>
+              </a:ext>
+            </a:extLst>
+          </p:cNvPr>
+          <p:cNvSpPr txBox="1"/>
+          <p:nvPr/>
+        </p:nvSpPr>
+        <p:spPr>
+          <a:xfrm>
+            <a:off x="6360396" y="5350131"/>
+            <a:ext cx="338766" cy="276999"/>
+          </a:xfrm>
+          <a:prstGeom prst="rect">
+            <a:avLst/>
+          </a:prstGeom>
+          <a:noFill/>
+        </p:spPr>
+        <p:txBody>
+          <a:bodyPr wrap="square" rtlCol="0">
+            <a:spAutoFit/>
+          </a:bodyPr>
+          <a:lstStyle/>
+          <a:p>
+            <a:r>
+              <a:rPr lang="en-IN" sz="1200" b="1" dirty="0">
+                <a:solidFill>
+                  <a:srgbClr val="FF0000"/>
+                </a:solidFill>
+              </a:rPr>
+              <a:t>E</a:t>
+            </a:r>
+          </a:p>
+        </p:txBody>
+      </p:sp>
+      <p:sp>
+        <p:nvSpPr>
+          <p:cNvPr id="191" name="TextBox 190">
+            <a:extLst>
+              <a:ext uri="{FF2B5EF4-FFF2-40B4-BE49-F238E27FC236}">
+                <a16:creationId xmlns:a16="http://schemas.microsoft.com/office/drawing/2014/main" id="{B834E399-1029-3F6B-6884-246F3B18ECDB}"/>
+              </a:ext>
+            </a:extLst>
+          </p:cNvPr>
+          <p:cNvSpPr txBox="1"/>
+          <p:nvPr/>
+        </p:nvSpPr>
+        <p:spPr>
+          <a:xfrm>
+            <a:off x="5975505" y="4995577"/>
+            <a:ext cx="338766" cy="276999"/>
+          </a:xfrm>
+          <a:prstGeom prst="rect">
+            <a:avLst/>
+          </a:prstGeom>
+          <a:noFill/>
+        </p:spPr>
+        <p:txBody>
+          <a:bodyPr wrap="square" rtlCol="0">
+            <a:spAutoFit/>
+          </a:bodyPr>
+          <a:lstStyle/>
+          <a:p>
+            <a:r>
+              <a:rPr lang="en-IN" sz="1200" b="1" dirty="0">
+                <a:solidFill>
+                  <a:srgbClr val="FF0000"/>
+                </a:solidFill>
+              </a:rPr>
+              <a:t>B</a:t>
+            </a:r>
+          </a:p>
+        </p:txBody>
+      </p:sp>
       <p:grpSp>
         <p:nvGrpSpPr>
           <p:cNvPr id="212" name="Group 211">
@@ -7969,9 +7927,9 @@
           <p:nvPr/>
         </p:nvCxnSpPr>
         <p:spPr>
-          <a:xfrm>
-            <a:off x="5645780" y="1397534"/>
-            <a:ext cx="43952" cy="3408940"/>
+          <a:xfrm flipH="1">
+            <a:off x="5689732" y="1337942"/>
+            <a:ext cx="30030" cy="3468532"/>
           </a:xfrm>
           <a:prstGeom prst="line">
             <a:avLst/>

--- a/Assets/Powerpoints/DC Chopper.pptx
+++ b/Assets/Powerpoints/DC Chopper.pptx
@@ -268,7 +268,7 @@
           <a:p>
             <a:fld id="{349876DB-90CB-4857-A9D0-B3C87AAB9427}" type="datetimeFigureOut">
               <a:rPr lang="en-IN" smtClean="0"/>
-              <a:t>17-12-2022</a:t>
+              <a:t>19-12-2022</a:t>
             </a:fld>
             <a:endParaRPr lang="en-IN"/>
           </a:p>
@@ -468,7 +468,7 @@
           <a:p>
             <a:fld id="{349876DB-90CB-4857-A9D0-B3C87AAB9427}" type="datetimeFigureOut">
               <a:rPr lang="en-IN" smtClean="0"/>
-              <a:t>17-12-2022</a:t>
+              <a:t>19-12-2022</a:t>
             </a:fld>
             <a:endParaRPr lang="en-IN"/>
           </a:p>
@@ -678,7 +678,7 @@
           <a:p>
             <a:fld id="{349876DB-90CB-4857-A9D0-B3C87AAB9427}" type="datetimeFigureOut">
               <a:rPr lang="en-IN" smtClean="0"/>
-              <a:t>17-12-2022</a:t>
+              <a:t>19-12-2022</a:t>
             </a:fld>
             <a:endParaRPr lang="en-IN"/>
           </a:p>
@@ -878,7 +878,7 @@
           <a:p>
             <a:fld id="{349876DB-90CB-4857-A9D0-B3C87AAB9427}" type="datetimeFigureOut">
               <a:rPr lang="en-IN" smtClean="0"/>
-              <a:t>17-12-2022</a:t>
+              <a:t>19-12-2022</a:t>
             </a:fld>
             <a:endParaRPr lang="en-IN"/>
           </a:p>
@@ -1154,7 +1154,7 @@
           <a:p>
             <a:fld id="{349876DB-90CB-4857-A9D0-B3C87AAB9427}" type="datetimeFigureOut">
               <a:rPr lang="en-IN" smtClean="0"/>
-              <a:t>17-12-2022</a:t>
+              <a:t>19-12-2022</a:t>
             </a:fld>
             <a:endParaRPr lang="en-IN"/>
           </a:p>
@@ -1422,7 +1422,7 @@
           <a:p>
             <a:fld id="{349876DB-90CB-4857-A9D0-B3C87AAB9427}" type="datetimeFigureOut">
               <a:rPr lang="en-IN" smtClean="0"/>
-              <a:t>17-12-2022</a:t>
+              <a:t>19-12-2022</a:t>
             </a:fld>
             <a:endParaRPr lang="en-IN"/>
           </a:p>
@@ -1837,7 +1837,7 @@
           <a:p>
             <a:fld id="{349876DB-90CB-4857-A9D0-B3C87AAB9427}" type="datetimeFigureOut">
               <a:rPr lang="en-IN" smtClean="0"/>
-              <a:t>17-12-2022</a:t>
+              <a:t>19-12-2022</a:t>
             </a:fld>
             <a:endParaRPr lang="en-IN"/>
           </a:p>
@@ -1979,7 +1979,7 @@
           <a:p>
             <a:fld id="{349876DB-90CB-4857-A9D0-B3C87AAB9427}" type="datetimeFigureOut">
               <a:rPr lang="en-IN" smtClean="0"/>
-              <a:t>17-12-2022</a:t>
+              <a:t>19-12-2022</a:t>
             </a:fld>
             <a:endParaRPr lang="en-IN"/>
           </a:p>
@@ -2092,7 +2092,7 @@
           <a:p>
             <a:fld id="{349876DB-90CB-4857-A9D0-B3C87AAB9427}" type="datetimeFigureOut">
               <a:rPr lang="en-IN" smtClean="0"/>
-              <a:t>17-12-2022</a:t>
+              <a:t>19-12-2022</a:t>
             </a:fld>
             <a:endParaRPr lang="en-IN"/>
           </a:p>
@@ -2405,7 +2405,7 @@
           <a:p>
             <a:fld id="{349876DB-90CB-4857-A9D0-B3C87AAB9427}" type="datetimeFigureOut">
               <a:rPr lang="en-IN" smtClean="0"/>
-              <a:t>17-12-2022</a:t>
+              <a:t>19-12-2022</a:t>
             </a:fld>
             <a:endParaRPr lang="en-IN"/>
           </a:p>
@@ -2694,7 +2694,7 @@
           <a:p>
             <a:fld id="{349876DB-90CB-4857-A9D0-B3C87AAB9427}" type="datetimeFigureOut">
               <a:rPr lang="en-IN" smtClean="0"/>
-              <a:t>17-12-2022</a:t>
+              <a:t>19-12-2022</a:t>
             </a:fld>
             <a:endParaRPr lang="en-IN"/>
           </a:p>
@@ -2937,7 +2937,7 @@
           <a:p>
             <a:fld id="{349876DB-90CB-4857-A9D0-B3C87AAB9427}" type="datetimeFigureOut">
               <a:rPr lang="en-IN" smtClean="0"/>
-              <a:t>17-12-2022</a:t>
+              <a:t>19-12-2022</a:t>
             </a:fld>
             <a:endParaRPr lang="en-IN"/>
           </a:p>
@@ -3397,12 +3397,64 @@
           </a:fontRef>
         </p:style>
       </p:cxnSp>
+      <p:sp>
+        <p:nvSpPr>
+          <p:cNvPr id="4" name="Oval 3">
+            <a:extLst>
+              <a:ext uri="{FF2B5EF4-FFF2-40B4-BE49-F238E27FC236}">
+                <a16:creationId xmlns:a16="http://schemas.microsoft.com/office/drawing/2014/main" id="{B5F38E8E-4675-ED73-0AAD-58957C6A7844}"/>
+              </a:ext>
+            </a:extLst>
+          </p:cNvPr>
+          <p:cNvSpPr/>
+          <p:nvPr/>
+        </p:nvSpPr>
+        <p:spPr>
+          <a:xfrm>
+            <a:off x="548733" y="2292595"/>
+            <a:ext cx="1042108" cy="993632"/>
+          </a:xfrm>
+          <a:prstGeom prst="ellipse">
+            <a:avLst/>
+          </a:prstGeom>
+          <a:solidFill>
+            <a:schemeClr val="bg1">
+              <a:lumMod val="95000"/>
+            </a:schemeClr>
+          </a:solidFill>
+          <a:ln w="38100"/>
+        </p:spPr>
+        <p:style>
+          <a:lnRef idx="2">
+            <a:schemeClr val="accent1">
+              <a:shade val="50000"/>
+            </a:schemeClr>
+          </a:lnRef>
+          <a:fillRef idx="1">
+            <a:schemeClr val="accent1"/>
+          </a:fillRef>
+          <a:effectRef idx="0">
+            <a:schemeClr val="accent1"/>
+          </a:effectRef>
+          <a:fontRef idx="minor">
+            <a:schemeClr val="lt1"/>
+          </a:fontRef>
+        </p:style>
+        <p:txBody>
+          <a:bodyPr rtlCol="0" anchor="ctr"/>
+          <a:lstStyle/>
+          <a:p>
+            <a:pPr algn="ctr"/>
+            <a:endParaRPr lang="en-IN" dirty="0"/>
+          </a:p>
+        </p:txBody>
+      </p:sp>
       <p:grpSp>
         <p:nvGrpSpPr>
-          <p:cNvPr id="14" name="Group 13">
+          <p:cNvPr id="12" name="Group 11">
             <a:extLst>
               <a:ext uri="{FF2B5EF4-FFF2-40B4-BE49-F238E27FC236}">
-                <a16:creationId xmlns:a16="http://schemas.microsoft.com/office/drawing/2014/main" id="{16EB91FE-4211-17CD-5D79-0213B529A7D6}"/>
+                <a16:creationId xmlns:a16="http://schemas.microsoft.com/office/drawing/2014/main" id="{16005FFF-0ED4-CAED-9BF4-18C631EFA383}"/>
               </a:ext>
             </a:extLst>
           </p:cNvPr>
@@ -3411,18 +3463,21 @@
         </p:nvGrpSpPr>
         <p:grpSpPr>
           <a:xfrm>
-            <a:off x="548733" y="2292595"/>
-            <a:ext cx="1042108" cy="993632"/>
-            <a:chOff x="5057339" y="2354902"/>
-            <a:chExt cx="1042108" cy="993632"/>
+            <a:off x="906888" y="2523234"/>
+            <a:ext cx="325797" cy="325797"/>
+            <a:chOff x="5941524" y="3249334"/>
+            <a:chExt cx="325797" cy="325797"/>
           </a:xfrm>
+          <a:solidFill>
+            <a:srgbClr val="FF0000"/>
+          </a:solidFill>
         </p:grpSpPr>
         <p:sp>
           <p:nvSpPr>
-            <p:cNvPr id="4" name="Oval 3">
+            <p:cNvPr id="7" name="Rectangle 6">
               <a:extLst>
                 <a:ext uri="{FF2B5EF4-FFF2-40B4-BE49-F238E27FC236}">
-                  <a16:creationId xmlns:a16="http://schemas.microsoft.com/office/drawing/2014/main" id="{B5F38E8E-4675-ED73-0AAD-58957C6A7844}"/>
+                  <a16:creationId xmlns:a16="http://schemas.microsoft.com/office/drawing/2014/main" id="{2641FC01-6412-5538-1A82-32D4000C9756}"/>
                 </a:ext>
               </a:extLst>
             </p:cNvPr>
@@ -3430,19 +3485,17 @@
             <p:nvPr/>
           </p:nvSpPr>
           <p:spPr>
-            <a:xfrm>
-              <a:off x="5057339" y="2354902"/>
-              <a:ext cx="1042108" cy="993632"/>
+            <a:xfrm rot="5400000">
+              <a:off x="5941523" y="3376482"/>
+              <a:ext cx="325797" cy="71501"/>
             </a:xfrm>
-            <a:prstGeom prst="ellipse">
+            <a:prstGeom prst="rect">
               <a:avLst/>
             </a:prstGeom>
-            <a:solidFill>
-              <a:schemeClr val="bg1">
-                <a:lumMod val="95000"/>
-              </a:schemeClr>
-            </a:solidFill>
-            <a:ln w="38100"/>
+            <a:grpFill/>
+            <a:ln>
+              <a:noFill/>
+            </a:ln>
           </p:spPr>
           <p:style>
             <a:lnRef idx="2">
@@ -3465,140 +3518,16 @@
             <a:lstStyle/>
             <a:p>
               <a:pPr algn="ctr"/>
-              <a:endParaRPr lang="en-IN" dirty="0"/>
+              <a:endParaRPr lang="en-IN"/>
             </a:p>
           </p:txBody>
         </p:sp>
-        <p:grpSp>
-          <p:nvGrpSpPr>
-            <p:cNvPr id="12" name="Group 11">
+        <p:sp>
+          <p:nvSpPr>
+            <p:cNvPr id="9" name="Rectangle 8">
               <a:extLst>
                 <a:ext uri="{FF2B5EF4-FFF2-40B4-BE49-F238E27FC236}">
-                  <a16:creationId xmlns:a16="http://schemas.microsoft.com/office/drawing/2014/main" id="{16005FFF-0ED4-CAED-9BF4-18C631EFA383}"/>
-                </a:ext>
-              </a:extLst>
-            </p:cNvPr>
-            <p:cNvGrpSpPr/>
-            <p:nvPr/>
-          </p:nvGrpSpPr>
-          <p:grpSpPr>
-            <a:xfrm>
-              <a:off x="5415494" y="2585541"/>
-              <a:ext cx="325797" cy="325797"/>
-              <a:chOff x="5941524" y="3249334"/>
-              <a:chExt cx="325797" cy="325797"/>
-            </a:xfrm>
-            <a:solidFill>
-              <a:srgbClr val="FF0000"/>
-            </a:solidFill>
-          </p:grpSpPr>
-          <p:sp>
-            <p:nvSpPr>
-              <p:cNvPr id="7" name="Rectangle 6">
-                <a:extLst>
-                  <a:ext uri="{FF2B5EF4-FFF2-40B4-BE49-F238E27FC236}">
-                    <a16:creationId xmlns:a16="http://schemas.microsoft.com/office/drawing/2014/main" id="{2641FC01-6412-5538-1A82-32D4000C9756}"/>
-                  </a:ext>
-                </a:extLst>
-              </p:cNvPr>
-              <p:cNvSpPr/>
-              <p:nvPr/>
-            </p:nvSpPr>
-            <p:spPr>
-              <a:xfrm rot="5400000">
-                <a:off x="5941523" y="3376482"/>
-                <a:ext cx="325797" cy="71501"/>
-              </a:xfrm>
-              <a:prstGeom prst="rect">
-                <a:avLst/>
-              </a:prstGeom>
-              <a:grpFill/>
-              <a:ln>
-                <a:noFill/>
-              </a:ln>
-            </p:spPr>
-            <p:style>
-              <a:lnRef idx="2">
-                <a:schemeClr val="accent1">
-                  <a:shade val="50000"/>
-                </a:schemeClr>
-              </a:lnRef>
-              <a:fillRef idx="1">
-                <a:schemeClr val="accent1"/>
-              </a:fillRef>
-              <a:effectRef idx="0">
-                <a:schemeClr val="accent1"/>
-              </a:effectRef>
-              <a:fontRef idx="minor">
-                <a:schemeClr val="lt1"/>
-              </a:fontRef>
-            </p:style>
-            <p:txBody>
-              <a:bodyPr rtlCol="0" anchor="ctr"/>
-              <a:lstStyle/>
-              <a:p>
-                <a:pPr algn="ctr"/>
-                <a:endParaRPr lang="en-IN"/>
-              </a:p>
-            </p:txBody>
-          </p:sp>
-          <p:sp>
-            <p:nvSpPr>
-              <p:cNvPr id="9" name="Rectangle 8">
-                <a:extLst>
-                  <a:ext uri="{FF2B5EF4-FFF2-40B4-BE49-F238E27FC236}">
-                    <a16:creationId xmlns:a16="http://schemas.microsoft.com/office/drawing/2014/main" id="{210BF49F-0680-5BAB-2892-AE06E4E26ABE}"/>
-                  </a:ext>
-                </a:extLst>
-              </p:cNvPr>
-              <p:cNvSpPr/>
-              <p:nvPr/>
-            </p:nvSpPr>
-            <p:spPr>
-              <a:xfrm>
-                <a:off x="5941524" y="3376391"/>
-                <a:ext cx="325797" cy="71501"/>
-              </a:xfrm>
-              <a:prstGeom prst="rect">
-                <a:avLst/>
-              </a:prstGeom>
-              <a:grpFill/>
-              <a:ln>
-                <a:noFill/>
-              </a:ln>
-            </p:spPr>
-            <p:style>
-              <a:lnRef idx="2">
-                <a:schemeClr val="accent1">
-                  <a:shade val="50000"/>
-                </a:schemeClr>
-              </a:lnRef>
-              <a:fillRef idx="1">
-                <a:schemeClr val="accent1"/>
-              </a:fillRef>
-              <a:effectRef idx="0">
-                <a:schemeClr val="accent1"/>
-              </a:effectRef>
-              <a:fontRef idx="minor">
-                <a:schemeClr val="lt1"/>
-              </a:fontRef>
-            </p:style>
-            <p:txBody>
-              <a:bodyPr rtlCol="0" anchor="ctr"/>
-              <a:lstStyle/>
-              <a:p>
-                <a:pPr algn="ctr"/>
-                <a:endParaRPr lang="en-IN"/>
-              </a:p>
-            </p:txBody>
-          </p:sp>
-        </p:grpSp>
-        <p:sp>
-          <p:nvSpPr>
-            <p:cNvPr id="11" name="Rectangle 10">
-              <a:extLst>
-                <a:ext uri="{FF2B5EF4-FFF2-40B4-BE49-F238E27FC236}">
-                  <a16:creationId xmlns:a16="http://schemas.microsoft.com/office/drawing/2014/main" id="{B6930E61-AE4E-C192-C193-A722836F27D8}"/>
+                  <a16:creationId xmlns:a16="http://schemas.microsoft.com/office/drawing/2014/main" id="{210BF49F-0680-5BAB-2892-AE06E4E26ABE}"/>
                 </a:ext>
               </a:extLst>
             </p:cNvPr>
@@ -3607,15 +3536,13 @@
           </p:nvSpPr>
           <p:spPr>
             <a:xfrm>
-              <a:off x="5415494" y="3080397"/>
+              <a:off x="5941524" y="3376391"/>
               <a:ext cx="325797" cy="71501"/>
             </a:xfrm>
             <a:prstGeom prst="rect">
               <a:avLst/>
             </a:prstGeom>
-            <a:solidFill>
-              <a:srgbClr val="FF0000"/>
-            </a:solidFill>
+            <a:grpFill/>
             <a:ln>
               <a:noFill/>
             </a:ln>
@@ -3662,8 +3589,8 @@
         </p:nvCxnSpPr>
         <p:spPr>
           <a:xfrm flipH="1">
-            <a:off x="1058027" y="846110"/>
-            <a:ext cx="9955261" cy="12321"/>
+            <a:off x="4645620" y="846110"/>
+            <a:ext cx="6367668" cy="13430"/>
           </a:xfrm>
           <a:prstGeom prst="line">
             <a:avLst/>
@@ -3689,374 +3616,6 @@
           </a:fontRef>
         </p:style>
       </p:cxnSp>
-      <p:grpSp>
-        <p:nvGrpSpPr>
-          <p:cNvPr id="141" name="Group 140">
-            <a:extLst>
-              <a:ext uri="{FF2B5EF4-FFF2-40B4-BE49-F238E27FC236}">
-                <a16:creationId xmlns:a16="http://schemas.microsoft.com/office/drawing/2014/main" id="{B80258A6-6E74-B06A-B384-80954C7BCEA7}"/>
-              </a:ext>
-            </a:extLst>
-          </p:cNvPr>
-          <p:cNvGrpSpPr/>
-          <p:nvPr/>
-        </p:nvGrpSpPr>
-        <p:grpSpPr>
-          <a:xfrm>
-            <a:off x="2885492" y="431634"/>
-            <a:ext cx="1310209" cy="806000"/>
-            <a:chOff x="2677704" y="366749"/>
-            <a:chExt cx="1461448" cy="943455"/>
-          </a:xfrm>
-        </p:grpSpPr>
-        <p:grpSp>
-          <p:nvGrpSpPr>
-            <p:cNvPr id="20" name="Group 19">
-              <a:extLst>
-                <a:ext uri="{FF2B5EF4-FFF2-40B4-BE49-F238E27FC236}">
-                  <a16:creationId xmlns:a16="http://schemas.microsoft.com/office/drawing/2014/main" id="{6FB7B51A-3408-A935-ED04-7F88FE64DACE}"/>
-                </a:ext>
-              </a:extLst>
-            </p:cNvPr>
-            <p:cNvGrpSpPr/>
-            <p:nvPr/>
-          </p:nvGrpSpPr>
-          <p:grpSpPr>
-            <a:xfrm>
-              <a:off x="2924321" y="366749"/>
-              <a:ext cx="947525" cy="943455"/>
-              <a:chOff x="5736068" y="1686622"/>
-              <a:chExt cx="1042108" cy="993632"/>
-            </a:xfrm>
-          </p:grpSpPr>
-          <p:sp>
-            <p:nvSpPr>
-              <p:cNvPr id="17" name="Oval 16">
-                <a:extLst>
-                  <a:ext uri="{FF2B5EF4-FFF2-40B4-BE49-F238E27FC236}">
-                    <a16:creationId xmlns:a16="http://schemas.microsoft.com/office/drawing/2014/main" id="{DBC6F374-CD07-9C96-4DAD-BB1815FE4356}"/>
-                  </a:ext>
-                </a:extLst>
-              </p:cNvPr>
-              <p:cNvSpPr/>
-              <p:nvPr/>
-            </p:nvSpPr>
-            <p:spPr>
-              <a:xfrm>
-                <a:off x="5736068" y="1686622"/>
-                <a:ext cx="1042108" cy="993632"/>
-              </a:xfrm>
-              <a:prstGeom prst="ellipse">
-                <a:avLst/>
-              </a:prstGeom>
-              <a:solidFill>
-                <a:schemeClr val="bg1">
-                  <a:lumMod val="95000"/>
-                </a:schemeClr>
-              </a:solidFill>
-              <a:ln w="38100"/>
-            </p:spPr>
-            <p:style>
-              <a:lnRef idx="2">
-                <a:schemeClr val="accent1">
-                  <a:shade val="50000"/>
-                </a:schemeClr>
-              </a:lnRef>
-              <a:fillRef idx="1">
-                <a:schemeClr val="accent1"/>
-              </a:fillRef>
-              <a:effectRef idx="0">
-                <a:schemeClr val="accent1"/>
-              </a:effectRef>
-              <a:fontRef idx="minor">
-                <a:schemeClr val="lt1"/>
-              </a:fontRef>
-            </p:style>
-            <p:txBody>
-              <a:bodyPr rtlCol="0" anchor="ctr"/>
-              <a:lstStyle/>
-              <a:p>
-                <a:pPr algn="ctr"/>
-                <a:endParaRPr lang="en-IN" sz="4000" dirty="0">
-                  <a:solidFill>
-                    <a:srgbClr val="FF0000"/>
-                  </a:solidFill>
-                </a:endParaRPr>
-              </a:p>
-            </p:txBody>
-          </p:sp>
-          <p:sp>
-            <p:nvSpPr>
-              <p:cNvPr id="18" name="TextBox 17">
-                <a:extLst>
-                  <a:ext uri="{FF2B5EF4-FFF2-40B4-BE49-F238E27FC236}">
-                    <a16:creationId xmlns:a16="http://schemas.microsoft.com/office/drawing/2014/main" id="{9103FC6C-0A35-A4EF-D5B7-E5F9BEDC2779}"/>
-                  </a:ext>
-                </a:extLst>
-              </p:cNvPr>
-              <p:cNvSpPr txBox="1"/>
-              <p:nvPr/>
-            </p:nvSpPr>
-            <p:spPr>
-              <a:xfrm>
-                <a:off x="5999025" y="1772239"/>
-                <a:ext cx="516193" cy="584775"/>
-              </a:xfrm>
-              <a:prstGeom prst="rect">
-                <a:avLst/>
-              </a:prstGeom>
-              <a:noFill/>
-            </p:spPr>
-            <p:txBody>
-              <a:bodyPr wrap="square" rtlCol="0">
-                <a:spAutoFit/>
-              </a:bodyPr>
-              <a:lstStyle/>
-              <a:p>
-                <a:pPr algn="ctr"/>
-                <a:r>
-                  <a:rPr lang="en-IN" sz="3200" b="1" dirty="0">
-                    <a:solidFill>
-                      <a:srgbClr val="FF0000"/>
-                    </a:solidFill>
-                    <a:latin typeface="Arial" panose="020B0604020202020204" pitchFamily="34" charset="0"/>
-                    <a:cs typeface="Arial" panose="020B0604020202020204" pitchFamily="34" charset="0"/>
-                  </a:rPr>
-                  <a:t>A</a:t>
-                </a:r>
-              </a:p>
-            </p:txBody>
-          </p:sp>
-          <p:sp>
-            <p:nvSpPr>
-              <p:cNvPr id="19" name="Rectangle 18">
-                <a:extLst>
-                  <a:ext uri="{FF2B5EF4-FFF2-40B4-BE49-F238E27FC236}">
-                    <a16:creationId xmlns:a16="http://schemas.microsoft.com/office/drawing/2014/main" id="{62DB162A-EC06-3684-C3A2-779EC1E447E7}"/>
-                  </a:ext>
-                </a:extLst>
-              </p:cNvPr>
-              <p:cNvSpPr/>
-              <p:nvPr/>
-            </p:nvSpPr>
-            <p:spPr>
-              <a:xfrm>
-                <a:off x="6096000" y="2357014"/>
-                <a:ext cx="325797" cy="71501"/>
-              </a:xfrm>
-              <a:prstGeom prst="rect">
-                <a:avLst/>
-              </a:prstGeom>
-              <a:solidFill>
-                <a:srgbClr val="FF0000"/>
-              </a:solidFill>
-              <a:ln>
-                <a:noFill/>
-              </a:ln>
-            </p:spPr>
-            <p:style>
-              <a:lnRef idx="2">
-                <a:schemeClr val="accent1">
-                  <a:shade val="50000"/>
-                </a:schemeClr>
-              </a:lnRef>
-              <a:fillRef idx="1">
-                <a:schemeClr val="accent1"/>
-              </a:fillRef>
-              <a:effectRef idx="0">
-                <a:schemeClr val="accent1"/>
-              </a:effectRef>
-              <a:fontRef idx="minor">
-                <a:schemeClr val="lt1"/>
-              </a:fontRef>
-            </p:style>
-            <p:txBody>
-              <a:bodyPr rtlCol="0" anchor="ctr"/>
-              <a:lstStyle/>
-              <a:p>
-                <a:pPr algn="ctr"/>
-                <a:endParaRPr lang="en-IN"/>
-              </a:p>
-            </p:txBody>
-          </p:sp>
-        </p:grpSp>
-        <p:grpSp>
-          <p:nvGrpSpPr>
-            <p:cNvPr id="85" name="Group 84">
-              <a:extLst>
-                <a:ext uri="{FF2B5EF4-FFF2-40B4-BE49-F238E27FC236}">
-                  <a16:creationId xmlns:a16="http://schemas.microsoft.com/office/drawing/2014/main" id="{57CA27D4-E219-0B8E-63F2-EE00571FCE46}"/>
-                </a:ext>
-              </a:extLst>
-            </p:cNvPr>
-            <p:cNvGrpSpPr/>
-            <p:nvPr/>
-          </p:nvGrpSpPr>
-          <p:grpSpPr>
-            <a:xfrm>
-              <a:off x="2677704" y="448042"/>
-              <a:ext cx="247026" cy="260732"/>
-              <a:chOff x="5941524" y="3192658"/>
-              <a:chExt cx="325797" cy="325797"/>
-            </a:xfrm>
-            <a:solidFill>
-              <a:srgbClr val="FF0000"/>
-            </a:solidFill>
-          </p:grpSpPr>
-          <p:sp>
-            <p:nvSpPr>
-              <p:cNvPr id="87" name="Rectangle 86">
-                <a:extLst>
-                  <a:ext uri="{FF2B5EF4-FFF2-40B4-BE49-F238E27FC236}">
-                    <a16:creationId xmlns:a16="http://schemas.microsoft.com/office/drawing/2014/main" id="{66A557F3-DB72-C1F3-6A60-EDFB199AADD5}"/>
-                  </a:ext>
-                </a:extLst>
-              </p:cNvPr>
-              <p:cNvSpPr/>
-              <p:nvPr/>
-            </p:nvSpPr>
-            <p:spPr>
-              <a:xfrm rot="5400000">
-                <a:off x="5941525" y="3319806"/>
-                <a:ext cx="325797" cy="71501"/>
-              </a:xfrm>
-              <a:prstGeom prst="rect">
-                <a:avLst/>
-              </a:prstGeom>
-              <a:grpFill/>
-              <a:ln>
-                <a:noFill/>
-              </a:ln>
-            </p:spPr>
-            <p:style>
-              <a:lnRef idx="2">
-                <a:schemeClr val="accent1">
-                  <a:shade val="50000"/>
-                </a:schemeClr>
-              </a:lnRef>
-              <a:fillRef idx="1">
-                <a:schemeClr val="accent1"/>
-              </a:fillRef>
-              <a:effectRef idx="0">
-                <a:schemeClr val="accent1"/>
-              </a:effectRef>
-              <a:fontRef idx="minor">
-                <a:schemeClr val="lt1"/>
-              </a:fontRef>
-            </p:style>
-            <p:txBody>
-              <a:bodyPr rtlCol="0" anchor="ctr"/>
-              <a:lstStyle/>
-              <a:p>
-                <a:pPr algn="ctr"/>
-                <a:endParaRPr lang="en-IN"/>
-              </a:p>
-            </p:txBody>
-          </p:sp>
-          <p:sp>
-            <p:nvSpPr>
-              <p:cNvPr id="88" name="Rectangle 87">
-                <a:extLst>
-                  <a:ext uri="{FF2B5EF4-FFF2-40B4-BE49-F238E27FC236}">
-                    <a16:creationId xmlns:a16="http://schemas.microsoft.com/office/drawing/2014/main" id="{BDEA8464-1097-8FF0-DEE5-CC6ED9718EE8}"/>
-                  </a:ext>
-                </a:extLst>
-              </p:cNvPr>
-              <p:cNvSpPr/>
-              <p:nvPr/>
-            </p:nvSpPr>
-            <p:spPr>
-              <a:xfrm>
-                <a:off x="5941524" y="3319805"/>
-                <a:ext cx="325797" cy="71501"/>
-              </a:xfrm>
-              <a:prstGeom prst="rect">
-                <a:avLst/>
-              </a:prstGeom>
-              <a:grpFill/>
-              <a:ln>
-                <a:noFill/>
-              </a:ln>
-            </p:spPr>
-            <p:style>
-              <a:lnRef idx="2">
-                <a:schemeClr val="accent1">
-                  <a:shade val="50000"/>
-                </a:schemeClr>
-              </a:lnRef>
-              <a:fillRef idx="1">
-                <a:schemeClr val="accent1"/>
-              </a:fillRef>
-              <a:effectRef idx="0">
-                <a:schemeClr val="accent1"/>
-              </a:effectRef>
-              <a:fontRef idx="minor">
-                <a:schemeClr val="lt1"/>
-              </a:fontRef>
-            </p:style>
-            <p:txBody>
-              <a:bodyPr rtlCol="0" anchor="ctr"/>
-              <a:lstStyle/>
-              <a:p>
-                <a:pPr algn="ctr"/>
-                <a:endParaRPr lang="en-IN"/>
-              </a:p>
-            </p:txBody>
-          </p:sp>
-        </p:grpSp>
-        <p:sp>
-          <p:nvSpPr>
-            <p:cNvPr id="89" name="Rectangle 88">
-              <a:extLst>
-                <a:ext uri="{FF2B5EF4-FFF2-40B4-BE49-F238E27FC236}">
-                  <a16:creationId xmlns:a16="http://schemas.microsoft.com/office/drawing/2014/main" id="{995791F1-FBE5-A29E-6659-2582BCEBEFD4}"/>
-                </a:ext>
-              </a:extLst>
-            </p:cNvPr>
-            <p:cNvSpPr/>
-            <p:nvPr/>
-          </p:nvSpPr>
-          <p:spPr>
-            <a:xfrm>
-              <a:off x="3892126" y="521185"/>
-              <a:ext cx="247026" cy="57222"/>
-            </a:xfrm>
-            <a:prstGeom prst="rect">
-              <a:avLst/>
-            </a:prstGeom>
-            <a:solidFill>
-              <a:srgbClr val="FF0000"/>
-            </a:solidFill>
-            <a:ln>
-              <a:noFill/>
-            </a:ln>
-          </p:spPr>
-          <p:style>
-            <a:lnRef idx="2">
-              <a:schemeClr val="accent1">
-                <a:shade val="50000"/>
-              </a:schemeClr>
-            </a:lnRef>
-            <a:fillRef idx="1">
-              <a:schemeClr val="accent1"/>
-            </a:fillRef>
-            <a:effectRef idx="0">
-              <a:schemeClr val="accent1"/>
-            </a:effectRef>
-            <a:fontRef idx="minor">
-              <a:schemeClr val="lt1"/>
-            </a:fontRef>
-          </p:style>
-          <p:txBody>
-            <a:bodyPr rtlCol="0" anchor="ctr"/>
-            <a:lstStyle/>
-            <a:p>
-              <a:pPr algn="ctr"/>
-              <a:endParaRPr lang="en-IN"/>
-            </a:p>
-          </p:txBody>
-        </p:sp>
-      </p:grpSp>
       <p:cxnSp>
         <p:nvCxnSpPr>
           <p:cNvPr id="98" name="Straight Connector 97">
@@ -4114,7 +3673,7 @@
         </p:nvGrpSpPr>
         <p:grpSpPr>
           <a:xfrm>
-            <a:off x="7583572" y="2129818"/>
+            <a:off x="9007018" y="5213302"/>
             <a:ext cx="512854" cy="561746"/>
             <a:chOff x="3610045" y="3464345"/>
             <a:chExt cx="693435" cy="575227"/>
@@ -4162,7 +3721,7 @@
             <a:lstStyle/>
             <a:p>
               <a:pPr algn="ctr"/>
-              <a:endParaRPr lang="en-IN"/>
+              <a:endParaRPr lang="en-IN" dirty="0"/>
             </a:p>
           </p:txBody>
         </p:sp>
@@ -4253,648 +3812,49 @@
           </a:fontRef>
         </p:style>
       </p:cxnSp>
-      <p:grpSp>
-        <p:nvGrpSpPr>
-          <p:cNvPr id="50" name="Group 49">
+      <p:cxnSp>
+        <p:nvCxnSpPr>
+          <p:cNvPr id="74" name="Straight Connector 73">
             <a:extLst>
               <a:ext uri="{FF2B5EF4-FFF2-40B4-BE49-F238E27FC236}">
-                <a16:creationId xmlns:a16="http://schemas.microsoft.com/office/drawing/2014/main" id="{5C1A4C46-466A-E7AA-325F-0568DEFCE1D2}"/>
+                <a16:creationId xmlns:a16="http://schemas.microsoft.com/office/drawing/2014/main" id="{F469474A-C8D2-893C-8016-DF894054655B}"/>
               </a:ext>
             </a:extLst>
           </p:cNvPr>
-          <p:cNvGrpSpPr/>
+          <p:cNvCxnSpPr>
+            <a:cxnSpLocks/>
+          </p:cNvCxnSpPr>
           <p:nvPr/>
-        </p:nvGrpSpPr>
-        <p:grpSpPr>
+        </p:nvCxnSpPr>
+        <p:spPr>
           <a:xfrm>
-            <a:off x="6096000" y="1092138"/>
-            <a:ext cx="439795" cy="2425224"/>
-            <a:chOff x="6096002" y="1241982"/>
-            <a:chExt cx="439795" cy="2425224"/>
+            <a:off x="11589091" y="5409210"/>
+            <a:ext cx="2300" cy="898927"/>
           </a:xfrm>
-        </p:grpSpPr>
-        <p:grpSp>
-          <p:nvGrpSpPr>
-            <p:cNvPr id="25" name="Group 24">
-              <a:extLst>
-                <a:ext uri="{FF2B5EF4-FFF2-40B4-BE49-F238E27FC236}">
-                  <a16:creationId xmlns:a16="http://schemas.microsoft.com/office/drawing/2014/main" id="{E561D21F-D852-DEE1-7855-4DCA5BFFBEE4}"/>
-                </a:ext>
-              </a:extLst>
-            </p:cNvPr>
-            <p:cNvGrpSpPr/>
-            <p:nvPr/>
-          </p:nvGrpSpPr>
-          <p:grpSpPr>
-            <a:xfrm rot="16200000">
-              <a:off x="5694916" y="2383113"/>
-              <a:ext cx="1241968" cy="439795"/>
-              <a:chOff x="2905113" y="3027281"/>
-              <a:chExt cx="1489971" cy="494935"/>
-            </a:xfrm>
-          </p:grpSpPr>
-          <p:cxnSp>
-            <p:nvCxnSpPr>
-              <p:cNvPr id="55" name="Straight Connector 54">
-                <a:extLst>
-                  <a:ext uri="{FF2B5EF4-FFF2-40B4-BE49-F238E27FC236}">
-                    <a16:creationId xmlns:a16="http://schemas.microsoft.com/office/drawing/2014/main" id="{BEA87DF1-57AD-E4C7-3CD9-0B94A03C21D1}"/>
-                  </a:ext>
-                </a:extLst>
-              </p:cNvPr>
-              <p:cNvCxnSpPr>
-                <a:cxnSpLocks/>
-              </p:cNvCxnSpPr>
-              <p:nvPr/>
-            </p:nvCxnSpPr>
-            <p:spPr>
-              <a:xfrm rot="5400000" flipH="1" flipV="1">
-                <a:off x="2786718" y="3145681"/>
-                <a:ext cx="394474" cy="157683"/>
-              </a:xfrm>
-              <a:prstGeom prst="line">
-                <a:avLst/>
-              </a:prstGeom>
-              <a:ln w="57150">
-                <a:solidFill>
-                  <a:srgbClr val="0070C0"/>
-                </a:solidFill>
-              </a:ln>
-            </p:spPr>
-            <p:style>
-              <a:lnRef idx="1">
-                <a:schemeClr val="accent1"/>
-              </a:lnRef>
-              <a:fillRef idx="0">
-                <a:schemeClr val="accent1"/>
-              </a:fillRef>
-              <a:effectRef idx="0">
-                <a:schemeClr val="accent1"/>
-              </a:effectRef>
-              <a:fontRef idx="minor">
-                <a:schemeClr val="tx1"/>
-              </a:fontRef>
-            </p:style>
-          </p:cxnSp>
-          <p:grpSp>
-            <p:nvGrpSpPr>
-              <p:cNvPr id="56" name="Group 55">
-                <a:extLst>
-                  <a:ext uri="{FF2B5EF4-FFF2-40B4-BE49-F238E27FC236}">
-                    <a16:creationId xmlns:a16="http://schemas.microsoft.com/office/drawing/2014/main" id="{D43E756B-62FF-DE0E-872C-754F4C263D16}"/>
-                  </a:ext>
-                </a:extLst>
-              </p:cNvPr>
-              <p:cNvGrpSpPr/>
-              <p:nvPr/>
-            </p:nvGrpSpPr>
-            <p:grpSpPr>
-              <a:xfrm>
-                <a:off x="3062796" y="3038382"/>
-                <a:ext cx="301842" cy="483834"/>
-                <a:chOff x="3062796" y="3027285"/>
-                <a:chExt cx="301842" cy="483834"/>
-              </a:xfrm>
-            </p:grpSpPr>
-            <p:cxnSp>
-              <p:nvCxnSpPr>
-                <p:cNvPr id="71" name="Straight Connector 70">
-                  <a:extLst>
-                    <a:ext uri="{FF2B5EF4-FFF2-40B4-BE49-F238E27FC236}">
-                      <a16:creationId xmlns:a16="http://schemas.microsoft.com/office/drawing/2014/main" id="{92228DA3-FC6A-1238-1AD1-06C06FC5707F}"/>
-                    </a:ext>
-                  </a:extLst>
-                </p:cNvPr>
-                <p:cNvCxnSpPr>
-                  <a:cxnSpLocks/>
-                </p:cNvCxnSpPr>
-                <p:nvPr/>
-              </p:nvCxnSpPr>
-              <p:spPr>
-                <a:xfrm flipH="1" flipV="1">
-                  <a:off x="3062796" y="3027285"/>
-                  <a:ext cx="150921" cy="483834"/>
-                </a:xfrm>
-                <a:prstGeom prst="line">
-                  <a:avLst/>
-                </a:prstGeom>
-                <a:ln w="57150">
-                  <a:solidFill>
-                    <a:srgbClr val="0070C0"/>
-                  </a:solidFill>
-                </a:ln>
-              </p:spPr>
-              <p:style>
-                <a:lnRef idx="1">
-                  <a:schemeClr val="accent1"/>
-                </a:lnRef>
-                <a:fillRef idx="0">
-                  <a:schemeClr val="accent1"/>
-                </a:fillRef>
-                <a:effectRef idx="0">
-                  <a:schemeClr val="accent1"/>
-                </a:effectRef>
-                <a:fontRef idx="minor">
-                  <a:schemeClr val="tx1"/>
-                </a:fontRef>
-              </p:style>
-            </p:cxnSp>
-            <p:cxnSp>
-              <p:nvCxnSpPr>
-                <p:cNvPr id="72" name="Straight Connector 71">
-                  <a:extLst>
-                    <a:ext uri="{FF2B5EF4-FFF2-40B4-BE49-F238E27FC236}">
-                      <a16:creationId xmlns:a16="http://schemas.microsoft.com/office/drawing/2014/main" id="{8E5028D4-6AE6-11C8-DA53-DEB32631038B}"/>
-                    </a:ext>
-                  </a:extLst>
-                </p:cNvPr>
-                <p:cNvCxnSpPr>
-                  <a:cxnSpLocks/>
-                </p:cNvCxnSpPr>
-                <p:nvPr/>
-              </p:nvCxnSpPr>
-              <p:spPr>
-                <a:xfrm flipV="1">
-                  <a:off x="3213717" y="3027285"/>
-                  <a:ext cx="150921" cy="483834"/>
-                </a:xfrm>
-                <a:prstGeom prst="line">
-                  <a:avLst/>
-                </a:prstGeom>
-                <a:ln w="57150">
-                  <a:solidFill>
-                    <a:srgbClr val="0070C0"/>
-                  </a:solidFill>
-                </a:ln>
-              </p:spPr>
-              <p:style>
-                <a:lnRef idx="1">
-                  <a:schemeClr val="accent1"/>
-                </a:lnRef>
-                <a:fillRef idx="0">
-                  <a:schemeClr val="accent1"/>
-                </a:fillRef>
-                <a:effectRef idx="0">
-                  <a:schemeClr val="accent1"/>
-                </a:effectRef>
-                <a:fontRef idx="minor">
-                  <a:schemeClr val="tx1"/>
-                </a:fontRef>
-              </p:style>
-            </p:cxnSp>
-          </p:grpSp>
-          <p:grpSp>
-            <p:nvGrpSpPr>
-              <p:cNvPr id="57" name="Group 56">
-                <a:extLst>
-                  <a:ext uri="{FF2B5EF4-FFF2-40B4-BE49-F238E27FC236}">
-                    <a16:creationId xmlns:a16="http://schemas.microsoft.com/office/drawing/2014/main" id="{B5F8BEB7-04AE-B2F5-A543-A030591E01EE}"/>
-                  </a:ext>
-                </a:extLst>
-              </p:cNvPr>
-              <p:cNvGrpSpPr/>
-              <p:nvPr/>
-            </p:nvGrpSpPr>
-            <p:grpSpPr>
-              <a:xfrm>
-                <a:off x="3366118" y="3027281"/>
-                <a:ext cx="301842" cy="483838"/>
-                <a:chOff x="3062796" y="3027281"/>
-                <a:chExt cx="301842" cy="483838"/>
-              </a:xfrm>
-            </p:grpSpPr>
-            <p:cxnSp>
-              <p:nvCxnSpPr>
-                <p:cNvPr id="69" name="Straight Connector 68">
-                  <a:extLst>
-                    <a:ext uri="{FF2B5EF4-FFF2-40B4-BE49-F238E27FC236}">
-                      <a16:creationId xmlns:a16="http://schemas.microsoft.com/office/drawing/2014/main" id="{2C9C69B8-FF13-D297-0559-05DE87949FA2}"/>
-                    </a:ext>
-                  </a:extLst>
-                </p:cNvPr>
-                <p:cNvCxnSpPr>
-                  <a:cxnSpLocks/>
-                </p:cNvCxnSpPr>
-                <p:nvPr/>
-              </p:nvCxnSpPr>
-              <p:spPr>
-                <a:xfrm flipH="1" flipV="1">
-                  <a:off x="3062796" y="3027281"/>
-                  <a:ext cx="150922" cy="483834"/>
-                </a:xfrm>
-                <a:prstGeom prst="line">
-                  <a:avLst/>
-                </a:prstGeom>
-                <a:ln w="57150">
-                  <a:solidFill>
-                    <a:srgbClr val="0070C0"/>
-                  </a:solidFill>
-                </a:ln>
-              </p:spPr>
-              <p:style>
-                <a:lnRef idx="1">
-                  <a:schemeClr val="accent1"/>
-                </a:lnRef>
-                <a:fillRef idx="0">
-                  <a:schemeClr val="accent1"/>
-                </a:fillRef>
-                <a:effectRef idx="0">
-                  <a:schemeClr val="accent1"/>
-                </a:effectRef>
-                <a:fontRef idx="minor">
-                  <a:schemeClr val="tx1"/>
-                </a:fontRef>
-              </p:style>
-            </p:cxnSp>
-            <p:cxnSp>
-              <p:nvCxnSpPr>
-                <p:cNvPr id="70" name="Straight Connector 69">
-                  <a:extLst>
-                    <a:ext uri="{FF2B5EF4-FFF2-40B4-BE49-F238E27FC236}">
-                      <a16:creationId xmlns:a16="http://schemas.microsoft.com/office/drawing/2014/main" id="{D06297FA-010D-932B-3DFB-CD0E33840BE6}"/>
-                    </a:ext>
-                  </a:extLst>
-                </p:cNvPr>
-                <p:cNvCxnSpPr>
-                  <a:cxnSpLocks/>
-                </p:cNvCxnSpPr>
-                <p:nvPr/>
-              </p:nvCxnSpPr>
-              <p:spPr>
-                <a:xfrm flipV="1">
-                  <a:off x="3213717" y="3027285"/>
-                  <a:ext cx="150921" cy="483834"/>
-                </a:xfrm>
-                <a:prstGeom prst="line">
-                  <a:avLst/>
-                </a:prstGeom>
-                <a:ln w="57150">
-                  <a:solidFill>
-                    <a:srgbClr val="0070C0"/>
-                  </a:solidFill>
-                </a:ln>
-              </p:spPr>
-              <p:style>
-                <a:lnRef idx="1">
-                  <a:schemeClr val="accent1"/>
-                </a:lnRef>
-                <a:fillRef idx="0">
-                  <a:schemeClr val="accent1"/>
-                </a:fillRef>
-                <a:effectRef idx="0">
-                  <a:schemeClr val="accent1"/>
-                </a:effectRef>
-                <a:fontRef idx="minor">
-                  <a:schemeClr val="tx1"/>
-                </a:fontRef>
-              </p:style>
-            </p:cxnSp>
-          </p:grpSp>
-          <p:grpSp>
-            <p:nvGrpSpPr>
-              <p:cNvPr id="58" name="Group 57">
-                <a:extLst>
-                  <a:ext uri="{FF2B5EF4-FFF2-40B4-BE49-F238E27FC236}">
-                    <a16:creationId xmlns:a16="http://schemas.microsoft.com/office/drawing/2014/main" id="{B33E3171-D02B-0281-CAC7-BBA5E420A046}"/>
-                  </a:ext>
-                </a:extLst>
-              </p:cNvPr>
-              <p:cNvGrpSpPr/>
-              <p:nvPr/>
-            </p:nvGrpSpPr>
-            <p:grpSpPr>
-              <a:xfrm>
-                <a:off x="3971282" y="3038382"/>
-                <a:ext cx="301842" cy="483834"/>
-                <a:chOff x="3062796" y="3027285"/>
-                <a:chExt cx="301842" cy="483834"/>
-              </a:xfrm>
-            </p:grpSpPr>
-            <p:cxnSp>
-              <p:nvCxnSpPr>
-                <p:cNvPr id="67" name="Straight Connector 66">
-                  <a:extLst>
-                    <a:ext uri="{FF2B5EF4-FFF2-40B4-BE49-F238E27FC236}">
-                      <a16:creationId xmlns:a16="http://schemas.microsoft.com/office/drawing/2014/main" id="{8D103C26-19B1-E709-A975-96744FB2C52F}"/>
-                    </a:ext>
-                  </a:extLst>
-                </p:cNvPr>
-                <p:cNvCxnSpPr>
-                  <a:cxnSpLocks/>
-                </p:cNvCxnSpPr>
-                <p:nvPr/>
-              </p:nvCxnSpPr>
-              <p:spPr>
-                <a:xfrm flipH="1" flipV="1">
-                  <a:off x="3062796" y="3027285"/>
-                  <a:ext cx="150921" cy="483834"/>
-                </a:xfrm>
-                <a:prstGeom prst="line">
-                  <a:avLst/>
-                </a:prstGeom>
-                <a:ln w="57150">
-                  <a:solidFill>
-                    <a:srgbClr val="0070C0"/>
-                  </a:solidFill>
-                </a:ln>
-              </p:spPr>
-              <p:style>
-                <a:lnRef idx="1">
-                  <a:schemeClr val="accent1"/>
-                </a:lnRef>
-                <a:fillRef idx="0">
-                  <a:schemeClr val="accent1"/>
-                </a:fillRef>
-                <a:effectRef idx="0">
-                  <a:schemeClr val="accent1"/>
-                </a:effectRef>
-                <a:fontRef idx="minor">
-                  <a:schemeClr val="tx1"/>
-                </a:fontRef>
-              </p:style>
-            </p:cxnSp>
-            <p:cxnSp>
-              <p:nvCxnSpPr>
-                <p:cNvPr id="68" name="Straight Connector 67">
-                  <a:extLst>
-                    <a:ext uri="{FF2B5EF4-FFF2-40B4-BE49-F238E27FC236}">
-                      <a16:creationId xmlns:a16="http://schemas.microsoft.com/office/drawing/2014/main" id="{A2F5C1A6-AC32-943F-2D2D-59FCA28625CC}"/>
-                    </a:ext>
-                  </a:extLst>
-                </p:cNvPr>
-                <p:cNvCxnSpPr>
-                  <a:cxnSpLocks/>
-                </p:cNvCxnSpPr>
-                <p:nvPr/>
-              </p:nvCxnSpPr>
-              <p:spPr>
-                <a:xfrm flipV="1">
-                  <a:off x="3213717" y="3027285"/>
-                  <a:ext cx="150921" cy="483834"/>
-                </a:xfrm>
-                <a:prstGeom prst="line">
-                  <a:avLst/>
-                </a:prstGeom>
-                <a:ln w="57150">
-                  <a:solidFill>
-                    <a:srgbClr val="0070C0"/>
-                  </a:solidFill>
-                </a:ln>
-              </p:spPr>
-              <p:style>
-                <a:lnRef idx="1">
-                  <a:schemeClr val="accent1"/>
-                </a:lnRef>
-                <a:fillRef idx="0">
-                  <a:schemeClr val="accent1"/>
-                </a:fillRef>
-                <a:effectRef idx="0">
-                  <a:schemeClr val="accent1"/>
-                </a:effectRef>
-                <a:fontRef idx="minor">
-                  <a:schemeClr val="tx1"/>
-                </a:fontRef>
-              </p:style>
-            </p:cxnSp>
-          </p:grpSp>
-          <p:grpSp>
-            <p:nvGrpSpPr>
-              <p:cNvPr id="59" name="Group 58">
-                <a:extLst>
-                  <a:ext uri="{FF2B5EF4-FFF2-40B4-BE49-F238E27FC236}">
-                    <a16:creationId xmlns:a16="http://schemas.microsoft.com/office/drawing/2014/main" id="{1E893E7A-6AF4-6D8F-466D-B3EAFD98DE09}"/>
-                  </a:ext>
-                </a:extLst>
-              </p:cNvPr>
-              <p:cNvGrpSpPr/>
-              <p:nvPr/>
-            </p:nvGrpSpPr>
-            <p:grpSpPr>
-              <a:xfrm>
-                <a:off x="3667960" y="3038382"/>
-                <a:ext cx="301842" cy="483834"/>
-                <a:chOff x="3062796" y="3027285"/>
-                <a:chExt cx="301842" cy="483834"/>
-              </a:xfrm>
-            </p:grpSpPr>
-            <p:cxnSp>
-              <p:nvCxnSpPr>
-                <p:cNvPr id="65" name="Straight Connector 64">
-                  <a:extLst>
-                    <a:ext uri="{FF2B5EF4-FFF2-40B4-BE49-F238E27FC236}">
-                      <a16:creationId xmlns:a16="http://schemas.microsoft.com/office/drawing/2014/main" id="{D12DF48F-5DF8-5E02-02E2-F226D40F2A8F}"/>
-                    </a:ext>
-                  </a:extLst>
-                </p:cNvPr>
-                <p:cNvCxnSpPr>
-                  <a:cxnSpLocks/>
-                </p:cNvCxnSpPr>
-                <p:nvPr/>
-              </p:nvCxnSpPr>
-              <p:spPr>
-                <a:xfrm flipH="1" flipV="1">
-                  <a:off x="3062796" y="3027285"/>
-                  <a:ext cx="150921" cy="483834"/>
-                </a:xfrm>
-                <a:prstGeom prst="line">
-                  <a:avLst/>
-                </a:prstGeom>
-                <a:ln w="57150">
-                  <a:solidFill>
-                    <a:srgbClr val="0070C0"/>
-                  </a:solidFill>
-                </a:ln>
-              </p:spPr>
-              <p:style>
-                <a:lnRef idx="1">
-                  <a:schemeClr val="accent1"/>
-                </a:lnRef>
-                <a:fillRef idx="0">
-                  <a:schemeClr val="accent1"/>
-                </a:fillRef>
-                <a:effectRef idx="0">
-                  <a:schemeClr val="accent1"/>
-                </a:effectRef>
-                <a:fontRef idx="minor">
-                  <a:schemeClr val="tx1"/>
-                </a:fontRef>
-              </p:style>
-            </p:cxnSp>
-            <p:cxnSp>
-              <p:nvCxnSpPr>
-                <p:cNvPr id="66" name="Straight Connector 65">
-                  <a:extLst>
-                    <a:ext uri="{FF2B5EF4-FFF2-40B4-BE49-F238E27FC236}">
-                      <a16:creationId xmlns:a16="http://schemas.microsoft.com/office/drawing/2014/main" id="{787990BD-CC35-8800-77CF-3EFF5F5A20CD}"/>
-                    </a:ext>
-                  </a:extLst>
-                </p:cNvPr>
-                <p:cNvCxnSpPr>
-                  <a:cxnSpLocks/>
-                </p:cNvCxnSpPr>
-                <p:nvPr/>
-              </p:nvCxnSpPr>
-              <p:spPr>
-                <a:xfrm flipV="1">
-                  <a:off x="3213717" y="3027285"/>
-                  <a:ext cx="150921" cy="483834"/>
-                </a:xfrm>
-                <a:prstGeom prst="line">
-                  <a:avLst/>
-                </a:prstGeom>
-                <a:ln w="57150">
-                  <a:solidFill>
-                    <a:srgbClr val="0070C0"/>
-                  </a:solidFill>
-                </a:ln>
-              </p:spPr>
-              <p:style>
-                <a:lnRef idx="1">
-                  <a:schemeClr val="accent1"/>
-                </a:lnRef>
-                <a:fillRef idx="0">
-                  <a:schemeClr val="accent1"/>
-                </a:fillRef>
-                <a:effectRef idx="0">
-                  <a:schemeClr val="accent1"/>
-                </a:effectRef>
-                <a:fontRef idx="minor">
-                  <a:schemeClr val="tx1"/>
-                </a:fontRef>
-              </p:style>
-            </p:cxnSp>
-          </p:grpSp>
-          <p:cxnSp>
-            <p:nvCxnSpPr>
-              <p:cNvPr id="63" name="Straight Connector 62">
-                <a:extLst>
-                  <a:ext uri="{FF2B5EF4-FFF2-40B4-BE49-F238E27FC236}">
-                    <a16:creationId xmlns:a16="http://schemas.microsoft.com/office/drawing/2014/main" id="{21037A3A-C159-F286-07D2-BC8B1B4ECE41}"/>
-                  </a:ext>
-                </a:extLst>
-              </p:cNvPr>
-              <p:cNvCxnSpPr>
-                <a:cxnSpLocks/>
-              </p:cNvCxnSpPr>
-              <p:nvPr/>
-            </p:nvCxnSpPr>
-            <p:spPr>
-              <a:xfrm rot="5400000" flipH="1">
-                <a:off x="4136867" y="3163543"/>
-                <a:ext cx="394475" cy="121959"/>
-              </a:xfrm>
-              <a:prstGeom prst="line">
-                <a:avLst/>
-              </a:prstGeom>
-              <a:ln w="57150">
-                <a:solidFill>
-                  <a:srgbClr val="0070C0"/>
-                </a:solidFill>
-              </a:ln>
-            </p:spPr>
-            <p:style>
-              <a:lnRef idx="1">
-                <a:schemeClr val="accent1"/>
-              </a:lnRef>
-              <a:fillRef idx="0">
-                <a:schemeClr val="accent1"/>
-              </a:fillRef>
-              <a:effectRef idx="0">
-                <a:schemeClr val="accent1"/>
-              </a:effectRef>
-              <a:fontRef idx="minor">
-                <a:schemeClr val="tx1"/>
-              </a:fontRef>
-            </p:style>
-          </p:cxnSp>
-        </p:grpSp>
-        <p:cxnSp>
-          <p:nvCxnSpPr>
-            <p:cNvPr id="74" name="Straight Connector 73">
-              <a:extLst>
-                <a:ext uri="{FF2B5EF4-FFF2-40B4-BE49-F238E27FC236}">
-                  <a16:creationId xmlns:a16="http://schemas.microsoft.com/office/drawing/2014/main" id="{F469474A-C8D2-893C-8016-DF894054655B}"/>
-                </a:ext>
-              </a:extLst>
-            </p:cNvPr>
-            <p:cNvCxnSpPr>
-              <a:cxnSpLocks/>
-            </p:cNvCxnSpPr>
-            <p:nvPr/>
-          </p:nvCxnSpPr>
-          <p:spPr>
-            <a:xfrm>
-              <a:off x="6434769" y="1241982"/>
-              <a:ext cx="11763" cy="740045"/>
-            </a:xfrm>
-            <a:prstGeom prst="line">
-              <a:avLst/>
-            </a:prstGeom>
-            <a:ln w="57150">
-              <a:solidFill>
-                <a:srgbClr val="0070C0"/>
-              </a:solidFill>
-            </a:ln>
-          </p:spPr>
-          <p:style>
-            <a:lnRef idx="1">
-              <a:schemeClr val="accent1"/>
-            </a:lnRef>
-            <a:fillRef idx="0">
-              <a:schemeClr val="accent1"/>
-            </a:fillRef>
-            <a:effectRef idx="0">
-              <a:schemeClr val="accent1"/>
-            </a:effectRef>
-            <a:fontRef idx="minor">
-              <a:schemeClr val="tx1"/>
-            </a:fontRef>
-          </p:style>
-        </p:cxnSp>
-        <p:cxnSp>
-          <p:nvCxnSpPr>
-            <p:cNvPr id="77" name="Straight Connector 76">
-              <a:extLst>
-                <a:ext uri="{FF2B5EF4-FFF2-40B4-BE49-F238E27FC236}">
-                  <a16:creationId xmlns:a16="http://schemas.microsoft.com/office/drawing/2014/main" id="{18975AC2-8EEC-FA3F-31AD-7C4C45038AF6}"/>
-                </a:ext>
-              </a:extLst>
-            </p:cNvPr>
-            <p:cNvCxnSpPr>
-              <a:cxnSpLocks/>
-            </p:cNvCxnSpPr>
-            <p:nvPr/>
-          </p:nvCxnSpPr>
-          <p:spPr>
-            <a:xfrm>
-              <a:off x="6434769" y="3188904"/>
-              <a:ext cx="0" cy="478302"/>
-            </a:xfrm>
-            <a:prstGeom prst="line">
-              <a:avLst/>
-            </a:prstGeom>
-            <a:ln w="57150">
-              <a:solidFill>
-                <a:srgbClr val="0070C0"/>
-              </a:solidFill>
-            </a:ln>
-          </p:spPr>
-          <p:style>
-            <a:lnRef idx="1">
-              <a:schemeClr val="accent1"/>
-            </a:lnRef>
-            <a:fillRef idx="0">
-              <a:schemeClr val="accent1"/>
-            </a:fillRef>
-            <a:effectRef idx="0">
-              <a:schemeClr val="accent1"/>
-            </a:effectRef>
-            <a:fontRef idx="minor">
-              <a:schemeClr val="tx1"/>
-            </a:fontRef>
-          </p:style>
-        </p:cxnSp>
-      </p:grpSp>
+          <a:prstGeom prst="line">
+            <a:avLst/>
+          </a:prstGeom>
+          <a:ln w="57150">
+            <a:solidFill>
+              <a:srgbClr val="0070C0"/>
+            </a:solidFill>
+          </a:ln>
+        </p:spPr>
+        <p:style>
+          <a:lnRef idx="1">
+            <a:schemeClr val="accent1"/>
+          </a:lnRef>
+          <a:fillRef idx="0">
+            <a:schemeClr val="accent1"/>
+          </a:fillRef>
+          <a:effectRef idx="0">
+            <a:schemeClr val="accent1"/>
+          </a:effectRef>
+          <a:fontRef idx="minor">
+            <a:schemeClr val="tx1"/>
+          </a:fontRef>
+        </p:style>
+      </p:cxnSp>
       <p:cxnSp>
         <p:nvCxnSpPr>
           <p:cNvPr id="120" name="Straight Connector 119">
@@ -4911,8 +3871,8 @@
         </p:nvCxnSpPr>
         <p:spPr>
           <a:xfrm flipH="1">
-            <a:off x="6433438" y="3435874"/>
-            <a:ext cx="7210" cy="1301496"/>
+            <a:off x="6433438" y="1308315"/>
+            <a:ext cx="6386" cy="3429055"/>
           </a:xfrm>
           <a:prstGeom prst="line">
             <a:avLst/>
@@ -4955,7 +3915,7 @@
         <p:spPr>
           <a:xfrm>
             <a:off x="6437004" y="846110"/>
-            <a:ext cx="9528" cy="635023"/>
+            <a:ext cx="12600" cy="541614"/>
           </a:xfrm>
           <a:prstGeom prst="line">
             <a:avLst/>
@@ -5236,374 +4196,6 @@
                 </a:rPr>
                 <a:t>C R O</a:t>
               </a:r>
-            </a:p>
-          </p:txBody>
-        </p:sp>
-      </p:grpSp>
-      <p:grpSp>
-        <p:nvGrpSpPr>
-          <p:cNvPr id="140" name="Group 139">
-            <a:extLst>
-              <a:ext uri="{FF2B5EF4-FFF2-40B4-BE49-F238E27FC236}">
-                <a16:creationId xmlns:a16="http://schemas.microsoft.com/office/drawing/2014/main" id="{C13A82B8-ACE7-13BE-1E10-0454166A55E3}"/>
-              </a:ext>
-            </a:extLst>
-          </p:cNvPr>
-          <p:cNvGrpSpPr/>
-          <p:nvPr/>
-        </p:nvGrpSpPr>
-        <p:grpSpPr>
-          <a:xfrm>
-            <a:off x="8923221" y="1707399"/>
-            <a:ext cx="852332" cy="1246162"/>
-            <a:chOff x="8831819" y="1851466"/>
-            <a:chExt cx="977326" cy="1438657"/>
-          </a:xfrm>
-        </p:grpSpPr>
-        <p:grpSp>
-          <p:nvGrpSpPr>
-            <p:cNvPr id="105" name="Group 104">
-              <a:extLst>
-                <a:ext uri="{FF2B5EF4-FFF2-40B4-BE49-F238E27FC236}">
-                  <a16:creationId xmlns:a16="http://schemas.microsoft.com/office/drawing/2014/main" id="{40C40F1B-A883-DD69-4BF2-07B8C31B20C9}"/>
-                </a:ext>
-              </a:extLst>
-            </p:cNvPr>
-            <p:cNvGrpSpPr/>
-            <p:nvPr/>
-          </p:nvGrpSpPr>
-          <p:grpSpPr>
-            <a:xfrm>
-              <a:off x="8861620" y="2184111"/>
-              <a:ext cx="947525" cy="943455"/>
-              <a:chOff x="5736068" y="1686622"/>
-              <a:chExt cx="1042108" cy="993632"/>
-            </a:xfrm>
-          </p:grpSpPr>
-          <p:sp>
-            <p:nvSpPr>
-              <p:cNvPr id="106" name="Oval 105">
-                <a:extLst>
-                  <a:ext uri="{FF2B5EF4-FFF2-40B4-BE49-F238E27FC236}">
-                    <a16:creationId xmlns:a16="http://schemas.microsoft.com/office/drawing/2014/main" id="{B42B74C3-F423-B0F1-DA21-A4C769B07ED2}"/>
-                  </a:ext>
-                </a:extLst>
-              </p:cNvPr>
-              <p:cNvSpPr/>
-              <p:nvPr/>
-            </p:nvSpPr>
-            <p:spPr>
-              <a:xfrm>
-                <a:off x="5736068" y="1686622"/>
-                <a:ext cx="1042108" cy="993632"/>
-              </a:xfrm>
-              <a:prstGeom prst="ellipse">
-                <a:avLst/>
-              </a:prstGeom>
-              <a:solidFill>
-                <a:schemeClr val="bg1">
-                  <a:lumMod val="95000"/>
-                </a:schemeClr>
-              </a:solidFill>
-              <a:ln w="38100"/>
-            </p:spPr>
-            <p:style>
-              <a:lnRef idx="2">
-                <a:schemeClr val="accent1">
-                  <a:shade val="50000"/>
-                </a:schemeClr>
-              </a:lnRef>
-              <a:fillRef idx="1">
-                <a:schemeClr val="accent1"/>
-              </a:fillRef>
-              <a:effectRef idx="0">
-                <a:schemeClr val="accent1"/>
-              </a:effectRef>
-              <a:fontRef idx="minor">
-                <a:schemeClr val="lt1"/>
-              </a:fontRef>
-            </p:style>
-            <p:txBody>
-              <a:bodyPr rtlCol="0" anchor="ctr"/>
-              <a:lstStyle/>
-              <a:p>
-                <a:pPr algn="ctr"/>
-                <a:endParaRPr lang="en-IN" sz="4000" dirty="0">
-                  <a:solidFill>
-                    <a:srgbClr val="FF0000"/>
-                  </a:solidFill>
-                </a:endParaRPr>
-              </a:p>
-            </p:txBody>
-          </p:sp>
-          <p:sp>
-            <p:nvSpPr>
-              <p:cNvPr id="107" name="TextBox 106">
-                <a:extLst>
-                  <a:ext uri="{FF2B5EF4-FFF2-40B4-BE49-F238E27FC236}">
-                    <a16:creationId xmlns:a16="http://schemas.microsoft.com/office/drawing/2014/main" id="{6C5F568E-1886-03DF-1AA8-37A3536F3794}"/>
-                  </a:ext>
-                </a:extLst>
-              </p:cNvPr>
-              <p:cNvSpPr txBox="1"/>
-              <p:nvPr/>
-            </p:nvSpPr>
-            <p:spPr>
-              <a:xfrm>
-                <a:off x="5999025" y="1772239"/>
-                <a:ext cx="516193" cy="615876"/>
-              </a:xfrm>
-              <a:prstGeom prst="rect">
-                <a:avLst/>
-              </a:prstGeom>
-              <a:noFill/>
-            </p:spPr>
-            <p:txBody>
-              <a:bodyPr wrap="square" rtlCol="0">
-                <a:spAutoFit/>
-              </a:bodyPr>
-              <a:lstStyle/>
-              <a:p>
-                <a:pPr algn="ctr"/>
-                <a:r>
-                  <a:rPr lang="en-IN" sz="3200" b="1" dirty="0">
-                    <a:solidFill>
-                      <a:srgbClr val="FF0000"/>
-                    </a:solidFill>
-                    <a:latin typeface="Arial" panose="020B0604020202020204" pitchFamily="34" charset="0"/>
-                    <a:cs typeface="Arial" panose="020B0604020202020204" pitchFamily="34" charset="0"/>
-                  </a:rPr>
-                  <a:t>V</a:t>
-                </a:r>
-              </a:p>
-            </p:txBody>
-          </p:sp>
-          <p:sp>
-            <p:nvSpPr>
-              <p:cNvPr id="108" name="Rectangle 107">
-                <a:extLst>
-                  <a:ext uri="{FF2B5EF4-FFF2-40B4-BE49-F238E27FC236}">
-                    <a16:creationId xmlns:a16="http://schemas.microsoft.com/office/drawing/2014/main" id="{744C6EE4-6822-2A43-C311-4425F012A53E}"/>
-                  </a:ext>
-                </a:extLst>
-              </p:cNvPr>
-              <p:cNvSpPr/>
-              <p:nvPr/>
-            </p:nvSpPr>
-            <p:spPr>
-              <a:xfrm>
-                <a:off x="6096000" y="2357014"/>
-                <a:ext cx="325797" cy="71501"/>
-              </a:xfrm>
-              <a:prstGeom prst="rect">
-                <a:avLst/>
-              </a:prstGeom>
-              <a:solidFill>
-                <a:srgbClr val="FF0000"/>
-              </a:solidFill>
-              <a:ln>
-                <a:noFill/>
-              </a:ln>
-            </p:spPr>
-            <p:style>
-              <a:lnRef idx="2">
-                <a:schemeClr val="accent1">
-                  <a:shade val="50000"/>
-                </a:schemeClr>
-              </a:lnRef>
-              <a:fillRef idx="1">
-                <a:schemeClr val="accent1"/>
-              </a:fillRef>
-              <a:effectRef idx="0">
-                <a:schemeClr val="accent1"/>
-              </a:effectRef>
-              <a:fontRef idx="minor">
-                <a:schemeClr val="lt1"/>
-              </a:fontRef>
-            </p:style>
-            <p:txBody>
-              <a:bodyPr rtlCol="0" anchor="ctr"/>
-              <a:lstStyle/>
-              <a:p>
-                <a:pPr algn="ctr"/>
-                <a:endParaRPr lang="en-IN"/>
-              </a:p>
-            </p:txBody>
-          </p:sp>
-        </p:grpSp>
-        <p:grpSp>
-          <p:nvGrpSpPr>
-            <p:cNvPr id="128" name="Group 127">
-              <a:extLst>
-                <a:ext uri="{FF2B5EF4-FFF2-40B4-BE49-F238E27FC236}">
-                  <a16:creationId xmlns:a16="http://schemas.microsoft.com/office/drawing/2014/main" id="{01A33D35-B4D0-1B01-2765-006A5D6A1118}"/>
-                </a:ext>
-              </a:extLst>
-            </p:cNvPr>
-            <p:cNvGrpSpPr/>
-            <p:nvPr/>
-          </p:nvGrpSpPr>
-          <p:grpSpPr>
-            <a:xfrm>
-              <a:off x="8915002" y="1851466"/>
-              <a:ext cx="247026" cy="260732"/>
-              <a:chOff x="5941524" y="3192658"/>
-              <a:chExt cx="325797" cy="325797"/>
-            </a:xfrm>
-            <a:solidFill>
-              <a:srgbClr val="FF0000"/>
-            </a:solidFill>
-          </p:grpSpPr>
-          <p:sp>
-            <p:nvSpPr>
-              <p:cNvPr id="129" name="Rectangle 128">
-                <a:extLst>
-                  <a:ext uri="{FF2B5EF4-FFF2-40B4-BE49-F238E27FC236}">
-                    <a16:creationId xmlns:a16="http://schemas.microsoft.com/office/drawing/2014/main" id="{6A5AE874-58C6-1FD6-0C0D-B73170FF3EF1}"/>
-                  </a:ext>
-                </a:extLst>
-              </p:cNvPr>
-              <p:cNvSpPr/>
-              <p:nvPr/>
-            </p:nvSpPr>
-            <p:spPr>
-              <a:xfrm rot="5400000">
-                <a:off x="5941525" y="3319806"/>
-                <a:ext cx="325797" cy="71501"/>
-              </a:xfrm>
-              <a:prstGeom prst="rect">
-                <a:avLst/>
-              </a:prstGeom>
-              <a:grpFill/>
-              <a:ln>
-                <a:noFill/>
-              </a:ln>
-            </p:spPr>
-            <p:style>
-              <a:lnRef idx="2">
-                <a:schemeClr val="accent1">
-                  <a:shade val="50000"/>
-                </a:schemeClr>
-              </a:lnRef>
-              <a:fillRef idx="1">
-                <a:schemeClr val="accent1"/>
-              </a:fillRef>
-              <a:effectRef idx="0">
-                <a:schemeClr val="accent1"/>
-              </a:effectRef>
-              <a:fontRef idx="minor">
-                <a:schemeClr val="lt1"/>
-              </a:fontRef>
-            </p:style>
-            <p:txBody>
-              <a:bodyPr rtlCol="0" anchor="ctr"/>
-              <a:lstStyle/>
-              <a:p>
-                <a:pPr algn="ctr"/>
-                <a:endParaRPr lang="en-IN"/>
-              </a:p>
-            </p:txBody>
-          </p:sp>
-          <p:sp>
-            <p:nvSpPr>
-              <p:cNvPr id="130" name="Rectangle 129">
-                <a:extLst>
-                  <a:ext uri="{FF2B5EF4-FFF2-40B4-BE49-F238E27FC236}">
-                    <a16:creationId xmlns:a16="http://schemas.microsoft.com/office/drawing/2014/main" id="{844E17A6-0AFA-45CB-B6C3-80F31020DC12}"/>
-                  </a:ext>
-                </a:extLst>
-              </p:cNvPr>
-              <p:cNvSpPr/>
-              <p:nvPr/>
-            </p:nvSpPr>
-            <p:spPr>
-              <a:xfrm>
-                <a:off x="5941524" y="3319805"/>
-                <a:ext cx="325797" cy="71501"/>
-              </a:xfrm>
-              <a:prstGeom prst="rect">
-                <a:avLst/>
-              </a:prstGeom>
-              <a:grpFill/>
-              <a:ln>
-                <a:noFill/>
-              </a:ln>
-            </p:spPr>
-            <p:style>
-              <a:lnRef idx="2">
-                <a:schemeClr val="accent1">
-                  <a:shade val="50000"/>
-                </a:schemeClr>
-              </a:lnRef>
-              <a:fillRef idx="1">
-                <a:schemeClr val="accent1"/>
-              </a:fillRef>
-              <a:effectRef idx="0">
-                <a:schemeClr val="accent1"/>
-              </a:effectRef>
-              <a:fontRef idx="minor">
-                <a:schemeClr val="lt1"/>
-              </a:fontRef>
-            </p:style>
-            <p:txBody>
-              <a:bodyPr rtlCol="0" anchor="ctr"/>
-              <a:lstStyle/>
-              <a:p>
-                <a:pPr algn="ctr"/>
-                <a:endParaRPr lang="en-IN"/>
-              </a:p>
-            </p:txBody>
-          </p:sp>
-        </p:grpSp>
-        <p:sp>
-          <p:nvSpPr>
-            <p:cNvPr id="131" name="Rectangle 130">
-              <a:extLst>
-                <a:ext uri="{FF2B5EF4-FFF2-40B4-BE49-F238E27FC236}">
-                  <a16:creationId xmlns:a16="http://schemas.microsoft.com/office/drawing/2014/main" id="{A1EABB28-AE35-9FA6-8752-C666795F70FE}"/>
-                </a:ext>
-              </a:extLst>
-            </p:cNvPr>
-            <p:cNvSpPr/>
-            <p:nvPr/>
-          </p:nvSpPr>
-          <p:spPr>
-            <a:xfrm>
-              <a:off x="8831819" y="3232901"/>
-              <a:ext cx="247026" cy="57222"/>
-            </a:xfrm>
-            <a:prstGeom prst="rect">
-              <a:avLst/>
-            </a:prstGeom>
-            <a:solidFill>
-              <a:srgbClr val="FF0000"/>
-            </a:solidFill>
-            <a:ln>
-              <a:noFill/>
-            </a:ln>
-          </p:spPr>
-          <p:style>
-            <a:lnRef idx="2">
-              <a:schemeClr val="accent1">
-                <a:shade val="50000"/>
-              </a:schemeClr>
-            </a:lnRef>
-            <a:fillRef idx="1">
-              <a:schemeClr val="accent1"/>
-            </a:fillRef>
-            <a:effectRef idx="0">
-              <a:schemeClr val="accent1"/>
-            </a:effectRef>
-            <a:fontRef idx="minor">
-              <a:schemeClr val="lt1"/>
-            </a:fontRef>
-          </p:style>
-          <p:txBody>
-            <a:bodyPr rtlCol="0" anchor="ctr"/>
-            <a:lstStyle/>
-            <a:p>
-              <a:pPr algn="ctr"/>
-              <a:endParaRPr lang="en-IN"/>
             </a:p>
           </p:txBody>
         </p:sp>
@@ -7542,86 +6134,6 @@
           </p:style>
         </p:cxnSp>
       </p:grpSp>
-      <p:sp>
-        <p:nvSpPr>
-          <p:cNvPr id="257" name="TextBox 256">
-            <a:extLst>
-              <a:ext uri="{FF2B5EF4-FFF2-40B4-BE49-F238E27FC236}">
-                <a16:creationId xmlns:a16="http://schemas.microsoft.com/office/drawing/2014/main" id="{7206AC1D-7534-79A5-6D9C-2DD9FED7AFCB}"/>
-              </a:ext>
-            </a:extLst>
-          </p:cNvPr>
-          <p:cNvSpPr txBox="1"/>
-          <p:nvPr/>
-        </p:nvSpPr>
-        <p:spPr>
-          <a:xfrm>
-            <a:off x="7471466" y="2723408"/>
-            <a:ext cx="338766" cy="307777"/>
-          </a:xfrm>
-          <a:prstGeom prst="rect">
-            <a:avLst/>
-          </a:prstGeom>
-          <a:noFill/>
-        </p:spPr>
-        <p:txBody>
-          <a:bodyPr wrap="square" rtlCol="0">
-            <a:spAutoFit/>
-          </a:bodyPr>
-          <a:lstStyle/>
-          <a:p>
-            <a:pPr algn="ctr"/>
-            <a:r>
-              <a:rPr lang="en-IN" sz="1400" b="1" dirty="0">
-                <a:solidFill>
-                  <a:srgbClr val="FF0000"/>
-                </a:solidFill>
-              </a:rPr>
-              <a:t>A</a:t>
-            </a:r>
-          </a:p>
-        </p:txBody>
-      </p:sp>
-      <p:sp>
-        <p:nvSpPr>
-          <p:cNvPr id="264" name="TextBox 263">
-            <a:extLst>
-              <a:ext uri="{FF2B5EF4-FFF2-40B4-BE49-F238E27FC236}">
-                <a16:creationId xmlns:a16="http://schemas.microsoft.com/office/drawing/2014/main" id="{67023588-4053-9C02-E007-CC37F2F5AE92}"/>
-              </a:ext>
-            </a:extLst>
-          </p:cNvPr>
-          <p:cNvSpPr txBox="1"/>
-          <p:nvPr/>
-        </p:nvSpPr>
-        <p:spPr>
-          <a:xfrm>
-            <a:off x="7470996" y="1806773"/>
-            <a:ext cx="338766" cy="307777"/>
-          </a:xfrm>
-          <a:prstGeom prst="rect">
-            <a:avLst/>
-          </a:prstGeom>
-          <a:noFill/>
-        </p:spPr>
-        <p:txBody>
-          <a:bodyPr wrap="square" rtlCol="0">
-            <a:spAutoFit/>
-          </a:bodyPr>
-          <a:lstStyle/>
-          <a:p>
-            <a:pPr algn="ctr"/>
-            <a:r>
-              <a:rPr lang="en-IN" sz="1400" b="1" dirty="0">
-                <a:solidFill>
-                  <a:srgbClr val="FF0000"/>
-                </a:solidFill>
-              </a:rPr>
-              <a:t>K</a:t>
-            </a:r>
-          </a:p>
-        </p:txBody>
-      </p:sp>
       <p:cxnSp>
         <p:nvCxnSpPr>
           <p:cNvPr id="8" name="Straight Connector 7">
@@ -7824,7 +6336,7 @@
         </p:nvCxnSpPr>
         <p:spPr>
           <a:xfrm>
-            <a:off x="4645620" y="185057"/>
+            <a:off x="4645620" y="182570"/>
             <a:ext cx="0" cy="1224480"/>
           </a:xfrm>
           <a:prstGeom prst="line">
@@ -8324,6 +6836,2561 @@
           </a:fontRef>
         </p:style>
       </p:cxnSp>
+      <p:grpSp>
+        <p:nvGrpSpPr>
+          <p:cNvPr id="2" name="Group 1">
+            <a:extLst>
+              <a:ext uri="{FF2B5EF4-FFF2-40B4-BE49-F238E27FC236}">
+                <a16:creationId xmlns:a16="http://schemas.microsoft.com/office/drawing/2014/main" id="{7CC04C98-00D7-14FE-1956-FA048898A941}"/>
+              </a:ext>
+            </a:extLst>
+          </p:cNvPr>
+          <p:cNvGrpSpPr/>
+          <p:nvPr/>
+        </p:nvGrpSpPr>
+        <p:grpSpPr>
+          <a:xfrm>
+            <a:off x="9536106" y="6010750"/>
+            <a:ext cx="826342" cy="817219"/>
+            <a:chOff x="8949211" y="1995535"/>
+            <a:chExt cx="826342" cy="817219"/>
+          </a:xfrm>
+        </p:grpSpPr>
+        <p:sp>
+          <p:nvSpPr>
+            <p:cNvPr id="106" name="Oval 105">
+              <a:extLst>
+                <a:ext uri="{FF2B5EF4-FFF2-40B4-BE49-F238E27FC236}">
+                  <a16:creationId xmlns:a16="http://schemas.microsoft.com/office/drawing/2014/main" id="{B42B74C3-F423-B0F1-DA21-A4C769B07ED2}"/>
+                </a:ext>
+              </a:extLst>
+            </p:cNvPr>
+            <p:cNvSpPr/>
+            <p:nvPr/>
+          </p:nvSpPr>
+          <p:spPr>
+            <a:xfrm>
+              <a:off x="8949211" y="1995535"/>
+              <a:ext cx="826342" cy="817219"/>
+            </a:xfrm>
+            <a:prstGeom prst="ellipse">
+              <a:avLst/>
+            </a:prstGeom>
+            <a:solidFill>
+              <a:schemeClr val="bg1">
+                <a:lumMod val="95000"/>
+              </a:schemeClr>
+            </a:solidFill>
+            <a:ln w="38100"/>
+          </p:spPr>
+          <p:style>
+            <a:lnRef idx="2">
+              <a:schemeClr val="accent1">
+                <a:shade val="50000"/>
+              </a:schemeClr>
+            </a:lnRef>
+            <a:fillRef idx="1">
+              <a:schemeClr val="accent1"/>
+            </a:fillRef>
+            <a:effectRef idx="0">
+              <a:schemeClr val="accent1"/>
+            </a:effectRef>
+            <a:fontRef idx="minor">
+              <a:schemeClr val="lt1"/>
+            </a:fontRef>
+          </p:style>
+          <p:txBody>
+            <a:bodyPr rtlCol="0" anchor="ctr"/>
+            <a:lstStyle/>
+            <a:p>
+              <a:pPr algn="ctr"/>
+              <a:endParaRPr lang="en-IN" sz="4000" dirty="0">
+                <a:solidFill>
+                  <a:srgbClr val="FF0000"/>
+                </a:solidFill>
+              </a:endParaRPr>
+            </a:p>
+          </p:txBody>
+        </p:sp>
+        <p:sp>
+          <p:nvSpPr>
+            <p:cNvPr id="107" name="TextBox 106">
+              <a:extLst>
+                <a:ext uri="{FF2B5EF4-FFF2-40B4-BE49-F238E27FC236}">
+                  <a16:creationId xmlns:a16="http://schemas.microsoft.com/office/drawing/2014/main" id="{6C5F568E-1886-03DF-1AA8-37A3536F3794}"/>
+                </a:ext>
+              </a:extLst>
+            </p:cNvPr>
+            <p:cNvSpPr txBox="1"/>
+            <p:nvPr/>
+          </p:nvSpPr>
+          <p:spPr>
+            <a:xfrm>
+              <a:off x="9157723" y="2065951"/>
+              <a:ext cx="409316" cy="584775"/>
+            </a:xfrm>
+            <a:prstGeom prst="rect">
+              <a:avLst/>
+            </a:prstGeom>
+            <a:noFill/>
+          </p:spPr>
+          <p:txBody>
+            <a:bodyPr wrap="square" rtlCol="0">
+              <a:spAutoFit/>
+            </a:bodyPr>
+            <a:lstStyle/>
+            <a:p>
+              <a:pPr algn="ctr"/>
+              <a:r>
+                <a:rPr lang="en-IN" sz="3200" b="1" dirty="0">
+                  <a:solidFill>
+                    <a:srgbClr val="FF0000"/>
+                  </a:solidFill>
+                  <a:latin typeface="Arial" panose="020B0604020202020204" pitchFamily="34" charset="0"/>
+                  <a:cs typeface="Arial" panose="020B0604020202020204" pitchFamily="34" charset="0"/>
+                </a:rPr>
+                <a:t>V</a:t>
+              </a:r>
+            </a:p>
+          </p:txBody>
+        </p:sp>
+        <p:grpSp>
+          <p:nvGrpSpPr>
+            <p:cNvPr id="3" name="Group 2">
+              <a:extLst>
+                <a:ext uri="{FF2B5EF4-FFF2-40B4-BE49-F238E27FC236}">
+                  <a16:creationId xmlns:a16="http://schemas.microsoft.com/office/drawing/2014/main" id="{03AB76EC-EA80-8C19-02C4-8D8A1E4EC896}"/>
+                </a:ext>
+              </a:extLst>
+            </p:cNvPr>
+            <p:cNvGrpSpPr/>
+            <p:nvPr/>
+          </p:nvGrpSpPr>
+          <p:grpSpPr>
+            <a:xfrm rot="4449706" flipV="1">
+              <a:off x="9284656" y="2474965"/>
+              <a:ext cx="131685" cy="304028"/>
+              <a:chOff x="3898812" y="2986773"/>
+              <a:chExt cx="232509" cy="554879"/>
+            </a:xfrm>
+          </p:grpSpPr>
+          <p:sp>
+            <p:nvSpPr>
+              <p:cNvPr id="5" name="Arc 4">
+                <a:extLst>
+                  <a:ext uri="{FF2B5EF4-FFF2-40B4-BE49-F238E27FC236}">
+                    <a16:creationId xmlns:a16="http://schemas.microsoft.com/office/drawing/2014/main" id="{DC492F46-0EA8-42F6-CFD6-BB95DA802EB5}"/>
+                  </a:ext>
+                </a:extLst>
+              </p:cNvPr>
+              <p:cNvSpPr/>
+              <p:nvPr/>
+            </p:nvSpPr>
+            <p:spPr>
+              <a:xfrm rot="16200000">
+                <a:off x="3877316" y="3010463"/>
+                <a:ext cx="277695" cy="230315"/>
+              </a:xfrm>
+              <a:prstGeom prst="arc">
+                <a:avLst>
+                  <a:gd name="adj1" fmla="val 10739696"/>
+                  <a:gd name="adj2" fmla="val 0"/>
+                </a:avLst>
+              </a:prstGeom>
+              <a:ln w="38100">
+                <a:solidFill>
+                  <a:srgbClr val="FF0000"/>
+                </a:solidFill>
+              </a:ln>
+            </p:spPr>
+            <p:style>
+              <a:lnRef idx="1">
+                <a:schemeClr val="dk1"/>
+              </a:lnRef>
+              <a:fillRef idx="0">
+                <a:schemeClr val="dk1"/>
+              </a:fillRef>
+              <a:effectRef idx="0">
+                <a:schemeClr val="dk1"/>
+              </a:effectRef>
+              <a:fontRef idx="minor">
+                <a:schemeClr val="tx1"/>
+              </a:fontRef>
+            </p:style>
+            <p:txBody>
+              <a:bodyPr rtlCol="0" anchor="ctr"/>
+              <a:lstStyle/>
+              <a:p>
+                <a:pPr algn="ctr"/>
+                <a:endParaRPr lang="en-IN"/>
+              </a:p>
+            </p:txBody>
+          </p:sp>
+          <p:sp>
+            <p:nvSpPr>
+              <p:cNvPr id="6" name="Arc 5">
+                <a:extLst>
+                  <a:ext uri="{FF2B5EF4-FFF2-40B4-BE49-F238E27FC236}">
+                    <a16:creationId xmlns:a16="http://schemas.microsoft.com/office/drawing/2014/main" id="{7263D755-EF93-5274-EC86-F603FA2F1A8F}"/>
+                  </a:ext>
+                </a:extLst>
+              </p:cNvPr>
+              <p:cNvSpPr/>
+              <p:nvPr/>
+            </p:nvSpPr>
+            <p:spPr>
+              <a:xfrm rot="5400000" flipH="1">
+                <a:off x="3875122" y="3287647"/>
+                <a:ext cx="277695" cy="230315"/>
+              </a:xfrm>
+              <a:prstGeom prst="arc">
+                <a:avLst>
+                  <a:gd name="adj1" fmla="val 10739696"/>
+                  <a:gd name="adj2" fmla="val 0"/>
+                </a:avLst>
+              </a:prstGeom>
+              <a:ln w="38100">
+                <a:solidFill>
+                  <a:srgbClr val="FF0000"/>
+                </a:solidFill>
+              </a:ln>
+            </p:spPr>
+            <p:style>
+              <a:lnRef idx="1">
+                <a:schemeClr val="dk1"/>
+              </a:lnRef>
+              <a:fillRef idx="0">
+                <a:schemeClr val="dk1"/>
+              </a:fillRef>
+              <a:effectRef idx="0">
+                <a:schemeClr val="dk1"/>
+              </a:effectRef>
+              <a:fontRef idx="minor">
+                <a:schemeClr val="tx1"/>
+              </a:fontRef>
+            </p:style>
+            <p:txBody>
+              <a:bodyPr rtlCol="0" anchor="ctr"/>
+              <a:lstStyle/>
+              <a:p>
+                <a:pPr algn="ctr"/>
+                <a:endParaRPr lang="en-IN"/>
+              </a:p>
+            </p:txBody>
+          </p:sp>
+        </p:grpSp>
+      </p:grpSp>
+      <p:sp>
+        <p:nvSpPr>
+          <p:cNvPr id="17" name="Oval 16">
+            <a:extLst>
+              <a:ext uri="{FF2B5EF4-FFF2-40B4-BE49-F238E27FC236}">
+                <a16:creationId xmlns:a16="http://schemas.microsoft.com/office/drawing/2014/main" id="{DBC6F374-CD07-9C96-4DAD-BB1815FE4356}"/>
+              </a:ext>
+            </a:extLst>
+          </p:cNvPr>
+          <p:cNvSpPr/>
+          <p:nvPr/>
+        </p:nvSpPr>
+        <p:spPr>
+          <a:xfrm>
+            <a:off x="6003464" y="2164966"/>
+            <a:ext cx="849470" cy="806000"/>
+          </a:xfrm>
+          <a:prstGeom prst="ellipse">
+            <a:avLst/>
+          </a:prstGeom>
+          <a:solidFill>
+            <a:schemeClr val="bg1">
+              <a:lumMod val="95000"/>
+            </a:schemeClr>
+          </a:solidFill>
+          <a:ln w="38100"/>
+        </p:spPr>
+        <p:style>
+          <a:lnRef idx="2">
+            <a:schemeClr val="accent1">
+              <a:shade val="50000"/>
+            </a:schemeClr>
+          </a:lnRef>
+          <a:fillRef idx="1">
+            <a:schemeClr val="accent1"/>
+          </a:fillRef>
+          <a:effectRef idx="0">
+            <a:schemeClr val="accent1"/>
+          </a:effectRef>
+          <a:fontRef idx="minor">
+            <a:schemeClr val="lt1"/>
+          </a:fontRef>
+        </p:style>
+        <p:txBody>
+          <a:bodyPr rtlCol="0" anchor="ctr"/>
+          <a:lstStyle/>
+          <a:p>
+            <a:pPr algn="ctr"/>
+            <a:endParaRPr lang="en-IN" sz="4000" dirty="0">
+              <a:solidFill>
+                <a:srgbClr val="FF0000"/>
+              </a:solidFill>
+            </a:endParaRPr>
+          </a:p>
+        </p:txBody>
+      </p:sp>
+      <p:sp>
+        <p:nvSpPr>
+          <p:cNvPr id="18" name="TextBox 17">
+            <a:extLst>
+              <a:ext uri="{FF2B5EF4-FFF2-40B4-BE49-F238E27FC236}">
+                <a16:creationId xmlns:a16="http://schemas.microsoft.com/office/drawing/2014/main" id="{9103FC6C-0A35-A4EF-D5B7-E5F9BEDC2779}"/>
+              </a:ext>
+            </a:extLst>
+          </p:cNvPr>
+          <p:cNvSpPr txBox="1"/>
+          <p:nvPr/>
+        </p:nvSpPr>
+        <p:spPr>
+          <a:xfrm>
+            <a:off x="6217812" y="2234416"/>
+            <a:ext cx="420773" cy="584775"/>
+          </a:xfrm>
+          <a:prstGeom prst="rect">
+            <a:avLst/>
+          </a:prstGeom>
+          <a:noFill/>
+        </p:spPr>
+        <p:txBody>
+          <a:bodyPr wrap="square" rtlCol="0">
+            <a:spAutoFit/>
+          </a:bodyPr>
+          <a:lstStyle/>
+          <a:p>
+            <a:pPr algn="ctr"/>
+            <a:r>
+              <a:rPr lang="en-US" sz="3200" b="1" dirty="0">
+                <a:solidFill>
+                  <a:srgbClr val="FF0000"/>
+                </a:solidFill>
+                <a:latin typeface="Arial" panose="020B0604020202020204" pitchFamily="34" charset="0"/>
+                <a:cs typeface="Arial" panose="020B0604020202020204" pitchFamily="34" charset="0"/>
+              </a:rPr>
+              <a:t>V</a:t>
+            </a:r>
+            <a:endParaRPr lang="en-IN" sz="3200" b="1" dirty="0">
+              <a:solidFill>
+                <a:srgbClr val="FF0000"/>
+              </a:solidFill>
+              <a:latin typeface="Arial" panose="020B0604020202020204" pitchFamily="34" charset="0"/>
+              <a:cs typeface="Arial" panose="020B0604020202020204" pitchFamily="34" charset="0"/>
+            </a:endParaRPr>
+          </a:p>
+        </p:txBody>
+      </p:sp>
+      <p:grpSp>
+        <p:nvGrpSpPr>
+          <p:cNvPr id="13" name="Group 12">
+            <a:extLst>
+              <a:ext uri="{FF2B5EF4-FFF2-40B4-BE49-F238E27FC236}">
+                <a16:creationId xmlns:a16="http://schemas.microsoft.com/office/drawing/2014/main" id="{EDEEE604-ADEE-04E7-FB62-8CA7670A0D00}"/>
+              </a:ext>
+            </a:extLst>
+          </p:cNvPr>
+          <p:cNvGrpSpPr/>
+          <p:nvPr/>
+        </p:nvGrpSpPr>
+        <p:grpSpPr>
+          <a:xfrm rot="4449706" flipV="1">
+            <a:off x="7243653" y="5538954"/>
+            <a:ext cx="131685" cy="304028"/>
+            <a:chOff x="3898812" y="2986773"/>
+            <a:chExt cx="232509" cy="554879"/>
+          </a:xfrm>
+        </p:grpSpPr>
+        <p:sp>
+          <p:nvSpPr>
+            <p:cNvPr id="21" name="Arc 20">
+              <a:extLst>
+                <a:ext uri="{FF2B5EF4-FFF2-40B4-BE49-F238E27FC236}">
+                  <a16:creationId xmlns:a16="http://schemas.microsoft.com/office/drawing/2014/main" id="{42AF7C96-57A8-92C2-A6D8-F3F8B5505579}"/>
+                </a:ext>
+              </a:extLst>
+            </p:cNvPr>
+            <p:cNvSpPr/>
+            <p:nvPr/>
+          </p:nvSpPr>
+          <p:spPr>
+            <a:xfrm rot="16200000">
+              <a:off x="3877316" y="3010463"/>
+              <a:ext cx="277695" cy="230315"/>
+            </a:xfrm>
+            <a:prstGeom prst="arc">
+              <a:avLst>
+                <a:gd name="adj1" fmla="val 10739696"/>
+                <a:gd name="adj2" fmla="val 0"/>
+              </a:avLst>
+            </a:prstGeom>
+            <a:ln w="38100">
+              <a:solidFill>
+                <a:srgbClr val="FF0000"/>
+              </a:solidFill>
+            </a:ln>
+          </p:spPr>
+          <p:style>
+            <a:lnRef idx="1">
+              <a:schemeClr val="dk1"/>
+            </a:lnRef>
+            <a:fillRef idx="0">
+              <a:schemeClr val="dk1"/>
+            </a:fillRef>
+            <a:effectRef idx="0">
+              <a:schemeClr val="dk1"/>
+            </a:effectRef>
+            <a:fontRef idx="minor">
+              <a:schemeClr val="tx1"/>
+            </a:fontRef>
+          </p:style>
+          <p:txBody>
+            <a:bodyPr rtlCol="0" anchor="ctr"/>
+            <a:lstStyle/>
+            <a:p>
+              <a:pPr algn="ctr"/>
+              <a:endParaRPr lang="en-IN"/>
+            </a:p>
+          </p:txBody>
+        </p:sp>
+        <p:sp>
+          <p:nvSpPr>
+            <p:cNvPr id="22" name="Arc 21">
+              <a:extLst>
+                <a:ext uri="{FF2B5EF4-FFF2-40B4-BE49-F238E27FC236}">
+                  <a16:creationId xmlns:a16="http://schemas.microsoft.com/office/drawing/2014/main" id="{59E56584-F05D-C45A-43CC-440694F8D7B0}"/>
+                </a:ext>
+              </a:extLst>
+            </p:cNvPr>
+            <p:cNvSpPr/>
+            <p:nvPr/>
+          </p:nvSpPr>
+          <p:spPr>
+            <a:xfrm rot="5400000" flipH="1">
+              <a:off x="3875122" y="3287647"/>
+              <a:ext cx="277695" cy="230315"/>
+            </a:xfrm>
+            <a:prstGeom prst="arc">
+              <a:avLst>
+                <a:gd name="adj1" fmla="val 10739696"/>
+                <a:gd name="adj2" fmla="val 0"/>
+              </a:avLst>
+            </a:prstGeom>
+            <a:ln w="38100">
+              <a:solidFill>
+                <a:srgbClr val="FF0000"/>
+              </a:solidFill>
+            </a:ln>
+          </p:spPr>
+          <p:style>
+            <a:lnRef idx="1">
+              <a:schemeClr val="dk1"/>
+            </a:lnRef>
+            <a:fillRef idx="0">
+              <a:schemeClr val="dk1"/>
+            </a:fillRef>
+            <a:effectRef idx="0">
+              <a:schemeClr val="dk1"/>
+            </a:effectRef>
+            <a:fontRef idx="minor">
+              <a:schemeClr val="tx1"/>
+            </a:fontRef>
+          </p:style>
+          <p:txBody>
+            <a:bodyPr rtlCol="0" anchor="ctr"/>
+            <a:lstStyle/>
+            <a:p>
+              <a:pPr algn="ctr"/>
+              <a:endParaRPr lang="en-IN"/>
+            </a:p>
+          </p:txBody>
+        </p:sp>
+      </p:grpSp>
+      <p:cxnSp>
+        <p:nvCxnSpPr>
+          <p:cNvPr id="42" name="Straight Connector 41">
+            <a:extLst>
+              <a:ext uri="{FF2B5EF4-FFF2-40B4-BE49-F238E27FC236}">
+                <a16:creationId xmlns:a16="http://schemas.microsoft.com/office/drawing/2014/main" id="{DA2EE021-FACE-F923-5CC0-D78ECBFFA679}"/>
+              </a:ext>
+            </a:extLst>
+          </p:cNvPr>
+          <p:cNvCxnSpPr>
+            <a:cxnSpLocks/>
+          </p:cNvCxnSpPr>
+          <p:nvPr/>
+        </p:nvCxnSpPr>
+        <p:spPr>
+          <a:xfrm flipH="1">
+            <a:off x="11045332" y="5721482"/>
+            <a:ext cx="7811" cy="227345"/>
+          </a:xfrm>
+          <a:prstGeom prst="line">
+            <a:avLst/>
+          </a:prstGeom>
+          <a:ln w="57150">
+            <a:solidFill>
+              <a:srgbClr val="0070C0"/>
+            </a:solidFill>
+          </a:ln>
+        </p:spPr>
+        <p:style>
+          <a:lnRef idx="1">
+            <a:schemeClr val="accent1"/>
+          </a:lnRef>
+          <a:fillRef idx="0">
+            <a:schemeClr val="accent1"/>
+          </a:fillRef>
+          <a:effectRef idx="0">
+            <a:schemeClr val="accent1"/>
+          </a:effectRef>
+          <a:fontRef idx="minor">
+            <a:schemeClr val="tx1"/>
+          </a:fontRef>
+        </p:style>
+      </p:cxnSp>
+      <p:grpSp>
+        <p:nvGrpSpPr>
+          <p:cNvPr id="45" name="Group 44">
+            <a:extLst>
+              <a:ext uri="{FF2B5EF4-FFF2-40B4-BE49-F238E27FC236}">
+                <a16:creationId xmlns:a16="http://schemas.microsoft.com/office/drawing/2014/main" id="{7D3097BA-DBAA-C1B8-F0F9-6B936068C4ED}"/>
+              </a:ext>
+            </a:extLst>
+          </p:cNvPr>
+          <p:cNvGrpSpPr/>
+          <p:nvPr/>
+        </p:nvGrpSpPr>
+        <p:grpSpPr>
+          <a:xfrm>
+            <a:off x="7857079" y="4874249"/>
+            <a:ext cx="526643" cy="1746023"/>
+            <a:chOff x="6164423" y="1843810"/>
+            <a:chExt cx="526643" cy="1746023"/>
+          </a:xfrm>
+        </p:grpSpPr>
+        <p:grpSp>
+          <p:nvGrpSpPr>
+            <p:cNvPr id="46" name="Group 45">
+              <a:extLst>
+                <a:ext uri="{FF2B5EF4-FFF2-40B4-BE49-F238E27FC236}">
+                  <a16:creationId xmlns:a16="http://schemas.microsoft.com/office/drawing/2014/main" id="{36C20C7A-8541-3729-2A77-D5AA5C7AB056}"/>
+                </a:ext>
+              </a:extLst>
+            </p:cNvPr>
+            <p:cNvGrpSpPr/>
+            <p:nvPr/>
+          </p:nvGrpSpPr>
+          <p:grpSpPr>
+            <a:xfrm>
+              <a:off x="6164423" y="1843810"/>
+              <a:ext cx="376458" cy="802297"/>
+              <a:chOff x="6164364" y="1541879"/>
+              <a:chExt cx="376458" cy="802297"/>
+            </a:xfrm>
+          </p:grpSpPr>
+          <p:cxnSp>
+            <p:nvCxnSpPr>
+              <p:cNvPr id="62" name="Straight Connector 61">
+                <a:extLst>
+                  <a:ext uri="{FF2B5EF4-FFF2-40B4-BE49-F238E27FC236}">
+                    <a16:creationId xmlns:a16="http://schemas.microsoft.com/office/drawing/2014/main" id="{9ADFFD96-DF2B-1B7E-A4D8-DE75C46A26A2}"/>
+                  </a:ext>
+                </a:extLst>
+              </p:cNvPr>
+              <p:cNvCxnSpPr>
+                <a:cxnSpLocks/>
+              </p:cNvCxnSpPr>
+              <p:nvPr/>
+            </p:nvCxnSpPr>
+            <p:spPr>
+              <a:xfrm flipH="1" flipV="1">
+                <a:off x="6164364" y="2235537"/>
+                <a:ext cx="299871" cy="108639"/>
+              </a:xfrm>
+              <a:prstGeom prst="line">
+                <a:avLst/>
+              </a:prstGeom>
+              <a:ln w="57150">
+                <a:solidFill>
+                  <a:srgbClr val="0070C0"/>
+                </a:solidFill>
+              </a:ln>
+            </p:spPr>
+            <p:style>
+              <a:lnRef idx="1">
+                <a:schemeClr val="accent1"/>
+              </a:lnRef>
+              <a:fillRef idx="0">
+                <a:schemeClr val="accent1"/>
+              </a:fillRef>
+              <a:effectRef idx="0">
+                <a:schemeClr val="accent1"/>
+              </a:effectRef>
+              <a:fontRef idx="minor">
+                <a:schemeClr val="tx1"/>
+              </a:fontRef>
+            </p:style>
+          </p:cxnSp>
+          <p:cxnSp>
+            <p:nvCxnSpPr>
+              <p:cNvPr id="64" name="Straight Connector 63">
+                <a:extLst>
+                  <a:ext uri="{FF2B5EF4-FFF2-40B4-BE49-F238E27FC236}">
+                    <a16:creationId xmlns:a16="http://schemas.microsoft.com/office/drawing/2014/main" id="{66375E62-088D-0006-7901-DAA54DE61177}"/>
+                  </a:ext>
+                </a:extLst>
+              </p:cNvPr>
+              <p:cNvCxnSpPr>
+                <a:cxnSpLocks/>
+              </p:cNvCxnSpPr>
+              <p:nvPr/>
+            </p:nvCxnSpPr>
+            <p:spPr>
+              <a:xfrm rot="16200000" flipH="1" flipV="1">
+                <a:off x="6297519" y="2015686"/>
+                <a:ext cx="103981" cy="367801"/>
+              </a:xfrm>
+              <a:prstGeom prst="line">
+                <a:avLst/>
+              </a:prstGeom>
+              <a:ln w="57150">
+                <a:solidFill>
+                  <a:srgbClr val="0070C0"/>
+                </a:solidFill>
+              </a:ln>
+            </p:spPr>
+            <p:style>
+              <a:lnRef idx="1">
+                <a:schemeClr val="accent1"/>
+              </a:lnRef>
+              <a:fillRef idx="0">
+                <a:schemeClr val="accent1"/>
+              </a:fillRef>
+              <a:effectRef idx="0">
+                <a:schemeClr val="accent1"/>
+              </a:effectRef>
+              <a:fontRef idx="minor">
+                <a:schemeClr val="tx1"/>
+              </a:fontRef>
+            </p:style>
+          </p:cxnSp>
+          <p:cxnSp>
+            <p:nvCxnSpPr>
+              <p:cNvPr id="73" name="Straight Connector 72">
+                <a:extLst>
+                  <a:ext uri="{FF2B5EF4-FFF2-40B4-BE49-F238E27FC236}">
+                    <a16:creationId xmlns:a16="http://schemas.microsoft.com/office/drawing/2014/main" id="{169F7A37-E7A6-248D-BB71-D40C6BEC8DC7}"/>
+                  </a:ext>
+                </a:extLst>
+              </p:cNvPr>
+              <p:cNvCxnSpPr>
+                <a:cxnSpLocks/>
+              </p:cNvCxnSpPr>
+              <p:nvPr/>
+            </p:nvCxnSpPr>
+            <p:spPr>
+              <a:xfrm rot="16200000" flipV="1">
+                <a:off x="6296496" y="1910937"/>
+                <a:ext cx="103981" cy="367801"/>
+              </a:xfrm>
+              <a:prstGeom prst="line">
+                <a:avLst/>
+              </a:prstGeom>
+              <a:ln w="57150">
+                <a:solidFill>
+                  <a:srgbClr val="0070C0"/>
+                </a:solidFill>
+              </a:ln>
+            </p:spPr>
+            <p:style>
+              <a:lnRef idx="1">
+                <a:schemeClr val="accent1"/>
+              </a:lnRef>
+              <a:fillRef idx="0">
+                <a:schemeClr val="accent1"/>
+              </a:fillRef>
+              <a:effectRef idx="0">
+                <a:schemeClr val="accent1"/>
+              </a:effectRef>
+              <a:fontRef idx="minor">
+                <a:schemeClr val="tx1"/>
+              </a:fontRef>
+            </p:style>
+          </p:cxnSp>
+          <p:cxnSp>
+            <p:nvCxnSpPr>
+              <p:cNvPr id="76" name="Straight Connector 75">
+                <a:extLst>
+                  <a:ext uri="{FF2B5EF4-FFF2-40B4-BE49-F238E27FC236}">
+                    <a16:creationId xmlns:a16="http://schemas.microsoft.com/office/drawing/2014/main" id="{CB36C364-BDEE-F568-672E-17397957EBEF}"/>
+                  </a:ext>
+                </a:extLst>
+              </p:cNvPr>
+              <p:cNvCxnSpPr>
+                <a:cxnSpLocks/>
+              </p:cNvCxnSpPr>
+              <p:nvPr/>
+            </p:nvCxnSpPr>
+            <p:spPr>
+              <a:xfrm rot="16200000" flipH="1" flipV="1">
+                <a:off x="6304931" y="1597976"/>
+                <a:ext cx="103981" cy="367801"/>
+              </a:xfrm>
+              <a:prstGeom prst="line">
+                <a:avLst/>
+              </a:prstGeom>
+              <a:ln w="57150">
+                <a:solidFill>
+                  <a:srgbClr val="0070C0"/>
+                </a:solidFill>
+              </a:ln>
+            </p:spPr>
+            <p:style>
+              <a:lnRef idx="1">
+                <a:schemeClr val="accent1"/>
+              </a:lnRef>
+              <a:fillRef idx="0">
+                <a:schemeClr val="accent1"/>
+              </a:fillRef>
+              <a:effectRef idx="0">
+                <a:schemeClr val="accent1"/>
+              </a:effectRef>
+              <a:fontRef idx="minor">
+                <a:schemeClr val="tx1"/>
+              </a:fontRef>
+            </p:style>
+          </p:cxnSp>
+          <p:cxnSp>
+            <p:nvCxnSpPr>
+              <p:cNvPr id="78" name="Straight Connector 77">
+                <a:extLst>
+                  <a:ext uri="{FF2B5EF4-FFF2-40B4-BE49-F238E27FC236}">
+                    <a16:creationId xmlns:a16="http://schemas.microsoft.com/office/drawing/2014/main" id="{7D8470AC-3AA6-5096-A3F9-6C0E9E737552}"/>
+                  </a:ext>
+                </a:extLst>
+              </p:cNvPr>
+              <p:cNvCxnSpPr>
+                <a:cxnSpLocks/>
+              </p:cNvCxnSpPr>
+              <p:nvPr/>
+            </p:nvCxnSpPr>
+            <p:spPr>
+              <a:xfrm rot="16200000" flipV="1">
+                <a:off x="6304931" y="1493996"/>
+                <a:ext cx="103981" cy="367801"/>
+              </a:xfrm>
+              <a:prstGeom prst="line">
+                <a:avLst/>
+              </a:prstGeom>
+              <a:ln w="57150">
+                <a:solidFill>
+                  <a:srgbClr val="0070C0"/>
+                </a:solidFill>
+              </a:ln>
+            </p:spPr>
+            <p:style>
+              <a:lnRef idx="1">
+                <a:schemeClr val="accent1"/>
+              </a:lnRef>
+              <a:fillRef idx="0">
+                <a:schemeClr val="accent1"/>
+              </a:fillRef>
+              <a:effectRef idx="0">
+                <a:schemeClr val="accent1"/>
+              </a:effectRef>
+              <a:fontRef idx="minor">
+                <a:schemeClr val="tx1"/>
+              </a:fontRef>
+            </p:style>
+          </p:cxnSp>
+          <p:cxnSp>
+            <p:nvCxnSpPr>
+              <p:cNvPr id="80" name="Straight Connector 79">
+                <a:extLst>
+                  <a:ext uri="{FF2B5EF4-FFF2-40B4-BE49-F238E27FC236}">
+                    <a16:creationId xmlns:a16="http://schemas.microsoft.com/office/drawing/2014/main" id="{D21FE356-BE65-58CD-3789-3F66C0E0FBC7}"/>
+                  </a:ext>
+                </a:extLst>
+              </p:cNvPr>
+              <p:cNvCxnSpPr>
+                <a:cxnSpLocks/>
+              </p:cNvCxnSpPr>
+              <p:nvPr/>
+            </p:nvCxnSpPr>
+            <p:spPr>
+              <a:xfrm rot="16200000" flipH="1" flipV="1">
+                <a:off x="6304931" y="1806957"/>
+                <a:ext cx="103981" cy="367801"/>
+              </a:xfrm>
+              <a:prstGeom prst="line">
+                <a:avLst/>
+              </a:prstGeom>
+              <a:ln w="57150">
+                <a:solidFill>
+                  <a:srgbClr val="0070C0"/>
+                </a:solidFill>
+              </a:ln>
+            </p:spPr>
+            <p:style>
+              <a:lnRef idx="1">
+                <a:schemeClr val="accent1"/>
+              </a:lnRef>
+              <a:fillRef idx="0">
+                <a:schemeClr val="accent1"/>
+              </a:fillRef>
+              <a:effectRef idx="0">
+                <a:schemeClr val="accent1"/>
+              </a:effectRef>
+              <a:fontRef idx="minor">
+                <a:schemeClr val="tx1"/>
+              </a:fontRef>
+            </p:style>
+          </p:cxnSp>
+          <p:cxnSp>
+            <p:nvCxnSpPr>
+              <p:cNvPr id="82" name="Straight Connector 81">
+                <a:extLst>
+                  <a:ext uri="{FF2B5EF4-FFF2-40B4-BE49-F238E27FC236}">
+                    <a16:creationId xmlns:a16="http://schemas.microsoft.com/office/drawing/2014/main" id="{CE5791DC-AA00-3067-D86D-EFB67FF5C989}"/>
+                  </a:ext>
+                </a:extLst>
+              </p:cNvPr>
+              <p:cNvCxnSpPr>
+                <a:cxnSpLocks/>
+              </p:cNvCxnSpPr>
+              <p:nvPr/>
+            </p:nvCxnSpPr>
+            <p:spPr>
+              <a:xfrm rot="16200000" flipV="1">
+                <a:off x="6304931" y="1702977"/>
+                <a:ext cx="103981" cy="367801"/>
+              </a:xfrm>
+              <a:prstGeom prst="line">
+                <a:avLst/>
+              </a:prstGeom>
+              <a:ln w="57150">
+                <a:solidFill>
+                  <a:srgbClr val="0070C0"/>
+                </a:solidFill>
+              </a:ln>
+            </p:spPr>
+            <p:style>
+              <a:lnRef idx="1">
+                <a:schemeClr val="accent1"/>
+              </a:lnRef>
+              <a:fillRef idx="0">
+                <a:schemeClr val="accent1"/>
+              </a:fillRef>
+              <a:effectRef idx="0">
+                <a:schemeClr val="accent1"/>
+              </a:effectRef>
+              <a:fontRef idx="minor">
+                <a:schemeClr val="tx1"/>
+              </a:fontRef>
+            </p:style>
+          </p:cxnSp>
+          <p:cxnSp>
+            <p:nvCxnSpPr>
+              <p:cNvPr id="83" name="Straight Connector 82">
+                <a:extLst>
+                  <a:ext uri="{FF2B5EF4-FFF2-40B4-BE49-F238E27FC236}">
+                    <a16:creationId xmlns:a16="http://schemas.microsoft.com/office/drawing/2014/main" id="{5F0849F8-56C2-13A7-D79A-567C2B7F1678}"/>
+                  </a:ext>
+                </a:extLst>
+              </p:cNvPr>
+              <p:cNvCxnSpPr>
+                <a:cxnSpLocks/>
+              </p:cNvCxnSpPr>
+              <p:nvPr/>
+            </p:nvCxnSpPr>
+            <p:spPr>
+              <a:xfrm flipH="1">
+                <a:off x="6164585" y="1541879"/>
+                <a:ext cx="299872" cy="84026"/>
+              </a:xfrm>
+              <a:prstGeom prst="line">
+                <a:avLst/>
+              </a:prstGeom>
+              <a:ln w="57150">
+                <a:solidFill>
+                  <a:srgbClr val="0070C0"/>
+                </a:solidFill>
+              </a:ln>
+            </p:spPr>
+            <p:style>
+              <a:lnRef idx="1">
+                <a:schemeClr val="accent1"/>
+              </a:lnRef>
+              <a:fillRef idx="0">
+                <a:schemeClr val="accent1"/>
+              </a:fillRef>
+              <a:effectRef idx="0">
+                <a:schemeClr val="accent1"/>
+              </a:effectRef>
+              <a:fontRef idx="minor">
+                <a:schemeClr val="tx1"/>
+              </a:fontRef>
+            </p:style>
+          </p:cxnSp>
+        </p:grpSp>
+        <p:grpSp>
+          <p:nvGrpSpPr>
+            <p:cNvPr id="47" name="Group 46">
+              <a:extLst>
+                <a:ext uri="{FF2B5EF4-FFF2-40B4-BE49-F238E27FC236}">
+                  <a16:creationId xmlns:a16="http://schemas.microsoft.com/office/drawing/2014/main" id="{3A45A6E8-0513-5D36-1BCD-6B7AEBB7AAE9}"/>
+                </a:ext>
+              </a:extLst>
+            </p:cNvPr>
+            <p:cNvGrpSpPr/>
+            <p:nvPr/>
+          </p:nvGrpSpPr>
+          <p:grpSpPr>
+            <a:xfrm>
+              <a:off x="6222339" y="2653833"/>
+              <a:ext cx="468727" cy="936000"/>
+              <a:chOff x="2101955" y="3255544"/>
+              <a:chExt cx="261023" cy="803557"/>
+            </a:xfrm>
+          </p:grpSpPr>
+          <p:sp>
+            <p:nvSpPr>
+              <p:cNvPr id="48" name="Arc 47">
+                <a:extLst>
+                  <a:ext uri="{FF2B5EF4-FFF2-40B4-BE49-F238E27FC236}">
+                    <a16:creationId xmlns:a16="http://schemas.microsoft.com/office/drawing/2014/main" id="{4814D403-7DEB-CCB3-4D5A-D87DB28A6052}"/>
+                  </a:ext>
+                </a:extLst>
+              </p:cNvPr>
+              <p:cNvSpPr/>
+              <p:nvPr/>
+            </p:nvSpPr>
+            <p:spPr>
+              <a:xfrm rot="16200000">
+                <a:off x="2108973" y="3805096"/>
+                <a:ext cx="277695" cy="230315"/>
+              </a:xfrm>
+              <a:prstGeom prst="arc">
+                <a:avLst>
+                  <a:gd name="adj1" fmla="val 10739696"/>
+                  <a:gd name="adj2" fmla="val 0"/>
+                </a:avLst>
+              </a:prstGeom>
+              <a:ln w="57150"/>
+            </p:spPr>
+            <p:style>
+              <a:lnRef idx="3">
+                <a:schemeClr val="accent1"/>
+              </a:lnRef>
+              <a:fillRef idx="0">
+                <a:schemeClr val="accent1"/>
+              </a:fillRef>
+              <a:effectRef idx="2">
+                <a:schemeClr val="accent1"/>
+              </a:effectRef>
+              <a:fontRef idx="minor">
+                <a:schemeClr val="tx1"/>
+              </a:fontRef>
+            </p:style>
+            <p:txBody>
+              <a:bodyPr rtlCol="0" anchor="ctr"/>
+              <a:lstStyle/>
+              <a:p>
+                <a:pPr algn="ctr"/>
+                <a:endParaRPr lang="en-IN"/>
+              </a:p>
+            </p:txBody>
+          </p:sp>
+          <p:sp>
+            <p:nvSpPr>
+              <p:cNvPr id="49" name="Arc 48">
+                <a:extLst>
+                  <a:ext uri="{FF2B5EF4-FFF2-40B4-BE49-F238E27FC236}">
+                    <a16:creationId xmlns:a16="http://schemas.microsoft.com/office/drawing/2014/main" id="{9ABDD28F-7EFA-9099-E4B1-FB7DEABC5A07}"/>
+                  </a:ext>
+                </a:extLst>
+              </p:cNvPr>
+              <p:cNvSpPr/>
+              <p:nvPr/>
+            </p:nvSpPr>
+            <p:spPr>
+              <a:xfrm rot="16200000" flipV="1">
+                <a:off x="2185344" y="3724337"/>
+                <a:ext cx="105212" cy="219349"/>
+              </a:xfrm>
+              <a:prstGeom prst="arc">
+                <a:avLst>
+                  <a:gd name="adj1" fmla="val 10739696"/>
+                  <a:gd name="adj2" fmla="val 0"/>
+                </a:avLst>
+              </a:prstGeom>
+              <a:ln w="57150"/>
+            </p:spPr>
+            <p:style>
+              <a:lnRef idx="3">
+                <a:schemeClr val="accent1"/>
+              </a:lnRef>
+              <a:fillRef idx="0">
+                <a:schemeClr val="accent1"/>
+              </a:fillRef>
+              <a:effectRef idx="2">
+                <a:schemeClr val="accent1"/>
+              </a:effectRef>
+              <a:fontRef idx="minor">
+                <a:schemeClr val="tx1"/>
+              </a:fontRef>
+            </p:style>
+            <p:txBody>
+              <a:bodyPr rtlCol="0" anchor="ctr"/>
+              <a:lstStyle/>
+              <a:p>
+                <a:pPr algn="ctr"/>
+                <a:endParaRPr lang="en-IN"/>
+              </a:p>
+            </p:txBody>
+          </p:sp>
+          <p:sp>
+            <p:nvSpPr>
+              <p:cNvPr id="51" name="Arc 50">
+                <a:extLst>
+                  <a:ext uri="{FF2B5EF4-FFF2-40B4-BE49-F238E27FC236}">
+                    <a16:creationId xmlns:a16="http://schemas.microsoft.com/office/drawing/2014/main" id="{8F8F414F-CE0D-45B8-B96D-747F38982DAD}"/>
+                  </a:ext>
+                </a:extLst>
+              </p:cNvPr>
+              <p:cNvSpPr/>
+              <p:nvPr/>
+            </p:nvSpPr>
+            <p:spPr>
+              <a:xfrm rot="16200000">
+                <a:off x="2106779" y="3632613"/>
+                <a:ext cx="277695" cy="230315"/>
+              </a:xfrm>
+              <a:prstGeom prst="arc">
+                <a:avLst>
+                  <a:gd name="adj1" fmla="val 10739696"/>
+                  <a:gd name="adj2" fmla="val 0"/>
+                </a:avLst>
+              </a:prstGeom>
+              <a:ln w="57150"/>
+            </p:spPr>
+            <p:style>
+              <a:lnRef idx="3">
+                <a:schemeClr val="accent1"/>
+              </a:lnRef>
+              <a:fillRef idx="0">
+                <a:schemeClr val="accent1"/>
+              </a:fillRef>
+              <a:effectRef idx="2">
+                <a:schemeClr val="accent1"/>
+              </a:effectRef>
+              <a:fontRef idx="minor">
+                <a:schemeClr val="tx1"/>
+              </a:fontRef>
+            </p:style>
+            <p:txBody>
+              <a:bodyPr rtlCol="0" anchor="ctr"/>
+              <a:lstStyle/>
+              <a:p>
+                <a:pPr algn="ctr"/>
+                <a:endParaRPr lang="en-IN"/>
+              </a:p>
+            </p:txBody>
+          </p:sp>
+          <p:sp>
+            <p:nvSpPr>
+              <p:cNvPr id="52" name="Arc 51">
+                <a:extLst>
+                  <a:ext uri="{FF2B5EF4-FFF2-40B4-BE49-F238E27FC236}">
+                    <a16:creationId xmlns:a16="http://schemas.microsoft.com/office/drawing/2014/main" id="{BA03A805-0C63-98FE-1016-E7299EF055A6}"/>
+                  </a:ext>
+                </a:extLst>
+              </p:cNvPr>
+              <p:cNvSpPr/>
+              <p:nvPr/>
+            </p:nvSpPr>
+            <p:spPr>
+              <a:xfrm rot="16200000" flipV="1">
+                <a:off x="2193569" y="3562274"/>
+                <a:ext cx="105212" cy="198510"/>
+              </a:xfrm>
+              <a:prstGeom prst="arc">
+                <a:avLst>
+                  <a:gd name="adj1" fmla="val 10739696"/>
+                  <a:gd name="adj2" fmla="val 0"/>
+                </a:avLst>
+              </a:prstGeom>
+              <a:ln w="57150"/>
+            </p:spPr>
+            <p:style>
+              <a:lnRef idx="3">
+                <a:schemeClr val="accent1"/>
+              </a:lnRef>
+              <a:fillRef idx="0">
+                <a:schemeClr val="accent1"/>
+              </a:fillRef>
+              <a:effectRef idx="2">
+                <a:schemeClr val="accent1"/>
+              </a:effectRef>
+              <a:fontRef idx="minor">
+                <a:schemeClr val="tx1"/>
+              </a:fontRef>
+            </p:style>
+            <p:txBody>
+              <a:bodyPr rtlCol="0" anchor="ctr"/>
+              <a:lstStyle/>
+              <a:p>
+                <a:pPr algn="ctr"/>
+                <a:endParaRPr lang="en-IN"/>
+              </a:p>
+            </p:txBody>
+          </p:sp>
+          <p:sp>
+            <p:nvSpPr>
+              <p:cNvPr id="53" name="Arc 52">
+                <a:extLst>
+                  <a:ext uri="{FF2B5EF4-FFF2-40B4-BE49-F238E27FC236}">
+                    <a16:creationId xmlns:a16="http://schemas.microsoft.com/office/drawing/2014/main" id="{DA431A5D-AF2F-80E7-DFDC-6FFB42D1E80D}"/>
+                  </a:ext>
+                </a:extLst>
+              </p:cNvPr>
+              <p:cNvSpPr/>
+              <p:nvPr/>
+            </p:nvSpPr>
+            <p:spPr>
+              <a:xfrm rot="16200000">
+                <a:off x="2104585" y="3460130"/>
+                <a:ext cx="277695" cy="230315"/>
+              </a:xfrm>
+              <a:prstGeom prst="arc">
+                <a:avLst>
+                  <a:gd name="adj1" fmla="val 10739696"/>
+                  <a:gd name="adj2" fmla="val 0"/>
+                </a:avLst>
+              </a:prstGeom>
+              <a:ln w="57150"/>
+            </p:spPr>
+            <p:style>
+              <a:lnRef idx="3">
+                <a:schemeClr val="accent1"/>
+              </a:lnRef>
+              <a:fillRef idx="0">
+                <a:schemeClr val="accent1"/>
+              </a:fillRef>
+              <a:effectRef idx="2">
+                <a:schemeClr val="accent1"/>
+              </a:effectRef>
+              <a:fontRef idx="minor">
+                <a:schemeClr val="tx1"/>
+              </a:fontRef>
+            </p:style>
+            <p:txBody>
+              <a:bodyPr rtlCol="0" anchor="ctr"/>
+              <a:lstStyle/>
+              <a:p>
+                <a:pPr algn="ctr"/>
+                <a:endParaRPr lang="en-IN"/>
+              </a:p>
+            </p:txBody>
+          </p:sp>
+          <p:sp>
+            <p:nvSpPr>
+              <p:cNvPr id="60" name="Arc 59">
+                <a:extLst>
+                  <a:ext uri="{FF2B5EF4-FFF2-40B4-BE49-F238E27FC236}">
+                    <a16:creationId xmlns:a16="http://schemas.microsoft.com/office/drawing/2014/main" id="{F7F8CFDC-56F5-5C8A-57DC-BC70C9418CB6}"/>
+                  </a:ext>
+                </a:extLst>
+              </p:cNvPr>
+              <p:cNvSpPr/>
+              <p:nvPr/>
+            </p:nvSpPr>
+            <p:spPr>
+              <a:xfrm rot="16200000" flipV="1">
+                <a:off x="2173754" y="3364640"/>
+                <a:ext cx="96800" cy="240397"/>
+              </a:xfrm>
+              <a:prstGeom prst="arc">
+                <a:avLst>
+                  <a:gd name="adj1" fmla="val 10739696"/>
+                  <a:gd name="adj2" fmla="val 0"/>
+                </a:avLst>
+              </a:prstGeom>
+              <a:ln w="57150"/>
+            </p:spPr>
+            <p:style>
+              <a:lnRef idx="3">
+                <a:schemeClr val="accent1"/>
+              </a:lnRef>
+              <a:fillRef idx="0">
+                <a:schemeClr val="accent1"/>
+              </a:fillRef>
+              <a:effectRef idx="2">
+                <a:schemeClr val="accent1"/>
+              </a:effectRef>
+              <a:fontRef idx="minor">
+                <a:schemeClr val="tx1"/>
+              </a:fontRef>
+            </p:style>
+            <p:txBody>
+              <a:bodyPr rtlCol="0" anchor="ctr"/>
+              <a:lstStyle/>
+              <a:p>
+                <a:pPr algn="ctr"/>
+                <a:endParaRPr lang="en-IN"/>
+              </a:p>
+            </p:txBody>
+          </p:sp>
+          <p:sp>
+            <p:nvSpPr>
+              <p:cNvPr id="61" name="Arc 60">
+                <a:extLst>
+                  <a:ext uri="{FF2B5EF4-FFF2-40B4-BE49-F238E27FC236}">
+                    <a16:creationId xmlns:a16="http://schemas.microsoft.com/office/drawing/2014/main" id="{C1053A17-2AFF-2382-201E-3A639766A669}"/>
+                  </a:ext>
+                </a:extLst>
+              </p:cNvPr>
+              <p:cNvSpPr/>
+              <p:nvPr/>
+            </p:nvSpPr>
+            <p:spPr>
+              <a:xfrm rot="16200000">
+                <a:off x="2091425" y="3279234"/>
+                <a:ext cx="277695" cy="230315"/>
+              </a:xfrm>
+              <a:prstGeom prst="arc">
+                <a:avLst>
+                  <a:gd name="adj1" fmla="val 10739696"/>
+                  <a:gd name="adj2" fmla="val 0"/>
+                </a:avLst>
+              </a:prstGeom>
+              <a:ln w="57150"/>
+            </p:spPr>
+            <p:style>
+              <a:lnRef idx="3">
+                <a:schemeClr val="accent1"/>
+              </a:lnRef>
+              <a:fillRef idx="0">
+                <a:schemeClr val="accent1"/>
+              </a:fillRef>
+              <a:effectRef idx="2">
+                <a:schemeClr val="accent1"/>
+              </a:effectRef>
+              <a:fontRef idx="minor">
+                <a:schemeClr val="tx1"/>
+              </a:fontRef>
+            </p:style>
+            <p:txBody>
+              <a:bodyPr rtlCol="0" anchor="ctr"/>
+              <a:lstStyle/>
+              <a:p>
+                <a:pPr algn="ctr"/>
+                <a:endParaRPr lang="en-IN"/>
+              </a:p>
+            </p:txBody>
+          </p:sp>
+        </p:grpSp>
+      </p:grpSp>
+      <p:cxnSp>
+        <p:nvCxnSpPr>
+          <p:cNvPr id="90" name="Straight Connector 89">
+            <a:extLst>
+              <a:ext uri="{FF2B5EF4-FFF2-40B4-BE49-F238E27FC236}">
+                <a16:creationId xmlns:a16="http://schemas.microsoft.com/office/drawing/2014/main" id="{90B5804D-2E3D-106E-033C-B9DEC52D8F3A}"/>
+              </a:ext>
+            </a:extLst>
+          </p:cNvPr>
+          <p:cNvCxnSpPr>
+            <a:cxnSpLocks/>
+          </p:cNvCxnSpPr>
+          <p:nvPr/>
+        </p:nvCxnSpPr>
+        <p:spPr>
+          <a:xfrm flipH="1" flipV="1">
+            <a:off x="1043459" y="855747"/>
+            <a:ext cx="1460255" cy="14916"/>
+          </a:xfrm>
+          <a:prstGeom prst="line">
+            <a:avLst/>
+          </a:prstGeom>
+          <a:ln w="57150">
+            <a:solidFill>
+              <a:schemeClr val="tx1"/>
+            </a:solidFill>
+          </a:ln>
+        </p:spPr>
+        <p:style>
+          <a:lnRef idx="1">
+            <a:schemeClr val="accent1"/>
+          </a:lnRef>
+          <a:fillRef idx="0">
+            <a:schemeClr val="accent1"/>
+          </a:fillRef>
+          <a:effectRef idx="0">
+            <a:schemeClr val="accent1"/>
+          </a:effectRef>
+          <a:fontRef idx="minor">
+            <a:schemeClr val="tx1"/>
+          </a:fontRef>
+        </p:style>
+      </p:cxnSp>
+      <p:cxnSp>
+        <p:nvCxnSpPr>
+          <p:cNvPr id="99" name="Straight Connector 98">
+            <a:extLst>
+              <a:ext uri="{FF2B5EF4-FFF2-40B4-BE49-F238E27FC236}">
+                <a16:creationId xmlns:a16="http://schemas.microsoft.com/office/drawing/2014/main" id="{CB0C7175-F35D-483C-44DF-F2B42C0E0E9A}"/>
+              </a:ext>
+            </a:extLst>
+          </p:cNvPr>
+          <p:cNvCxnSpPr>
+            <a:cxnSpLocks/>
+          </p:cNvCxnSpPr>
+          <p:nvPr/>
+        </p:nvCxnSpPr>
+        <p:spPr>
+          <a:xfrm flipV="1">
+            <a:off x="4220545" y="851956"/>
+            <a:ext cx="815660" cy="7584"/>
+          </a:xfrm>
+          <a:prstGeom prst="line">
+            <a:avLst/>
+          </a:prstGeom>
+          <a:ln w="57150">
+            <a:solidFill>
+              <a:srgbClr val="0070C0"/>
+            </a:solidFill>
+          </a:ln>
+        </p:spPr>
+        <p:style>
+          <a:lnRef idx="1">
+            <a:schemeClr val="accent1"/>
+          </a:lnRef>
+          <a:fillRef idx="0">
+            <a:schemeClr val="accent1"/>
+          </a:fillRef>
+          <a:effectRef idx="0">
+            <a:schemeClr val="accent1"/>
+          </a:effectRef>
+          <a:fontRef idx="minor">
+            <a:schemeClr val="tx1"/>
+          </a:fontRef>
+        </p:style>
+      </p:cxnSp>
+      <p:cxnSp>
+        <p:nvCxnSpPr>
+          <p:cNvPr id="119" name="Straight Connector 118">
+            <a:extLst>
+              <a:ext uri="{FF2B5EF4-FFF2-40B4-BE49-F238E27FC236}">
+                <a16:creationId xmlns:a16="http://schemas.microsoft.com/office/drawing/2014/main" id="{B023F214-6544-BE9D-D463-4F3BF2523DBB}"/>
+              </a:ext>
+            </a:extLst>
+          </p:cNvPr>
+          <p:cNvCxnSpPr>
+            <a:cxnSpLocks/>
+          </p:cNvCxnSpPr>
+          <p:nvPr/>
+        </p:nvCxnSpPr>
+        <p:spPr>
+          <a:xfrm>
+            <a:off x="2137258" y="866864"/>
+            <a:ext cx="936529" cy="20409"/>
+          </a:xfrm>
+          <a:prstGeom prst="line">
+            <a:avLst/>
+          </a:prstGeom>
+          <a:ln w="57150">
+            <a:solidFill>
+              <a:srgbClr val="0070C0"/>
+            </a:solidFill>
+          </a:ln>
+        </p:spPr>
+        <p:style>
+          <a:lnRef idx="1">
+            <a:schemeClr val="accent1"/>
+          </a:lnRef>
+          <a:fillRef idx="0">
+            <a:schemeClr val="accent1"/>
+          </a:fillRef>
+          <a:effectRef idx="0">
+            <a:schemeClr val="accent1"/>
+          </a:effectRef>
+          <a:fontRef idx="minor">
+            <a:schemeClr val="tx1"/>
+          </a:fontRef>
+        </p:style>
+      </p:cxnSp>
+      <p:grpSp>
+        <p:nvGrpSpPr>
+          <p:cNvPr id="182" name="Group 181">
+            <a:extLst>
+              <a:ext uri="{FF2B5EF4-FFF2-40B4-BE49-F238E27FC236}">
+                <a16:creationId xmlns:a16="http://schemas.microsoft.com/office/drawing/2014/main" id="{C63BA097-84D0-4271-5CEE-05570CD57909}"/>
+              </a:ext>
+            </a:extLst>
+          </p:cNvPr>
+          <p:cNvGrpSpPr/>
+          <p:nvPr/>
+        </p:nvGrpSpPr>
+        <p:grpSpPr>
+          <a:xfrm>
+            <a:off x="3025067" y="602594"/>
+            <a:ext cx="1211294" cy="348272"/>
+            <a:chOff x="3207311" y="599364"/>
+            <a:chExt cx="1211294" cy="348272"/>
+          </a:xfrm>
+        </p:grpSpPr>
+        <p:cxnSp>
+          <p:nvCxnSpPr>
+            <p:cNvPr id="70" name="Straight Connector 69">
+              <a:extLst>
+                <a:ext uri="{FF2B5EF4-FFF2-40B4-BE49-F238E27FC236}">
+                  <a16:creationId xmlns:a16="http://schemas.microsoft.com/office/drawing/2014/main" id="{D06297FA-010D-932B-3DFB-CD0E33840BE6}"/>
+                </a:ext>
+              </a:extLst>
+            </p:cNvPr>
+            <p:cNvCxnSpPr>
+              <a:cxnSpLocks/>
+            </p:cNvCxnSpPr>
+            <p:nvPr/>
+          </p:nvCxnSpPr>
+          <p:spPr>
+            <a:xfrm rot="185876" flipV="1">
+              <a:off x="3839558" y="610178"/>
+              <a:ext cx="99387" cy="308849"/>
+            </a:xfrm>
+            <a:prstGeom prst="line">
+              <a:avLst/>
+            </a:prstGeom>
+            <a:ln w="57150">
+              <a:solidFill>
+                <a:srgbClr val="0070C0"/>
+              </a:solidFill>
+            </a:ln>
+          </p:spPr>
+          <p:style>
+            <a:lnRef idx="1">
+              <a:schemeClr val="accent1"/>
+            </a:lnRef>
+            <a:fillRef idx="0">
+              <a:schemeClr val="accent1"/>
+            </a:fillRef>
+            <a:effectRef idx="0">
+              <a:schemeClr val="accent1"/>
+            </a:effectRef>
+            <a:fontRef idx="minor">
+              <a:schemeClr val="tx1"/>
+            </a:fontRef>
+          </p:style>
+        </p:cxnSp>
+        <p:cxnSp>
+          <p:nvCxnSpPr>
+            <p:cNvPr id="67" name="Straight Connector 66">
+              <a:extLst>
+                <a:ext uri="{FF2B5EF4-FFF2-40B4-BE49-F238E27FC236}">
+                  <a16:creationId xmlns:a16="http://schemas.microsoft.com/office/drawing/2014/main" id="{8D103C26-19B1-E709-A975-96744FB2C52F}"/>
+                </a:ext>
+              </a:extLst>
+            </p:cNvPr>
+            <p:cNvCxnSpPr>
+              <a:cxnSpLocks/>
+            </p:cNvCxnSpPr>
+            <p:nvPr/>
+          </p:nvCxnSpPr>
+          <p:spPr>
+            <a:xfrm rot="185876" flipH="1" flipV="1">
+              <a:off x="4137871" y="633416"/>
+              <a:ext cx="99387" cy="308849"/>
+            </a:xfrm>
+            <a:prstGeom prst="line">
+              <a:avLst/>
+            </a:prstGeom>
+            <a:ln w="57150">
+              <a:solidFill>
+                <a:srgbClr val="0070C0"/>
+              </a:solidFill>
+            </a:ln>
+          </p:spPr>
+          <p:style>
+            <a:lnRef idx="1">
+              <a:schemeClr val="accent1"/>
+            </a:lnRef>
+            <a:fillRef idx="0">
+              <a:schemeClr val="accent1"/>
+            </a:fillRef>
+            <a:effectRef idx="0">
+              <a:schemeClr val="accent1"/>
+            </a:effectRef>
+            <a:fontRef idx="minor">
+              <a:schemeClr val="tx1"/>
+            </a:fontRef>
+          </p:style>
+        </p:cxnSp>
+        <p:cxnSp>
+          <p:nvCxnSpPr>
+            <p:cNvPr id="68" name="Straight Connector 67">
+              <a:extLst>
+                <a:ext uri="{FF2B5EF4-FFF2-40B4-BE49-F238E27FC236}">
+                  <a16:creationId xmlns:a16="http://schemas.microsoft.com/office/drawing/2014/main" id="{A2F5C1A6-AC32-943F-2D2D-59FCA28625CC}"/>
+                </a:ext>
+              </a:extLst>
+            </p:cNvPr>
+            <p:cNvCxnSpPr>
+              <a:cxnSpLocks/>
+            </p:cNvCxnSpPr>
+            <p:nvPr/>
+          </p:nvCxnSpPr>
+          <p:spPr>
+            <a:xfrm rot="185876" flipV="1">
+              <a:off x="4237111" y="638787"/>
+              <a:ext cx="99387" cy="308849"/>
+            </a:xfrm>
+            <a:prstGeom prst="line">
+              <a:avLst/>
+            </a:prstGeom>
+            <a:ln w="57150">
+              <a:solidFill>
+                <a:srgbClr val="0070C0"/>
+              </a:solidFill>
+            </a:ln>
+          </p:spPr>
+          <p:style>
+            <a:lnRef idx="1">
+              <a:schemeClr val="accent1"/>
+            </a:lnRef>
+            <a:fillRef idx="0">
+              <a:schemeClr val="accent1"/>
+            </a:fillRef>
+            <a:effectRef idx="0">
+              <a:schemeClr val="accent1"/>
+            </a:effectRef>
+            <a:fontRef idx="minor">
+              <a:schemeClr val="tx1"/>
+            </a:fontRef>
+          </p:style>
+        </p:cxnSp>
+        <p:cxnSp>
+          <p:nvCxnSpPr>
+            <p:cNvPr id="65" name="Straight Connector 64">
+              <a:extLst>
+                <a:ext uri="{FF2B5EF4-FFF2-40B4-BE49-F238E27FC236}">
+                  <a16:creationId xmlns:a16="http://schemas.microsoft.com/office/drawing/2014/main" id="{D12DF48F-5DF8-5E02-02E2-F226D40F2A8F}"/>
+                </a:ext>
+              </a:extLst>
+            </p:cNvPr>
+            <p:cNvCxnSpPr>
+              <a:cxnSpLocks/>
+            </p:cNvCxnSpPr>
+            <p:nvPr/>
+          </p:nvCxnSpPr>
+          <p:spPr>
+            <a:xfrm rot="185876" flipH="1" flipV="1">
+              <a:off x="3938415" y="622621"/>
+              <a:ext cx="99387" cy="308849"/>
+            </a:xfrm>
+            <a:prstGeom prst="line">
+              <a:avLst/>
+            </a:prstGeom>
+            <a:ln w="57150">
+              <a:solidFill>
+                <a:srgbClr val="0070C0"/>
+              </a:solidFill>
+            </a:ln>
+          </p:spPr>
+          <p:style>
+            <a:lnRef idx="1">
+              <a:schemeClr val="accent1"/>
+            </a:lnRef>
+            <a:fillRef idx="0">
+              <a:schemeClr val="accent1"/>
+            </a:fillRef>
+            <a:effectRef idx="0">
+              <a:schemeClr val="accent1"/>
+            </a:effectRef>
+            <a:fontRef idx="minor">
+              <a:schemeClr val="tx1"/>
+            </a:fontRef>
+          </p:style>
+        </p:cxnSp>
+        <p:cxnSp>
+          <p:nvCxnSpPr>
+            <p:cNvPr id="66" name="Straight Connector 65">
+              <a:extLst>
+                <a:ext uri="{FF2B5EF4-FFF2-40B4-BE49-F238E27FC236}">
+                  <a16:creationId xmlns:a16="http://schemas.microsoft.com/office/drawing/2014/main" id="{787990BD-CC35-8800-77CF-3EFF5F5A20CD}"/>
+                </a:ext>
+              </a:extLst>
+            </p:cNvPr>
+            <p:cNvCxnSpPr>
+              <a:cxnSpLocks/>
+            </p:cNvCxnSpPr>
+            <p:nvPr/>
+          </p:nvCxnSpPr>
+          <p:spPr>
+            <a:xfrm rot="185876" flipV="1">
+              <a:off x="4037656" y="627993"/>
+              <a:ext cx="99387" cy="308849"/>
+            </a:xfrm>
+            <a:prstGeom prst="line">
+              <a:avLst/>
+            </a:prstGeom>
+            <a:ln w="57150">
+              <a:solidFill>
+                <a:srgbClr val="0070C0"/>
+              </a:solidFill>
+            </a:ln>
+          </p:spPr>
+          <p:style>
+            <a:lnRef idx="1">
+              <a:schemeClr val="accent1"/>
+            </a:lnRef>
+            <a:fillRef idx="0">
+              <a:schemeClr val="accent1"/>
+            </a:fillRef>
+            <a:effectRef idx="0">
+              <a:schemeClr val="accent1"/>
+            </a:effectRef>
+            <a:fontRef idx="minor">
+              <a:schemeClr val="tx1"/>
+            </a:fontRef>
+          </p:style>
+        </p:cxnSp>
+        <p:cxnSp>
+          <p:nvCxnSpPr>
+            <p:cNvPr id="63" name="Straight Connector 62">
+              <a:extLst>
+                <a:ext uri="{FF2B5EF4-FFF2-40B4-BE49-F238E27FC236}">
+                  <a16:creationId xmlns:a16="http://schemas.microsoft.com/office/drawing/2014/main" id="{21037A3A-C159-F286-07D2-BC8B1B4ECE41}"/>
+                </a:ext>
+              </a:extLst>
+            </p:cNvPr>
+            <p:cNvCxnSpPr>
+              <a:cxnSpLocks/>
+            </p:cNvCxnSpPr>
+            <p:nvPr/>
+          </p:nvCxnSpPr>
+          <p:spPr>
+            <a:xfrm rot="5585876" flipH="1">
+              <a:off x="4252545" y="722358"/>
+              <a:ext cx="251807" cy="80313"/>
+            </a:xfrm>
+            <a:prstGeom prst="line">
+              <a:avLst/>
+            </a:prstGeom>
+            <a:ln w="57150">
+              <a:solidFill>
+                <a:srgbClr val="0070C0"/>
+              </a:solidFill>
+            </a:ln>
+          </p:spPr>
+          <p:style>
+            <a:lnRef idx="1">
+              <a:schemeClr val="accent1"/>
+            </a:lnRef>
+            <a:fillRef idx="0">
+              <a:schemeClr val="accent1"/>
+            </a:fillRef>
+            <a:effectRef idx="0">
+              <a:schemeClr val="accent1"/>
+            </a:effectRef>
+            <a:fontRef idx="minor">
+              <a:schemeClr val="tx1"/>
+            </a:fontRef>
+          </p:style>
+        </p:cxnSp>
+        <p:cxnSp>
+          <p:nvCxnSpPr>
+            <p:cNvPr id="151" name="Straight Connector 150">
+              <a:extLst>
+                <a:ext uri="{FF2B5EF4-FFF2-40B4-BE49-F238E27FC236}">
+                  <a16:creationId xmlns:a16="http://schemas.microsoft.com/office/drawing/2014/main" id="{923F212D-41F2-0049-E0C0-954F7B6369AA}"/>
+                </a:ext>
+              </a:extLst>
+            </p:cNvPr>
+            <p:cNvCxnSpPr>
+              <a:cxnSpLocks/>
+            </p:cNvCxnSpPr>
+            <p:nvPr/>
+          </p:nvCxnSpPr>
+          <p:spPr>
+            <a:xfrm flipV="1">
+              <a:off x="3207311" y="599364"/>
+              <a:ext cx="115933" cy="303027"/>
+            </a:xfrm>
+            <a:prstGeom prst="line">
+              <a:avLst/>
+            </a:prstGeom>
+            <a:ln w="57150">
+              <a:solidFill>
+                <a:srgbClr val="0070C0"/>
+              </a:solidFill>
+            </a:ln>
+          </p:spPr>
+          <p:style>
+            <a:lnRef idx="1">
+              <a:schemeClr val="accent1"/>
+            </a:lnRef>
+            <a:fillRef idx="0">
+              <a:schemeClr val="accent1"/>
+            </a:fillRef>
+            <a:effectRef idx="0">
+              <a:schemeClr val="accent1"/>
+            </a:effectRef>
+            <a:fontRef idx="minor">
+              <a:schemeClr val="tx1"/>
+            </a:fontRef>
+          </p:style>
+        </p:cxnSp>
+        <p:cxnSp>
+          <p:nvCxnSpPr>
+            <p:cNvPr id="152" name="Straight Connector 151">
+              <a:extLst>
+                <a:ext uri="{FF2B5EF4-FFF2-40B4-BE49-F238E27FC236}">
+                  <a16:creationId xmlns:a16="http://schemas.microsoft.com/office/drawing/2014/main" id="{0067CCB9-74E4-CE46-F7A3-FE489D6C683F}"/>
+                </a:ext>
+              </a:extLst>
+            </p:cNvPr>
+            <p:cNvCxnSpPr>
+              <a:cxnSpLocks/>
+            </p:cNvCxnSpPr>
+            <p:nvPr/>
+          </p:nvCxnSpPr>
+          <p:spPr>
+            <a:xfrm flipH="1" flipV="1">
+              <a:off x="3522315" y="617231"/>
+              <a:ext cx="82551" cy="313769"/>
+            </a:xfrm>
+            <a:prstGeom prst="line">
+              <a:avLst/>
+            </a:prstGeom>
+            <a:ln w="57150">
+              <a:solidFill>
+                <a:srgbClr val="0070C0"/>
+              </a:solidFill>
+            </a:ln>
+          </p:spPr>
+          <p:style>
+            <a:lnRef idx="1">
+              <a:schemeClr val="accent1"/>
+            </a:lnRef>
+            <a:fillRef idx="0">
+              <a:schemeClr val="accent1"/>
+            </a:fillRef>
+            <a:effectRef idx="0">
+              <a:schemeClr val="accent1"/>
+            </a:effectRef>
+            <a:fontRef idx="minor">
+              <a:schemeClr val="tx1"/>
+            </a:fontRef>
+          </p:style>
+        </p:cxnSp>
+        <p:cxnSp>
+          <p:nvCxnSpPr>
+            <p:cNvPr id="153" name="Straight Connector 152">
+              <a:extLst>
+                <a:ext uri="{FF2B5EF4-FFF2-40B4-BE49-F238E27FC236}">
+                  <a16:creationId xmlns:a16="http://schemas.microsoft.com/office/drawing/2014/main" id="{6FC6B883-AD83-8506-7BEF-88D7C01BFC6C}"/>
+                </a:ext>
+              </a:extLst>
+            </p:cNvPr>
+            <p:cNvCxnSpPr>
+              <a:cxnSpLocks/>
+            </p:cNvCxnSpPr>
+            <p:nvPr/>
+          </p:nvCxnSpPr>
+          <p:spPr>
+            <a:xfrm flipV="1">
+              <a:off x="3604864" y="627973"/>
+              <a:ext cx="115933" cy="303027"/>
+            </a:xfrm>
+            <a:prstGeom prst="line">
+              <a:avLst/>
+            </a:prstGeom>
+            <a:ln w="57150">
+              <a:solidFill>
+                <a:srgbClr val="0070C0"/>
+              </a:solidFill>
+            </a:ln>
+          </p:spPr>
+          <p:style>
+            <a:lnRef idx="1">
+              <a:schemeClr val="accent1"/>
+            </a:lnRef>
+            <a:fillRef idx="0">
+              <a:schemeClr val="accent1"/>
+            </a:fillRef>
+            <a:effectRef idx="0">
+              <a:schemeClr val="accent1"/>
+            </a:effectRef>
+            <a:fontRef idx="minor">
+              <a:schemeClr val="tx1"/>
+            </a:fontRef>
+          </p:style>
+        </p:cxnSp>
+        <p:cxnSp>
+          <p:nvCxnSpPr>
+            <p:cNvPr id="154" name="Straight Connector 153">
+              <a:extLst>
+                <a:ext uri="{FF2B5EF4-FFF2-40B4-BE49-F238E27FC236}">
+                  <a16:creationId xmlns:a16="http://schemas.microsoft.com/office/drawing/2014/main" id="{54121B11-ADED-EDF1-7DF7-FB860D3E2671}"/>
+                </a:ext>
+              </a:extLst>
+            </p:cNvPr>
+            <p:cNvCxnSpPr>
+              <a:cxnSpLocks/>
+            </p:cNvCxnSpPr>
+            <p:nvPr/>
+          </p:nvCxnSpPr>
+          <p:spPr>
+            <a:xfrm flipH="1" flipV="1">
+              <a:off x="3322859" y="606436"/>
+              <a:ext cx="82551" cy="313769"/>
+            </a:xfrm>
+            <a:prstGeom prst="line">
+              <a:avLst/>
+            </a:prstGeom>
+            <a:ln w="57150">
+              <a:solidFill>
+                <a:srgbClr val="0070C0"/>
+              </a:solidFill>
+            </a:ln>
+          </p:spPr>
+          <p:style>
+            <a:lnRef idx="1">
+              <a:schemeClr val="accent1"/>
+            </a:lnRef>
+            <a:fillRef idx="0">
+              <a:schemeClr val="accent1"/>
+            </a:fillRef>
+            <a:effectRef idx="0">
+              <a:schemeClr val="accent1"/>
+            </a:effectRef>
+            <a:fontRef idx="minor">
+              <a:schemeClr val="tx1"/>
+            </a:fontRef>
+          </p:style>
+        </p:cxnSp>
+        <p:cxnSp>
+          <p:nvCxnSpPr>
+            <p:cNvPr id="155" name="Straight Connector 154">
+              <a:extLst>
+                <a:ext uri="{FF2B5EF4-FFF2-40B4-BE49-F238E27FC236}">
+                  <a16:creationId xmlns:a16="http://schemas.microsoft.com/office/drawing/2014/main" id="{7BB21D10-6B18-2671-A041-BAD7142A4A09}"/>
+                </a:ext>
+              </a:extLst>
+            </p:cNvPr>
+            <p:cNvCxnSpPr>
+              <a:cxnSpLocks/>
+            </p:cNvCxnSpPr>
+            <p:nvPr/>
+          </p:nvCxnSpPr>
+          <p:spPr>
+            <a:xfrm flipV="1">
+              <a:off x="3405409" y="617179"/>
+              <a:ext cx="115933" cy="303027"/>
+            </a:xfrm>
+            <a:prstGeom prst="line">
+              <a:avLst/>
+            </a:prstGeom>
+            <a:ln w="57150">
+              <a:solidFill>
+                <a:srgbClr val="0070C0"/>
+              </a:solidFill>
+            </a:ln>
+          </p:spPr>
+          <p:style>
+            <a:lnRef idx="1">
+              <a:schemeClr val="accent1"/>
+            </a:lnRef>
+            <a:fillRef idx="0">
+              <a:schemeClr val="accent1"/>
+            </a:fillRef>
+            <a:effectRef idx="0">
+              <a:schemeClr val="accent1"/>
+            </a:effectRef>
+            <a:fontRef idx="minor">
+              <a:schemeClr val="tx1"/>
+            </a:fontRef>
+          </p:style>
+        </p:cxnSp>
+        <p:cxnSp>
+          <p:nvCxnSpPr>
+            <p:cNvPr id="156" name="Straight Connector 155">
+              <a:extLst>
+                <a:ext uri="{FF2B5EF4-FFF2-40B4-BE49-F238E27FC236}">
+                  <a16:creationId xmlns:a16="http://schemas.microsoft.com/office/drawing/2014/main" id="{D2C74002-FA04-91E5-3516-BE96B805FC6A}"/>
+                </a:ext>
+              </a:extLst>
+            </p:cNvPr>
+            <p:cNvCxnSpPr>
+              <a:cxnSpLocks/>
+            </p:cNvCxnSpPr>
+            <p:nvPr/>
+          </p:nvCxnSpPr>
+          <p:spPr>
+            <a:xfrm flipH="1" flipV="1">
+              <a:off x="3721181" y="620901"/>
+              <a:ext cx="114095" cy="294912"/>
+            </a:xfrm>
+            <a:prstGeom prst="line">
+              <a:avLst/>
+            </a:prstGeom>
+            <a:ln w="57150">
+              <a:solidFill>
+                <a:srgbClr val="0070C0"/>
+              </a:solidFill>
+            </a:ln>
+          </p:spPr>
+          <p:style>
+            <a:lnRef idx="1">
+              <a:schemeClr val="accent1"/>
+            </a:lnRef>
+            <a:fillRef idx="0">
+              <a:schemeClr val="accent1"/>
+            </a:fillRef>
+            <a:effectRef idx="0">
+              <a:schemeClr val="accent1"/>
+            </a:effectRef>
+            <a:fontRef idx="minor">
+              <a:schemeClr val="tx1"/>
+            </a:fontRef>
+          </p:style>
+        </p:cxnSp>
+      </p:grpSp>
+      <p:grpSp>
+        <p:nvGrpSpPr>
+          <p:cNvPr id="40" name="Group 39">
+            <a:extLst>
+              <a:ext uri="{FF2B5EF4-FFF2-40B4-BE49-F238E27FC236}">
+                <a16:creationId xmlns:a16="http://schemas.microsoft.com/office/drawing/2014/main" id="{66577571-224E-F722-00F7-82DD98D1D291}"/>
+              </a:ext>
+            </a:extLst>
+          </p:cNvPr>
+          <p:cNvGrpSpPr/>
+          <p:nvPr/>
+        </p:nvGrpSpPr>
+        <p:grpSpPr>
+          <a:xfrm>
+            <a:off x="9848490" y="4495758"/>
+            <a:ext cx="849470" cy="806000"/>
+            <a:chOff x="3106588" y="431634"/>
+            <a:chExt cx="849470" cy="806000"/>
+          </a:xfrm>
+        </p:grpSpPr>
+        <p:sp>
+          <p:nvSpPr>
+            <p:cNvPr id="41" name="Oval 40">
+              <a:extLst>
+                <a:ext uri="{FF2B5EF4-FFF2-40B4-BE49-F238E27FC236}">
+                  <a16:creationId xmlns:a16="http://schemas.microsoft.com/office/drawing/2014/main" id="{9C2E47AE-D2FA-EB08-ABD3-5658E47AF5C0}"/>
+                </a:ext>
+              </a:extLst>
+            </p:cNvPr>
+            <p:cNvSpPr/>
+            <p:nvPr/>
+          </p:nvSpPr>
+          <p:spPr>
+            <a:xfrm>
+              <a:off x="3106588" y="431634"/>
+              <a:ext cx="849470" cy="806000"/>
+            </a:xfrm>
+            <a:prstGeom prst="ellipse">
+              <a:avLst/>
+            </a:prstGeom>
+            <a:solidFill>
+              <a:schemeClr val="bg1">
+                <a:lumMod val="95000"/>
+              </a:schemeClr>
+            </a:solidFill>
+            <a:ln w="38100"/>
+          </p:spPr>
+          <p:style>
+            <a:lnRef idx="2">
+              <a:schemeClr val="accent1">
+                <a:shade val="50000"/>
+              </a:schemeClr>
+            </a:lnRef>
+            <a:fillRef idx="1">
+              <a:schemeClr val="accent1"/>
+            </a:fillRef>
+            <a:effectRef idx="0">
+              <a:schemeClr val="accent1"/>
+            </a:effectRef>
+            <a:fontRef idx="minor">
+              <a:schemeClr val="lt1"/>
+            </a:fontRef>
+          </p:style>
+          <p:txBody>
+            <a:bodyPr rtlCol="0" anchor="ctr"/>
+            <a:lstStyle/>
+            <a:p>
+              <a:pPr algn="ctr"/>
+              <a:endParaRPr lang="en-IN" sz="4000" dirty="0">
+                <a:solidFill>
+                  <a:srgbClr val="FF0000"/>
+                </a:solidFill>
+              </a:endParaRPr>
+            </a:p>
+          </p:txBody>
+        </p:sp>
+        <p:sp>
+          <p:nvSpPr>
+            <p:cNvPr id="43" name="TextBox 42">
+              <a:extLst>
+                <a:ext uri="{FF2B5EF4-FFF2-40B4-BE49-F238E27FC236}">
+                  <a16:creationId xmlns:a16="http://schemas.microsoft.com/office/drawing/2014/main" id="{CC05D0F7-D263-2618-63EA-F6990F0AAF67}"/>
+                </a:ext>
+              </a:extLst>
+            </p:cNvPr>
+            <p:cNvSpPr txBox="1"/>
+            <p:nvPr/>
+          </p:nvSpPr>
+          <p:spPr>
+            <a:xfrm>
+              <a:off x="3320936" y="501084"/>
+              <a:ext cx="420773" cy="584775"/>
+            </a:xfrm>
+            <a:prstGeom prst="rect">
+              <a:avLst/>
+            </a:prstGeom>
+            <a:noFill/>
+          </p:spPr>
+          <p:txBody>
+            <a:bodyPr wrap="square" rtlCol="0">
+              <a:spAutoFit/>
+            </a:bodyPr>
+            <a:lstStyle/>
+            <a:p>
+              <a:pPr algn="ctr"/>
+              <a:r>
+                <a:rPr lang="en-IN" sz="3200" b="1" dirty="0">
+                  <a:solidFill>
+                    <a:srgbClr val="FF0000"/>
+                  </a:solidFill>
+                  <a:latin typeface="Arial" panose="020B0604020202020204" pitchFamily="34" charset="0"/>
+                  <a:cs typeface="Arial" panose="020B0604020202020204" pitchFamily="34" charset="0"/>
+                </a:rPr>
+                <a:t>A</a:t>
+              </a:r>
+            </a:p>
+          </p:txBody>
+        </p:sp>
+        <p:grpSp>
+          <p:nvGrpSpPr>
+            <p:cNvPr id="44" name="Group 43">
+              <a:extLst>
+                <a:ext uri="{FF2B5EF4-FFF2-40B4-BE49-F238E27FC236}">
+                  <a16:creationId xmlns:a16="http://schemas.microsoft.com/office/drawing/2014/main" id="{FC8E6DAD-F93D-66A6-FFFE-63DE7DA0E83C}"/>
+                </a:ext>
+              </a:extLst>
+            </p:cNvPr>
+            <p:cNvGrpSpPr/>
+            <p:nvPr/>
+          </p:nvGrpSpPr>
+          <p:grpSpPr>
+            <a:xfrm rot="4449706" flipV="1">
+              <a:off x="3450034" y="911084"/>
+              <a:ext cx="131685" cy="304028"/>
+              <a:chOff x="3898812" y="2986773"/>
+              <a:chExt cx="232509" cy="554879"/>
+            </a:xfrm>
+          </p:grpSpPr>
+          <p:sp>
+            <p:nvSpPr>
+              <p:cNvPr id="50" name="Arc 49">
+                <a:extLst>
+                  <a:ext uri="{FF2B5EF4-FFF2-40B4-BE49-F238E27FC236}">
+                    <a16:creationId xmlns:a16="http://schemas.microsoft.com/office/drawing/2014/main" id="{38162556-4F58-372E-66A9-025F6167FA5E}"/>
+                  </a:ext>
+                </a:extLst>
+              </p:cNvPr>
+              <p:cNvSpPr/>
+              <p:nvPr/>
+            </p:nvSpPr>
+            <p:spPr>
+              <a:xfrm rot="16200000">
+                <a:off x="3877316" y="3010463"/>
+                <a:ext cx="277695" cy="230315"/>
+              </a:xfrm>
+              <a:prstGeom prst="arc">
+                <a:avLst>
+                  <a:gd name="adj1" fmla="val 10739696"/>
+                  <a:gd name="adj2" fmla="val 0"/>
+                </a:avLst>
+              </a:prstGeom>
+              <a:ln w="38100">
+                <a:solidFill>
+                  <a:srgbClr val="FF0000"/>
+                </a:solidFill>
+              </a:ln>
+            </p:spPr>
+            <p:style>
+              <a:lnRef idx="1">
+                <a:schemeClr val="dk1"/>
+              </a:lnRef>
+              <a:fillRef idx="0">
+                <a:schemeClr val="dk1"/>
+              </a:fillRef>
+              <a:effectRef idx="0">
+                <a:schemeClr val="dk1"/>
+              </a:effectRef>
+              <a:fontRef idx="minor">
+                <a:schemeClr val="tx1"/>
+              </a:fontRef>
+            </p:style>
+            <p:txBody>
+              <a:bodyPr rtlCol="0" anchor="ctr"/>
+              <a:lstStyle/>
+              <a:p>
+                <a:pPr algn="ctr"/>
+                <a:endParaRPr lang="en-IN"/>
+              </a:p>
+            </p:txBody>
+          </p:sp>
+          <p:sp>
+            <p:nvSpPr>
+              <p:cNvPr id="55" name="Arc 54">
+                <a:extLst>
+                  <a:ext uri="{FF2B5EF4-FFF2-40B4-BE49-F238E27FC236}">
+                    <a16:creationId xmlns:a16="http://schemas.microsoft.com/office/drawing/2014/main" id="{4FB9EBEE-6E3F-4943-B1CF-47BC85EDA200}"/>
+                  </a:ext>
+                </a:extLst>
+              </p:cNvPr>
+              <p:cNvSpPr/>
+              <p:nvPr/>
+            </p:nvSpPr>
+            <p:spPr>
+              <a:xfrm rot="5400000" flipH="1">
+                <a:off x="3875122" y="3287647"/>
+                <a:ext cx="277695" cy="230315"/>
+              </a:xfrm>
+              <a:prstGeom prst="arc">
+                <a:avLst>
+                  <a:gd name="adj1" fmla="val 10739696"/>
+                  <a:gd name="adj2" fmla="val 0"/>
+                </a:avLst>
+              </a:prstGeom>
+              <a:ln w="38100">
+                <a:solidFill>
+                  <a:srgbClr val="FF0000"/>
+                </a:solidFill>
+              </a:ln>
+            </p:spPr>
+            <p:style>
+              <a:lnRef idx="1">
+                <a:schemeClr val="dk1"/>
+              </a:lnRef>
+              <a:fillRef idx="0">
+                <a:schemeClr val="dk1"/>
+              </a:fillRef>
+              <a:effectRef idx="0">
+                <a:schemeClr val="dk1"/>
+              </a:effectRef>
+              <a:fontRef idx="minor">
+                <a:schemeClr val="tx1"/>
+              </a:fontRef>
+            </p:style>
+            <p:txBody>
+              <a:bodyPr rtlCol="0" anchor="ctr"/>
+              <a:lstStyle/>
+              <a:p>
+                <a:pPr algn="ctr"/>
+                <a:endParaRPr lang="en-IN"/>
+              </a:p>
+            </p:txBody>
+          </p:sp>
+        </p:grpSp>
+      </p:grpSp>
+      <p:sp>
+        <p:nvSpPr>
+          <p:cNvPr id="56" name="Oval 55">
+            <a:extLst>
+              <a:ext uri="{FF2B5EF4-FFF2-40B4-BE49-F238E27FC236}">
+                <a16:creationId xmlns:a16="http://schemas.microsoft.com/office/drawing/2014/main" id="{52CF07DF-B166-A580-6BC6-71AA3BADCCFB}"/>
+              </a:ext>
+            </a:extLst>
+          </p:cNvPr>
+          <p:cNvSpPr/>
+          <p:nvPr/>
+        </p:nvSpPr>
+        <p:spPr>
+          <a:xfrm>
+            <a:off x="7371958" y="2150319"/>
+            <a:ext cx="849470" cy="806000"/>
+          </a:xfrm>
+          <a:prstGeom prst="ellipse">
+            <a:avLst/>
+          </a:prstGeom>
+          <a:solidFill>
+            <a:schemeClr val="bg1">
+              <a:lumMod val="95000"/>
+            </a:schemeClr>
+          </a:solidFill>
+          <a:ln w="38100"/>
+        </p:spPr>
+        <p:style>
+          <a:lnRef idx="2">
+            <a:schemeClr val="accent1">
+              <a:shade val="50000"/>
+            </a:schemeClr>
+          </a:lnRef>
+          <a:fillRef idx="1">
+            <a:schemeClr val="accent1"/>
+          </a:fillRef>
+          <a:effectRef idx="0">
+            <a:schemeClr val="accent1"/>
+          </a:effectRef>
+          <a:fontRef idx="minor">
+            <a:schemeClr val="lt1"/>
+          </a:fontRef>
+        </p:style>
+        <p:txBody>
+          <a:bodyPr rtlCol="0" anchor="ctr"/>
+          <a:lstStyle/>
+          <a:p>
+            <a:pPr algn="ctr"/>
+            <a:endParaRPr lang="en-IN" sz="4000" dirty="0">
+              <a:solidFill>
+                <a:srgbClr val="FF0000"/>
+              </a:solidFill>
+            </a:endParaRPr>
+          </a:p>
+        </p:txBody>
+      </p:sp>
+      <p:sp>
+        <p:nvSpPr>
+          <p:cNvPr id="57" name="TextBox 56">
+            <a:extLst>
+              <a:ext uri="{FF2B5EF4-FFF2-40B4-BE49-F238E27FC236}">
+                <a16:creationId xmlns:a16="http://schemas.microsoft.com/office/drawing/2014/main" id="{8BA57E40-1394-BC24-4530-ECF3319D3872}"/>
+              </a:ext>
+            </a:extLst>
+          </p:cNvPr>
+          <p:cNvSpPr txBox="1"/>
+          <p:nvPr/>
+        </p:nvSpPr>
+        <p:spPr>
+          <a:xfrm>
+            <a:off x="7586306" y="2219769"/>
+            <a:ext cx="420773" cy="584775"/>
+          </a:xfrm>
+          <a:prstGeom prst="rect">
+            <a:avLst/>
+          </a:prstGeom>
+          <a:noFill/>
+        </p:spPr>
+        <p:txBody>
+          <a:bodyPr wrap="square" rtlCol="0">
+            <a:spAutoFit/>
+          </a:bodyPr>
+          <a:lstStyle/>
+          <a:p>
+            <a:pPr algn="ctr"/>
+            <a:r>
+              <a:rPr lang="en-US" sz="3200" b="1" dirty="0">
+                <a:solidFill>
+                  <a:srgbClr val="FF0000"/>
+                </a:solidFill>
+                <a:latin typeface="Arial" panose="020B0604020202020204" pitchFamily="34" charset="0"/>
+                <a:cs typeface="Arial" panose="020B0604020202020204" pitchFamily="34" charset="0"/>
+              </a:rPr>
+              <a:t>V</a:t>
+            </a:r>
+            <a:endParaRPr lang="en-IN" sz="3200" b="1" dirty="0">
+              <a:solidFill>
+                <a:srgbClr val="FF0000"/>
+              </a:solidFill>
+              <a:latin typeface="Arial" panose="020B0604020202020204" pitchFamily="34" charset="0"/>
+              <a:cs typeface="Arial" panose="020B0604020202020204" pitchFamily="34" charset="0"/>
+            </a:endParaRPr>
+          </a:p>
+        </p:txBody>
+      </p:sp>
+      <p:sp>
+        <p:nvSpPr>
+          <p:cNvPr id="11" name="Rectangle 10">
+            <a:extLst>
+              <a:ext uri="{FF2B5EF4-FFF2-40B4-BE49-F238E27FC236}">
+                <a16:creationId xmlns:a16="http://schemas.microsoft.com/office/drawing/2014/main" id="{B6930E61-AE4E-C192-C193-A722836F27D8}"/>
+              </a:ext>
+            </a:extLst>
+          </p:cNvPr>
+          <p:cNvSpPr/>
+          <p:nvPr/>
+        </p:nvSpPr>
+        <p:spPr>
+          <a:xfrm>
+            <a:off x="6261315" y="2733043"/>
+            <a:ext cx="325797" cy="71501"/>
+          </a:xfrm>
+          <a:prstGeom prst="rect">
+            <a:avLst/>
+          </a:prstGeom>
+          <a:solidFill>
+            <a:srgbClr val="FF0000"/>
+          </a:solidFill>
+          <a:ln>
+            <a:noFill/>
+          </a:ln>
+        </p:spPr>
+        <p:style>
+          <a:lnRef idx="2">
+            <a:schemeClr val="accent1">
+              <a:shade val="50000"/>
+            </a:schemeClr>
+          </a:lnRef>
+          <a:fillRef idx="1">
+            <a:schemeClr val="accent1"/>
+          </a:fillRef>
+          <a:effectRef idx="0">
+            <a:schemeClr val="accent1"/>
+          </a:effectRef>
+          <a:fontRef idx="minor">
+            <a:schemeClr val="lt1"/>
+          </a:fontRef>
+        </p:style>
+        <p:txBody>
+          <a:bodyPr rtlCol="0" anchor="ctr"/>
+          <a:lstStyle/>
+          <a:p>
+            <a:pPr algn="ctr"/>
+            <a:endParaRPr lang="en-IN"/>
+          </a:p>
+        </p:txBody>
+      </p:sp>
+      <p:sp>
+        <p:nvSpPr>
+          <p:cNvPr id="58" name="Rectangle 57">
+            <a:extLst>
+              <a:ext uri="{FF2B5EF4-FFF2-40B4-BE49-F238E27FC236}">
+                <a16:creationId xmlns:a16="http://schemas.microsoft.com/office/drawing/2014/main" id="{5D7BB52D-90C2-EE35-497B-C425C4C0D890}"/>
+              </a:ext>
+            </a:extLst>
+          </p:cNvPr>
+          <p:cNvSpPr/>
+          <p:nvPr/>
+        </p:nvSpPr>
+        <p:spPr>
+          <a:xfrm>
+            <a:off x="7629569" y="2733426"/>
+            <a:ext cx="325797" cy="71501"/>
+          </a:xfrm>
+          <a:prstGeom prst="rect">
+            <a:avLst/>
+          </a:prstGeom>
+          <a:solidFill>
+            <a:srgbClr val="FF0000"/>
+          </a:solidFill>
+          <a:ln>
+            <a:noFill/>
+          </a:ln>
+        </p:spPr>
+        <p:style>
+          <a:lnRef idx="2">
+            <a:schemeClr val="accent1">
+              <a:shade val="50000"/>
+            </a:schemeClr>
+          </a:lnRef>
+          <a:fillRef idx="1">
+            <a:schemeClr val="accent1"/>
+          </a:fillRef>
+          <a:effectRef idx="0">
+            <a:schemeClr val="accent1"/>
+          </a:effectRef>
+          <a:fontRef idx="minor">
+            <a:schemeClr val="lt1"/>
+          </a:fontRef>
+        </p:style>
+        <p:txBody>
+          <a:bodyPr rtlCol="0" anchor="ctr"/>
+          <a:lstStyle/>
+          <a:p>
+            <a:pPr algn="ctr"/>
+            <a:endParaRPr lang="en-IN"/>
+          </a:p>
+        </p:txBody>
+      </p:sp>
+      <p:sp>
+        <p:nvSpPr>
+          <p:cNvPr id="69" name="TextBox 68">
+            <a:extLst>
+              <a:ext uri="{FF2B5EF4-FFF2-40B4-BE49-F238E27FC236}">
+                <a16:creationId xmlns:a16="http://schemas.microsoft.com/office/drawing/2014/main" id="{67ADCA89-0222-AC01-76AD-765EEF9B34C7}"/>
+              </a:ext>
+            </a:extLst>
+          </p:cNvPr>
+          <p:cNvSpPr txBox="1"/>
+          <p:nvPr/>
+        </p:nvSpPr>
+        <p:spPr>
+          <a:xfrm>
+            <a:off x="5970757" y="1917845"/>
+            <a:ext cx="272828" cy="400110"/>
+          </a:xfrm>
+          <a:prstGeom prst="rect">
+            <a:avLst/>
+          </a:prstGeom>
+          <a:noFill/>
+        </p:spPr>
+        <p:txBody>
+          <a:bodyPr wrap="square" rtlCol="0">
+            <a:spAutoFit/>
+          </a:bodyPr>
+          <a:lstStyle/>
+          <a:p>
+            <a:r>
+              <a:rPr lang="en-US" sz="2000" b="1" dirty="0">
+                <a:solidFill>
+                  <a:srgbClr val="FF0000"/>
+                </a:solidFill>
+              </a:rPr>
+              <a:t>+</a:t>
+            </a:r>
+            <a:endParaRPr lang="en-IN" sz="2000" b="1" dirty="0">
+              <a:solidFill>
+                <a:srgbClr val="FF0000"/>
+              </a:solidFill>
+            </a:endParaRPr>
+          </a:p>
+        </p:txBody>
+      </p:sp>
+      <p:sp>
+        <p:nvSpPr>
+          <p:cNvPr id="71" name="TextBox 70">
+            <a:extLst>
+              <a:ext uri="{FF2B5EF4-FFF2-40B4-BE49-F238E27FC236}">
+                <a16:creationId xmlns:a16="http://schemas.microsoft.com/office/drawing/2014/main" id="{8FB05540-C04D-4AC8-9783-977AA758B117}"/>
+              </a:ext>
+            </a:extLst>
+          </p:cNvPr>
+          <p:cNvSpPr txBox="1"/>
+          <p:nvPr/>
+        </p:nvSpPr>
+        <p:spPr>
+          <a:xfrm>
+            <a:off x="7356741" y="1876543"/>
+            <a:ext cx="272828" cy="400110"/>
+          </a:xfrm>
+          <a:prstGeom prst="rect">
+            <a:avLst/>
+          </a:prstGeom>
+          <a:noFill/>
+        </p:spPr>
+        <p:txBody>
+          <a:bodyPr wrap="square" rtlCol="0">
+            <a:spAutoFit/>
+          </a:bodyPr>
+          <a:lstStyle/>
+          <a:p>
+            <a:r>
+              <a:rPr lang="en-US" sz="2000" b="1" dirty="0">
+                <a:solidFill>
+                  <a:srgbClr val="FF0000"/>
+                </a:solidFill>
+              </a:rPr>
+              <a:t>+</a:t>
+            </a:r>
+            <a:endParaRPr lang="en-IN" sz="2000" b="1" dirty="0">
+              <a:solidFill>
+                <a:srgbClr val="FF0000"/>
+              </a:solidFill>
+            </a:endParaRPr>
+          </a:p>
+        </p:txBody>
+      </p:sp>
+      <p:sp>
+        <p:nvSpPr>
+          <p:cNvPr id="72" name="TextBox 71">
+            <a:extLst>
+              <a:ext uri="{FF2B5EF4-FFF2-40B4-BE49-F238E27FC236}">
+                <a16:creationId xmlns:a16="http://schemas.microsoft.com/office/drawing/2014/main" id="{F600A541-A97C-7ABB-6692-83D2CBE4B866}"/>
+              </a:ext>
+            </a:extLst>
+          </p:cNvPr>
+          <p:cNvSpPr txBox="1"/>
+          <p:nvPr/>
+        </p:nvSpPr>
+        <p:spPr>
+          <a:xfrm>
+            <a:off x="5970757" y="2902097"/>
+            <a:ext cx="272828" cy="400110"/>
+          </a:xfrm>
+          <a:prstGeom prst="rect">
+            <a:avLst/>
+          </a:prstGeom>
+          <a:noFill/>
+        </p:spPr>
+        <p:txBody>
+          <a:bodyPr wrap="square" rtlCol="0">
+            <a:spAutoFit/>
+          </a:bodyPr>
+          <a:lstStyle/>
+          <a:p>
+            <a:r>
+              <a:rPr lang="en-US" sz="2000" b="1" dirty="0">
+                <a:solidFill>
+                  <a:srgbClr val="FF0000"/>
+                </a:solidFill>
+              </a:rPr>
+              <a:t>-</a:t>
+            </a:r>
+            <a:endParaRPr lang="en-IN" sz="2000" b="1" dirty="0">
+              <a:solidFill>
+                <a:srgbClr val="FF0000"/>
+              </a:solidFill>
+            </a:endParaRPr>
+          </a:p>
+        </p:txBody>
+      </p:sp>
+      <p:sp>
+        <p:nvSpPr>
+          <p:cNvPr id="77" name="TextBox 76">
+            <a:extLst>
+              <a:ext uri="{FF2B5EF4-FFF2-40B4-BE49-F238E27FC236}">
+                <a16:creationId xmlns:a16="http://schemas.microsoft.com/office/drawing/2014/main" id="{610124ED-7700-538D-0A84-FFBF5042129F}"/>
+              </a:ext>
+            </a:extLst>
+          </p:cNvPr>
+          <p:cNvSpPr txBox="1"/>
+          <p:nvPr/>
+        </p:nvSpPr>
+        <p:spPr>
+          <a:xfrm>
+            <a:off x="7366181" y="2833046"/>
+            <a:ext cx="272828" cy="400110"/>
+          </a:xfrm>
+          <a:prstGeom prst="rect">
+            <a:avLst/>
+          </a:prstGeom>
+          <a:noFill/>
+        </p:spPr>
+        <p:txBody>
+          <a:bodyPr wrap="square" rtlCol="0">
+            <a:spAutoFit/>
+          </a:bodyPr>
+          <a:lstStyle/>
+          <a:p>
+            <a:r>
+              <a:rPr lang="en-US" sz="2000" b="1" dirty="0">
+                <a:solidFill>
+                  <a:srgbClr val="FF0000"/>
+                </a:solidFill>
+              </a:rPr>
+              <a:t>-</a:t>
+            </a:r>
+            <a:endParaRPr lang="en-IN" sz="2000" b="1" dirty="0">
+              <a:solidFill>
+                <a:srgbClr val="FF0000"/>
+              </a:solidFill>
+            </a:endParaRPr>
+          </a:p>
+        </p:txBody>
+      </p:sp>
     </p:spTree>
     <p:extLst>
       <p:ext uri="{BB962C8B-B14F-4D97-AF65-F5344CB8AC3E}">

--- a/Assets/Powerpoints/DC Chopper.pptx
+++ b/Assets/Powerpoints/DC Chopper.pptx
@@ -3632,8 +3632,8 @@
         </p:nvCxnSpPr>
         <p:spPr>
           <a:xfrm>
-            <a:off x="7814986" y="858431"/>
-            <a:ext cx="25013" cy="3281109"/>
+            <a:off x="7839999" y="3800374"/>
+            <a:ext cx="0" cy="339166"/>
           </a:xfrm>
           <a:prstGeom prst="line">
             <a:avLst/>
@@ -3814,49 +3814,6 @@
       </p:cxnSp>
       <p:cxnSp>
         <p:nvCxnSpPr>
-          <p:cNvPr id="74" name="Straight Connector 73">
-            <a:extLst>
-              <a:ext uri="{FF2B5EF4-FFF2-40B4-BE49-F238E27FC236}">
-                <a16:creationId xmlns:a16="http://schemas.microsoft.com/office/drawing/2014/main" id="{F469474A-C8D2-893C-8016-DF894054655B}"/>
-              </a:ext>
-            </a:extLst>
-          </p:cNvPr>
-          <p:cNvCxnSpPr>
-            <a:cxnSpLocks/>
-          </p:cNvCxnSpPr>
-          <p:nvPr/>
-        </p:nvCxnSpPr>
-        <p:spPr>
-          <a:xfrm>
-            <a:off x="11589091" y="5409210"/>
-            <a:ext cx="2300" cy="898927"/>
-          </a:xfrm>
-          <a:prstGeom prst="line">
-            <a:avLst/>
-          </a:prstGeom>
-          <a:ln w="57150">
-            <a:solidFill>
-              <a:srgbClr val="0070C0"/>
-            </a:solidFill>
-          </a:ln>
-        </p:spPr>
-        <p:style>
-          <a:lnRef idx="1">
-            <a:schemeClr val="accent1"/>
-          </a:lnRef>
-          <a:fillRef idx="0">
-            <a:schemeClr val="accent1"/>
-          </a:fillRef>
-          <a:effectRef idx="0">
-            <a:schemeClr val="accent1"/>
-          </a:effectRef>
-          <a:fontRef idx="minor">
-            <a:schemeClr val="tx1"/>
-          </a:fontRef>
-        </p:style>
-      </p:cxnSp>
-      <p:cxnSp>
-        <p:nvCxnSpPr>
           <p:cNvPr id="120" name="Straight Connector 119">
             <a:extLst>
               <a:ext uri="{FF2B5EF4-FFF2-40B4-BE49-F238E27FC236}">
@@ -3958,7 +3915,7 @@
         <p:spPr>
           <a:xfrm>
             <a:off x="9323658" y="855022"/>
-            <a:ext cx="0" cy="3296904"/>
+            <a:ext cx="0" cy="552028"/>
           </a:xfrm>
           <a:prstGeom prst="line">
             <a:avLst/>
@@ -7080,111 +7037,6 @@
           </p:sp>
         </p:grpSp>
       </p:grpSp>
-      <p:sp>
-        <p:nvSpPr>
-          <p:cNvPr id="17" name="Oval 16">
-            <a:extLst>
-              <a:ext uri="{FF2B5EF4-FFF2-40B4-BE49-F238E27FC236}">
-                <a16:creationId xmlns:a16="http://schemas.microsoft.com/office/drawing/2014/main" id="{DBC6F374-CD07-9C96-4DAD-BB1815FE4356}"/>
-              </a:ext>
-            </a:extLst>
-          </p:cNvPr>
-          <p:cNvSpPr/>
-          <p:nvPr/>
-        </p:nvSpPr>
-        <p:spPr>
-          <a:xfrm>
-            <a:off x="6003464" y="2164966"/>
-            <a:ext cx="849470" cy="806000"/>
-          </a:xfrm>
-          <a:prstGeom prst="ellipse">
-            <a:avLst/>
-          </a:prstGeom>
-          <a:solidFill>
-            <a:schemeClr val="bg1">
-              <a:lumMod val="95000"/>
-            </a:schemeClr>
-          </a:solidFill>
-          <a:ln w="38100"/>
-        </p:spPr>
-        <p:style>
-          <a:lnRef idx="2">
-            <a:schemeClr val="accent1">
-              <a:shade val="50000"/>
-            </a:schemeClr>
-          </a:lnRef>
-          <a:fillRef idx="1">
-            <a:schemeClr val="accent1"/>
-          </a:fillRef>
-          <a:effectRef idx="0">
-            <a:schemeClr val="accent1"/>
-          </a:effectRef>
-          <a:fontRef idx="minor">
-            <a:schemeClr val="lt1"/>
-          </a:fontRef>
-        </p:style>
-        <p:txBody>
-          <a:bodyPr rtlCol="0" anchor="ctr"/>
-          <a:lstStyle/>
-          <a:p>
-            <a:pPr algn="ctr"/>
-            <a:endParaRPr lang="en-IN" sz="4000" dirty="0">
-              <a:solidFill>
-                <a:srgbClr val="FF0000"/>
-              </a:solidFill>
-            </a:endParaRPr>
-          </a:p>
-        </p:txBody>
-      </p:sp>
-      <p:sp>
-        <p:nvSpPr>
-          <p:cNvPr id="18" name="TextBox 17">
-            <a:extLst>
-              <a:ext uri="{FF2B5EF4-FFF2-40B4-BE49-F238E27FC236}">
-                <a16:creationId xmlns:a16="http://schemas.microsoft.com/office/drawing/2014/main" id="{9103FC6C-0A35-A4EF-D5B7-E5F9BEDC2779}"/>
-              </a:ext>
-            </a:extLst>
-          </p:cNvPr>
-          <p:cNvSpPr txBox="1"/>
-          <p:nvPr/>
-        </p:nvSpPr>
-        <p:spPr>
-          <a:xfrm>
-            <a:off x="6217812" y="2234416"/>
-            <a:ext cx="420773" cy="584775"/>
-          </a:xfrm>
-          <a:prstGeom prst="rect">
-            <a:avLst/>
-          </a:prstGeom>
-          <a:noFill/>
-        </p:spPr>
-        <p:txBody>
-          <a:bodyPr wrap="square" rtlCol="0">
-            <a:spAutoFit/>
-          </a:bodyPr>
-          <a:lstStyle/>
-          <a:p>
-            <a:pPr algn="ctr"/>
-            <a:r>
-              <a:rPr lang="en-US" sz="3200" b="1" dirty="0">
-                <a:solidFill>
-                  <a:srgbClr val="FF0000"/>
-                </a:solidFill>
-                <a:latin typeface="Arial" panose="020B0604020202020204" pitchFamily="34" charset="0"/>
-                <a:cs typeface="Arial" panose="020B0604020202020204" pitchFamily="34" charset="0"/>
-              </a:rPr>
-              <a:t>V</a:t>
-            </a:r>
-            <a:endParaRPr lang="en-IN" sz="3200" b="1" dirty="0">
-              <a:solidFill>
-                <a:srgbClr val="FF0000"/>
-              </a:solidFill>
-              <a:latin typeface="Arial" panose="020B0604020202020204" pitchFamily="34" charset="0"/>
-              <a:cs typeface="Arial" panose="020B0604020202020204" pitchFamily="34" charset="0"/>
-            </a:endParaRPr>
-          </a:p>
-        </p:txBody>
-      </p:sp>
       <p:grpSp>
         <p:nvGrpSpPr>
           <p:cNvPr id="13" name="Group 12">
@@ -7310,49 +7162,6 @@
           </p:txBody>
         </p:sp>
       </p:grpSp>
-      <p:cxnSp>
-        <p:nvCxnSpPr>
-          <p:cNvPr id="42" name="Straight Connector 41">
-            <a:extLst>
-              <a:ext uri="{FF2B5EF4-FFF2-40B4-BE49-F238E27FC236}">
-                <a16:creationId xmlns:a16="http://schemas.microsoft.com/office/drawing/2014/main" id="{DA2EE021-FACE-F923-5CC0-D78ECBFFA679}"/>
-              </a:ext>
-            </a:extLst>
-          </p:cNvPr>
-          <p:cNvCxnSpPr>
-            <a:cxnSpLocks/>
-          </p:cNvCxnSpPr>
-          <p:nvPr/>
-        </p:nvCxnSpPr>
-        <p:spPr>
-          <a:xfrm flipH="1">
-            <a:off x="11045332" y="5721482"/>
-            <a:ext cx="7811" cy="227345"/>
-          </a:xfrm>
-          <a:prstGeom prst="line">
-            <a:avLst/>
-          </a:prstGeom>
-          <a:ln w="57150">
-            <a:solidFill>
-              <a:srgbClr val="0070C0"/>
-            </a:solidFill>
-          </a:ln>
-        </p:spPr>
-        <p:style>
-          <a:lnRef idx="1">
-            <a:schemeClr val="accent1"/>
-          </a:lnRef>
-          <a:fillRef idx="0">
-            <a:schemeClr val="accent1"/>
-          </a:fillRef>
-          <a:effectRef idx="0">
-            <a:schemeClr val="accent1"/>
-          </a:effectRef>
-          <a:fontRef idx="minor">
-            <a:schemeClr val="tx1"/>
-          </a:fontRef>
-        </p:style>
-      </p:cxnSp>
       <p:grpSp>
         <p:nvGrpSpPr>
           <p:cNvPr id="45" name="Group 44">
@@ -7367,7 +7176,7 @@
         </p:nvGrpSpPr>
         <p:grpSpPr>
           <a:xfrm>
-            <a:off x="7857079" y="4874249"/>
+            <a:off x="10963909" y="4695368"/>
             <a:ext cx="526643" cy="1746023"/>
             <a:chOff x="6164423" y="1843810"/>
             <a:chExt cx="526643" cy="1746023"/>
@@ -8227,10 +8036,10 @@
       </p:cxnSp>
       <p:grpSp>
         <p:nvGrpSpPr>
-          <p:cNvPr id="182" name="Group 181">
+          <p:cNvPr id="39" name="Group 38">
             <a:extLst>
               <a:ext uri="{FF2B5EF4-FFF2-40B4-BE49-F238E27FC236}">
-                <a16:creationId xmlns:a16="http://schemas.microsoft.com/office/drawing/2014/main" id="{C63BA097-84D0-4271-5CEE-05570CD57909}"/>
+                <a16:creationId xmlns:a16="http://schemas.microsoft.com/office/drawing/2014/main" id="{85CBBB92-8609-E4C2-29B3-37A80A1F8D20}"/>
               </a:ext>
             </a:extLst>
           </p:cNvPr>
@@ -8239,18 +8048,18 @@
         </p:nvGrpSpPr>
         <p:grpSpPr>
           <a:xfrm>
-            <a:off x="3025067" y="602594"/>
-            <a:ext cx="1211294" cy="348272"/>
-            <a:chOff x="3207311" y="599364"/>
-            <a:chExt cx="1211294" cy="348272"/>
+            <a:off x="9048240" y="1308315"/>
+            <a:ext cx="348272" cy="2687596"/>
+            <a:chOff x="7558679" y="1337942"/>
+            <a:chExt cx="348272" cy="2687596"/>
           </a:xfrm>
         </p:grpSpPr>
         <p:cxnSp>
           <p:nvCxnSpPr>
-            <p:cNvPr id="70" name="Straight Connector 69">
+            <p:cNvPr id="74" name="Straight Connector 73">
               <a:extLst>
                 <a:ext uri="{FF2B5EF4-FFF2-40B4-BE49-F238E27FC236}">
-                  <a16:creationId xmlns:a16="http://schemas.microsoft.com/office/drawing/2014/main" id="{D06297FA-010D-932B-3DFB-CD0E33840BE6}"/>
+                  <a16:creationId xmlns:a16="http://schemas.microsoft.com/office/drawing/2014/main" id="{F469474A-C8D2-893C-8016-DF894054655B}"/>
                 </a:ext>
               </a:extLst>
             </p:cNvPr>
@@ -8260,9 +8069,9 @@
             <p:nvPr/>
           </p:nvCxnSpPr>
           <p:spPr>
-            <a:xfrm rot="185876" flipV="1">
-              <a:off x="3839558" y="610178"/>
-              <a:ext cx="99387" cy="308849"/>
+            <a:xfrm>
+              <a:off x="7845457" y="3126611"/>
+              <a:ext cx="2300" cy="898927"/>
             </a:xfrm>
             <a:prstGeom prst="line">
               <a:avLst/>
@@ -8290,10 +8099,10 @@
         </p:cxnSp>
         <p:cxnSp>
           <p:nvCxnSpPr>
-            <p:cNvPr id="67" name="Straight Connector 66">
+            <p:cNvPr id="42" name="Straight Connector 41">
               <a:extLst>
                 <a:ext uri="{FF2B5EF4-FFF2-40B4-BE49-F238E27FC236}">
-                  <a16:creationId xmlns:a16="http://schemas.microsoft.com/office/drawing/2014/main" id="{8D103C26-19B1-E709-A975-96744FB2C52F}"/>
+                  <a16:creationId xmlns:a16="http://schemas.microsoft.com/office/drawing/2014/main" id="{DA2EE021-FACE-F923-5CC0-D78ECBFFA679}"/>
                 </a:ext>
               </a:extLst>
             </p:cNvPr>
@@ -8303,9 +8112,9 @@
             <p:nvPr/>
           </p:nvCxnSpPr>
           <p:spPr>
-            <a:xfrm rot="185876" flipH="1" flipV="1">
-              <a:off x="4137871" y="633416"/>
-              <a:ext cx="99387" cy="308849"/>
+            <a:xfrm>
+              <a:off x="7829040" y="1337942"/>
+              <a:ext cx="0" cy="644085"/>
             </a:xfrm>
             <a:prstGeom prst="line">
               <a:avLst/>
@@ -8331,436 +8140,543 @@
             </a:fontRef>
           </p:style>
         </p:cxnSp>
-        <p:cxnSp>
-          <p:nvCxnSpPr>
-            <p:cNvPr id="68" name="Straight Connector 67">
+        <p:grpSp>
+          <p:nvGrpSpPr>
+            <p:cNvPr id="182" name="Group 181">
               <a:extLst>
                 <a:ext uri="{FF2B5EF4-FFF2-40B4-BE49-F238E27FC236}">
-                  <a16:creationId xmlns:a16="http://schemas.microsoft.com/office/drawing/2014/main" id="{A2F5C1A6-AC32-943F-2D2D-59FCA28625CC}"/>
+                  <a16:creationId xmlns:a16="http://schemas.microsoft.com/office/drawing/2014/main" id="{C63BA097-84D0-4271-5CEE-05570CD57909}"/>
                 </a:ext>
               </a:extLst>
             </p:cNvPr>
-            <p:cNvCxnSpPr>
-              <a:cxnSpLocks/>
-            </p:cNvCxnSpPr>
+            <p:cNvGrpSpPr/>
             <p:nvPr/>
-          </p:nvCxnSpPr>
-          <p:spPr>
-            <a:xfrm rot="185876" flipV="1">
-              <a:off x="4237111" y="638787"/>
-              <a:ext cx="99387" cy="308849"/>
+          </p:nvGrpSpPr>
+          <p:grpSpPr>
+            <a:xfrm rot="16200000">
+              <a:off x="7127168" y="2380424"/>
+              <a:ext cx="1211294" cy="348272"/>
+              <a:chOff x="3207311" y="599364"/>
+              <a:chExt cx="1211294" cy="348272"/>
             </a:xfrm>
-            <a:prstGeom prst="line">
-              <a:avLst/>
-            </a:prstGeom>
-            <a:ln w="57150">
-              <a:solidFill>
-                <a:srgbClr val="0070C0"/>
-              </a:solidFill>
-            </a:ln>
-          </p:spPr>
-          <p:style>
-            <a:lnRef idx="1">
-              <a:schemeClr val="accent1"/>
-            </a:lnRef>
-            <a:fillRef idx="0">
-              <a:schemeClr val="accent1"/>
-            </a:fillRef>
-            <a:effectRef idx="0">
-              <a:schemeClr val="accent1"/>
-            </a:effectRef>
-            <a:fontRef idx="minor">
-              <a:schemeClr val="tx1"/>
-            </a:fontRef>
-          </p:style>
-        </p:cxnSp>
-        <p:cxnSp>
-          <p:nvCxnSpPr>
-            <p:cNvPr id="65" name="Straight Connector 64">
-              <a:extLst>
-                <a:ext uri="{FF2B5EF4-FFF2-40B4-BE49-F238E27FC236}">
-                  <a16:creationId xmlns:a16="http://schemas.microsoft.com/office/drawing/2014/main" id="{D12DF48F-5DF8-5E02-02E2-F226D40F2A8F}"/>
-                </a:ext>
-              </a:extLst>
-            </p:cNvPr>
-            <p:cNvCxnSpPr>
-              <a:cxnSpLocks/>
-            </p:cNvCxnSpPr>
-            <p:nvPr/>
-          </p:nvCxnSpPr>
-          <p:spPr>
-            <a:xfrm rot="185876" flipH="1" flipV="1">
-              <a:off x="3938415" y="622621"/>
-              <a:ext cx="99387" cy="308849"/>
-            </a:xfrm>
-            <a:prstGeom prst="line">
-              <a:avLst/>
-            </a:prstGeom>
-            <a:ln w="57150">
-              <a:solidFill>
-                <a:srgbClr val="0070C0"/>
-              </a:solidFill>
-            </a:ln>
-          </p:spPr>
-          <p:style>
-            <a:lnRef idx="1">
-              <a:schemeClr val="accent1"/>
-            </a:lnRef>
-            <a:fillRef idx="0">
-              <a:schemeClr val="accent1"/>
-            </a:fillRef>
-            <a:effectRef idx="0">
-              <a:schemeClr val="accent1"/>
-            </a:effectRef>
-            <a:fontRef idx="minor">
-              <a:schemeClr val="tx1"/>
-            </a:fontRef>
-          </p:style>
-        </p:cxnSp>
-        <p:cxnSp>
-          <p:nvCxnSpPr>
-            <p:cNvPr id="66" name="Straight Connector 65">
-              <a:extLst>
-                <a:ext uri="{FF2B5EF4-FFF2-40B4-BE49-F238E27FC236}">
-                  <a16:creationId xmlns:a16="http://schemas.microsoft.com/office/drawing/2014/main" id="{787990BD-CC35-8800-77CF-3EFF5F5A20CD}"/>
-                </a:ext>
-              </a:extLst>
-            </p:cNvPr>
-            <p:cNvCxnSpPr>
-              <a:cxnSpLocks/>
-            </p:cNvCxnSpPr>
-            <p:nvPr/>
-          </p:nvCxnSpPr>
-          <p:spPr>
-            <a:xfrm rot="185876" flipV="1">
-              <a:off x="4037656" y="627993"/>
-              <a:ext cx="99387" cy="308849"/>
-            </a:xfrm>
-            <a:prstGeom prst="line">
-              <a:avLst/>
-            </a:prstGeom>
-            <a:ln w="57150">
-              <a:solidFill>
-                <a:srgbClr val="0070C0"/>
-              </a:solidFill>
-            </a:ln>
-          </p:spPr>
-          <p:style>
-            <a:lnRef idx="1">
-              <a:schemeClr val="accent1"/>
-            </a:lnRef>
-            <a:fillRef idx="0">
-              <a:schemeClr val="accent1"/>
-            </a:fillRef>
-            <a:effectRef idx="0">
-              <a:schemeClr val="accent1"/>
-            </a:effectRef>
-            <a:fontRef idx="minor">
-              <a:schemeClr val="tx1"/>
-            </a:fontRef>
-          </p:style>
-        </p:cxnSp>
-        <p:cxnSp>
-          <p:nvCxnSpPr>
-            <p:cNvPr id="63" name="Straight Connector 62">
-              <a:extLst>
-                <a:ext uri="{FF2B5EF4-FFF2-40B4-BE49-F238E27FC236}">
-                  <a16:creationId xmlns:a16="http://schemas.microsoft.com/office/drawing/2014/main" id="{21037A3A-C159-F286-07D2-BC8B1B4ECE41}"/>
-                </a:ext>
-              </a:extLst>
-            </p:cNvPr>
-            <p:cNvCxnSpPr>
-              <a:cxnSpLocks/>
-            </p:cNvCxnSpPr>
-            <p:nvPr/>
-          </p:nvCxnSpPr>
-          <p:spPr>
-            <a:xfrm rot="5585876" flipH="1">
-              <a:off x="4252545" y="722358"/>
-              <a:ext cx="251807" cy="80313"/>
-            </a:xfrm>
-            <a:prstGeom prst="line">
-              <a:avLst/>
-            </a:prstGeom>
-            <a:ln w="57150">
-              <a:solidFill>
-                <a:srgbClr val="0070C0"/>
-              </a:solidFill>
-            </a:ln>
-          </p:spPr>
-          <p:style>
-            <a:lnRef idx="1">
-              <a:schemeClr val="accent1"/>
-            </a:lnRef>
-            <a:fillRef idx="0">
-              <a:schemeClr val="accent1"/>
-            </a:fillRef>
-            <a:effectRef idx="0">
-              <a:schemeClr val="accent1"/>
-            </a:effectRef>
-            <a:fontRef idx="minor">
-              <a:schemeClr val="tx1"/>
-            </a:fontRef>
-          </p:style>
-        </p:cxnSp>
-        <p:cxnSp>
-          <p:nvCxnSpPr>
-            <p:cNvPr id="151" name="Straight Connector 150">
-              <a:extLst>
-                <a:ext uri="{FF2B5EF4-FFF2-40B4-BE49-F238E27FC236}">
-                  <a16:creationId xmlns:a16="http://schemas.microsoft.com/office/drawing/2014/main" id="{923F212D-41F2-0049-E0C0-954F7B6369AA}"/>
-                </a:ext>
-              </a:extLst>
-            </p:cNvPr>
-            <p:cNvCxnSpPr>
-              <a:cxnSpLocks/>
-            </p:cNvCxnSpPr>
-            <p:nvPr/>
-          </p:nvCxnSpPr>
-          <p:spPr>
-            <a:xfrm flipV="1">
-              <a:off x="3207311" y="599364"/>
-              <a:ext cx="115933" cy="303027"/>
-            </a:xfrm>
-            <a:prstGeom prst="line">
-              <a:avLst/>
-            </a:prstGeom>
-            <a:ln w="57150">
-              <a:solidFill>
-                <a:srgbClr val="0070C0"/>
-              </a:solidFill>
-            </a:ln>
-          </p:spPr>
-          <p:style>
-            <a:lnRef idx="1">
-              <a:schemeClr val="accent1"/>
-            </a:lnRef>
-            <a:fillRef idx="0">
-              <a:schemeClr val="accent1"/>
-            </a:fillRef>
-            <a:effectRef idx="0">
-              <a:schemeClr val="accent1"/>
-            </a:effectRef>
-            <a:fontRef idx="minor">
-              <a:schemeClr val="tx1"/>
-            </a:fontRef>
-          </p:style>
-        </p:cxnSp>
-        <p:cxnSp>
-          <p:nvCxnSpPr>
-            <p:cNvPr id="152" name="Straight Connector 151">
-              <a:extLst>
-                <a:ext uri="{FF2B5EF4-FFF2-40B4-BE49-F238E27FC236}">
-                  <a16:creationId xmlns:a16="http://schemas.microsoft.com/office/drawing/2014/main" id="{0067CCB9-74E4-CE46-F7A3-FE489D6C683F}"/>
-                </a:ext>
-              </a:extLst>
-            </p:cNvPr>
-            <p:cNvCxnSpPr>
-              <a:cxnSpLocks/>
-            </p:cNvCxnSpPr>
-            <p:nvPr/>
-          </p:nvCxnSpPr>
-          <p:spPr>
-            <a:xfrm flipH="1" flipV="1">
-              <a:off x="3522315" y="617231"/>
-              <a:ext cx="82551" cy="313769"/>
-            </a:xfrm>
-            <a:prstGeom prst="line">
-              <a:avLst/>
-            </a:prstGeom>
-            <a:ln w="57150">
-              <a:solidFill>
-                <a:srgbClr val="0070C0"/>
-              </a:solidFill>
-            </a:ln>
-          </p:spPr>
-          <p:style>
-            <a:lnRef idx="1">
-              <a:schemeClr val="accent1"/>
-            </a:lnRef>
-            <a:fillRef idx="0">
-              <a:schemeClr val="accent1"/>
-            </a:fillRef>
-            <a:effectRef idx="0">
-              <a:schemeClr val="accent1"/>
-            </a:effectRef>
-            <a:fontRef idx="minor">
-              <a:schemeClr val="tx1"/>
-            </a:fontRef>
-          </p:style>
-        </p:cxnSp>
-        <p:cxnSp>
-          <p:nvCxnSpPr>
-            <p:cNvPr id="153" name="Straight Connector 152">
-              <a:extLst>
-                <a:ext uri="{FF2B5EF4-FFF2-40B4-BE49-F238E27FC236}">
-                  <a16:creationId xmlns:a16="http://schemas.microsoft.com/office/drawing/2014/main" id="{6FC6B883-AD83-8506-7BEF-88D7C01BFC6C}"/>
-                </a:ext>
-              </a:extLst>
-            </p:cNvPr>
-            <p:cNvCxnSpPr>
-              <a:cxnSpLocks/>
-            </p:cNvCxnSpPr>
-            <p:nvPr/>
-          </p:nvCxnSpPr>
-          <p:spPr>
-            <a:xfrm flipV="1">
-              <a:off x="3604864" y="627973"/>
-              <a:ext cx="115933" cy="303027"/>
-            </a:xfrm>
-            <a:prstGeom prst="line">
-              <a:avLst/>
-            </a:prstGeom>
-            <a:ln w="57150">
-              <a:solidFill>
-                <a:srgbClr val="0070C0"/>
-              </a:solidFill>
-            </a:ln>
-          </p:spPr>
-          <p:style>
-            <a:lnRef idx="1">
-              <a:schemeClr val="accent1"/>
-            </a:lnRef>
-            <a:fillRef idx="0">
-              <a:schemeClr val="accent1"/>
-            </a:fillRef>
-            <a:effectRef idx="0">
-              <a:schemeClr val="accent1"/>
-            </a:effectRef>
-            <a:fontRef idx="minor">
-              <a:schemeClr val="tx1"/>
-            </a:fontRef>
-          </p:style>
-        </p:cxnSp>
-        <p:cxnSp>
-          <p:nvCxnSpPr>
-            <p:cNvPr id="154" name="Straight Connector 153">
-              <a:extLst>
-                <a:ext uri="{FF2B5EF4-FFF2-40B4-BE49-F238E27FC236}">
-                  <a16:creationId xmlns:a16="http://schemas.microsoft.com/office/drawing/2014/main" id="{54121B11-ADED-EDF1-7DF7-FB860D3E2671}"/>
-                </a:ext>
-              </a:extLst>
-            </p:cNvPr>
-            <p:cNvCxnSpPr>
-              <a:cxnSpLocks/>
-            </p:cNvCxnSpPr>
-            <p:nvPr/>
-          </p:nvCxnSpPr>
-          <p:spPr>
-            <a:xfrm flipH="1" flipV="1">
-              <a:off x="3322859" y="606436"/>
-              <a:ext cx="82551" cy="313769"/>
-            </a:xfrm>
-            <a:prstGeom prst="line">
-              <a:avLst/>
-            </a:prstGeom>
-            <a:ln w="57150">
-              <a:solidFill>
-                <a:srgbClr val="0070C0"/>
-              </a:solidFill>
-            </a:ln>
-          </p:spPr>
-          <p:style>
-            <a:lnRef idx="1">
-              <a:schemeClr val="accent1"/>
-            </a:lnRef>
-            <a:fillRef idx="0">
-              <a:schemeClr val="accent1"/>
-            </a:fillRef>
-            <a:effectRef idx="0">
-              <a:schemeClr val="accent1"/>
-            </a:effectRef>
-            <a:fontRef idx="minor">
-              <a:schemeClr val="tx1"/>
-            </a:fontRef>
-          </p:style>
-        </p:cxnSp>
-        <p:cxnSp>
-          <p:nvCxnSpPr>
-            <p:cNvPr id="155" name="Straight Connector 154">
-              <a:extLst>
-                <a:ext uri="{FF2B5EF4-FFF2-40B4-BE49-F238E27FC236}">
-                  <a16:creationId xmlns:a16="http://schemas.microsoft.com/office/drawing/2014/main" id="{7BB21D10-6B18-2671-A041-BAD7142A4A09}"/>
-                </a:ext>
-              </a:extLst>
-            </p:cNvPr>
-            <p:cNvCxnSpPr>
-              <a:cxnSpLocks/>
-            </p:cNvCxnSpPr>
-            <p:nvPr/>
-          </p:nvCxnSpPr>
-          <p:spPr>
-            <a:xfrm flipV="1">
-              <a:off x="3405409" y="617179"/>
-              <a:ext cx="115933" cy="303027"/>
-            </a:xfrm>
-            <a:prstGeom prst="line">
-              <a:avLst/>
-            </a:prstGeom>
-            <a:ln w="57150">
-              <a:solidFill>
-                <a:srgbClr val="0070C0"/>
-              </a:solidFill>
-            </a:ln>
-          </p:spPr>
-          <p:style>
-            <a:lnRef idx="1">
-              <a:schemeClr val="accent1"/>
-            </a:lnRef>
-            <a:fillRef idx="0">
-              <a:schemeClr val="accent1"/>
-            </a:fillRef>
-            <a:effectRef idx="0">
-              <a:schemeClr val="accent1"/>
-            </a:effectRef>
-            <a:fontRef idx="minor">
-              <a:schemeClr val="tx1"/>
-            </a:fontRef>
-          </p:style>
-        </p:cxnSp>
-        <p:cxnSp>
-          <p:nvCxnSpPr>
-            <p:cNvPr id="156" name="Straight Connector 155">
-              <a:extLst>
-                <a:ext uri="{FF2B5EF4-FFF2-40B4-BE49-F238E27FC236}">
-                  <a16:creationId xmlns:a16="http://schemas.microsoft.com/office/drawing/2014/main" id="{D2C74002-FA04-91E5-3516-BE96B805FC6A}"/>
-                </a:ext>
-              </a:extLst>
-            </p:cNvPr>
-            <p:cNvCxnSpPr>
-              <a:cxnSpLocks/>
-            </p:cNvCxnSpPr>
-            <p:nvPr/>
-          </p:nvCxnSpPr>
-          <p:spPr>
-            <a:xfrm flipH="1" flipV="1">
-              <a:off x="3721181" y="620901"/>
-              <a:ext cx="114095" cy="294912"/>
-            </a:xfrm>
-            <a:prstGeom prst="line">
-              <a:avLst/>
-            </a:prstGeom>
-            <a:ln w="57150">
-              <a:solidFill>
-                <a:srgbClr val="0070C0"/>
-              </a:solidFill>
-            </a:ln>
-          </p:spPr>
-          <p:style>
-            <a:lnRef idx="1">
-              <a:schemeClr val="accent1"/>
-            </a:lnRef>
-            <a:fillRef idx="0">
-              <a:schemeClr val="accent1"/>
-            </a:fillRef>
-            <a:effectRef idx="0">
-              <a:schemeClr val="accent1"/>
-            </a:effectRef>
-            <a:fontRef idx="minor">
-              <a:schemeClr val="tx1"/>
-            </a:fontRef>
-          </p:style>
-        </p:cxnSp>
+          </p:grpSpPr>
+          <p:cxnSp>
+            <p:nvCxnSpPr>
+              <p:cNvPr id="70" name="Straight Connector 69">
+                <a:extLst>
+                  <a:ext uri="{FF2B5EF4-FFF2-40B4-BE49-F238E27FC236}">
+                    <a16:creationId xmlns:a16="http://schemas.microsoft.com/office/drawing/2014/main" id="{D06297FA-010D-932B-3DFB-CD0E33840BE6}"/>
+                  </a:ext>
+                </a:extLst>
+              </p:cNvPr>
+              <p:cNvCxnSpPr>
+                <a:cxnSpLocks/>
+              </p:cNvCxnSpPr>
+              <p:nvPr/>
+            </p:nvCxnSpPr>
+            <p:spPr>
+              <a:xfrm rot="185876" flipV="1">
+                <a:off x="3839558" y="610178"/>
+                <a:ext cx="99387" cy="308849"/>
+              </a:xfrm>
+              <a:prstGeom prst="line">
+                <a:avLst/>
+              </a:prstGeom>
+              <a:ln w="57150">
+                <a:solidFill>
+                  <a:srgbClr val="0070C0"/>
+                </a:solidFill>
+              </a:ln>
+            </p:spPr>
+            <p:style>
+              <a:lnRef idx="1">
+                <a:schemeClr val="accent1"/>
+              </a:lnRef>
+              <a:fillRef idx="0">
+                <a:schemeClr val="accent1"/>
+              </a:fillRef>
+              <a:effectRef idx="0">
+                <a:schemeClr val="accent1"/>
+              </a:effectRef>
+              <a:fontRef idx="minor">
+                <a:schemeClr val="tx1"/>
+              </a:fontRef>
+            </p:style>
+          </p:cxnSp>
+          <p:cxnSp>
+            <p:nvCxnSpPr>
+              <p:cNvPr id="67" name="Straight Connector 66">
+                <a:extLst>
+                  <a:ext uri="{FF2B5EF4-FFF2-40B4-BE49-F238E27FC236}">
+                    <a16:creationId xmlns:a16="http://schemas.microsoft.com/office/drawing/2014/main" id="{8D103C26-19B1-E709-A975-96744FB2C52F}"/>
+                  </a:ext>
+                </a:extLst>
+              </p:cNvPr>
+              <p:cNvCxnSpPr>
+                <a:cxnSpLocks/>
+              </p:cNvCxnSpPr>
+              <p:nvPr/>
+            </p:nvCxnSpPr>
+            <p:spPr>
+              <a:xfrm rot="185876" flipH="1" flipV="1">
+                <a:off x="4137871" y="633416"/>
+                <a:ext cx="99387" cy="308849"/>
+              </a:xfrm>
+              <a:prstGeom prst="line">
+                <a:avLst/>
+              </a:prstGeom>
+              <a:ln w="57150">
+                <a:solidFill>
+                  <a:srgbClr val="0070C0"/>
+                </a:solidFill>
+              </a:ln>
+            </p:spPr>
+            <p:style>
+              <a:lnRef idx="1">
+                <a:schemeClr val="accent1"/>
+              </a:lnRef>
+              <a:fillRef idx="0">
+                <a:schemeClr val="accent1"/>
+              </a:fillRef>
+              <a:effectRef idx="0">
+                <a:schemeClr val="accent1"/>
+              </a:effectRef>
+              <a:fontRef idx="minor">
+                <a:schemeClr val="tx1"/>
+              </a:fontRef>
+            </p:style>
+          </p:cxnSp>
+          <p:cxnSp>
+            <p:nvCxnSpPr>
+              <p:cNvPr id="68" name="Straight Connector 67">
+                <a:extLst>
+                  <a:ext uri="{FF2B5EF4-FFF2-40B4-BE49-F238E27FC236}">
+                    <a16:creationId xmlns:a16="http://schemas.microsoft.com/office/drawing/2014/main" id="{A2F5C1A6-AC32-943F-2D2D-59FCA28625CC}"/>
+                  </a:ext>
+                </a:extLst>
+              </p:cNvPr>
+              <p:cNvCxnSpPr>
+                <a:cxnSpLocks/>
+              </p:cNvCxnSpPr>
+              <p:nvPr/>
+            </p:nvCxnSpPr>
+            <p:spPr>
+              <a:xfrm rot="185876" flipV="1">
+                <a:off x="4237111" y="638787"/>
+                <a:ext cx="99387" cy="308849"/>
+              </a:xfrm>
+              <a:prstGeom prst="line">
+                <a:avLst/>
+              </a:prstGeom>
+              <a:ln w="57150">
+                <a:solidFill>
+                  <a:srgbClr val="0070C0"/>
+                </a:solidFill>
+              </a:ln>
+            </p:spPr>
+            <p:style>
+              <a:lnRef idx="1">
+                <a:schemeClr val="accent1"/>
+              </a:lnRef>
+              <a:fillRef idx="0">
+                <a:schemeClr val="accent1"/>
+              </a:fillRef>
+              <a:effectRef idx="0">
+                <a:schemeClr val="accent1"/>
+              </a:effectRef>
+              <a:fontRef idx="minor">
+                <a:schemeClr val="tx1"/>
+              </a:fontRef>
+            </p:style>
+          </p:cxnSp>
+          <p:cxnSp>
+            <p:nvCxnSpPr>
+              <p:cNvPr id="65" name="Straight Connector 64">
+                <a:extLst>
+                  <a:ext uri="{FF2B5EF4-FFF2-40B4-BE49-F238E27FC236}">
+                    <a16:creationId xmlns:a16="http://schemas.microsoft.com/office/drawing/2014/main" id="{D12DF48F-5DF8-5E02-02E2-F226D40F2A8F}"/>
+                  </a:ext>
+                </a:extLst>
+              </p:cNvPr>
+              <p:cNvCxnSpPr>
+                <a:cxnSpLocks/>
+              </p:cNvCxnSpPr>
+              <p:nvPr/>
+            </p:nvCxnSpPr>
+            <p:spPr>
+              <a:xfrm rot="185876" flipH="1" flipV="1">
+                <a:off x="3938415" y="622621"/>
+                <a:ext cx="99387" cy="308849"/>
+              </a:xfrm>
+              <a:prstGeom prst="line">
+                <a:avLst/>
+              </a:prstGeom>
+              <a:ln w="57150">
+                <a:solidFill>
+                  <a:srgbClr val="0070C0"/>
+                </a:solidFill>
+              </a:ln>
+            </p:spPr>
+            <p:style>
+              <a:lnRef idx="1">
+                <a:schemeClr val="accent1"/>
+              </a:lnRef>
+              <a:fillRef idx="0">
+                <a:schemeClr val="accent1"/>
+              </a:fillRef>
+              <a:effectRef idx="0">
+                <a:schemeClr val="accent1"/>
+              </a:effectRef>
+              <a:fontRef idx="minor">
+                <a:schemeClr val="tx1"/>
+              </a:fontRef>
+            </p:style>
+          </p:cxnSp>
+          <p:cxnSp>
+            <p:nvCxnSpPr>
+              <p:cNvPr id="66" name="Straight Connector 65">
+                <a:extLst>
+                  <a:ext uri="{FF2B5EF4-FFF2-40B4-BE49-F238E27FC236}">
+                    <a16:creationId xmlns:a16="http://schemas.microsoft.com/office/drawing/2014/main" id="{787990BD-CC35-8800-77CF-3EFF5F5A20CD}"/>
+                  </a:ext>
+                </a:extLst>
+              </p:cNvPr>
+              <p:cNvCxnSpPr>
+                <a:cxnSpLocks/>
+              </p:cNvCxnSpPr>
+              <p:nvPr/>
+            </p:nvCxnSpPr>
+            <p:spPr>
+              <a:xfrm rot="185876" flipV="1">
+                <a:off x="4037656" y="627993"/>
+                <a:ext cx="99387" cy="308849"/>
+              </a:xfrm>
+              <a:prstGeom prst="line">
+                <a:avLst/>
+              </a:prstGeom>
+              <a:ln w="57150">
+                <a:solidFill>
+                  <a:srgbClr val="0070C0"/>
+                </a:solidFill>
+              </a:ln>
+            </p:spPr>
+            <p:style>
+              <a:lnRef idx="1">
+                <a:schemeClr val="accent1"/>
+              </a:lnRef>
+              <a:fillRef idx="0">
+                <a:schemeClr val="accent1"/>
+              </a:fillRef>
+              <a:effectRef idx="0">
+                <a:schemeClr val="accent1"/>
+              </a:effectRef>
+              <a:fontRef idx="minor">
+                <a:schemeClr val="tx1"/>
+              </a:fontRef>
+            </p:style>
+          </p:cxnSp>
+          <p:cxnSp>
+            <p:nvCxnSpPr>
+              <p:cNvPr id="63" name="Straight Connector 62">
+                <a:extLst>
+                  <a:ext uri="{FF2B5EF4-FFF2-40B4-BE49-F238E27FC236}">
+                    <a16:creationId xmlns:a16="http://schemas.microsoft.com/office/drawing/2014/main" id="{21037A3A-C159-F286-07D2-BC8B1B4ECE41}"/>
+                  </a:ext>
+                </a:extLst>
+              </p:cNvPr>
+              <p:cNvCxnSpPr>
+                <a:cxnSpLocks/>
+              </p:cNvCxnSpPr>
+              <p:nvPr/>
+            </p:nvCxnSpPr>
+            <p:spPr>
+              <a:xfrm rot="5585876" flipH="1">
+                <a:off x="4252545" y="722358"/>
+                <a:ext cx="251807" cy="80313"/>
+              </a:xfrm>
+              <a:prstGeom prst="line">
+                <a:avLst/>
+              </a:prstGeom>
+              <a:ln w="57150">
+                <a:solidFill>
+                  <a:srgbClr val="0070C0"/>
+                </a:solidFill>
+              </a:ln>
+            </p:spPr>
+            <p:style>
+              <a:lnRef idx="1">
+                <a:schemeClr val="accent1"/>
+              </a:lnRef>
+              <a:fillRef idx="0">
+                <a:schemeClr val="accent1"/>
+              </a:fillRef>
+              <a:effectRef idx="0">
+                <a:schemeClr val="accent1"/>
+              </a:effectRef>
+              <a:fontRef idx="minor">
+                <a:schemeClr val="tx1"/>
+              </a:fontRef>
+            </p:style>
+          </p:cxnSp>
+          <p:cxnSp>
+            <p:nvCxnSpPr>
+              <p:cNvPr id="151" name="Straight Connector 150">
+                <a:extLst>
+                  <a:ext uri="{FF2B5EF4-FFF2-40B4-BE49-F238E27FC236}">
+                    <a16:creationId xmlns:a16="http://schemas.microsoft.com/office/drawing/2014/main" id="{923F212D-41F2-0049-E0C0-954F7B6369AA}"/>
+                  </a:ext>
+                </a:extLst>
+              </p:cNvPr>
+              <p:cNvCxnSpPr>
+                <a:cxnSpLocks/>
+              </p:cNvCxnSpPr>
+              <p:nvPr/>
+            </p:nvCxnSpPr>
+            <p:spPr>
+              <a:xfrm flipV="1">
+                <a:off x="3207311" y="599364"/>
+                <a:ext cx="115933" cy="303027"/>
+              </a:xfrm>
+              <a:prstGeom prst="line">
+                <a:avLst/>
+              </a:prstGeom>
+              <a:ln w="57150">
+                <a:solidFill>
+                  <a:srgbClr val="0070C0"/>
+                </a:solidFill>
+              </a:ln>
+            </p:spPr>
+            <p:style>
+              <a:lnRef idx="1">
+                <a:schemeClr val="accent1"/>
+              </a:lnRef>
+              <a:fillRef idx="0">
+                <a:schemeClr val="accent1"/>
+              </a:fillRef>
+              <a:effectRef idx="0">
+                <a:schemeClr val="accent1"/>
+              </a:effectRef>
+              <a:fontRef idx="minor">
+                <a:schemeClr val="tx1"/>
+              </a:fontRef>
+            </p:style>
+          </p:cxnSp>
+          <p:cxnSp>
+            <p:nvCxnSpPr>
+              <p:cNvPr id="152" name="Straight Connector 151">
+                <a:extLst>
+                  <a:ext uri="{FF2B5EF4-FFF2-40B4-BE49-F238E27FC236}">
+                    <a16:creationId xmlns:a16="http://schemas.microsoft.com/office/drawing/2014/main" id="{0067CCB9-74E4-CE46-F7A3-FE489D6C683F}"/>
+                  </a:ext>
+                </a:extLst>
+              </p:cNvPr>
+              <p:cNvCxnSpPr>
+                <a:cxnSpLocks/>
+              </p:cNvCxnSpPr>
+              <p:nvPr/>
+            </p:nvCxnSpPr>
+            <p:spPr>
+              <a:xfrm flipH="1" flipV="1">
+                <a:off x="3522315" y="617231"/>
+                <a:ext cx="82551" cy="313769"/>
+              </a:xfrm>
+              <a:prstGeom prst="line">
+                <a:avLst/>
+              </a:prstGeom>
+              <a:ln w="57150">
+                <a:solidFill>
+                  <a:srgbClr val="0070C0"/>
+                </a:solidFill>
+              </a:ln>
+            </p:spPr>
+            <p:style>
+              <a:lnRef idx="1">
+                <a:schemeClr val="accent1"/>
+              </a:lnRef>
+              <a:fillRef idx="0">
+                <a:schemeClr val="accent1"/>
+              </a:fillRef>
+              <a:effectRef idx="0">
+                <a:schemeClr val="accent1"/>
+              </a:effectRef>
+              <a:fontRef idx="minor">
+                <a:schemeClr val="tx1"/>
+              </a:fontRef>
+            </p:style>
+          </p:cxnSp>
+          <p:cxnSp>
+            <p:nvCxnSpPr>
+              <p:cNvPr id="153" name="Straight Connector 152">
+                <a:extLst>
+                  <a:ext uri="{FF2B5EF4-FFF2-40B4-BE49-F238E27FC236}">
+                    <a16:creationId xmlns:a16="http://schemas.microsoft.com/office/drawing/2014/main" id="{6FC6B883-AD83-8506-7BEF-88D7C01BFC6C}"/>
+                  </a:ext>
+                </a:extLst>
+              </p:cNvPr>
+              <p:cNvCxnSpPr>
+                <a:cxnSpLocks/>
+              </p:cNvCxnSpPr>
+              <p:nvPr/>
+            </p:nvCxnSpPr>
+            <p:spPr>
+              <a:xfrm flipV="1">
+                <a:off x="3604864" y="627973"/>
+                <a:ext cx="115933" cy="303027"/>
+              </a:xfrm>
+              <a:prstGeom prst="line">
+                <a:avLst/>
+              </a:prstGeom>
+              <a:ln w="57150">
+                <a:solidFill>
+                  <a:srgbClr val="0070C0"/>
+                </a:solidFill>
+              </a:ln>
+            </p:spPr>
+            <p:style>
+              <a:lnRef idx="1">
+                <a:schemeClr val="accent1"/>
+              </a:lnRef>
+              <a:fillRef idx="0">
+                <a:schemeClr val="accent1"/>
+              </a:fillRef>
+              <a:effectRef idx="0">
+                <a:schemeClr val="accent1"/>
+              </a:effectRef>
+              <a:fontRef idx="minor">
+                <a:schemeClr val="tx1"/>
+              </a:fontRef>
+            </p:style>
+          </p:cxnSp>
+          <p:cxnSp>
+            <p:nvCxnSpPr>
+              <p:cNvPr id="154" name="Straight Connector 153">
+                <a:extLst>
+                  <a:ext uri="{FF2B5EF4-FFF2-40B4-BE49-F238E27FC236}">
+                    <a16:creationId xmlns:a16="http://schemas.microsoft.com/office/drawing/2014/main" id="{54121B11-ADED-EDF1-7DF7-FB860D3E2671}"/>
+                  </a:ext>
+                </a:extLst>
+              </p:cNvPr>
+              <p:cNvCxnSpPr>
+                <a:cxnSpLocks/>
+              </p:cNvCxnSpPr>
+              <p:nvPr/>
+            </p:nvCxnSpPr>
+            <p:spPr>
+              <a:xfrm flipH="1" flipV="1">
+                <a:off x="3322859" y="606436"/>
+                <a:ext cx="82551" cy="313769"/>
+              </a:xfrm>
+              <a:prstGeom prst="line">
+                <a:avLst/>
+              </a:prstGeom>
+              <a:ln w="57150">
+                <a:solidFill>
+                  <a:srgbClr val="0070C0"/>
+                </a:solidFill>
+              </a:ln>
+            </p:spPr>
+            <p:style>
+              <a:lnRef idx="1">
+                <a:schemeClr val="accent1"/>
+              </a:lnRef>
+              <a:fillRef idx="0">
+                <a:schemeClr val="accent1"/>
+              </a:fillRef>
+              <a:effectRef idx="0">
+                <a:schemeClr val="accent1"/>
+              </a:effectRef>
+              <a:fontRef idx="minor">
+                <a:schemeClr val="tx1"/>
+              </a:fontRef>
+            </p:style>
+          </p:cxnSp>
+          <p:cxnSp>
+            <p:nvCxnSpPr>
+              <p:cNvPr id="155" name="Straight Connector 154">
+                <a:extLst>
+                  <a:ext uri="{FF2B5EF4-FFF2-40B4-BE49-F238E27FC236}">
+                    <a16:creationId xmlns:a16="http://schemas.microsoft.com/office/drawing/2014/main" id="{7BB21D10-6B18-2671-A041-BAD7142A4A09}"/>
+                  </a:ext>
+                </a:extLst>
+              </p:cNvPr>
+              <p:cNvCxnSpPr>
+                <a:cxnSpLocks/>
+              </p:cNvCxnSpPr>
+              <p:nvPr/>
+            </p:nvCxnSpPr>
+            <p:spPr>
+              <a:xfrm flipV="1">
+                <a:off x="3405409" y="617179"/>
+                <a:ext cx="115933" cy="303027"/>
+              </a:xfrm>
+              <a:prstGeom prst="line">
+                <a:avLst/>
+              </a:prstGeom>
+              <a:ln w="57150">
+                <a:solidFill>
+                  <a:srgbClr val="0070C0"/>
+                </a:solidFill>
+              </a:ln>
+            </p:spPr>
+            <p:style>
+              <a:lnRef idx="1">
+                <a:schemeClr val="accent1"/>
+              </a:lnRef>
+              <a:fillRef idx="0">
+                <a:schemeClr val="accent1"/>
+              </a:fillRef>
+              <a:effectRef idx="0">
+                <a:schemeClr val="accent1"/>
+              </a:effectRef>
+              <a:fontRef idx="minor">
+                <a:schemeClr val="tx1"/>
+              </a:fontRef>
+            </p:style>
+          </p:cxnSp>
+          <p:cxnSp>
+            <p:nvCxnSpPr>
+              <p:cNvPr id="156" name="Straight Connector 155">
+                <a:extLst>
+                  <a:ext uri="{FF2B5EF4-FFF2-40B4-BE49-F238E27FC236}">
+                    <a16:creationId xmlns:a16="http://schemas.microsoft.com/office/drawing/2014/main" id="{D2C74002-FA04-91E5-3516-BE96B805FC6A}"/>
+                  </a:ext>
+                </a:extLst>
+              </p:cNvPr>
+              <p:cNvCxnSpPr>
+                <a:cxnSpLocks/>
+              </p:cNvCxnSpPr>
+              <p:nvPr/>
+            </p:nvCxnSpPr>
+            <p:spPr>
+              <a:xfrm flipH="1" flipV="1">
+                <a:off x="3721181" y="620901"/>
+                <a:ext cx="114095" cy="294912"/>
+              </a:xfrm>
+              <a:prstGeom prst="line">
+                <a:avLst/>
+              </a:prstGeom>
+              <a:ln w="57150">
+                <a:solidFill>
+                  <a:srgbClr val="0070C0"/>
+                </a:solidFill>
+              </a:ln>
+            </p:spPr>
+            <p:style>
+              <a:lnRef idx="1">
+                <a:schemeClr val="accent1"/>
+              </a:lnRef>
+              <a:fillRef idx="0">
+                <a:schemeClr val="accent1"/>
+              </a:fillRef>
+              <a:effectRef idx="0">
+                <a:schemeClr val="accent1"/>
+              </a:effectRef>
+              <a:fontRef idx="minor">
+                <a:schemeClr val="tx1"/>
+              </a:fontRef>
+            </p:style>
+          </p:cxnSp>
+        </p:grpSp>
       </p:grpSp>
       <p:grpSp>
         <p:nvGrpSpPr>
@@ -9006,391 +8922,49 @@
           </p:sp>
         </p:grpSp>
       </p:grpSp>
-      <p:sp>
-        <p:nvSpPr>
-          <p:cNvPr id="56" name="Oval 55">
+      <p:cxnSp>
+        <p:nvCxnSpPr>
+          <p:cNvPr id="23" name="Straight Connector 22">
             <a:extLst>
               <a:ext uri="{FF2B5EF4-FFF2-40B4-BE49-F238E27FC236}">
-                <a16:creationId xmlns:a16="http://schemas.microsoft.com/office/drawing/2014/main" id="{52CF07DF-B166-A580-6BC6-71AA3BADCCFB}"/>
+                <a16:creationId xmlns:a16="http://schemas.microsoft.com/office/drawing/2014/main" id="{201645CC-2ADE-227E-CB2B-E681FD3B13E5}"/>
               </a:ext>
             </a:extLst>
           </p:cNvPr>
-          <p:cNvSpPr/>
+          <p:cNvCxnSpPr>
+            <a:cxnSpLocks/>
+          </p:cNvCxnSpPr>
           <p:nvPr/>
-        </p:nvSpPr>
+        </p:nvCxnSpPr>
         <p:spPr>
           <a:xfrm>
-            <a:off x="7371958" y="2150319"/>
-            <a:ext cx="849470" cy="806000"/>
+            <a:off x="7829040" y="858431"/>
+            <a:ext cx="0" cy="548619"/>
           </a:xfrm>
-          <a:prstGeom prst="ellipse">
+          <a:prstGeom prst="line">
             <a:avLst/>
           </a:prstGeom>
-          <a:solidFill>
-            <a:schemeClr val="bg1">
-              <a:lumMod val="95000"/>
-            </a:schemeClr>
-          </a:solidFill>
-          <a:ln w="38100"/>
-        </p:spPr>
-        <p:style>
-          <a:lnRef idx="2">
-            <a:schemeClr val="accent1">
-              <a:shade val="50000"/>
-            </a:schemeClr>
-          </a:lnRef>
-          <a:fillRef idx="1">
-            <a:schemeClr val="accent1"/>
-          </a:fillRef>
-          <a:effectRef idx="0">
-            <a:schemeClr val="accent1"/>
-          </a:effectRef>
-          <a:fontRef idx="minor">
-            <a:schemeClr val="lt1"/>
-          </a:fontRef>
-        </p:style>
-        <p:txBody>
-          <a:bodyPr rtlCol="0" anchor="ctr"/>
-          <a:lstStyle/>
-          <a:p>
-            <a:pPr algn="ctr"/>
-            <a:endParaRPr lang="en-IN" sz="4000" dirty="0">
-              <a:solidFill>
-                <a:srgbClr val="FF0000"/>
-              </a:solidFill>
-            </a:endParaRPr>
-          </a:p>
-        </p:txBody>
-      </p:sp>
-      <p:sp>
-        <p:nvSpPr>
-          <p:cNvPr id="57" name="TextBox 56">
-            <a:extLst>
-              <a:ext uri="{FF2B5EF4-FFF2-40B4-BE49-F238E27FC236}">
-                <a16:creationId xmlns:a16="http://schemas.microsoft.com/office/drawing/2014/main" id="{8BA57E40-1394-BC24-4530-ECF3319D3872}"/>
-              </a:ext>
-            </a:extLst>
-          </p:cNvPr>
-          <p:cNvSpPr txBox="1"/>
-          <p:nvPr/>
-        </p:nvSpPr>
-        <p:spPr>
-          <a:xfrm>
-            <a:off x="7586306" y="2219769"/>
-            <a:ext cx="420773" cy="584775"/>
-          </a:xfrm>
-          <a:prstGeom prst="rect">
-            <a:avLst/>
-          </a:prstGeom>
-          <a:noFill/>
-        </p:spPr>
-        <p:txBody>
-          <a:bodyPr wrap="square" rtlCol="0">
-            <a:spAutoFit/>
-          </a:bodyPr>
-          <a:lstStyle/>
-          <a:p>
-            <a:pPr algn="ctr"/>
-            <a:r>
-              <a:rPr lang="en-US" sz="3200" b="1" dirty="0">
-                <a:solidFill>
-                  <a:srgbClr val="FF0000"/>
-                </a:solidFill>
-                <a:latin typeface="Arial" panose="020B0604020202020204" pitchFamily="34" charset="0"/>
-                <a:cs typeface="Arial" panose="020B0604020202020204" pitchFamily="34" charset="0"/>
-              </a:rPr>
-              <a:t>V</a:t>
-            </a:r>
-            <a:endParaRPr lang="en-IN" sz="3200" b="1" dirty="0">
-              <a:solidFill>
-                <a:srgbClr val="FF0000"/>
-              </a:solidFill>
-              <a:latin typeface="Arial" panose="020B0604020202020204" pitchFamily="34" charset="0"/>
-              <a:cs typeface="Arial" panose="020B0604020202020204" pitchFamily="34" charset="0"/>
-            </a:endParaRPr>
-          </a:p>
-        </p:txBody>
-      </p:sp>
-      <p:sp>
-        <p:nvSpPr>
-          <p:cNvPr id="11" name="Rectangle 10">
-            <a:extLst>
-              <a:ext uri="{FF2B5EF4-FFF2-40B4-BE49-F238E27FC236}">
-                <a16:creationId xmlns:a16="http://schemas.microsoft.com/office/drawing/2014/main" id="{B6930E61-AE4E-C192-C193-A722836F27D8}"/>
-              </a:ext>
-            </a:extLst>
-          </p:cNvPr>
-          <p:cNvSpPr/>
-          <p:nvPr/>
-        </p:nvSpPr>
-        <p:spPr>
-          <a:xfrm>
-            <a:off x="6261315" y="2733043"/>
-            <a:ext cx="325797" cy="71501"/>
-          </a:xfrm>
-          <a:prstGeom prst="rect">
-            <a:avLst/>
-          </a:prstGeom>
-          <a:solidFill>
-            <a:srgbClr val="FF0000"/>
-          </a:solidFill>
-          <a:ln>
-            <a:noFill/>
+          <a:ln w="57150">
+            <a:solidFill>
+              <a:schemeClr val="tx1"/>
+            </a:solidFill>
           </a:ln>
         </p:spPr>
         <p:style>
-          <a:lnRef idx="2">
-            <a:schemeClr val="accent1">
-              <a:shade val="50000"/>
-            </a:schemeClr>
+          <a:lnRef idx="1">
+            <a:schemeClr val="accent1"/>
           </a:lnRef>
-          <a:fillRef idx="1">
+          <a:fillRef idx="0">
             <a:schemeClr val="accent1"/>
           </a:fillRef>
           <a:effectRef idx="0">
             <a:schemeClr val="accent1"/>
           </a:effectRef>
           <a:fontRef idx="minor">
-            <a:schemeClr val="lt1"/>
+            <a:schemeClr val="tx1"/>
           </a:fontRef>
         </p:style>
-        <p:txBody>
-          <a:bodyPr rtlCol="0" anchor="ctr"/>
-          <a:lstStyle/>
-          <a:p>
-            <a:pPr algn="ctr"/>
-            <a:endParaRPr lang="en-IN"/>
-          </a:p>
-        </p:txBody>
-      </p:sp>
-      <p:sp>
-        <p:nvSpPr>
-          <p:cNvPr id="58" name="Rectangle 57">
-            <a:extLst>
-              <a:ext uri="{FF2B5EF4-FFF2-40B4-BE49-F238E27FC236}">
-                <a16:creationId xmlns:a16="http://schemas.microsoft.com/office/drawing/2014/main" id="{5D7BB52D-90C2-EE35-497B-C425C4C0D890}"/>
-              </a:ext>
-            </a:extLst>
-          </p:cNvPr>
-          <p:cNvSpPr/>
-          <p:nvPr/>
-        </p:nvSpPr>
-        <p:spPr>
-          <a:xfrm>
-            <a:off x="7629569" y="2733426"/>
-            <a:ext cx="325797" cy="71501"/>
-          </a:xfrm>
-          <a:prstGeom prst="rect">
-            <a:avLst/>
-          </a:prstGeom>
-          <a:solidFill>
-            <a:srgbClr val="FF0000"/>
-          </a:solidFill>
-          <a:ln>
-            <a:noFill/>
-          </a:ln>
-        </p:spPr>
-        <p:style>
-          <a:lnRef idx="2">
-            <a:schemeClr val="accent1">
-              <a:shade val="50000"/>
-            </a:schemeClr>
-          </a:lnRef>
-          <a:fillRef idx="1">
-            <a:schemeClr val="accent1"/>
-          </a:fillRef>
-          <a:effectRef idx="0">
-            <a:schemeClr val="accent1"/>
-          </a:effectRef>
-          <a:fontRef idx="minor">
-            <a:schemeClr val="lt1"/>
-          </a:fontRef>
-        </p:style>
-        <p:txBody>
-          <a:bodyPr rtlCol="0" anchor="ctr"/>
-          <a:lstStyle/>
-          <a:p>
-            <a:pPr algn="ctr"/>
-            <a:endParaRPr lang="en-IN"/>
-          </a:p>
-        </p:txBody>
-      </p:sp>
-      <p:sp>
-        <p:nvSpPr>
-          <p:cNvPr id="69" name="TextBox 68">
-            <a:extLst>
-              <a:ext uri="{FF2B5EF4-FFF2-40B4-BE49-F238E27FC236}">
-                <a16:creationId xmlns:a16="http://schemas.microsoft.com/office/drawing/2014/main" id="{67ADCA89-0222-AC01-76AD-765EEF9B34C7}"/>
-              </a:ext>
-            </a:extLst>
-          </p:cNvPr>
-          <p:cNvSpPr txBox="1"/>
-          <p:nvPr/>
-        </p:nvSpPr>
-        <p:spPr>
-          <a:xfrm>
-            <a:off x="5970757" y="1917845"/>
-            <a:ext cx="272828" cy="400110"/>
-          </a:xfrm>
-          <a:prstGeom prst="rect">
-            <a:avLst/>
-          </a:prstGeom>
-          <a:noFill/>
-        </p:spPr>
-        <p:txBody>
-          <a:bodyPr wrap="square" rtlCol="0">
-            <a:spAutoFit/>
-          </a:bodyPr>
-          <a:lstStyle/>
-          <a:p>
-            <a:r>
-              <a:rPr lang="en-US" sz="2000" b="1" dirty="0">
-                <a:solidFill>
-                  <a:srgbClr val="FF0000"/>
-                </a:solidFill>
-              </a:rPr>
-              <a:t>+</a:t>
-            </a:r>
-            <a:endParaRPr lang="en-IN" sz="2000" b="1" dirty="0">
-              <a:solidFill>
-                <a:srgbClr val="FF0000"/>
-              </a:solidFill>
-            </a:endParaRPr>
-          </a:p>
-        </p:txBody>
-      </p:sp>
-      <p:sp>
-        <p:nvSpPr>
-          <p:cNvPr id="71" name="TextBox 70">
-            <a:extLst>
-              <a:ext uri="{FF2B5EF4-FFF2-40B4-BE49-F238E27FC236}">
-                <a16:creationId xmlns:a16="http://schemas.microsoft.com/office/drawing/2014/main" id="{8FB05540-C04D-4AC8-9783-977AA758B117}"/>
-              </a:ext>
-            </a:extLst>
-          </p:cNvPr>
-          <p:cNvSpPr txBox="1"/>
-          <p:nvPr/>
-        </p:nvSpPr>
-        <p:spPr>
-          <a:xfrm>
-            <a:off x="7356741" y="1876543"/>
-            <a:ext cx="272828" cy="400110"/>
-          </a:xfrm>
-          <a:prstGeom prst="rect">
-            <a:avLst/>
-          </a:prstGeom>
-          <a:noFill/>
-        </p:spPr>
-        <p:txBody>
-          <a:bodyPr wrap="square" rtlCol="0">
-            <a:spAutoFit/>
-          </a:bodyPr>
-          <a:lstStyle/>
-          <a:p>
-            <a:r>
-              <a:rPr lang="en-US" sz="2000" b="1" dirty="0">
-                <a:solidFill>
-                  <a:srgbClr val="FF0000"/>
-                </a:solidFill>
-              </a:rPr>
-              <a:t>+</a:t>
-            </a:r>
-            <a:endParaRPr lang="en-IN" sz="2000" b="1" dirty="0">
-              <a:solidFill>
-                <a:srgbClr val="FF0000"/>
-              </a:solidFill>
-            </a:endParaRPr>
-          </a:p>
-        </p:txBody>
-      </p:sp>
-      <p:sp>
-        <p:nvSpPr>
-          <p:cNvPr id="72" name="TextBox 71">
-            <a:extLst>
-              <a:ext uri="{FF2B5EF4-FFF2-40B4-BE49-F238E27FC236}">
-                <a16:creationId xmlns:a16="http://schemas.microsoft.com/office/drawing/2014/main" id="{F600A541-A97C-7ABB-6692-83D2CBE4B866}"/>
-              </a:ext>
-            </a:extLst>
-          </p:cNvPr>
-          <p:cNvSpPr txBox="1"/>
-          <p:nvPr/>
-        </p:nvSpPr>
-        <p:spPr>
-          <a:xfrm>
-            <a:off x="5970757" y="2902097"/>
-            <a:ext cx="272828" cy="400110"/>
-          </a:xfrm>
-          <a:prstGeom prst="rect">
-            <a:avLst/>
-          </a:prstGeom>
-          <a:noFill/>
-        </p:spPr>
-        <p:txBody>
-          <a:bodyPr wrap="square" rtlCol="0">
-            <a:spAutoFit/>
-          </a:bodyPr>
-          <a:lstStyle/>
-          <a:p>
-            <a:r>
-              <a:rPr lang="en-US" sz="2000" b="1" dirty="0">
-                <a:solidFill>
-                  <a:srgbClr val="FF0000"/>
-                </a:solidFill>
-              </a:rPr>
-              <a:t>-</a:t>
-            </a:r>
-            <a:endParaRPr lang="en-IN" sz="2000" b="1" dirty="0">
-              <a:solidFill>
-                <a:srgbClr val="FF0000"/>
-              </a:solidFill>
-            </a:endParaRPr>
-          </a:p>
-        </p:txBody>
-      </p:sp>
-      <p:sp>
-        <p:nvSpPr>
-          <p:cNvPr id="77" name="TextBox 76">
-            <a:extLst>
-              <a:ext uri="{FF2B5EF4-FFF2-40B4-BE49-F238E27FC236}">
-                <a16:creationId xmlns:a16="http://schemas.microsoft.com/office/drawing/2014/main" id="{610124ED-7700-538D-0A84-FFBF5042129F}"/>
-              </a:ext>
-            </a:extLst>
-          </p:cNvPr>
-          <p:cNvSpPr txBox="1"/>
-          <p:nvPr/>
-        </p:nvSpPr>
-        <p:spPr>
-          <a:xfrm>
-            <a:off x="7366181" y="2833046"/>
-            <a:ext cx="272828" cy="400110"/>
-          </a:xfrm>
-          <a:prstGeom prst="rect">
-            <a:avLst/>
-          </a:prstGeom>
-          <a:noFill/>
-        </p:spPr>
-        <p:txBody>
-          <a:bodyPr wrap="square" rtlCol="0">
-            <a:spAutoFit/>
-          </a:bodyPr>
-          <a:lstStyle/>
-          <a:p>
-            <a:r>
-              <a:rPr lang="en-US" sz="2000" b="1" dirty="0">
-                <a:solidFill>
-                  <a:srgbClr val="FF0000"/>
-                </a:solidFill>
-              </a:rPr>
-              <a:t>-</a:t>
-            </a:r>
-            <a:endParaRPr lang="en-IN" sz="2000" b="1" dirty="0">
-              <a:solidFill>
-                <a:srgbClr val="FF0000"/>
-              </a:solidFill>
-            </a:endParaRPr>
-          </a:p>
-        </p:txBody>
-      </p:sp>
+      </p:cxnSp>
     </p:spTree>
     <p:extLst>
       <p:ext uri="{BB962C8B-B14F-4D97-AF65-F5344CB8AC3E}">

--- a/Assets/Powerpoints/DC Chopper.pptx
+++ b/Assets/Powerpoints/DC Chopper.pptx
@@ -13,6 +13,8 @@
     <p:sldId id="261" r:id="rId7"/>
     <p:sldId id="262" r:id="rId8"/>
     <p:sldId id="263" r:id="rId9"/>
+    <p:sldId id="264" r:id="rId10"/>
+    <p:sldId id="265" r:id="rId11"/>
   </p:sldIdLst>
   <p:sldSz cx="12192000" cy="6858000"/>
   <p:notesSz cx="6858000" cy="9144000"/>
@@ -268,7 +270,7 @@
           <a:p>
             <a:fld id="{349876DB-90CB-4857-A9D0-B3C87AAB9427}" type="datetimeFigureOut">
               <a:rPr lang="en-IN" smtClean="0"/>
-              <a:t>19-12-2022</a:t>
+              <a:t>21-12-2022</a:t>
             </a:fld>
             <a:endParaRPr lang="en-IN"/>
           </a:p>
@@ -468,7 +470,7 @@
           <a:p>
             <a:fld id="{349876DB-90CB-4857-A9D0-B3C87AAB9427}" type="datetimeFigureOut">
               <a:rPr lang="en-IN" smtClean="0"/>
-              <a:t>19-12-2022</a:t>
+              <a:t>21-12-2022</a:t>
             </a:fld>
             <a:endParaRPr lang="en-IN"/>
           </a:p>
@@ -678,7 +680,7 @@
           <a:p>
             <a:fld id="{349876DB-90CB-4857-A9D0-B3C87AAB9427}" type="datetimeFigureOut">
               <a:rPr lang="en-IN" smtClean="0"/>
-              <a:t>19-12-2022</a:t>
+              <a:t>21-12-2022</a:t>
             </a:fld>
             <a:endParaRPr lang="en-IN"/>
           </a:p>
@@ -878,7 +880,7 @@
           <a:p>
             <a:fld id="{349876DB-90CB-4857-A9D0-B3C87AAB9427}" type="datetimeFigureOut">
               <a:rPr lang="en-IN" smtClean="0"/>
-              <a:t>19-12-2022</a:t>
+              <a:t>21-12-2022</a:t>
             </a:fld>
             <a:endParaRPr lang="en-IN"/>
           </a:p>
@@ -1154,7 +1156,7 @@
           <a:p>
             <a:fld id="{349876DB-90CB-4857-A9D0-B3C87AAB9427}" type="datetimeFigureOut">
               <a:rPr lang="en-IN" smtClean="0"/>
-              <a:t>19-12-2022</a:t>
+              <a:t>21-12-2022</a:t>
             </a:fld>
             <a:endParaRPr lang="en-IN"/>
           </a:p>
@@ -1422,7 +1424,7 @@
           <a:p>
             <a:fld id="{349876DB-90CB-4857-A9D0-B3C87AAB9427}" type="datetimeFigureOut">
               <a:rPr lang="en-IN" smtClean="0"/>
-              <a:t>19-12-2022</a:t>
+              <a:t>21-12-2022</a:t>
             </a:fld>
             <a:endParaRPr lang="en-IN"/>
           </a:p>
@@ -1837,7 +1839,7 @@
           <a:p>
             <a:fld id="{349876DB-90CB-4857-A9D0-B3C87AAB9427}" type="datetimeFigureOut">
               <a:rPr lang="en-IN" smtClean="0"/>
-              <a:t>19-12-2022</a:t>
+              <a:t>21-12-2022</a:t>
             </a:fld>
             <a:endParaRPr lang="en-IN"/>
           </a:p>
@@ -1979,7 +1981,7 @@
           <a:p>
             <a:fld id="{349876DB-90CB-4857-A9D0-B3C87AAB9427}" type="datetimeFigureOut">
               <a:rPr lang="en-IN" smtClean="0"/>
-              <a:t>19-12-2022</a:t>
+              <a:t>21-12-2022</a:t>
             </a:fld>
             <a:endParaRPr lang="en-IN"/>
           </a:p>
@@ -2092,7 +2094,7 @@
           <a:p>
             <a:fld id="{349876DB-90CB-4857-A9D0-B3C87AAB9427}" type="datetimeFigureOut">
               <a:rPr lang="en-IN" smtClean="0"/>
-              <a:t>19-12-2022</a:t>
+              <a:t>21-12-2022</a:t>
             </a:fld>
             <a:endParaRPr lang="en-IN"/>
           </a:p>
@@ -2405,7 +2407,7 @@
           <a:p>
             <a:fld id="{349876DB-90CB-4857-A9D0-B3C87AAB9427}" type="datetimeFigureOut">
               <a:rPr lang="en-IN" smtClean="0"/>
-              <a:t>19-12-2022</a:t>
+              <a:t>21-12-2022</a:t>
             </a:fld>
             <a:endParaRPr lang="en-IN"/>
           </a:p>
@@ -2694,7 +2696,7 @@
           <a:p>
             <a:fld id="{349876DB-90CB-4857-A9D0-B3C87AAB9427}" type="datetimeFigureOut">
               <a:rPr lang="en-IN" smtClean="0"/>
-              <a:t>19-12-2022</a:t>
+              <a:t>21-12-2022</a:t>
             </a:fld>
             <a:endParaRPr lang="en-IN"/>
           </a:p>
@@ -2937,7 +2939,7 @@
           <a:p>
             <a:fld id="{349876DB-90CB-4857-A9D0-B3C87AAB9427}" type="datetimeFigureOut">
               <a:rPr lang="en-IN" smtClean="0"/>
-              <a:t>19-12-2022</a:t>
+              <a:t>21-12-2022</a:t>
             </a:fld>
             <a:endParaRPr lang="en-IN"/>
           </a:p>
@@ -8969,6 +8971,4154 @@
     <p:extLst>
       <p:ext uri="{BB962C8B-B14F-4D97-AF65-F5344CB8AC3E}">
         <p14:creationId xmlns:p14="http://schemas.microsoft.com/office/powerpoint/2010/main" val="3325285807"/>
+      </p:ext>
+    </p:extLst>
+  </p:cSld>
+  <p:clrMapOvr>
+    <a:masterClrMapping/>
+  </p:clrMapOvr>
+</p:sld>
+</file>
+
+<file path=ppt/slides/slide10.xml><?xml version="1.0" encoding="utf-8"?>
+<p:sld xmlns:a="http://schemas.openxmlformats.org/drawingml/2006/main" xmlns:r="http://schemas.openxmlformats.org/officeDocument/2006/relationships" xmlns:p="http://schemas.openxmlformats.org/presentationml/2006/main">
+  <p:cSld>
+    <p:spTree>
+      <p:nvGrpSpPr>
+        <p:cNvPr id="1" name=""/>
+        <p:cNvGrpSpPr/>
+        <p:nvPr/>
+      </p:nvGrpSpPr>
+      <p:grpSpPr>
+        <a:xfrm>
+          <a:off x="0" y="0"/>
+          <a:ext cx="0" cy="0"/>
+          <a:chOff x="0" y="0"/>
+          <a:chExt cx="0" cy="0"/>
+        </a:xfrm>
+      </p:grpSpPr>
+      <p:grpSp>
+        <p:nvGrpSpPr>
+          <p:cNvPr id="167" name="Group 166">
+            <a:extLst>
+              <a:ext uri="{FF2B5EF4-FFF2-40B4-BE49-F238E27FC236}">
+                <a16:creationId xmlns:a16="http://schemas.microsoft.com/office/drawing/2014/main" id="{0F04F6D2-2A75-9749-980F-F16C33544728}"/>
+              </a:ext>
+            </a:extLst>
+          </p:cNvPr>
+          <p:cNvGrpSpPr/>
+          <p:nvPr/>
+        </p:nvGrpSpPr>
+        <p:grpSpPr>
+          <a:xfrm>
+            <a:off x="6096000" y="3414721"/>
+            <a:ext cx="5634004" cy="2639893"/>
+            <a:chOff x="3976429" y="3578062"/>
+            <a:chExt cx="5634004" cy="2639893"/>
+          </a:xfrm>
+        </p:grpSpPr>
+        <p:cxnSp>
+          <p:nvCxnSpPr>
+            <p:cNvPr id="48" name="Straight Connector 47">
+              <a:extLst>
+                <a:ext uri="{FF2B5EF4-FFF2-40B4-BE49-F238E27FC236}">
+                  <a16:creationId xmlns:a16="http://schemas.microsoft.com/office/drawing/2014/main" id="{F7954C15-0F33-0D7E-C531-DB1F9F2C6765}"/>
+                </a:ext>
+              </a:extLst>
+            </p:cNvPr>
+            <p:cNvCxnSpPr>
+              <a:cxnSpLocks/>
+            </p:cNvCxnSpPr>
+            <p:nvPr/>
+          </p:nvCxnSpPr>
+          <p:spPr>
+            <a:xfrm>
+              <a:off x="4798966" y="4200652"/>
+              <a:ext cx="765505" cy="0"/>
+            </a:xfrm>
+            <a:prstGeom prst="line">
+              <a:avLst/>
+            </a:prstGeom>
+            <a:ln w="38100">
+              <a:solidFill>
+                <a:schemeClr val="tx1"/>
+              </a:solidFill>
+            </a:ln>
+          </p:spPr>
+          <p:style>
+            <a:lnRef idx="1">
+              <a:schemeClr val="accent1"/>
+            </a:lnRef>
+            <a:fillRef idx="0">
+              <a:schemeClr val="accent1"/>
+            </a:fillRef>
+            <a:effectRef idx="0">
+              <a:schemeClr val="accent1"/>
+            </a:effectRef>
+            <a:fontRef idx="minor">
+              <a:schemeClr val="tx1"/>
+            </a:fontRef>
+          </p:style>
+        </p:cxnSp>
+        <p:cxnSp>
+          <p:nvCxnSpPr>
+            <p:cNvPr id="49" name="Straight Connector 48">
+              <a:extLst>
+                <a:ext uri="{FF2B5EF4-FFF2-40B4-BE49-F238E27FC236}">
+                  <a16:creationId xmlns:a16="http://schemas.microsoft.com/office/drawing/2014/main" id="{12F803F2-C22A-B423-0554-16D62CDFF537}"/>
+                </a:ext>
+              </a:extLst>
+            </p:cNvPr>
+            <p:cNvCxnSpPr>
+              <a:cxnSpLocks/>
+            </p:cNvCxnSpPr>
+            <p:nvPr/>
+          </p:nvCxnSpPr>
+          <p:spPr>
+            <a:xfrm flipV="1">
+              <a:off x="6619249" y="4188913"/>
+              <a:ext cx="2406155" cy="8685"/>
+            </a:xfrm>
+            <a:prstGeom prst="line">
+              <a:avLst/>
+            </a:prstGeom>
+            <a:ln w="38100">
+              <a:solidFill>
+                <a:schemeClr val="tx1"/>
+              </a:solidFill>
+            </a:ln>
+          </p:spPr>
+          <p:style>
+            <a:lnRef idx="1">
+              <a:schemeClr val="accent1"/>
+            </a:lnRef>
+            <a:fillRef idx="0">
+              <a:schemeClr val="accent1"/>
+            </a:fillRef>
+            <a:effectRef idx="0">
+              <a:schemeClr val="accent1"/>
+            </a:effectRef>
+            <a:fontRef idx="minor">
+              <a:schemeClr val="tx1"/>
+            </a:fontRef>
+          </p:style>
+        </p:cxnSp>
+        <p:grpSp>
+          <p:nvGrpSpPr>
+            <p:cNvPr id="50" name="Group 49">
+              <a:extLst>
+                <a:ext uri="{FF2B5EF4-FFF2-40B4-BE49-F238E27FC236}">
+                  <a16:creationId xmlns:a16="http://schemas.microsoft.com/office/drawing/2014/main" id="{E5DF956B-5237-B0CF-4C84-FAD855C63461}"/>
+                </a:ext>
+              </a:extLst>
+            </p:cNvPr>
+            <p:cNvGrpSpPr/>
+            <p:nvPr/>
+          </p:nvGrpSpPr>
+          <p:grpSpPr>
+            <a:xfrm>
+              <a:off x="8730602" y="4186739"/>
+              <a:ext cx="392153" cy="2019193"/>
+              <a:chOff x="6096002" y="1241982"/>
+              <a:chExt cx="439795" cy="2745606"/>
+            </a:xfrm>
+          </p:grpSpPr>
+          <p:grpSp>
+            <p:nvGrpSpPr>
+              <p:cNvPr id="73" name="Group 72">
+                <a:extLst>
+                  <a:ext uri="{FF2B5EF4-FFF2-40B4-BE49-F238E27FC236}">
+                    <a16:creationId xmlns:a16="http://schemas.microsoft.com/office/drawing/2014/main" id="{DB277D7F-C642-D6EE-9C61-343C88CCD4D8}"/>
+                  </a:ext>
+                </a:extLst>
+              </p:cNvPr>
+              <p:cNvGrpSpPr/>
+              <p:nvPr/>
+            </p:nvGrpSpPr>
+            <p:grpSpPr>
+              <a:xfrm rot="16200000">
+                <a:off x="5694916" y="2383113"/>
+                <a:ext cx="1241968" cy="439795"/>
+                <a:chOff x="2905113" y="3027281"/>
+                <a:chExt cx="1489971" cy="494935"/>
+              </a:xfrm>
+            </p:grpSpPr>
+            <p:cxnSp>
+              <p:nvCxnSpPr>
+                <p:cNvPr id="76" name="Straight Connector 75">
+                  <a:extLst>
+                    <a:ext uri="{FF2B5EF4-FFF2-40B4-BE49-F238E27FC236}">
+                      <a16:creationId xmlns:a16="http://schemas.microsoft.com/office/drawing/2014/main" id="{175CEFBB-8009-12D3-AD87-DB46FAA30263}"/>
+                    </a:ext>
+                  </a:extLst>
+                </p:cNvPr>
+                <p:cNvCxnSpPr>
+                  <a:cxnSpLocks/>
+                </p:cNvCxnSpPr>
+                <p:nvPr/>
+              </p:nvCxnSpPr>
+              <p:spPr>
+                <a:xfrm rot="5400000" flipH="1" flipV="1">
+                  <a:off x="2786718" y="3145681"/>
+                  <a:ext cx="394474" cy="157683"/>
+                </a:xfrm>
+                <a:prstGeom prst="line">
+                  <a:avLst/>
+                </a:prstGeom>
+                <a:ln w="57150"/>
+              </p:spPr>
+              <p:style>
+                <a:lnRef idx="1">
+                  <a:schemeClr val="accent1"/>
+                </a:lnRef>
+                <a:fillRef idx="0">
+                  <a:schemeClr val="accent1"/>
+                </a:fillRef>
+                <a:effectRef idx="0">
+                  <a:schemeClr val="accent1"/>
+                </a:effectRef>
+                <a:fontRef idx="minor">
+                  <a:schemeClr val="tx1"/>
+                </a:fontRef>
+              </p:style>
+            </p:cxnSp>
+            <p:grpSp>
+              <p:nvGrpSpPr>
+                <p:cNvPr id="77" name="Group 76">
+                  <a:extLst>
+                    <a:ext uri="{FF2B5EF4-FFF2-40B4-BE49-F238E27FC236}">
+                      <a16:creationId xmlns:a16="http://schemas.microsoft.com/office/drawing/2014/main" id="{EECF1CDB-93D1-1B04-C2C5-5CE845589642}"/>
+                    </a:ext>
+                  </a:extLst>
+                </p:cNvPr>
+                <p:cNvGrpSpPr/>
+                <p:nvPr/>
+              </p:nvGrpSpPr>
+              <p:grpSpPr>
+                <a:xfrm>
+                  <a:off x="3062796" y="3038382"/>
+                  <a:ext cx="301842" cy="483834"/>
+                  <a:chOff x="3062796" y="3027285"/>
+                  <a:chExt cx="301842" cy="483834"/>
+                </a:xfrm>
+              </p:grpSpPr>
+              <p:cxnSp>
+                <p:nvCxnSpPr>
+                  <p:cNvPr id="88" name="Straight Connector 87">
+                    <a:extLst>
+                      <a:ext uri="{FF2B5EF4-FFF2-40B4-BE49-F238E27FC236}">
+                        <a16:creationId xmlns:a16="http://schemas.microsoft.com/office/drawing/2014/main" id="{6A40A4F2-7B12-E6A8-75DD-D973FD9EDE3D}"/>
+                      </a:ext>
+                    </a:extLst>
+                  </p:cNvPr>
+                  <p:cNvCxnSpPr>
+                    <a:cxnSpLocks/>
+                  </p:cNvCxnSpPr>
+                  <p:nvPr/>
+                </p:nvCxnSpPr>
+                <p:spPr>
+                  <a:xfrm flipH="1" flipV="1">
+                    <a:off x="3062796" y="3027285"/>
+                    <a:ext cx="150921" cy="483834"/>
+                  </a:xfrm>
+                  <a:prstGeom prst="line">
+                    <a:avLst/>
+                  </a:prstGeom>
+                  <a:ln w="57150"/>
+                </p:spPr>
+                <p:style>
+                  <a:lnRef idx="1">
+                    <a:schemeClr val="accent1"/>
+                  </a:lnRef>
+                  <a:fillRef idx="0">
+                    <a:schemeClr val="accent1"/>
+                  </a:fillRef>
+                  <a:effectRef idx="0">
+                    <a:schemeClr val="accent1"/>
+                  </a:effectRef>
+                  <a:fontRef idx="minor">
+                    <a:schemeClr val="tx1"/>
+                  </a:fontRef>
+                </p:style>
+              </p:cxnSp>
+              <p:cxnSp>
+                <p:nvCxnSpPr>
+                  <p:cNvPr id="89" name="Straight Connector 88">
+                    <a:extLst>
+                      <a:ext uri="{FF2B5EF4-FFF2-40B4-BE49-F238E27FC236}">
+                        <a16:creationId xmlns:a16="http://schemas.microsoft.com/office/drawing/2014/main" id="{E95F485D-883A-E50B-E565-50AD551E2EE3}"/>
+                      </a:ext>
+                    </a:extLst>
+                  </p:cNvPr>
+                  <p:cNvCxnSpPr>
+                    <a:cxnSpLocks/>
+                  </p:cNvCxnSpPr>
+                  <p:nvPr/>
+                </p:nvCxnSpPr>
+                <p:spPr>
+                  <a:xfrm flipV="1">
+                    <a:off x="3213717" y="3027285"/>
+                    <a:ext cx="150921" cy="483834"/>
+                  </a:xfrm>
+                  <a:prstGeom prst="line">
+                    <a:avLst/>
+                  </a:prstGeom>
+                  <a:ln w="57150"/>
+                </p:spPr>
+                <p:style>
+                  <a:lnRef idx="1">
+                    <a:schemeClr val="accent1"/>
+                  </a:lnRef>
+                  <a:fillRef idx="0">
+                    <a:schemeClr val="accent1"/>
+                  </a:fillRef>
+                  <a:effectRef idx="0">
+                    <a:schemeClr val="accent1"/>
+                  </a:effectRef>
+                  <a:fontRef idx="minor">
+                    <a:schemeClr val="tx1"/>
+                  </a:fontRef>
+                </p:style>
+              </p:cxnSp>
+            </p:grpSp>
+            <p:grpSp>
+              <p:nvGrpSpPr>
+                <p:cNvPr id="78" name="Group 77">
+                  <a:extLst>
+                    <a:ext uri="{FF2B5EF4-FFF2-40B4-BE49-F238E27FC236}">
+                      <a16:creationId xmlns:a16="http://schemas.microsoft.com/office/drawing/2014/main" id="{8B8632C1-5768-EB82-3397-DF751198A4E6}"/>
+                    </a:ext>
+                  </a:extLst>
+                </p:cNvPr>
+                <p:cNvGrpSpPr/>
+                <p:nvPr/>
+              </p:nvGrpSpPr>
+              <p:grpSpPr>
+                <a:xfrm>
+                  <a:off x="3366118" y="3027281"/>
+                  <a:ext cx="301842" cy="483838"/>
+                  <a:chOff x="3062796" y="3027281"/>
+                  <a:chExt cx="301842" cy="483838"/>
+                </a:xfrm>
+              </p:grpSpPr>
+              <p:cxnSp>
+                <p:nvCxnSpPr>
+                  <p:cNvPr id="86" name="Straight Connector 85">
+                    <a:extLst>
+                      <a:ext uri="{FF2B5EF4-FFF2-40B4-BE49-F238E27FC236}">
+                        <a16:creationId xmlns:a16="http://schemas.microsoft.com/office/drawing/2014/main" id="{A24CA041-79A3-F063-FF72-52F1DE35B953}"/>
+                      </a:ext>
+                    </a:extLst>
+                  </p:cNvPr>
+                  <p:cNvCxnSpPr>
+                    <a:cxnSpLocks/>
+                  </p:cNvCxnSpPr>
+                  <p:nvPr/>
+                </p:nvCxnSpPr>
+                <p:spPr>
+                  <a:xfrm flipH="1" flipV="1">
+                    <a:off x="3062796" y="3027281"/>
+                    <a:ext cx="150922" cy="483834"/>
+                  </a:xfrm>
+                  <a:prstGeom prst="line">
+                    <a:avLst/>
+                  </a:prstGeom>
+                  <a:ln w="57150"/>
+                </p:spPr>
+                <p:style>
+                  <a:lnRef idx="1">
+                    <a:schemeClr val="accent1"/>
+                  </a:lnRef>
+                  <a:fillRef idx="0">
+                    <a:schemeClr val="accent1"/>
+                  </a:fillRef>
+                  <a:effectRef idx="0">
+                    <a:schemeClr val="accent1"/>
+                  </a:effectRef>
+                  <a:fontRef idx="minor">
+                    <a:schemeClr val="tx1"/>
+                  </a:fontRef>
+                </p:style>
+              </p:cxnSp>
+              <p:cxnSp>
+                <p:nvCxnSpPr>
+                  <p:cNvPr id="87" name="Straight Connector 86">
+                    <a:extLst>
+                      <a:ext uri="{FF2B5EF4-FFF2-40B4-BE49-F238E27FC236}">
+                        <a16:creationId xmlns:a16="http://schemas.microsoft.com/office/drawing/2014/main" id="{34994515-9792-F552-7CFF-4B4EA0DABF5A}"/>
+                      </a:ext>
+                    </a:extLst>
+                  </p:cNvPr>
+                  <p:cNvCxnSpPr>
+                    <a:cxnSpLocks/>
+                  </p:cNvCxnSpPr>
+                  <p:nvPr/>
+                </p:nvCxnSpPr>
+                <p:spPr>
+                  <a:xfrm flipV="1">
+                    <a:off x="3213717" y="3027285"/>
+                    <a:ext cx="150921" cy="483834"/>
+                  </a:xfrm>
+                  <a:prstGeom prst="line">
+                    <a:avLst/>
+                  </a:prstGeom>
+                  <a:ln w="57150"/>
+                </p:spPr>
+                <p:style>
+                  <a:lnRef idx="1">
+                    <a:schemeClr val="accent1"/>
+                  </a:lnRef>
+                  <a:fillRef idx="0">
+                    <a:schemeClr val="accent1"/>
+                  </a:fillRef>
+                  <a:effectRef idx="0">
+                    <a:schemeClr val="accent1"/>
+                  </a:effectRef>
+                  <a:fontRef idx="minor">
+                    <a:schemeClr val="tx1"/>
+                  </a:fontRef>
+                </p:style>
+              </p:cxnSp>
+            </p:grpSp>
+            <p:grpSp>
+              <p:nvGrpSpPr>
+                <p:cNvPr id="79" name="Group 78">
+                  <a:extLst>
+                    <a:ext uri="{FF2B5EF4-FFF2-40B4-BE49-F238E27FC236}">
+                      <a16:creationId xmlns:a16="http://schemas.microsoft.com/office/drawing/2014/main" id="{636B215C-C9B5-0D5C-B7DD-821FD9031CF9}"/>
+                    </a:ext>
+                  </a:extLst>
+                </p:cNvPr>
+                <p:cNvGrpSpPr/>
+                <p:nvPr/>
+              </p:nvGrpSpPr>
+              <p:grpSpPr>
+                <a:xfrm>
+                  <a:off x="3971282" y="3038382"/>
+                  <a:ext cx="301842" cy="483834"/>
+                  <a:chOff x="3062796" y="3027285"/>
+                  <a:chExt cx="301842" cy="483834"/>
+                </a:xfrm>
+              </p:grpSpPr>
+              <p:cxnSp>
+                <p:nvCxnSpPr>
+                  <p:cNvPr id="84" name="Straight Connector 83">
+                    <a:extLst>
+                      <a:ext uri="{FF2B5EF4-FFF2-40B4-BE49-F238E27FC236}">
+                        <a16:creationId xmlns:a16="http://schemas.microsoft.com/office/drawing/2014/main" id="{DEEC28B5-B900-3CC2-4F68-F231F4970E38}"/>
+                      </a:ext>
+                    </a:extLst>
+                  </p:cNvPr>
+                  <p:cNvCxnSpPr>
+                    <a:cxnSpLocks/>
+                  </p:cNvCxnSpPr>
+                  <p:nvPr/>
+                </p:nvCxnSpPr>
+                <p:spPr>
+                  <a:xfrm flipH="1" flipV="1">
+                    <a:off x="3062796" y="3027285"/>
+                    <a:ext cx="150921" cy="483834"/>
+                  </a:xfrm>
+                  <a:prstGeom prst="line">
+                    <a:avLst/>
+                  </a:prstGeom>
+                  <a:ln w="57150"/>
+                </p:spPr>
+                <p:style>
+                  <a:lnRef idx="1">
+                    <a:schemeClr val="accent1"/>
+                  </a:lnRef>
+                  <a:fillRef idx="0">
+                    <a:schemeClr val="accent1"/>
+                  </a:fillRef>
+                  <a:effectRef idx="0">
+                    <a:schemeClr val="accent1"/>
+                  </a:effectRef>
+                  <a:fontRef idx="minor">
+                    <a:schemeClr val="tx1"/>
+                  </a:fontRef>
+                </p:style>
+              </p:cxnSp>
+              <p:cxnSp>
+                <p:nvCxnSpPr>
+                  <p:cNvPr id="85" name="Straight Connector 84">
+                    <a:extLst>
+                      <a:ext uri="{FF2B5EF4-FFF2-40B4-BE49-F238E27FC236}">
+                        <a16:creationId xmlns:a16="http://schemas.microsoft.com/office/drawing/2014/main" id="{83AB08B6-F082-381B-69D6-0B21D2A3EC5C}"/>
+                      </a:ext>
+                    </a:extLst>
+                  </p:cNvPr>
+                  <p:cNvCxnSpPr>
+                    <a:cxnSpLocks/>
+                  </p:cNvCxnSpPr>
+                  <p:nvPr/>
+                </p:nvCxnSpPr>
+                <p:spPr>
+                  <a:xfrm flipV="1">
+                    <a:off x="3213717" y="3027285"/>
+                    <a:ext cx="150921" cy="483834"/>
+                  </a:xfrm>
+                  <a:prstGeom prst="line">
+                    <a:avLst/>
+                  </a:prstGeom>
+                  <a:ln w="57150"/>
+                </p:spPr>
+                <p:style>
+                  <a:lnRef idx="1">
+                    <a:schemeClr val="accent1"/>
+                  </a:lnRef>
+                  <a:fillRef idx="0">
+                    <a:schemeClr val="accent1"/>
+                  </a:fillRef>
+                  <a:effectRef idx="0">
+                    <a:schemeClr val="accent1"/>
+                  </a:effectRef>
+                  <a:fontRef idx="minor">
+                    <a:schemeClr val="tx1"/>
+                  </a:fontRef>
+                </p:style>
+              </p:cxnSp>
+            </p:grpSp>
+            <p:grpSp>
+              <p:nvGrpSpPr>
+                <p:cNvPr id="80" name="Group 79">
+                  <a:extLst>
+                    <a:ext uri="{FF2B5EF4-FFF2-40B4-BE49-F238E27FC236}">
+                      <a16:creationId xmlns:a16="http://schemas.microsoft.com/office/drawing/2014/main" id="{316A8B01-21EB-1806-7DF6-50630850F3C7}"/>
+                    </a:ext>
+                  </a:extLst>
+                </p:cNvPr>
+                <p:cNvGrpSpPr/>
+                <p:nvPr/>
+              </p:nvGrpSpPr>
+              <p:grpSpPr>
+                <a:xfrm>
+                  <a:off x="3667960" y="3038382"/>
+                  <a:ext cx="301842" cy="483834"/>
+                  <a:chOff x="3062796" y="3027285"/>
+                  <a:chExt cx="301842" cy="483834"/>
+                </a:xfrm>
+              </p:grpSpPr>
+              <p:cxnSp>
+                <p:nvCxnSpPr>
+                  <p:cNvPr id="82" name="Straight Connector 81">
+                    <a:extLst>
+                      <a:ext uri="{FF2B5EF4-FFF2-40B4-BE49-F238E27FC236}">
+                        <a16:creationId xmlns:a16="http://schemas.microsoft.com/office/drawing/2014/main" id="{84D95422-DA8B-8943-06C7-3446B6E2A9DE}"/>
+                      </a:ext>
+                    </a:extLst>
+                  </p:cNvPr>
+                  <p:cNvCxnSpPr>
+                    <a:cxnSpLocks/>
+                  </p:cNvCxnSpPr>
+                  <p:nvPr/>
+                </p:nvCxnSpPr>
+                <p:spPr>
+                  <a:xfrm flipH="1" flipV="1">
+                    <a:off x="3062796" y="3027285"/>
+                    <a:ext cx="150921" cy="483834"/>
+                  </a:xfrm>
+                  <a:prstGeom prst="line">
+                    <a:avLst/>
+                  </a:prstGeom>
+                  <a:ln w="57150"/>
+                </p:spPr>
+                <p:style>
+                  <a:lnRef idx="1">
+                    <a:schemeClr val="accent1"/>
+                  </a:lnRef>
+                  <a:fillRef idx="0">
+                    <a:schemeClr val="accent1"/>
+                  </a:fillRef>
+                  <a:effectRef idx="0">
+                    <a:schemeClr val="accent1"/>
+                  </a:effectRef>
+                  <a:fontRef idx="minor">
+                    <a:schemeClr val="tx1"/>
+                  </a:fontRef>
+                </p:style>
+              </p:cxnSp>
+              <p:cxnSp>
+                <p:nvCxnSpPr>
+                  <p:cNvPr id="83" name="Straight Connector 82">
+                    <a:extLst>
+                      <a:ext uri="{FF2B5EF4-FFF2-40B4-BE49-F238E27FC236}">
+                        <a16:creationId xmlns:a16="http://schemas.microsoft.com/office/drawing/2014/main" id="{07C99867-7538-6E27-C14D-009082616116}"/>
+                      </a:ext>
+                    </a:extLst>
+                  </p:cNvPr>
+                  <p:cNvCxnSpPr>
+                    <a:cxnSpLocks/>
+                  </p:cNvCxnSpPr>
+                  <p:nvPr/>
+                </p:nvCxnSpPr>
+                <p:spPr>
+                  <a:xfrm flipV="1">
+                    <a:off x="3213717" y="3027285"/>
+                    <a:ext cx="150921" cy="483834"/>
+                  </a:xfrm>
+                  <a:prstGeom prst="line">
+                    <a:avLst/>
+                  </a:prstGeom>
+                  <a:ln w="57150"/>
+                </p:spPr>
+                <p:style>
+                  <a:lnRef idx="1">
+                    <a:schemeClr val="accent1"/>
+                  </a:lnRef>
+                  <a:fillRef idx="0">
+                    <a:schemeClr val="accent1"/>
+                  </a:fillRef>
+                  <a:effectRef idx="0">
+                    <a:schemeClr val="accent1"/>
+                  </a:effectRef>
+                  <a:fontRef idx="minor">
+                    <a:schemeClr val="tx1"/>
+                  </a:fontRef>
+                </p:style>
+              </p:cxnSp>
+            </p:grpSp>
+            <p:cxnSp>
+              <p:nvCxnSpPr>
+                <p:cNvPr id="81" name="Straight Connector 80">
+                  <a:extLst>
+                    <a:ext uri="{FF2B5EF4-FFF2-40B4-BE49-F238E27FC236}">
+                      <a16:creationId xmlns:a16="http://schemas.microsoft.com/office/drawing/2014/main" id="{F1C51548-F88D-F9DE-6CD3-D94837FF3132}"/>
+                    </a:ext>
+                  </a:extLst>
+                </p:cNvPr>
+                <p:cNvCxnSpPr>
+                  <a:cxnSpLocks/>
+                </p:cNvCxnSpPr>
+                <p:nvPr/>
+              </p:nvCxnSpPr>
+              <p:spPr>
+                <a:xfrm rot="5400000" flipH="1">
+                  <a:off x="4136867" y="3163543"/>
+                  <a:ext cx="394475" cy="121959"/>
+                </a:xfrm>
+                <a:prstGeom prst="line">
+                  <a:avLst/>
+                </a:prstGeom>
+                <a:ln w="57150"/>
+              </p:spPr>
+              <p:style>
+                <a:lnRef idx="1">
+                  <a:schemeClr val="accent1"/>
+                </a:lnRef>
+                <a:fillRef idx="0">
+                  <a:schemeClr val="accent1"/>
+                </a:fillRef>
+                <a:effectRef idx="0">
+                  <a:schemeClr val="accent1"/>
+                </a:effectRef>
+                <a:fontRef idx="minor">
+                  <a:schemeClr val="tx1"/>
+                </a:fontRef>
+              </p:style>
+            </p:cxnSp>
+          </p:grpSp>
+          <p:cxnSp>
+            <p:nvCxnSpPr>
+              <p:cNvPr id="74" name="Straight Connector 73">
+                <a:extLst>
+                  <a:ext uri="{FF2B5EF4-FFF2-40B4-BE49-F238E27FC236}">
+                    <a16:creationId xmlns:a16="http://schemas.microsoft.com/office/drawing/2014/main" id="{EFE914F5-1CF2-2996-7FE4-E2C6E6AF3D80}"/>
+                  </a:ext>
+                </a:extLst>
+              </p:cNvPr>
+              <p:cNvCxnSpPr>
+                <a:cxnSpLocks/>
+              </p:cNvCxnSpPr>
+              <p:nvPr/>
+            </p:nvCxnSpPr>
+            <p:spPr>
+              <a:xfrm>
+                <a:off x="6434769" y="1241982"/>
+                <a:ext cx="0" cy="771457"/>
+              </a:xfrm>
+              <a:prstGeom prst="line">
+                <a:avLst/>
+              </a:prstGeom>
+              <a:ln w="38100"/>
+            </p:spPr>
+            <p:style>
+              <a:lnRef idx="1">
+                <a:schemeClr val="accent1"/>
+              </a:lnRef>
+              <a:fillRef idx="0">
+                <a:schemeClr val="accent1"/>
+              </a:fillRef>
+              <a:effectRef idx="0">
+                <a:schemeClr val="accent1"/>
+              </a:effectRef>
+              <a:fontRef idx="minor">
+                <a:schemeClr val="tx1"/>
+              </a:fontRef>
+            </p:style>
+          </p:cxnSp>
+          <p:cxnSp>
+            <p:nvCxnSpPr>
+              <p:cNvPr id="75" name="Straight Connector 74">
+                <a:extLst>
+                  <a:ext uri="{FF2B5EF4-FFF2-40B4-BE49-F238E27FC236}">
+                    <a16:creationId xmlns:a16="http://schemas.microsoft.com/office/drawing/2014/main" id="{087F3443-3E6F-C389-C1A4-22B5FCA8BDBE}"/>
+                  </a:ext>
+                </a:extLst>
+              </p:cNvPr>
+              <p:cNvCxnSpPr>
+                <a:cxnSpLocks/>
+              </p:cNvCxnSpPr>
+              <p:nvPr/>
+            </p:nvCxnSpPr>
+            <p:spPr>
+              <a:xfrm>
+                <a:off x="6434769" y="3188904"/>
+                <a:ext cx="0" cy="798684"/>
+              </a:xfrm>
+              <a:prstGeom prst="line">
+                <a:avLst/>
+              </a:prstGeom>
+              <a:ln w="38100"/>
+            </p:spPr>
+            <p:style>
+              <a:lnRef idx="1">
+                <a:schemeClr val="accent1"/>
+              </a:lnRef>
+              <a:fillRef idx="0">
+                <a:schemeClr val="accent1"/>
+              </a:fillRef>
+              <a:effectRef idx="0">
+                <a:schemeClr val="accent1"/>
+              </a:effectRef>
+              <a:fontRef idx="minor">
+                <a:schemeClr val="tx1"/>
+              </a:fontRef>
+            </p:style>
+          </p:cxnSp>
+        </p:grpSp>
+        <p:cxnSp>
+          <p:nvCxnSpPr>
+            <p:cNvPr id="51" name="Straight Connector 50">
+              <a:extLst>
+                <a:ext uri="{FF2B5EF4-FFF2-40B4-BE49-F238E27FC236}">
+                  <a16:creationId xmlns:a16="http://schemas.microsoft.com/office/drawing/2014/main" id="{2B4061C6-4EF1-087F-9FF4-10BB22CC3D21}"/>
+                </a:ext>
+              </a:extLst>
+            </p:cNvPr>
+            <p:cNvCxnSpPr>
+              <a:cxnSpLocks/>
+            </p:cNvCxnSpPr>
+            <p:nvPr/>
+          </p:nvCxnSpPr>
+          <p:spPr>
+            <a:xfrm>
+              <a:off x="4810013" y="6213610"/>
+              <a:ext cx="4222658" cy="0"/>
+            </a:xfrm>
+            <a:prstGeom prst="line">
+              <a:avLst/>
+            </a:prstGeom>
+            <a:ln w="38100">
+              <a:solidFill>
+                <a:schemeClr val="tx1"/>
+              </a:solidFill>
+            </a:ln>
+          </p:spPr>
+          <p:style>
+            <a:lnRef idx="1">
+              <a:schemeClr val="accent1"/>
+            </a:lnRef>
+            <a:fillRef idx="0">
+              <a:schemeClr val="accent1"/>
+            </a:fillRef>
+            <a:effectRef idx="0">
+              <a:schemeClr val="accent1"/>
+            </a:effectRef>
+            <a:fontRef idx="minor">
+              <a:schemeClr val="tx1"/>
+            </a:fontRef>
+          </p:style>
+        </p:cxnSp>
+        <p:cxnSp>
+          <p:nvCxnSpPr>
+            <p:cNvPr id="52" name="Straight Connector 51">
+              <a:extLst>
+                <a:ext uri="{FF2B5EF4-FFF2-40B4-BE49-F238E27FC236}">
+                  <a16:creationId xmlns:a16="http://schemas.microsoft.com/office/drawing/2014/main" id="{4CE43F7C-D5DF-0311-8C63-9E313DBB23D3}"/>
+                </a:ext>
+              </a:extLst>
+            </p:cNvPr>
+            <p:cNvCxnSpPr>
+              <a:cxnSpLocks/>
+            </p:cNvCxnSpPr>
+            <p:nvPr/>
+          </p:nvCxnSpPr>
+          <p:spPr>
+            <a:xfrm flipH="1" flipV="1">
+              <a:off x="4812897" y="4207444"/>
+              <a:ext cx="1" cy="2010511"/>
+            </a:xfrm>
+            <a:prstGeom prst="line">
+              <a:avLst/>
+            </a:prstGeom>
+            <a:ln w="38100">
+              <a:solidFill>
+                <a:schemeClr val="tx1"/>
+              </a:solidFill>
+            </a:ln>
+          </p:spPr>
+          <p:style>
+            <a:lnRef idx="1">
+              <a:schemeClr val="accent1"/>
+            </a:lnRef>
+            <a:fillRef idx="0">
+              <a:schemeClr val="accent1"/>
+            </a:fillRef>
+            <a:effectRef idx="0">
+              <a:schemeClr val="accent1"/>
+            </a:effectRef>
+            <a:fontRef idx="minor">
+              <a:schemeClr val="tx1"/>
+            </a:fontRef>
+          </p:style>
+        </p:cxnSp>
+        <p:cxnSp>
+          <p:nvCxnSpPr>
+            <p:cNvPr id="55" name="Straight Connector 54">
+              <a:extLst>
+                <a:ext uri="{FF2B5EF4-FFF2-40B4-BE49-F238E27FC236}">
+                  <a16:creationId xmlns:a16="http://schemas.microsoft.com/office/drawing/2014/main" id="{567C0E23-7B61-FBE2-B798-449E2D604325}"/>
+                </a:ext>
+              </a:extLst>
+            </p:cNvPr>
+            <p:cNvCxnSpPr>
+              <a:cxnSpLocks/>
+            </p:cNvCxnSpPr>
+            <p:nvPr/>
+          </p:nvCxnSpPr>
+          <p:spPr>
+            <a:xfrm>
+              <a:off x="6997049" y="4952509"/>
+              <a:ext cx="132718" cy="481160"/>
+            </a:xfrm>
+            <a:prstGeom prst="line">
+              <a:avLst/>
+            </a:prstGeom>
+            <a:ln w="38100" cap="flat" cmpd="sng" algn="ctr">
+              <a:solidFill>
+                <a:srgbClr val="0070C0"/>
+              </a:solidFill>
+              <a:prstDash val="solid"/>
+              <a:round/>
+              <a:headEnd type="none" w="med" len="med"/>
+              <a:tailEnd type="arrow" w="med" len="med"/>
+            </a:ln>
+          </p:spPr>
+          <p:style>
+            <a:lnRef idx="0">
+              <a:scrgbClr r="0" g="0" b="0"/>
+            </a:lnRef>
+            <a:fillRef idx="0">
+              <a:scrgbClr r="0" g="0" b="0"/>
+            </a:fillRef>
+            <a:effectRef idx="0">
+              <a:scrgbClr r="0" g="0" b="0"/>
+            </a:effectRef>
+            <a:fontRef idx="minor">
+              <a:schemeClr val="tx1"/>
+            </a:fontRef>
+          </p:style>
+        </p:cxnSp>
+        <p:sp>
+          <p:nvSpPr>
+            <p:cNvPr id="56" name="Rectangle 55">
+              <a:extLst>
+                <a:ext uri="{FF2B5EF4-FFF2-40B4-BE49-F238E27FC236}">
+                  <a16:creationId xmlns:a16="http://schemas.microsoft.com/office/drawing/2014/main" id="{B618D2F5-4D14-9166-3C71-FCBA11782A63}"/>
+                </a:ext>
+              </a:extLst>
+            </p:cNvPr>
+            <p:cNvSpPr/>
+            <p:nvPr/>
+          </p:nvSpPr>
+          <p:spPr>
+            <a:xfrm rot="16200000">
+              <a:off x="6555774" y="4959059"/>
+              <a:ext cx="882227" cy="469073"/>
+            </a:xfrm>
+            <a:prstGeom prst="rect">
+              <a:avLst/>
+            </a:prstGeom>
+            <a:noFill/>
+            <a:ln w="19050" cap="flat" cmpd="sng" algn="ctr">
+              <a:solidFill>
+                <a:schemeClr val="dk1"/>
+              </a:solidFill>
+              <a:prstDash val="dash"/>
+              <a:round/>
+              <a:headEnd type="none" w="med" len="med"/>
+              <a:tailEnd type="none" w="med" len="med"/>
+            </a:ln>
+          </p:spPr>
+          <p:style>
+            <a:lnRef idx="0">
+              <a:scrgbClr r="0" g="0" b="0"/>
+            </a:lnRef>
+            <a:fillRef idx="0">
+              <a:scrgbClr r="0" g="0" b="0"/>
+            </a:fillRef>
+            <a:effectRef idx="0">
+              <a:scrgbClr r="0" g="0" b="0"/>
+            </a:effectRef>
+            <a:fontRef idx="minor">
+              <a:schemeClr val="dk1"/>
+            </a:fontRef>
+          </p:style>
+          <p:txBody>
+            <a:bodyPr rtlCol="0" anchor="ctr"/>
+            <a:lstStyle/>
+            <a:p>
+              <a:pPr algn="ctr"/>
+              <a:endParaRPr lang="en-IN"/>
+            </a:p>
+          </p:txBody>
+        </p:sp>
+        <p:grpSp>
+          <p:nvGrpSpPr>
+            <p:cNvPr id="57" name="Group 56">
+              <a:extLst>
+                <a:ext uri="{FF2B5EF4-FFF2-40B4-BE49-F238E27FC236}">
+                  <a16:creationId xmlns:a16="http://schemas.microsoft.com/office/drawing/2014/main" id="{0FCD3C2A-1C00-D1FF-2B35-68BCCEB9B59A}"/>
+                </a:ext>
+              </a:extLst>
+            </p:cNvPr>
+            <p:cNvGrpSpPr/>
+            <p:nvPr/>
+          </p:nvGrpSpPr>
+          <p:grpSpPr>
+            <a:xfrm>
+              <a:off x="4513868" y="4873981"/>
+              <a:ext cx="592290" cy="587374"/>
+              <a:chOff x="5057339" y="2354902"/>
+              <a:chExt cx="1042108" cy="993632"/>
+            </a:xfrm>
+          </p:grpSpPr>
+          <p:sp>
+            <p:nvSpPr>
+              <p:cNvPr id="68" name="Oval 67">
+                <a:extLst>
+                  <a:ext uri="{FF2B5EF4-FFF2-40B4-BE49-F238E27FC236}">
+                    <a16:creationId xmlns:a16="http://schemas.microsoft.com/office/drawing/2014/main" id="{97D79430-189F-77B5-7A4D-75C9B1A7F9A1}"/>
+                  </a:ext>
+                </a:extLst>
+              </p:cNvPr>
+              <p:cNvSpPr/>
+              <p:nvPr/>
+            </p:nvSpPr>
+            <p:spPr>
+              <a:xfrm>
+                <a:off x="5057339" y="2354902"/>
+                <a:ext cx="1042108" cy="993632"/>
+              </a:xfrm>
+              <a:prstGeom prst="ellipse">
+                <a:avLst/>
+              </a:prstGeom>
+              <a:solidFill>
+                <a:schemeClr val="bg1">
+                  <a:lumMod val="95000"/>
+                </a:schemeClr>
+              </a:solidFill>
+              <a:ln w="38100"/>
+            </p:spPr>
+            <p:style>
+              <a:lnRef idx="2">
+                <a:schemeClr val="accent1">
+                  <a:shade val="50000"/>
+                </a:schemeClr>
+              </a:lnRef>
+              <a:fillRef idx="1">
+                <a:schemeClr val="accent1"/>
+              </a:fillRef>
+              <a:effectRef idx="0">
+                <a:schemeClr val="accent1"/>
+              </a:effectRef>
+              <a:fontRef idx="minor">
+                <a:schemeClr val="lt1"/>
+              </a:fontRef>
+            </p:style>
+            <p:txBody>
+              <a:bodyPr rtlCol="0" anchor="ctr"/>
+              <a:lstStyle/>
+              <a:p>
+                <a:pPr algn="ctr"/>
+                <a:endParaRPr lang="en-IN" dirty="0"/>
+              </a:p>
+            </p:txBody>
+          </p:sp>
+          <p:grpSp>
+            <p:nvGrpSpPr>
+              <p:cNvPr id="69" name="Group 68">
+                <a:extLst>
+                  <a:ext uri="{FF2B5EF4-FFF2-40B4-BE49-F238E27FC236}">
+                    <a16:creationId xmlns:a16="http://schemas.microsoft.com/office/drawing/2014/main" id="{E2BA07BC-5E49-8581-5549-E2CEAC39511B}"/>
+                  </a:ext>
+                </a:extLst>
+              </p:cNvPr>
+              <p:cNvGrpSpPr/>
+              <p:nvPr/>
+            </p:nvGrpSpPr>
+            <p:grpSpPr>
+              <a:xfrm>
+                <a:off x="5415494" y="2585541"/>
+                <a:ext cx="325797" cy="325797"/>
+                <a:chOff x="5941524" y="3249334"/>
+                <a:chExt cx="325797" cy="325797"/>
+              </a:xfrm>
+              <a:solidFill>
+                <a:srgbClr val="FF0000"/>
+              </a:solidFill>
+            </p:grpSpPr>
+            <p:sp>
+              <p:nvSpPr>
+                <p:cNvPr id="71" name="Rectangle 70">
+                  <a:extLst>
+                    <a:ext uri="{FF2B5EF4-FFF2-40B4-BE49-F238E27FC236}">
+                      <a16:creationId xmlns:a16="http://schemas.microsoft.com/office/drawing/2014/main" id="{62DCE72B-3B61-18A4-9341-09A007717119}"/>
+                    </a:ext>
+                  </a:extLst>
+                </p:cNvPr>
+                <p:cNvSpPr/>
+                <p:nvPr/>
+              </p:nvSpPr>
+              <p:spPr>
+                <a:xfrm rot="5400000">
+                  <a:off x="5941523" y="3376482"/>
+                  <a:ext cx="325797" cy="71501"/>
+                </a:xfrm>
+                <a:prstGeom prst="rect">
+                  <a:avLst/>
+                </a:prstGeom>
+                <a:grpFill/>
+                <a:ln>
+                  <a:noFill/>
+                </a:ln>
+              </p:spPr>
+              <p:style>
+                <a:lnRef idx="2">
+                  <a:schemeClr val="accent1">
+                    <a:shade val="50000"/>
+                  </a:schemeClr>
+                </a:lnRef>
+                <a:fillRef idx="1">
+                  <a:schemeClr val="accent1"/>
+                </a:fillRef>
+                <a:effectRef idx="0">
+                  <a:schemeClr val="accent1"/>
+                </a:effectRef>
+                <a:fontRef idx="minor">
+                  <a:schemeClr val="lt1"/>
+                </a:fontRef>
+              </p:style>
+              <p:txBody>
+                <a:bodyPr rtlCol="0" anchor="ctr"/>
+                <a:lstStyle/>
+                <a:p>
+                  <a:pPr algn="ctr"/>
+                  <a:endParaRPr lang="en-IN"/>
+                </a:p>
+              </p:txBody>
+            </p:sp>
+            <p:sp>
+              <p:nvSpPr>
+                <p:cNvPr id="72" name="Rectangle 71">
+                  <a:extLst>
+                    <a:ext uri="{FF2B5EF4-FFF2-40B4-BE49-F238E27FC236}">
+                      <a16:creationId xmlns:a16="http://schemas.microsoft.com/office/drawing/2014/main" id="{3E2C1B05-E785-475B-3AD0-C3245BB61BB4}"/>
+                    </a:ext>
+                  </a:extLst>
+                </p:cNvPr>
+                <p:cNvSpPr/>
+                <p:nvPr/>
+              </p:nvSpPr>
+              <p:spPr>
+                <a:xfrm>
+                  <a:off x="5941524" y="3376391"/>
+                  <a:ext cx="325797" cy="71501"/>
+                </a:xfrm>
+                <a:prstGeom prst="rect">
+                  <a:avLst/>
+                </a:prstGeom>
+                <a:grpFill/>
+                <a:ln>
+                  <a:noFill/>
+                </a:ln>
+              </p:spPr>
+              <p:style>
+                <a:lnRef idx="2">
+                  <a:schemeClr val="accent1">
+                    <a:shade val="50000"/>
+                  </a:schemeClr>
+                </a:lnRef>
+                <a:fillRef idx="1">
+                  <a:schemeClr val="accent1"/>
+                </a:fillRef>
+                <a:effectRef idx="0">
+                  <a:schemeClr val="accent1"/>
+                </a:effectRef>
+                <a:fontRef idx="minor">
+                  <a:schemeClr val="lt1"/>
+                </a:fontRef>
+              </p:style>
+              <p:txBody>
+                <a:bodyPr rtlCol="0" anchor="ctr"/>
+                <a:lstStyle/>
+                <a:p>
+                  <a:pPr algn="ctr"/>
+                  <a:endParaRPr lang="en-IN"/>
+                </a:p>
+              </p:txBody>
+            </p:sp>
+          </p:grpSp>
+          <p:sp>
+            <p:nvSpPr>
+              <p:cNvPr id="70" name="Rectangle 69">
+                <a:extLst>
+                  <a:ext uri="{FF2B5EF4-FFF2-40B4-BE49-F238E27FC236}">
+                    <a16:creationId xmlns:a16="http://schemas.microsoft.com/office/drawing/2014/main" id="{D0E423FC-0B5F-D34E-00F1-C6DD7F261D53}"/>
+                  </a:ext>
+                </a:extLst>
+              </p:cNvPr>
+              <p:cNvSpPr/>
+              <p:nvPr/>
+            </p:nvSpPr>
+            <p:spPr>
+              <a:xfrm>
+                <a:off x="5415494" y="3080397"/>
+                <a:ext cx="325797" cy="71501"/>
+              </a:xfrm>
+              <a:prstGeom prst="rect">
+                <a:avLst/>
+              </a:prstGeom>
+              <a:solidFill>
+                <a:srgbClr val="FF0000"/>
+              </a:solidFill>
+              <a:ln>
+                <a:noFill/>
+              </a:ln>
+            </p:spPr>
+            <p:style>
+              <a:lnRef idx="2">
+                <a:schemeClr val="accent1">
+                  <a:shade val="50000"/>
+                </a:schemeClr>
+              </a:lnRef>
+              <a:fillRef idx="1">
+                <a:schemeClr val="accent1"/>
+              </a:fillRef>
+              <a:effectRef idx="0">
+                <a:schemeClr val="accent1"/>
+              </a:effectRef>
+              <a:fontRef idx="minor">
+                <a:schemeClr val="lt1"/>
+              </a:fontRef>
+            </p:style>
+            <p:txBody>
+              <a:bodyPr rtlCol="0" anchor="ctr"/>
+              <a:lstStyle/>
+              <a:p>
+                <a:pPr algn="ctr"/>
+                <a:endParaRPr lang="en-IN"/>
+              </a:p>
+            </p:txBody>
+          </p:sp>
+        </p:grpSp>
+        <p:sp>
+          <p:nvSpPr>
+            <p:cNvPr id="59" name="TextBox 58">
+              <a:extLst>
+                <a:ext uri="{FF2B5EF4-FFF2-40B4-BE49-F238E27FC236}">
+                  <a16:creationId xmlns:a16="http://schemas.microsoft.com/office/drawing/2014/main" id="{20ACBE73-AFF4-7718-8DD1-1A5EE00E1128}"/>
+                </a:ext>
+              </a:extLst>
+            </p:cNvPr>
+            <p:cNvSpPr txBox="1"/>
+            <p:nvPr/>
+          </p:nvSpPr>
+          <p:spPr>
+            <a:xfrm>
+              <a:off x="3976429" y="4975784"/>
+              <a:ext cx="682875" cy="369332"/>
+            </a:xfrm>
+            <a:prstGeom prst="rect">
+              <a:avLst/>
+            </a:prstGeom>
+            <a:noFill/>
+          </p:spPr>
+          <p:txBody>
+            <a:bodyPr wrap="square" rtlCol="0">
+              <a:spAutoFit/>
+            </a:bodyPr>
+            <a:lstStyle/>
+            <a:p>
+              <a:pPr algn="ctr"/>
+              <a:r>
+                <a:rPr lang="en-IN" b="1" dirty="0">
+                  <a:solidFill>
+                    <a:srgbClr val="FF0000"/>
+                  </a:solidFill>
+                  <a:latin typeface="Arial" panose="020B0604020202020204" pitchFamily="34" charset="0"/>
+                  <a:cs typeface="Arial" panose="020B0604020202020204" pitchFamily="34" charset="0"/>
+                </a:rPr>
+                <a:t>V</a:t>
+              </a:r>
+              <a:r>
+                <a:rPr lang="en-IN" b="1" baseline="-25000" dirty="0">
+                  <a:solidFill>
+                    <a:srgbClr val="FF0000"/>
+                  </a:solidFill>
+                  <a:latin typeface="Arial" panose="020B0604020202020204" pitchFamily="34" charset="0"/>
+                  <a:cs typeface="Arial" panose="020B0604020202020204" pitchFamily="34" charset="0"/>
+                </a:rPr>
+                <a:t>S</a:t>
+              </a:r>
+              <a:endParaRPr lang="en-IN" b="1" dirty="0">
+                <a:solidFill>
+                  <a:srgbClr val="FF0000"/>
+                </a:solidFill>
+                <a:latin typeface="Arial" panose="020B0604020202020204" pitchFamily="34" charset="0"/>
+                <a:cs typeface="Arial" panose="020B0604020202020204" pitchFamily="34" charset="0"/>
+              </a:endParaRPr>
+            </a:p>
+          </p:txBody>
+        </p:sp>
+        <p:sp>
+          <p:nvSpPr>
+            <p:cNvPr id="60" name="TextBox 59">
+              <a:extLst>
+                <a:ext uri="{FF2B5EF4-FFF2-40B4-BE49-F238E27FC236}">
+                  <a16:creationId xmlns:a16="http://schemas.microsoft.com/office/drawing/2014/main" id="{4436641C-B86D-D9D1-178B-861D00BAC24F}"/>
+                </a:ext>
+              </a:extLst>
+            </p:cNvPr>
+            <p:cNvSpPr txBox="1"/>
+            <p:nvPr/>
+          </p:nvSpPr>
+          <p:spPr>
+            <a:xfrm>
+              <a:off x="8188729" y="4928024"/>
+              <a:ext cx="682875" cy="429706"/>
+            </a:xfrm>
+            <a:prstGeom prst="rect">
+              <a:avLst/>
+            </a:prstGeom>
+            <a:noFill/>
+          </p:spPr>
+          <p:txBody>
+            <a:bodyPr wrap="square" rtlCol="0">
+              <a:spAutoFit/>
+            </a:bodyPr>
+            <a:lstStyle/>
+            <a:p>
+              <a:pPr algn="ctr"/>
+              <a:r>
+                <a:rPr lang="en-IN" sz="2400" b="1" dirty="0">
+                  <a:solidFill>
+                    <a:srgbClr val="FF0000"/>
+                  </a:solidFill>
+                  <a:latin typeface="Arial" panose="020B0604020202020204" pitchFamily="34" charset="0"/>
+                  <a:cs typeface="Arial" panose="020B0604020202020204" pitchFamily="34" charset="0"/>
+                </a:rPr>
+                <a:t>R</a:t>
+              </a:r>
+            </a:p>
+          </p:txBody>
+        </p:sp>
+        <p:grpSp>
+          <p:nvGrpSpPr>
+            <p:cNvPr id="61" name="Group 60">
+              <a:extLst>
+                <a:ext uri="{FF2B5EF4-FFF2-40B4-BE49-F238E27FC236}">
+                  <a16:creationId xmlns:a16="http://schemas.microsoft.com/office/drawing/2014/main" id="{403458D1-1893-0E7F-CFF9-794777302B2D}"/>
+                </a:ext>
+              </a:extLst>
+            </p:cNvPr>
+            <p:cNvGrpSpPr/>
+            <p:nvPr/>
+          </p:nvGrpSpPr>
+          <p:grpSpPr>
+            <a:xfrm>
+              <a:off x="9186126" y="4531181"/>
+              <a:ext cx="424307" cy="1330309"/>
+              <a:chOff x="5243804" y="3294644"/>
+              <a:chExt cx="475855" cy="1429249"/>
+            </a:xfrm>
+          </p:grpSpPr>
+          <p:cxnSp>
+            <p:nvCxnSpPr>
+              <p:cNvPr id="64" name="Straight Arrow Connector 63">
+                <a:extLst>
+                  <a:ext uri="{FF2B5EF4-FFF2-40B4-BE49-F238E27FC236}">
+                    <a16:creationId xmlns:a16="http://schemas.microsoft.com/office/drawing/2014/main" id="{1632A72F-7850-F0DE-EC0F-1CB9A8BC4A1B}"/>
+                  </a:ext>
+                </a:extLst>
+              </p:cNvPr>
+              <p:cNvCxnSpPr>
+                <a:cxnSpLocks/>
+              </p:cNvCxnSpPr>
+              <p:nvPr/>
+            </p:nvCxnSpPr>
+            <p:spPr>
+              <a:xfrm rot="16200000">
+                <a:off x="4761647" y="4009269"/>
+                <a:ext cx="1429249" cy="0"/>
+              </a:xfrm>
+              <a:prstGeom prst="straightConnector1">
+                <a:avLst/>
+              </a:prstGeom>
+              <a:ln w="28575" cap="flat" cmpd="sng" algn="ctr">
+                <a:solidFill>
+                  <a:schemeClr val="accent2"/>
+                </a:solidFill>
+                <a:prstDash val="solid"/>
+                <a:round/>
+                <a:headEnd type="arrow" w="med" len="med"/>
+                <a:tailEnd type="arrow" w="med" len="med"/>
+              </a:ln>
+            </p:spPr>
+            <p:style>
+              <a:lnRef idx="0">
+                <a:scrgbClr r="0" g="0" b="0"/>
+              </a:lnRef>
+              <a:fillRef idx="0">
+                <a:scrgbClr r="0" g="0" b="0"/>
+              </a:fillRef>
+              <a:effectRef idx="0">
+                <a:scrgbClr r="0" g="0" b="0"/>
+              </a:effectRef>
+              <a:fontRef idx="minor">
+                <a:schemeClr val="tx1"/>
+              </a:fontRef>
+            </p:style>
+          </p:cxnSp>
+          <p:sp>
+            <p:nvSpPr>
+              <p:cNvPr id="65" name="TextBox 64">
+                <a:extLst>
+                  <a:ext uri="{FF2B5EF4-FFF2-40B4-BE49-F238E27FC236}">
+                    <a16:creationId xmlns:a16="http://schemas.microsoft.com/office/drawing/2014/main" id="{857990CC-AB14-485F-824E-74903F649D5B}"/>
+                  </a:ext>
+                </a:extLst>
+              </p:cNvPr>
+              <p:cNvSpPr txBox="1"/>
+              <p:nvPr/>
+            </p:nvSpPr>
+            <p:spPr>
+              <a:xfrm>
+                <a:off x="5243804" y="3853543"/>
+                <a:ext cx="475855" cy="369332"/>
+              </a:xfrm>
+              <a:prstGeom prst="rect">
+                <a:avLst/>
+              </a:prstGeom>
+              <a:solidFill>
+                <a:schemeClr val="bg1"/>
+              </a:solidFill>
+            </p:spPr>
+            <p:txBody>
+              <a:bodyPr wrap="square" rtlCol="0">
+                <a:spAutoFit/>
+              </a:bodyPr>
+              <a:lstStyle/>
+              <a:p>
+                <a:pPr algn="ctr"/>
+                <a:r>
+                  <a:rPr lang="en-IN" b="1" dirty="0">
+                    <a:solidFill>
+                      <a:srgbClr val="FF0000"/>
+                    </a:solidFill>
+                    <a:effectLst>
+                      <a:outerShdw blurRad="38100" dist="38100" dir="2700000" algn="tl">
+                        <a:srgbClr val="000000">
+                          <a:alpha val="43137"/>
+                        </a:srgbClr>
+                      </a:outerShdw>
+                    </a:effectLst>
+                  </a:rPr>
+                  <a:t>V</a:t>
+                </a:r>
+                <a:r>
+                  <a:rPr lang="en-IN" b="1" baseline="-25000" dirty="0">
+                    <a:solidFill>
+                      <a:srgbClr val="FF0000"/>
+                    </a:solidFill>
+                    <a:effectLst>
+                      <a:outerShdw blurRad="38100" dist="38100" dir="2700000" algn="tl">
+                        <a:srgbClr val="000000">
+                          <a:alpha val="43137"/>
+                        </a:srgbClr>
+                      </a:outerShdw>
+                    </a:effectLst>
+                  </a:rPr>
+                  <a:t>O</a:t>
+                </a:r>
+                <a:endParaRPr lang="en-IN" b="1" dirty="0">
+                  <a:solidFill>
+                    <a:srgbClr val="FF0000"/>
+                  </a:solidFill>
+                  <a:effectLst>
+                    <a:outerShdw blurRad="38100" dist="38100" dir="2700000" algn="tl">
+                      <a:srgbClr val="000000">
+                        <a:alpha val="43137"/>
+                      </a:srgbClr>
+                    </a:outerShdw>
+                  </a:effectLst>
+                </a:endParaRPr>
+              </a:p>
+            </p:txBody>
+          </p:sp>
+        </p:grpSp>
+        <p:sp>
+          <p:nvSpPr>
+            <p:cNvPr id="63" name="TextBox 62">
+              <a:extLst>
+                <a:ext uri="{FF2B5EF4-FFF2-40B4-BE49-F238E27FC236}">
+                  <a16:creationId xmlns:a16="http://schemas.microsoft.com/office/drawing/2014/main" id="{850E4027-8B22-A21C-66E6-B4F06ACC3544}"/>
+                </a:ext>
+              </a:extLst>
+            </p:cNvPr>
+            <p:cNvSpPr txBox="1"/>
+            <p:nvPr/>
+          </p:nvSpPr>
+          <p:spPr>
+            <a:xfrm>
+              <a:off x="6194889" y="5011801"/>
+              <a:ext cx="682875" cy="315118"/>
+            </a:xfrm>
+            <a:prstGeom prst="rect">
+              <a:avLst/>
+            </a:prstGeom>
+            <a:noFill/>
+          </p:spPr>
+          <p:txBody>
+            <a:bodyPr wrap="square" rtlCol="0">
+              <a:spAutoFit/>
+            </a:bodyPr>
+            <a:lstStyle/>
+            <a:p>
+              <a:pPr algn="ctr"/>
+              <a:r>
+                <a:rPr lang="en-IN" sz="1600" b="1" dirty="0">
+                  <a:solidFill>
+                    <a:srgbClr val="0070C0"/>
+                  </a:solidFill>
+                  <a:latin typeface="Arial" panose="020B0604020202020204" pitchFamily="34" charset="0"/>
+                  <a:cs typeface="Arial" panose="020B0604020202020204" pitchFamily="34" charset="0"/>
+                </a:rPr>
+                <a:t>SW</a:t>
+              </a:r>
+            </a:p>
+          </p:txBody>
+        </p:sp>
+        <p:cxnSp>
+          <p:nvCxnSpPr>
+            <p:cNvPr id="110" name="Straight Connector 109">
+              <a:extLst>
+                <a:ext uri="{FF2B5EF4-FFF2-40B4-BE49-F238E27FC236}">
+                  <a16:creationId xmlns:a16="http://schemas.microsoft.com/office/drawing/2014/main" id="{2B453ED5-AEE1-CEC2-F404-BE048B86151C}"/>
+                </a:ext>
+              </a:extLst>
+            </p:cNvPr>
+            <p:cNvCxnSpPr>
+              <a:cxnSpLocks/>
+            </p:cNvCxnSpPr>
+            <p:nvPr/>
+          </p:nvCxnSpPr>
+          <p:spPr>
+            <a:xfrm flipH="1" flipV="1">
+              <a:off x="6992315" y="5440645"/>
+              <a:ext cx="1" cy="775138"/>
+            </a:xfrm>
+            <a:prstGeom prst="line">
+              <a:avLst/>
+            </a:prstGeom>
+            <a:ln w="38100">
+              <a:solidFill>
+                <a:schemeClr val="tx1"/>
+              </a:solidFill>
+            </a:ln>
+          </p:spPr>
+          <p:style>
+            <a:lnRef idx="1">
+              <a:schemeClr val="accent1"/>
+            </a:lnRef>
+            <a:fillRef idx="0">
+              <a:schemeClr val="accent1"/>
+            </a:fillRef>
+            <a:effectRef idx="0">
+              <a:schemeClr val="accent1"/>
+            </a:effectRef>
+            <a:fontRef idx="minor">
+              <a:schemeClr val="tx1"/>
+            </a:fontRef>
+          </p:style>
+        </p:cxnSp>
+        <p:cxnSp>
+          <p:nvCxnSpPr>
+            <p:cNvPr id="111" name="Straight Connector 110">
+              <a:extLst>
+                <a:ext uri="{FF2B5EF4-FFF2-40B4-BE49-F238E27FC236}">
+                  <a16:creationId xmlns:a16="http://schemas.microsoft.com/office/drawing/2014/main" id="{DDA4BA3A-FA52-DF67-98EA-DCE67FDE8791}"/>
+                </a:ext>
+              </a:extLst>
+            </p:cNvPr>
+            <p:cNvCxnSpPr>
+              <a:cxnSpLocks/>
+            </p:cNvCxnSpPr>
+            <p:nvPr/>
+          </p:nvCxnSpPr>
+          <p:spPr>
+            <a:xfrm flipH="1" flipV="1">
+              <a:off x="6992315" y="4217346"/>
+              <a:ext cx="1" cy="775138"/>
+            </a:xfrm>
+            <a:prstGeom prst="line">
+              <a:avLst/>
+            </a:prstGeom>
+            <a:ln w="38100">
+              <a:solidFill>
+                <a:schemeClr val="tx1"/>
+              </a:solidFill>
+            </a:ln>
+          </p:spPr>
+          <p:style>
+            <a:lnRef idx="1">
+              <a:schemeClr val="accent1"/>
+            </a:lnRef>
+            <a:fillRef idx="0">
+              <a:schemeClr val="accent1"/>
+            </a:fillRef>
+            <a:effectRef idx="0">
+              <a:schemeClr val="accent1"/>
+            </a:effectRef>
+            <a:fontRef idx="minor">
+              <a:schemeClr val="tx1"/>
+            </a:fontRef>
+          </p:style>
+        </p:cxnSp>
+        <p:grpSp>
+          <p:nvGrpSpPr>
+            <p:cNvPr id="114" name="Group 113">
+              <a:extLst>
+                <a:ext uri="{FF2B5EF4-FFF2-40B4-BE49-F238E27FC236}">
+                  <a16:creationId xmlns:a16="http://schemas.microsoft.com/office/drawing/2014/main" id="{F3F34BF9-C155-2120-0B82-B020C7F37E22}"/>
+                </a:ext>
+              </a:extLst>
+            </p:cNvPr>
+            <p:cNvGrpSpPr/>
+            <p:nvPr/>
+          </p:nvGrpSpPr>
+          <p:grpSpPr>
+            <a:xfrm rot="5400000" flipH="1">
+              <a:off x="5970920" y="3703727"/>
+              <a:ext cx="257152" cy="1023640"/>
+              <a:chOff x="3636841" y="2665961"/>
+              <a:chExt cx="257176" cy="1575477"/>
+            </a:xfrm>
+          </p:grpSpPr>
+          <p:grpSp>
+            <p:nvGrpSpPr>
+              <p:cNvPr id="115" name="Group 114">
+                <a:extLst>
+                  <a:ext uri="{FF2B5EF4-FFF2-40B4-BE49-F238E27FC236}">
+                    <a16:creationId xmlns:a16="http://schemas.microsoft.com/office/drawing/2014/main" id="{BE42AACA-126D-CFD4-4F66-CF8D43133A3F}"/>
+                  </a:ext>
+                </a:extLst>
+              </p:cNvPr>
+              <p:cNvGrpSpPr/>
+              <p:nvPr/>
+            </p:nvGrpSpPr>
+            <p:grpSpPr>
+              <a:xfrm rot="5400000">
+                <a:off x="3567715" y="2735087"/>
+                <a:ext cx="383737" cy="245486"/>
+                <a:chOff x="4314389" y="3293616"/>
+                <a:chExt cx="843537" cy="932155"/>
+              </a:xfrm>
+            </p:grpSpPr>
+            <p:sp>
+              <p:nvSpPr>
+                <p:cNvPr id="129" name="Arc 128">
+                  <a:extLst>
+                    <a:ext uri="{FF2B5EF4-FFF2-40B4-BE49-F238E27FC236}">
+                      <a16:creationId xmlns:a16="http://schemas.microsoft.com/office/drawing/2014/main" id="{1678BD90-87CE-351A-1FCD-E6B87EB4FA6D}"/>
+                    </a:ext>
+                  </a:extLst>
+                </p:cNvPr>
+                <p:cNvSpPr/>
+                <p:nvPr/>
+              </p:nvSpPr>
+              <p:spPr>
+                <a:xfrm>
+                  <a:off x="4314389" y="3293616"/>
+                  <a:ext cx="843537" cy="932155"/>
+                </a:xfrm>
+                <a:prstGeom prst="arc">
+                  <a:avLst>
+                    <a:gd name="adj1" fmla="val 10739696"/>
+                    <a:gd name="adj2" fmla="val 0"/>
+                  </a:avLst>
+                </a:prstGeom>
+                <a:ln w="38100">
+                  <a:solidFill>
+                    <a:schemeClr val="tx1"/>
+                  </a:solidFill>
+                </a:ln>
+              </p:spPr>
+              <p:style>
+                <a:lnRef idx="1">
+                  <a:schemeClr val="dk1"/>
+                </a:lnRef>
+                <a:fillRef idx="0">
+                  <a:schemeClr val="dk1"/>
+                </a:fillRef>
+                <a:effectRef idx="0">
+                  <a:schemeClr val="dk1"/>
+                </a:effectRef>
+                <a:fontRef idx="minor">
+                  <a:schemeClr val="tx1"/>
+                </a:fontRef>
+              </p:style>
+              <p:txBody>
+                <a:bodyPr rtlCol="0" anchor="ctr"/>
+                <a:lstStyle/>
+                <a:p>
+                  <a:pPr algn="ctr"/>
+                  <a:endParaRPr lang="en-IN"/>
+                </a:p>
+              </p:txBody>
+            </p:sp>
+            <p:sp>
+              <p:nvSpPr>
+                <p:cNvPr id="130" name="Arc 129">
+                  <a:extLst>
+                    <a:ext uri="{FF2B5EF4-FFF2-40B4-BE49-F238E27FC236}">
+                      <a16:creationId xmlns:a16="http://schemas.microsoft.com/office/drawing/2014/main" id="{536A58F9-CDC7-E68D-50F1-820F53ECFBDE}"/>
+                    </a:ext>
+                  </a:extLst>
+                </p:cNvPr>
+                <p:cNvSpPr/>
+                <p:nvPr/>
+              </p:nvSpPr>
+              <p:spPr>
+                <a:xfrm flipV="1">
+                  <a:off x="4838330" y="3360197"/>
+                  <a:ext cx="319596" cy="803429"/>
+                </a:xfrm>
+                <a:prstGeom prst="arc">
+                  <a:avLst>
+                    <a:gd name="adj1" fmla="val 10739696"/>
+                    <a:gd name="adj2" fmla="val 0"/>
+                  </a:avLst>
+                </a:prstGeom>
+                <a:ln w="38100">
+                  <a:solidFill>
+                    <a:schemeClr val="tx1"/>
+                  </a:solidFill>
+                </a:ln>
+              </p:spPr>
+              <p:style>
+                <a:lnRef idx="1">
+                  <a:schemeClr val="dk1"/>
+                </a:lnRef>
+                <a:fillRef idx="0">
+                  <a:schemeClr val="dk1"/>
+                </a:fillRef>
+                <a:effectRef idx="0">
+                  <a:schemeClr val="dk1"/>
+                </a:effectRef>
+                <a:fontRef idx="minor">
+                  <a:schemeClr val="tx1"/>
+                </a:fontRef>
+              </p:style>
+              <p:txBody>
+                <a:bodyPr rtlCol="0" anchor="ctr"/>
+                <a:lstStyle/>
+                <a:p>
+                  <a:pPr algn="ctr"/>
+                  <a:endParaRPr lang="en-IN"/>
+                </a:p>
+              </p:txBody>
+            </p:sp>
+          </p:grpSp>
+          <p:grpSp>
+            <p:nvGrpSpPr>
+              <p:cNvPr id="116" name="Group 115">
+                <a:extLst>
+                  <a:ext uri="{FF2B5EF4-FFF2-40B4-BE49-F238E27FC236}">
+                    <a16:creationId xmlns:a16="http://schemas.microsoft.com/office/drawing/2014/main" id="{68F97659-6EB8-40D3-1490-5D4B1CB33B34}"/>
+                  </a:ext>
+                </a:extLst>
+              </p:cNvPr>
+              <p:cNvGrpSpPr/>
+              <p:nvPr/>
+            </p:nvGrpSpPr>
+            <p:grpSpPr>
+              <a:xfrm rot="5400000">
+                <a:off x="3570054" y="2973435"/>
+                <a:ext cx="383737" cy="245486"/>
+                <a:chOff x="4314389" y="3293616"/>
+                <a:chExt cx="843537" cy="932155"/>
+              </a:xfrm>
+            </p:grpSpPr>
+            <p:sp>
+              <p:nvSpPr>
+                <p:cNvPr id="127" name="Arc 126">
+                  <a:extLst>
+                    <a:ext uri="{FF2B5EF4-FFF2-40B4-BE49-F238E27FC236}">
+                      <a16:creationId xmlns:a16="http://schemas.microsoft.com/office/drawing/2014/main" id="{18A62F72-7D50-9040-AF2B-127CA2F1D41A}"/>
+                    </a:ext>
+                  </a:extLst>
+                </p:cNvPr>
+                <p:cNvSpPr/>
+                <p:nvPr/>
+              </p:nvSpPr>
+              <p:spPr>
+                <a:xfrm>
+                  <a:off x="4314389" y="3293616"/>
+                  <a:ext cx="843537" cy="932155"/>
+                </a:xfrm>
+                <a:prstGeom prst="arc">
+                  <a:avLst>
+                    <a:gd name="adj1" fmla="val 10739696"/>
+                    <a:gd name="adj2" fmla="val 0"/>
+                  </a:avLst>
+                </a:prstGeom>
+                <a:ln w="38100">
+                  <a:solidFill>
+                    <a:schemeClr val="tx1"/>
+                  </a:solidFill>
+                </a:ln>
+              </p:spPr>
+              <p:style>
+                <a:lnRef idx="1">
+                  <a:schemeClr val="dk1"/>
+                </a:lnRef>
+                <a:fillRef idx="0">
+                  <a:schemeClr val="dk1"/>
+                </a:fillRef>
+                <a:effectRef idx="0">
+                  <a:schemeClr val="dk1"/>
+                </a:effectRef>
+                <a:fontRef idx="minor">
+                  <a:schemeClr val="tx1"/>
+                </a:fontRef>
+              </p:style>
+              <p:txBody>
+                <a:bodyPr rtlCol="0" anchor="ctr"/>
+                <a:lstStyle/>
+                <a:p>
+                  <a:pPr algn="ctr"/>
+                  <a:endParaRPr lang="en-IN"/>
+                </a:p>
+              </p:txBody>
+            </p:sp>
+            <p:sp>
+              <p:nvSpPr>
+                <p:cNvPr id="128" name="Arc 127">
+                  <a:extLst>
+                    <a:ext uri="{FF2B5EF4-FFF2-40B4-BE49-F238E27FC236}">
+                      <a16:creationId xmlns:a16="http://schemas.microsoft.com/office/drawing/2014/main" id="{21A0A5C7-B01D-8A6D-8F03-BF115E5CF3C9}"/>
+                    </a:ext>
+                  </a:extLst>
+                </p:cNvPr>
+                <p:cNvSpPr/>
+                <p:nvPr/>
+              </p:nvSpPr>
+              <p:spPr>
+                <a:xfrm flipV="1">
+                  <a:off x="4838330" y="3360197"/>
+                  <a:ext cx="319596" cy="803429"/>
+                </a:xfrm>
+                <a:prstGeom prst="arc">
+                  <a:avLst>
+                    <a:gd name="adj1" fmla="val 10739696"/>
+                    <a:gd name="adj2" fmla="val 0"/>
+                  </a:avLst>
+                </a:prstGeom>
+                <a:ln w="38100">
+                  <a:solidFill>
+                    <a:schemeClr val="tx1"/>
+                  </a:solidFill>
+                </a:ln>
+              </p:spPr>
+              <p:style>
+                <a:lnRef idx="1">
+                  <a:schemeClr val="dk1"/>
+                </a:lnRef>
+                <a:fillRef idx="0">
+                  <a:schemeClr val="dk1"/>
+                </a:fillRef>
+                <a:effectRef idx="0">
+                  <a:schemeClr val="dk1"/>
+                </a:effectRef>
+                <a:fontRef idx="minor">
+                  <a:schemeClr val="tx1"/>
+                </a:fontRef>
+              </p:style>
+              <p:txBody>
+                <a:bodyPr rtlCol="0" anchor="ctr"/>
+                <a:lstStyle/>
+                <a:p>
+                  <a:pPr algn="ctr"/>
+                  <a:endParaRPr lang="en-IN"/>
+                </a:p>
+              </p:txBody>
+            </p:sp>
+          </p:grpSp>
+          <p:grpSp>
+            <p:nvGrpSpPr>
+              <p:cNvPr id="117" name="Group 116">
+                <a:extLst>
+                  <a:ext uri="{FF2B5EF4-FFF2-40B4-BE49-F238E27FC236}">
+                    <a16:creationId xmlns:a16="http://schemas.microsoft.com/office/drawing/2014/main" id="{0F18C5F2-6344-7BD8-5E89-F7F23CCCF1F5}"/>
+                  </a:ext>
+                </a:extLst>
+              </p:cNvPr>
+              <p:cNvGrpSpPr/>
+              <p:nvPr/>
+            </p:nvGrpSpPr>
+            <p:grpSpPr>
+              <a:xfrm rot="5400000">
+                <a:off x="3572392" y="3211783"/>
+                <a:ext cx="383737" cy="245486"/>
+                <a:chOff x="4314389" y="3293616"/>
+                <a:chExt cx="843537" cy="932155"/>
+              </a:xfrm>
+            </p:grpSpPr>
+            <p:sp>
+              <p:nvSpPr>
+                <p:cNvPr id="125" name="Arc 124">
+                  <a:extLst>
+                    <a:ext uri="{FF2B5EF4-FFF2-40B4-BE49-F238E27FC236}">
+                      <a16:creationId xmlns:a16="http://schemas.microsoft.com/office/drawing/2014/main" id="{9CD1B371-44F8-21FA-5F8A-EEAB531B4C18}"/>
+                    </a:ext>
+                  </a:extLst>
+                </p:cNvPr>
+                <p:cNvSpPr/>
+                <p:nvPr/>
+              </p:nvSpPr>
+              <p:spPr>
+                <a:xfrm>
+                  <a:off x="4314389" y="3293616"/>
+                  <a:ext cx="843537" cy="932155"/>
+                </a:xfrm>
+                <a:prstGeom prst="arc">
+                  <a:avLst>
+                    <a:gd name="adj1" fmla="val 10739696"/>
+                    <a:gd name="adj2" fmla="val 0"/>
+                  </a:avLst>
+                </a:prstGeom>
+                <a:ln w="38100">
+                  <a:solidFill>
+                    <a:schemeClr val="tx1"/>
+                  </a:solidFill>
+                </a:ln>
+              </p:spPr>
+              <p:style>
+                <a:lnRef idx="1">
+                  <a:schemeClr val="dk1"/>
+                </a:lnRef>
+                <a:fillRef idx="0">
+                  <a:schemeClr val="dk1"/>
+                </a:fillRef>
+                <a:effectRef idx="0">
+                  <a:schemeClr val="dk1"/>
+                </a:effectRef>
+                <a:fontRef idx="minor">
+                  <a:schemeClr val="tx1"/>
+                </a:fontRef>
+              </p:style>
+              <p:txBody>
+                <a:bodyPr rtlCol="0" anchor="ctr"/>
+                <a:lstStyle/>
+                <a:p>
+                  <a:pPr algn="ctr"/>
+                  <a:endParaRPr lang="en-IN"/>
+                </a:p>
+              </p:txBody>
+            </p:sp>
+            <p:sp>
+              <p:nvSpPr>
+                <p:cNvPr id="126" name="Arc 125">
+                  <a:extLst>
+                    <a:ext uri="{FF2B5EF4-FFF2-40B4-BE49-F238E27FC236}">
+                      <a16:creationId xmlns:a16="http://schemas.microsoft.com/office/drawing/2014/main" id="{15B074DB-6155-F38E-3024-88FC6359884D}"/>
+                    </a:ext>
+                  </a:extLst>
+                </p:cNvPr>
+                <p:cNvSpPr/>
+                <p:nvPr/>
+              </p:nvSpPr>
+              <p:spPr>
+                <a:xfrm flipV="1">
+                  <a:off x="4838330" y="3360197"/>
+                  <a:ext cx="319596" cy="803429"/>
+                </a:xfrm>
+                <a:prstGeom prst="arc">
+                  <a:avLst>
+                    <a:gd name="adj1" fmla="val 10739696"/>
+                    <a:gd name="adj2" fmla="val 0"/>
+                  </a:avLst>
+                </a:prstGeom>
+                <a:ln w="38100">
+                  <a:solidFill>
+                    <a:schemeClr val="tx1"/>
+                  </a:solidFill>
+                </a:ln>
+              </p:spPr>
+              <p:style>
+                <a:lnRef idx="1">
+                  <a:schemeClr val="dk1"/>
+                </a:lnRef>
+                <a:fillRef idx="0">
+                  <a:schemeClr val="dk1"/>
+                </a:fillRef>
+                <a:effectRef idx="0">
+                  <a:schemeClr val="dk1"/>
+                </a:effectRef>
+                <a:fontRef idx="minor">
+                  <a:schemeClr val="tx1"/>
+                </a:fontRef>
+              </p:style>
+              <p:txBody>
+                <a:bodyPr rtlCol="0" anchor="ctr"/>
+                <a:lstStyle/>
+                <a:p>
+                  <a:pPr algn="ctr"/>
+                  <a:endParaRPr lang="en-IN"/>
+                </a:p>
+              </p:txBody>
+            </p:sp>
+          </p:grpSp>
+          <p:grpSp>
+            <p:nvGrpSpPr>
+              <p:cNvPr id="118" name="Group 117">
+                <a:extLst>
+                  <a:ext uri="{FF2B5EF4-FFF2-40B4-BE49-F238E27FC236}">
+                    <a16:creationId xmlns:a16="http://schemas.microsoft.com/office/drawing/2014/main" id="{F26BDB4D-B68D-99DF-0341-9A77B479DB99}"/>
+                  </a:ext>
+                </a:extLst>
+              </p:cNvPr>
+              <p:cNvGrpSpPr/>
+              <p:nvPr/>
+            </p:nvGrpSpPr>
+            <p:grpSpPr>
+              <a:xfrm rot="5400000">
+                <a:off x="3574730" y="3450131"/>
+                <a:ext cx="383737" cy="245486"/>
+                <a:chOff x="4314389" y="3293616"/>
+                <a:chExt cx="843537" cy="932155"/>
+              </a:xfrm>
+            </p:grpSpPr>
+            <p:sp>
+              <p:nvSpPr>
+                <p:cNvPr id="123" name="Arc 122">
+                  <a:extLst>
+                    <a:ext uri="{FF2B5EF4-FFF2-40B4-BE49-F238E27FC236}">
+                      <a16:creationId xmlns:a16="http://schemas.microsoft.com/office/drawing/2014/main" id="{15D43D05-59A8-2F19-4922-3ABC2D977FEB}"/>
+                    </a:ext>
+                  </a:extLst>
+                </p:cNvPr>
+                <p:cNvSpPr/>
+                <p:nvPr/>
+              </p:nvSpPr>
+              <p:spPr>
+                <a:xfrm>
+                  <a:off x="4314389" y="3293616"/>
+                  <a:ext cx="843537" cy="932155"/>
+                </a:xfrm>
+                <a:prstGeom prst="arc">
+                  <a:avLst>
+                    <a:gd name="adj1" fmla="val 10739696"/>
+                    <a:gd name="adj2" fmla="val 0"/>
+                  </a:avLst>
+                </a:prstGeom>
+                <a:ln w="38100">
+                  <a:solidFill>
+                    <a:schemeClr val="tx1"/>
+                  </a:solidFill>
+                </a:ln>
+              </p:spPr>
+              <p:style>
+                <a:lnRef idx="1">
+                  <a:schemeClr val="dk1"/>
+                </a:lnRef>
+                <a:fillRef idx="0">
+                  <a:schemeClr val="dk1"/>
+                </a:fillRef>
+                <a:effectRef idx="0">
+                  <a:schemeClr val="dk1"/>
+                </a:effectRef>
+                <a:fontRef idx="minor">
+                  <a:schemeClr val="tx1"/>
+                </a:fontRef>
+              </p:style>
+              <p:txBody>
+                <a:bodyPr rtlCol="0" anchor="ctr"/>
+                <a:lstStyle/>
+                <a:p>
+                  <a:pPr algn="ctr"/>
+                  <a:endParaRPr lang="en-IN"/>
+                </a:p>
+              </p:txBody>
+            </p:sp>
+            <p:sp>
+              <p:nvSpPr>
+                <p:cNvPr id="124" name="Arc 123">
+                  <a:extLst>
+                    <a:ext uri="{FF2B5EF4-FFF2-40B4-BE49-F238E27FC236}">
+                      <a16:creationId xmlns:a16="http://schemas.microsoft.com/office/drawing/2014/main" id="{AE3666D1-B6A0-B022-44C1-98538316D637}"/>
+                    </a:ext>
+                  </a:extLst>
+                </p:cNvPr>
+                <p:cNvSpPr/>
+                <p:nvPr/>
+              </p:nvSpPr>
+              <p:spPr>
+                <a:xfrm flipV="1">
+                  <a:off x="4838330" y="3360197"/>
+                  <a:ext cx="319596" cy="803429"/>
+                </a:xfrm>
+                <a:prstGeom prst="arc">
+                  <a:avLst>
+                    <a:gd name="adj1" fmla="val 10739696"/>
+                    <a:gd name="adj2" fmla="val 0"/>
+                  </a:avLst>
+                </a:prstGeom>
+                <a:ln w="38100">
+                  <a:solidFill>
+                    <a:schemeClr val="tx1"/>
+                  </a:solidFill>
+                </a:ln>
+              </p:spPr>
+              <p:style>
+                <a:lnRef idx="1">
+                  <a:schemeClr val="dk1"/>
+                </a:lnRef>
+                <a:fillRef idx="0">
+                  <a:schemeClr val="dk1"/>
+                </a:fillRef>
+                <a:effectRef idx="0">
+                  <a:schemeClr val="dk1"/>
+                </a:effectRef>
+                <a:fontRef idx="minor">
+                  <a:schemeClr val="tx1"/>
+                </a:fontRef>
+              </p:style>
+              <p:txBody>
+                <a:bodyPr rtlCol="0" anchor="ctr"/>
+                <a:lstStyle/>
+                <a:p>
+                  <a:pPr algn="ctr"/>
+                  <a:endParaRPr lang="en-IN"/>
+                </a:p>
+              </p:txBody>
+            </p:sp>
+          </p:grpSp>
+          <p:grpSp>
+            <p:nvGrpSpPr>
+              <p:cNvPr id="119" name="Group 118">
+                <a:extLst>
+                  <a:ext uri="{FF2B5EF4-FFF2-40B4-BE49-F238E27FC236}">
+                    <a16:creationId xmlns:a16="http://schemas.microsoft.com/office/drawing/2014/main" id="{18B7C341-D516-9B2C-29D9-0E84CBDDCC19}"/>
+                  </a:ext>
+                </a:extLst>
+              </p:cNvPr>
+              <p:cNvGrpSpPr/>
+              <p:nvPr/>
+            </p:nvGrpSpPr>
+            <p:grpSpPr>
+              <a:xfrm rot="5400000">
+                <a:off x="3577069" y="3688479"/>
+                <a:ext cx="383737" cy="245486"/>
+                <a:chOff x="4314389" y="3293616"/>
+                <a:chExt cx="843537" cy="932155"/>
+              </a:xfrm>
+            </p:grpSpPr>
+            <p:sp>
+              <p:nvSpPr>
+                <p:cNvPr id="121" name="Arc 120">
+                  <a:extLst>
+                    <a:ext uri="{FF2B5EF4-FFF2-40B4-BE49-F238E27FC236}">
+                      <a16:creationId xmlns:a16="http://schemas.microsoft.com/office/drawing/2014/main" id="{6B61221B-E27B-0111-A982-565746A82EB8}"/>
+                    </a:ext>
+                  </a:extLst>
+                </p:cNvPr>
+                <p:cNvSpPr/>
+                <p:nvPr/>
+              </p:nvSpPr>
+              <p:spPr>
+                <a:xfrm>
+                  <a:off x="4314389" y="3293616"/>
+                  <a:ext cx="843537" cy="932155"/>
+                </a:xfrm>
+                <a:prstGeom prst="arc">
+                  <a:avLst>
+                    <a:gd name="adj1" fmla="val 10739696"/>
+                    <a:gd name="adj2" fmla="val 0"/>
+                  </a:avLst>
+                </a:prstGeom>
+                <a:ln w="38100">
+                  <a:solidFill>
+                    <a:schemeClr val="tx1"/>
+                  </a:solidFill>
+                </a:ln>
+              </p:spPr>
+              <p:style>
+                <a:lnRef idx="1">
+                  <a:schemeClr val="dk1"/>
+                </a:lnRef>
+                <a:fillRef idx="0">
+                  <a:schemeClr val="dk1"/>
+                </a:fillRef>
+                <a:effectRef idx="0">
+                  <a:schemeClr val="dk1"/>
+                </a:effectRef>
+                <a:fontRef idx="minor">
+                  <a:schemeClr val="tx1"/>
+                </a:fontRef>
+              </p:style>
+              <p:txBody>
+                <a:bodyPr rtlCol="0" anchor="ctr"/>
+                <a:lstStyle/>
+                <a:p>
+                  <a:pPr algn="ctr"/>
+                  <a:endParaRPr lang="en-IN"/>
+                </a:p>
+              </p:txBody>
+            </p:sp>
+            <p:sp>
+              <p:nvSpPr>
+                <p:cNvPr id="122" name="Arc 121">
+                  <a:extLst>
+                    <a:ext uri="{FF2B5EF4-FFF2-40B4-BE49-F238E27FC236}">
+                      <a16:creationId xmlns:a16="http://schemas.microsoft.com/office/drawing/2014/main" id="{864925D4-C150-86E3-60CA-6FCE12BA4726}"/>
+                    </a:ext>
+                  </a:extLst>
+                </p:cNvPr>
+                <p:cNvSpPr/>
+                <p:nvPr/>
+              </p:nvSpPr>
+              <p:spPr>
+                <a:xfrm flipV="1">
+                  <a:off x="4838330" y="3360197"/>
+                  <a:ext cx="319596" cy="803429"/>
+                </a:xfrm>
+                <a:prstGeom prst="arc">
+                  <a:avLst>
+                    <a:gd name="adj1" fmla="val 10739696"/>
+                    <a:gd name="adj2" fmla="val 0"/>
+                  </a:avLst>
+                </a:prstGeom>
+                <a:ln w="38100">
+                  <a:solidFill>
+                    <a:schemeClr val="tx1"/>
+                  </a:solidFill>
+                </a:ln>
+              </p:spPr>
+              <p:style>
+                <a:lnRef idx="1">
+                  <a:schemeClr val="dk1"/>
+                </a:lnRef>
+                <a:fillRef idx="0">
+                  <a:schemeClr val="dk1"/>
+                </a:fillRef>
+                <a:effectRef idx="0">
+                  <a:schemeClr val="dk1"/>
+                </a:effectRef>
+                <a:fontRef idx="minor">
+                  <a:schemeClr val="tx1"/>
+                </a:fontRef>
+              </p:style>
+              <p:txBody>
+                <a:bodyPr rtlCol="0" anchor="ctr"/>
+                <a:lstStyle/>
+                <a:p>
+                  <a:pPr algn="ctr"/>
+                  <a:endParaRPr lang="en-IN"/>
+                </a:p>
+              </p:txBody>
+            </p:sp>
+          </p:grpSp>
+          <p:sp>
+            <p:nvSpPr>
+              <p:cNvPr id="120" name="Arc 119">
+                <a:extLst>
+                  <a:ext uri="{FF2B5EF4-FFF2-40B4-BE49-F238E27FC236}">
+                    <a16:creationId xmlns:a16="http://schemas.microsoft.com/office/drawing/2014/main" id="{0BE0FB48-EFC6-ACF7-0B9C-F26B8D66BBB2}"/>
+                  </a:ext>
+                </a:extLst>
+              </p:cNvPr>
+              <p:cNvSpPr/>
+              <p:nvPr/>
+            </p:nvSpPr>
+            <p:spPr>
+              <a:xfrm rot="5400000">
+                <a:off x="3579405" y="3926827"/>
+                <a:ext cx="383737" cy="245486"/>
+              </a:xfrm>
+              <a:prstGeom prst="arc">
+                <a:avLst>
+                  <a:gd name="adj1" fmla="val 10739696"/>
+                  <a:gd name="adj2" fmla="val 0"/>
+                </a:avLst>
+              </a:prstGeom>
+              <a:ln w="38100">
+                <a:solidFill>
+                  <a:schemeClr val="tx1"/>
+                </a:solidFill>
+              </a:ln>
+            </p:spPr>
+            <p:style>
+              <a:lnRef idx="1">
+                <a:schemeClr val="dk1"/>
+              </a:lnRef>
+              <a:fillRef idx="0">
+                <a:schemeClr val="dk1"/>
+              </a:fillRef>
+              <a:effectRef idx="0">
+                <a:schemeClr val="dk1"/>
+              </a:effectRef>
+              <a:fontRef idx="minor">
+                <a:schemeClr val="tx1"/>
+              </a:fontRef>
+            </p:style>
+            <p:txBody>
+              <a:bodyPr rtlCol="0" anchor="ctr"/>
+              <a:lstStyle/>
+              <a:p>
+                <a:pPr algn="ctr"/>
+                <a:endParaRPr lang="en-IN"/>
+              </a:p>
+            </p:txBody>
+          </p:sp>
+        </p:grpSp>
+        <p:grpSp>
+          <p:nvGrpSpPr>
+            <p:cNvPr id="132" name="Group 131">
+              <a:extLst>
+                <a:ext uri="{FF2B5EF4-FFF2-40B4-BE49-F238E27FC236}">
+                  <a16:creationId xmlns:a16="http://schemas.microsoft.com/office/drawing/2014/main" id="{9D79B43E-F62A-3934-FD4D-A11AD45EE833}"/>
+                </a:ext>
+              </a:extLst>
+            </p:cNvPr>
+            <p:cNvGrpSpPr/>
+            <p:nvPr/>
+          </p:nvGrpSpPr>
+          <p:grpSpPr>
+            <a:xfrm rot="5400000">
+              <a:off x="7789254" y="3974064"/>
+              <a:ext cx="512854" cy="425351"/>
+              <a:chOff x="3610045" y="3464345"/>
+              <a:chExt cx="693435" cy="575227"/>
+            </a:xfrm>
+          </p:grpSpPr>
+          <p:sp>
+            <p:nvSpPr>
+              <p:cNvPr id="133" name="Isosceles Triangle 132">
+                <a:extLst>
+                  <a:ext uri="{FF2B5EF4-FFF2-40B4-BE49-F238E27FC236}">
+                    <a16:creationId xmlns:a16="http://schemas.microsoft.com/office/drawing/2014/main" id="{29B6D191-883D-BD7A-B45F-19F32BCBF52F}"/>
+                  </a:ext>
+                </a:extLst>
+              </p:cNvPr>
+              <p:cNvSpPr/>
+              <p:nvPr/>
+            </p:nvSpPr>
+            <p:spPr>
+              <a:xfrm>
+                <a:off x="3610045" y="3464345"/>
+                <a:ext cx="653140" cy="575227"/>
+              </a:xfrm>
+              <a:prstGeom prst="triangle">
+                <a:avLst/>
+              </a:prstGeom>
+            </p:spPr>
+            <p:style>
+              <a:lnRef idx="2">
+                <a:schemeClr val="accent1">
+                  <a:shade val="50000"/>
+                </a:schemeClr>
+              </a:lnRef>
+              <a:fillRef idx="1">
+                <a:schemeClr val="accent1"/>
+              </a:fillRef>
+              <a:effectRef idx="0">
+                <a:schemeClr val="accent1"/>
+              </a:effectRef>
+              <a:fontRef idx="minor">
+                <a:schemeClr val="lt1"/>
+              </a:fontRef>
+            </p:style>
+            <p:txBody>
+              <a:bodyPr rtlCol="0" anchor="ctr"/>
+              <a:lstStyle/>
+              <a:p>
+                <a:pPr algn="ctr"/>
+                <a:endParaRPr lang="en-IN"/>
+              </a:p>
+            </p:txBody>
+          </p:sp>
+          <p:cxnSp>
+            <p:nvCxnSpPr>
+              <p:cNvPr id="134" name="Straight Connector 133">
+                <a:extLst>
+                  <a:ext uri="{FF2B5EF4-FFF2-40B4-BE49-F238E27FC236}">
+                    <a16:creationId xmlns:a16="http://schemas.microsoft.com/office/drawing/2014/main" id="{EB21230C-E43E-2148-42EA-D80C589BF436}"/>
+                  </a:ext>
+                </a:extLst>
+              </p:cNvPr>
+              <p:cNvCxnSpPr>
+                <a:cxnSpLocks/>
+              </p:cNvCxnSpPr>
+              <p:nvPr/>
+            </p:nvCxnSpPr>
+            <p:spPr>
+              <a:xfrm>
+                <a:off x="3610045" y="3491609"/>
+                <a:ext cx="693435" cy="0"/>
+              </a:xfrm>
+              <a:prstGeom prst="line">
+                <a:avLst/>
+              </a:prstGeom>
+              <a:ln w="57150">
+                <a:solidFill>
+                  <a:srgbClr val="0070C0"/>
+                </a:solidFill>
+              </a:ln>
+            </p:spPr>
+            <p:style>
+              <a:lnRef idx="1">
+                <a:schemeClr val="accent1"/>
+              </a:lnRef>
+              <a:fillRef idx="0">
+                <a:schemeClr val="accent1"/>
+              </a:fillRef>
+              <a:effectRef idx="0">
+                <a:schemeClr val="accent1"/>
+              </a:effectRef>
+              <a:fontRef idx="minor">
+                <a:schemeClr val="tx1"/>
+              </a:fontRef>
+            </p:style>
+          </p:cxnSp>
+        </p:grpSp>
+        <p:sp>
+          <p:nvSpPr>
+            <p:cNvPr id="53" name="Oval 52">
+              <a:extLst>
+                <a:ext uri="{FF2B5EF4-FFF2-40B4-BE49-F238E27FC236}">
+                  <a16:creationId xmlns:a16="http://schemas.microsoft.com/office/drawing/2014/main" id="{35D681D3-DE4B-ECFA-826D-FF679A283E4F}"/>
+                </a:ext>
+              </a:extLst>
+            </p:cNvPr>
+            <p:cNvSpPr/>
+            <p:nvPr/>
+          </p:nvSpPr>
+          <p:spPr>
+            <a:xfrm>
+              <a:off x="6939097" y="5408615"/>
+              <a:ext cx="99821" cy="109501"/>
+            </a:xfrm>
+            <a:prstGeom prst="ellipse">
+              <a:avLst/>
+            </a:prstGeom>
+          </p:spPr>
+          <p:style>
+            <a:lnRef idx="2">
+              <a:schemeClr val="accent1">
+                <a:shade val="50000"/>
+              </a:schemeClr>
+            </a:lnRef>
+            <a:fillRef idx="1">
+              <a:schemeClr val="accent1"/>
+            </a:fillRef>
+            <a:effectRef idx="0">
+              <a:schemeClr val="accent1"/>
+            </a:effectRef>
+            <a:fontRef idx="minor">
+              <a:schemeClr val="lt1"/>
+            </a:fontRef>
+          </p:style>
+          <p:txBody>
+            <a:bodyPr rtlCol="0" anchor="ctr"/>
+            <a:lstStyle/>
+            <a:p>
+              <a:pPr algn="ctr"/>
+              <a:endParaRPr lang="en-IN"/>
+            </a:p>
+          </p:txBody>
+        </p:sp>
+        <p:sp>
+          <p:nvSpPr>
+            <p:cNvPr id="54" name="Oval 53">
+              <a:extLst>
+                <a:ext uri="{FF2B5EF4-FFF2-40B4-BE49-F238E27FC236}">
+                  <a16:creationId xmlns:a16="http://schemas.microsoft.com/office/drawing/2014/main" id="{C35CD345-A1FE-AD44-D439-886703881AA2}"/>
+                </a:ext>
+              </a:extLst>
+            </p:cNvPr>
+            <p:cNvSpPr/>
+            <p:nvPr/>
+          </p:nvSpPr>
+          <p:spPr>
+            <a:xfrm>
+              <a:off x="6939098" y="4895102"/>
+              <a:ext cx="99821" cy="109501"/>
+            </a:xfrm>
+            <a:prstGeom prst="ellipse">
+              <a:avLst/>
+            </a:prstGeom>
+          </p:spPr>
+          <p:style>
+            <a:lnRef idx="2">
+              <a:schemeClr val="accent1">
+                <a:shade val="50000"/>
+              </a:schemeClr>
+            </a:lnRef>
+            <a:fillRef idx="1">
+              <a:schemeClr val="accent1"/>
+            </a:fillRef>
+            <a:effectRef idx="0">
+              <a:schemeClr val="accent1"/>
+            </a:effectRef>
+            <a:fontRef idx="minor">
+              <a:schemeClr val="lt1"/>
+            </a:fontRef>
+          </p:style>
+          <p:txBody>
+            <a:bodyPr rtlCol="0" anchor="ctr"/>
+            <a:lstStyle/>
+            <a:p>
+              <a:pPr algn="ctr"/>
+              <a:endParaRPr lang="en-IN"/>
+            </a:p>
+          </p:txBody>
+        </p:sp>
+        <p:sp>
+          <p:nvSpPr>
+            <p:cNvPr id="136" name="TextBox 135">
+              <a:extLst>
+                <a:ext uri="{FF2B5EF4-FFF2-40B4-BE49-F238E27FC236}">
+                  <a16:creationId xmlns:a16="http://schemas.microsoft.com/office/drawing/2014/main" id="{6891B97A-9470-290C-B635-D9C825B87748}"/>
+                </a:ext>
+              </a:extLst>
+            </p:cNvPr>
+            <p:cNvSpPr txBox="1"/>
+            <p:nvPr/>
+          </p:nvSpPr>
+          <p:spPr>
+            <a:xfrm>
+              <a:off x="5726346" y="3677350"/>
+              <a:ext cx="682875" cy="400110"/>
+            </a:xfrm>
+            <a:prstGeom prst="rect">
+              <a:avLst/>
+            </a:prstGeom>
+            <a:noFill/>
+          </p:spPr>
+          <p:txBody>
+            <a:bodyPr wrap="square" rtlCol="0">
+              <a:spAutoFit/>
+            </a:bodyPr>
+            <a:lstStyle/>
+            <a:p>
+              <a:pPr algn="ctr"/>
+              <a:r>
+                <a:rPr lang="en-IN" sz="2000" b="1" dirty="0">
+                  <a:solidFill>
+                    <a:srgbClr val="FF0000"/>
+                  </a:solidFill>
+                  <a:latin typeface="Arial" panose="020B0604020202020204" pitchFamily="34" charset="0"/>
+                  <a:cs typeface="Arial" panose="020B0604020202020204" pitchFamily="34" charset="0"/>
+                </a:rPr>
+                <a:t>L</a:t>
+              </a:r>
+            </a:p>
+          </p:txBody>
+        </p:sp>
+        <p:sp>
+          <p:nvSpPr>
+            <p:cNvPr id="137" name="TextBox 136">
+              <a:extLst>
+                <a:ext uri="{FF2B5EF4-FFF2-40B4-BE49-F238E27FC236}">
+                  <a16:creationId xmlns:a16="http://schemas.microsoft.com/office/drawing/2014/main" id="{E6556F63-4396-71D7-E3CD-B27FC741B301}"/>
+                </a:ext>
+              </a:extLst>
+            </p:cNvPr>
+            <p:cNvSpPr txBox="1"/>
+            <p:nvPr/>
+          </p:nvSpPr>
+          <p:spPr>
+            <a:xfrm>
+              <a:off x="7704243" y="3578062"/>
+              <a:ext cx="682875" cy="369332"/>
+            </a:xfrm>
+            <a:prstGeom prst="rect">
+              <a:avLst/>
+            </a:prstGeom>
+            <a:noFill/>
+          </p:spPr>
+          <p:txBody>
+            <a:bodyPr wrap="square" rtlCol="0">
+              <a:spAutoFit/>
+            </a:bodyPr>
+            <a:lstStyle/>
+            <a:p>
+              <a:pPr algn="ctr"/>
+              <a:r>
+                <a:rPr lang="en-IN" b="1" dirty="0">
+                  <a:solidFill>
+                    <a:srgbClr val="FF0000"/>
+                  </a:solidFill>
+                  <a:latin typeface="Arial" panose="020B0604020202020204" pitchFamily="34" charset="0"/>
+                  <a:cs typeface="Arial" panose="020B0604020202020204" pitchFamily="34" charset="0"/>
+                </a:rPr>
+                <a:t>D</a:t>
+              </a:r>
+            </a:p>
+          </p:txBody>
+        </p:sp>
+      </p:grpSp>
+      <p:grpSp>
+        <p:nvGrpSpPr>
+          <p:cNvPr id="168" name="Group 167">
+            <a:extLst>
+              <a:ext uri="{FF2B5EF4-FFF2-40B4-BE49-F238E27FC236}">
+                <a16:creationId xmlns:a16="http://schemas.microsoft.com/office/drawing/2014/main" id="{4CB6B5B6-A33A-E931-BEB4-1ED23E52507A}"/>
+              </a:ext>
+            </a:extLst>
+          </p:cNvPr>
+          <p:cNvGrpSpPr/>
+          <p:nvPr/>
+        </p:nvGrpSpPr>
+        <p:grpSpPr>
+          <a:xfrm>
+            <a:off x="350688" y="3666773"/>
+            <a:ext cx="5545149" cy="2383496"/>
+            <a:chOff x="3918443" y="983111"/>
+            <a:chExt cx="5545149" cy="2383496"/>
+          </a:xfrm>
+        </p:grpSpPr>
+        <p:cxnSp>
+          <p:nvCxnSpPr>
+            <p:cNvPr id="5" name="Straight Connector 4">
+              <a:extLst>
+                <a:ext uri="{FF2B5EF4-FFF2-40B4-BE49-F238E27FC236}">
+                  <a16:creationId xmlns:a16="http://schemas.microsoft.com/office/drawing/2014/main" id="{7C8A047E-6CEB-6F5E-E6DF-3CCBAE577F46}"/>
+                </a:ext>
+              </a:extLst>
+            </p:cNvPr>
+            <p:cNvCxnSpPr>
+              <a:cxnSpLocks/>
+            </p:cNvCxnSpPr>
+            <p:nvPr/>
+          </p:nvCxnSpPr>
+          <p:spPr>
+            <a:xfrm>
+              <a:off x="4850109" y="1344347"/>
+              <a:ext cx="1785544" cy="0"/>
+            </a:xfrm>
+            <a:prstGeom prst="line">
+              <a:avLst/>
+            </a:prstGeom>
+            <a:ln w="38100">
+              <a:solidFill>
+                <a:schemeClr val="tx1"/>
+              </a:solidFill>
+            </a:ln>
+          </p:spPr>
+          <p:style>
+            <a:lnRef idx="1">
+              <a:schemeClr val="accent1"/>
+            </a:lnRef>
+            <a:fillRef idx="0">
+              <a:schemeClr val="accent1"/>
+            </a:fillRef>
+            <a:effectRef idx="0">
+              <a:schemeClr val="accent1"/>
+            </a:effectRef>
+            <a:fontRef idx="minor">
+              <a:schemeClr val="tx1"/>
+            </a:fontRef>
+          </p:style>
+        </p:cxnSp>
+        <p:cxnSp>
+          <p:nvCxnSpPr>
+            <p:cNvPr id="6" name="Straight Connector 5">
+              <a:extLst>
+                <a:ext uri="{FF2B5EF4-FFF2-40B4-BE49-F238E27FC236}">
+                  <a16:creationId xmlns:a16="http://schemas.microsoft.com/office/drawing/2014/main" id="{D39F7AB8-B11B-3174-D7B2-5052C61A9E61}"/>
+                </a:ext>
+              </a:extLst>
+            </p:cNvPr>
+            <p:cNvCxnSpPr>
+              <a:cxnSpLocks/>
+            </p:cNvCxnSpPr>
+            <p:nvPr/>
+          </p:nvCxnSpPr>
+          <p:spPr>
+            <a:xfrm>
+              <a:off x="7030222" y="1344347"/>
+              <a:ext cx="1859517" cy="0"/>
+            </a:xfrm>
+            <a:prstGeom prst="line">
+              <a:avLst/>
+            </a:prstGeom>
+            <a:ln w="38100">
+              <a:solidFill>
+                <a:schemeClr val="tx1"/>
+              </a:solidFill>
+            </a:ln>
+          </p:spPr>
+          <p:style>
+            <a:lnRef idx="1">
+              <a:schemeClr val="accent1"/>
+            </a:lnRef>
+            <a:fillRef idx="0">
+              <a:schemeClr val="accent1"/>
+            </a:fillRef>
+            <a:effectRef idx="0">
+              <a:schemeClr val="accent1"/>
+            </a:effectRef>
+            <a:fontRef idx="minor">
+              <a:schemeClr val="tx1"/>
+            </a:fontRef>
+          </p:style>
+        </p:cxnSp>
+        <p:cxnSp>
+          <p:nvCxnSpPr>
+            <p:cNvPr id="8" name="Straight Connector 7">
+              <a:extLst>
+                <a:ext uri="{FF2B5EF4-FFF2-40B4-BE49-F238E27FC236}">
+                  <a16:creationId xmlns:a16="http://schemas.microsoft.com/office/drawing/2014/main" id="{03501248-7004-8C12-A193-A461B7493A3A}"/>
+                </a:ext>
+              </a:extLst>
+            </p:cNvPr>
+            <p:cNvCxnSpPr>
+              <a:cxnSpLocks/>
+            </p:cNvCxnSpPr>
+            <p:nvPr/>
+          </p:nvCxnSpPr>
+          <p:spPr>
+            <a:xfrm>
+              <a:off x="4830331" y="3341828"/>
+              <a:ext cx="4059408" cy="0"/>
+            </a:xfrm>
+            <a:prstGeom prst="line">
+              <a:avLst/>
+            </a:prstGeom>
+            <a:ln w="38100">
+              <a:solidFill>
+                <a:schemeClr val="tx1"/>
+              </a:solidFill>
+            </a:ln>
+          </p:spPr>
+          <p:style>
+            <a:lnRef idx="1">
+              <a:schemeClr val="accent1"/>
+            </a:lnRef>
+            <a:fillRef idx="0">
+              <a:schemeClr val="accent1"/>
+            </a:fillRef>
+            <a:effectRef idx="0">
+              <a:schemeClr val="accent1"/>
+            </a:effectRef>
+            <a:fontRef idx="minor">
+              <a:schemeClr val="tx1"/>
+            </a:fontRef>
+          </p:style>
+        </p:cxnSp>
+        <p:cxnSp>
+          <p:nvCxnSpPr>
+            <p:cNvPr id="9" name="Straight Connector 8">
+              <a:extLst>
+                <a:ext uri="{FF2B5EF4-FFF2-40B4-BE49-F238E27FC236}">
+                  <a16:creationId xmlns:a16="http://schemas.microsoft.com/office/drawing/2014/main" id="{AA8D5C1D-0B66-615B-9984-3712ED1F4753}"/>
+                </a:ext>
+              </a:extLst>
+            </p:cNvPr>
+            <p:cNvCxnSpPr>
+              <a:cxnSpLocks/>
+            </p:cNvCxnSpPr>
+            <p:nvPr/>
+          </p:nvCxnSpPr>
+          <p:spPr>
+            <a:xfrm flipH="1" flipV="1">
+              <a:off x="4850109" y="1335661"/>
+              <a:ext cx="1" cy="2010511"/>
+            </a:xfrm>
+            <a:prstGeom prst="line">
+              <a:avLst/>
+            </a:prstGeom>
+            <a:ln w="38100">
+              <a:solidFill>
+                <a:schemeClr val="tx1"/>
+              </a:solidFill>
+            </a:ln>
+          </p:spPr>
+          <p:style>
+            <a:lnRef idx="1">
+              <a:schemeClr val="accent1"/>
+            </a:lnRef>
+            <a:fillRef idx="0">
+              <a:schemeClr val="accent1"/>
+            </a:fillRef>
+            <a:effectRef idx="0">
+              <a:schemeClr val="accent1"/>
+            </a:effectRef>
+            <a:fontRef idx="minor">
+              <a:schemeClr val="tx1"/>
+            </a:fontRef>
+          </p:style>
+        </p:cxnSp>
+        <p:sp>
+          <p:nvSpPr>
+            <p:cNvPr id="10" name="Oval 9">
+              <a:extLst>
+                <a:ext uri="{FF2B5EF4-FFF2-40B4-BE49-F238E27FC236}">
+                  <a16:creationId xmlns:a16="http://schemas.microsoft.com/office/drawing/2014/main" id="{6A2BD89F-1911-0768-78E8-C9DFB5590ACE}"/>
+                </a:ext>
+              </a:extLst>
+            </p:cNvPr>
+            <p:cNvSpPr/>
+            <p:nvPr/>
+          </p:nvSpPr>
+          <p:spPr>
+            <a:xfrm>
+              <a:off x="6577298" y="1280911"/>
+              <a:ext cx="123867" cy="109501"/>
+            </a:xfrm>
+            <a:prstGeom prst="ellipse">
+              <a:avLst/>
+            </a:prstGeom>
+          </p:spPr>
+          <p:style>
+            <a:lnRef idx="2">
+              <a:schemeClr val="accent1">
+                <a:shade val="50000"/>
+              </a:schemeClr>
+            </a:lnRef>
+            <a:fillRef idx="1">
+              <a:schemeClr val="accent1"/>
+            </a:fillRef>
+            <a:effectRef idx="0">
+              <a:schemeClr val="accent1"/>
+            </a:effectRef>
+            <a:fontRef idx="minor">
+              <a:schemeClr val="lt1"/>
+            </a:fontRef>
+          </p:style>
+          <p:txBody>
+            <a:bodyPr rtlCol="0" anchor="ctr"/>
+            <a:lstStyle/>
+            <a:p>
+              <a:pPr algn="ctr"/>
+              <a:endParaRPr lang="en-IN"/>
+            </a:p>
+          </p:txBody>
+        </p:sp>
+        <p:sp>
+          <p:nvSpPr>
+            <p:cNvPr id="11" name="Oval 10">
+              <a:extLst>
+                <a:ext uri="{FF2B5EF4-FFF2-40B4-BE49-F238E27FC236}">
+                  <a16:creationId xmlns:a16="http://schemas.microsoft.com/office/drawing/2014/main" id="{648C945F-CFF0-B7C0-A2B6-D31C772C355A}"/>
+                </a:ext>
+              </a:extLst>
+            </p:cNvPr>
+            <p:cNvSpPr/>
+            <p:nvPr/>
+          </p:nvSpPr>
+          <p:spPr>
+            <a:xfrm>
+              <a:off x="7016680" y="1280911"/>
+              <a:ext cx="123867" cy="109501"/>
+            </a:xfrm>
+            <a:prstGeom prst="ellipse">
+              <a:avLst/>
+            </a:prstGeom>
+          </p:spPr>
+          <p:style>
+            <a:lnRef idx="2">
+              <a:schemeClr val="accent1">
+                <a:shade val="50000"/>
+              </a:schemeClr>
+            </a:lnRef>
+            <a:fillRef idx="1">
+              <a:schemeClr val="accent1"/>
+            </a:fillRef>
+            <a:effectRef idx="0">
+              <a:schemeClr val="accent1"/>
+            </a:effectRef>
+            <a:fontRef idx="minor">
+              <a:schemeClr val="lt1"/>
+            </a:fontRef>
+          </p:style>
+          <p:txBody>
+            <a:bodyPr rtlCol="0" anchor="ctr"/>
+            <a:lstStyle/>
+            <a:p>
+              <a:pPr algn="ctr"/>
+              <a:endParaRPr lang="en-IN"/>
+            </a:p>
+          </p:txBody>
+        </p:sp>
+        <p:cxnSp>
+          <p:nvCxnSpPr>
+            <p:cNvPr id="12" name="Straight Connector 11">
+              <a:extLst>
+                <a:ext uri="{FF2B5EF4-FFF2-40B4-BE49-F238E27FC236}">
+                  <a16:creationId xmlns:a16="http://schemas.microsoft.com/office/drawing/2014/main" id="{A3299A31-1659-8D11-65B7-7B50E3E2C100}"/>
+                </a:ext>
+              </a:extLst>
+            </p:cNvPr>
+            <p:cNvCxnSpPr>
+              <a:cxnSpLocks/>
+            </p:cNvCxnSpPr>
+            <p:nvPr/>
+          </p:nvCxnSpPr>
+          <p:spPr>
+            <a:xfrm flipV="1">
+              <a:off x="6616994" y="1158735"/>
+              <a:ext cx="421924" cy="181711"/>
+            </a:xfrm>
+            <a:prstGeom prst="line">
+              <a:avLst/>
+            </a:prstGeom>
+            <a:ln w="38100" cap="flat" cmpd="sng" algn="ctr">
+              <a:solidFill>
+                <a:srgbClr val="0070C0"/>
+              </a:solidFill>
+              <a:prstDash val="solid"/>
+              <a:round/>
+              <a:headEnd type="none" w="med" len="med"/>
+              <a:tailEnd type="arrow" w="med" len="med"/>
+            </a:ln>
+          </p:spPr>
+          <p:style>
+            <a:lnRef idx="0">
+              <a:scrgbClr r="0" g="0" b="0"/>
+            </a:lnRef>
+            <a:fillRef idx="0">
+              <a:scrgbClr r="0" g="0" b="0"/>
+            </a:fillRef>
+            <a:effectRef idx="0">
+              <a:scrgbClr r="0" g="0" b="0"/>
+            </a:effectRef>
+            <a:fontRef idx="minor">
+              <a:schemeClr val="tx1"/>
+            </a:fontRef>
+          </p:style>
+        </p:cxnSp>
+        <p:sp>
+          <p:nvSpPr>
+            <p:cNvPr id="13" name="Rectangle 12">
+              <a:extLst>
+                <a:ext uri="{FF2B5EF4-FFF2-40B4-BE49-F238E27FC236}">
+                  <a16:creationId xmlns:a16="http://schemas.microsoft.com/office/drawing/2014/main" id="{66168D1D-D4CC-43D6-CC0B-16C3C36A3AC4}"/>
+                </a:ext>
+              </a:extLst>
+            </p:cNvPr>
+            <p:cNvSpPr/>
+            <p:nvPr/>
+          </p:nvSpPr>
+          <p:spPr>
+            <a:xfrm>
+              <a:off x="6361989" y="983111"/>
+              <a:ext cx="1000320" cy="567351"/>
+            </a:xfrm>
+            <a:prstGeom prst="rect">
+              <a:avLst/>
+            </a:prstGeom>
+            <a:noFill/>
+            <a:ln w="19050" cap="flat" cmpd="sng" algn="ctr">
+              <a:solidFill>
+                <a:schemeClr val="dk1"/>
+              </a:solidFill>
+              <a:prstDash val="dash"/>
+              <a:round/>
+              <a:headEnd type="none" w="med" len="med"/>
+              <a:tailEnd type="none" w="med" len="med"/>
+            </a:ln>
+          </p:spPr>
+          <p:style>
+            <a:lnRef idx="0">
+              <a:scrgbClr r="0" g="0" b="0"/>
+            </a:lnRef>
+            <a:fillRef idx="0">
+              <a:scrgbClr r="0" g="0" b="0"/>
+            </a:fillRef>
+            <a:effectRef idx="0">
+              <a:scrgbClr r="0" g="0" b="0"/>
+            </a:effectRef>
+            <a:fontRef idx="minor">
+              <a:schemeClr val="dk1"/>
+            </a:fontRef>
+          </p:style>
+          <p:txBody>
+            <a:bodyPr rtlCol="0" anchor="ctr"/>
+            <a:lstStyle/>
+            <a:p>
+              <a:pPr algn="ctr"/>
+              <a:endParaRPr lang="en-IN"/>
+            </a:p>
+          </p:txBody>
+        </p:sp>
+        <p:sp>
+          <p:nvSpPr>
+            <p:cNvPr id="16" name="TextBox 15">
+              <a:extLst>
+                <a:ext uri="{FF2B5EF4-FFF2-40B4-BE49-F238E27FC236}">
+                  <a16:creationId xmlns:a16="http://schemas.microsoft.com/office/drawing/2014/main" id="{E6F325EB-D404-C3BC-2FF0-C6E3829BA48D}"/>
+                </a:ext>
+              </a:extLst>
+            </p:cNvPr>
+            <p:cNvSpPr txBox="1"/>
+            <p:nvPr/>
+          </p:nvSpPr>
+          <p:spPr>
+            <a:xfrm>
+              <a:off x="3918443" y="2104002"/>
+              <a:ext cx="847375" cy="369332"/>
+            </a:xfrm>
+            <a:prstGeom prst="rect">
+              <a:avLst/>
+            </a:prstGeom>
+            <a:noFill/>
+          </p:spPr>
+          <p:txBody>
+            <a:bodyPr wrap="square" rtlCol="0">
+              <a:spAutoFit/>
+            </a:bodyPr>
+            <a:lstStyle/>
+            <a:p>
+              <a:pPr algn="ctr"/>
+              <a:r>
+                <a:rPr lang="en-IN" b="1" dirty="0">
+                  <a:solidFill>
+                    <a:srgbClr val="FF0000"/>
+                  </a:solidFill>
+                  <a:latin typeface="Arial" panose="020B0604020202020204" pitchFamily="34" charset="0"/>
+                  <a:cs typeface="Arial" panose="020B0604020202020204" pitchFamily="34" charset="0"/>
+                </a:rPr>
+                <a:t>V</a:t>
+              </a:r>
+              <a:r>
+                <a:rPr lang="en-IN" b="1" baseline="-25000" dirty="0">
+                  <a:solidFill>
+                    <a:srgbClr val="FF0000"/>
+                  </a:solidFill>
+                  <a:latin typeface="Arial" panose="020B0604020202020204" pitchFamily="34" charset="0"/>
+                  <a:cs typeface="Arial" panose="020B0604020202020204" pitchFamily="34" charset="0"/>
+                </a:rPr>
+                <a:t>S</a:t>
+              </a:r>
+              <a:endParaRPr lang="en-IN" b="1" dirty="0">
+                <a:solidFill>
+                  <a:srgbClr val="FF0000"/>
+                </a:solidFill>
+                <a:latin typeface="Arial" panose="020B0604020202020204" pitchFamily="34" charset="0"/>
+                <a:cs typeface="Arial" panose="020B0604020202020204" pitchFamily="34" charset="0"/>
+              </a:endParaRPr>
+            </a:p>
+          </p:txBody>
+        </p:sp>
+        <p:sp>
+          <p:nvSpPr>
+            <p:cNvPr id="17" name="TextBox 16">
+              <a:extLst>
+                <a:ext uri="{FF2B5EF4-FFF2-40B4-BE49-F238E27FC236}">
+                  <a16:creationId xmlns:a16="http://schemas.microsoft.com/office/drawing/2014/main" id="{30FD330D-9280-9C51-A469-C1A4F6D683E2}"/>
+                </a:ext>
+              </a:extLst>
+            </p:cNvPr>
+            <p:cNvSpPr txBox="1"/>
+            <p:nvPr/>
+          </p:nvSpPr>
+          <p:spPr>
+            <a:xfrm>
+              <a:off x="7880462" y="2084812"/>
+              <a:ext cx="847376" cy="429706"/>
+            </a:xfrm>
+            <a:prstGeom prst="rect">
+              <a:avLst/>
+            </a:prstGeom>
+            <a:noFill/>
+          </p:spPr>
+          <p:txBody>
+            <a:bodyPr wrap="square" rtlCol="0">
+              <a:spAutoFit/>
+            </a:bodyPr>
+            <a:lstStyle/>
+            <a:p>
+              <a:pPr algn="ctr"/>
+              <a:r>
+                <a:rPr lang="en-IN" sz="2400" b="1" dirty="0">
+                  <a:solidFill>
+                    <a:srgbClr val="FF0000"/>
+                  </a:solidFill>
+                  <a:latin typeface="Arial" panose="020B0604020202020204" pitchFamily="34" charset="0"/>
+                  <a:cs typeface="Arial" panose="020B0604020202020204" pitchFamily="34" charset="0"/>
+                </a:rPr>
+                <a:t>R</a:t>
+              </a:r>
+            </a:p>
+          </p:txBody>
+        </p:sp>
+        <p:grpSp>
+          <p:nvGrpSpPr>
+            <p:cNvPr id="18" name="Group 17">
+              <a:extLst>
+                <a:ext uri="{FF2B5EF4-FFF2-40B4-BE49-F238E27FC236}">
+                  <a16:creationId xmlns:a16="http://schemas.microsoft.com/office/drawing/2014/main" id="{24B7E6CF-EC84-B12B-E221-DD850D779718}"/>
+                </a:ext>
+              </a:extLst>
+            </p:cNvPr>
+            <p:cNvGrpSpPr/>
+            <p:nvPr/>
+          </p:nvGrpSpPr>
+          <p:grpSpPr>
+            <a:xfrm>
+              <a:off x="8937072" y="1651811"/>
+              <a:ext cx="526520" cy="1330309"/>
+              <a:chOff x="5243804" y="3294644"/>
+              <a:chExt cx="475855" cy="1429249"/>
+            </a:xfrm>
+          </p:grpSpPr>
+          <p:cxnSp>
+            <p:nvCxnSpPr>
+              <p:cNvPr id="21" name="Straight Arrow Connector 20">
+                <a:extLst>
+                  <a:ext uri="{FF2B5EF4-FFF2-40B4-BE49-F238E27FC236}">
+                    <a16:creationId xmlns:a16="http://schemas.microsoft.com/office/drawing/2014/main" id="{C40B8F6F-B423-278B-C29B-49114A0F0AAC}"/>
+                  </a:ext>
+                </a:extLst>
+              </p:cNvPr>
+              <p:cNvCxnSpPr>
+                <a:cxnSpLocks/>
+              </p:cNvCxnSpPr>
+              <p:nvPr/>
+            </p:nvCxnSpPr>
+            <p:spPr>
+              <a:xfrm rot="16200000">
+                <a:off x="4761647" y="4009269"/>
+                <a:ext cx="1429249" cy="0"/>
+              </a:xfrm>
+              <a:prstGeom prst="straightConnector1">
+                <a:avLst/>
+              </a:prstGeom>
+              <a:ln w="28575" cap="flat" cmpd="sng" algn="ctr">
+                <a:solidFill>
+                  <a:schemeClr val="accent2"/>
+                </a:solidFill>
+                <a:prstDash val="solid"/>
+                <a:round/>
+                <a:headEnd type="arrow" w="med" len="med"/>
+                <a:tailEnd type="arrow" w="med" len="med"/>
+              </a:ln>
+            </p:spPr>
+            <p:style>
+              <a:lnRef idx="0">
+                <a:scrgbClr r="0" g="0" b="0"/>
+              </a:lnRef>
+              <a:fillRef idx="0">
+                <a:scrgbClr r="0" g="0" b="0"/>
+              </a:fillRef>
+              <a:effectRef idx="0">
+                <a:scrgbClr r="0" g="0" b="0"/>
+              </a:effectRef>
+              <a:fontRef idx="minor">
+                <a:schemeClr val="tx1"/>
+              </a:fontRef>
+            </p:style>
+          </p:cxnSp>
+          <p:sp>
+            <p:nvSpPr>
+              <p:cNvPr id="22" name="TextBox 21">
+                <a:extLst>
+                  <a:ext uri="{FF2B5EF4-FFF2-40B4-BE49-F238E27FC236}">
+                    <a16:creationId xmlns:a16="http://schemas.microsoft.com/office/drawing/2014/main" id="{0BFCB55C-931A-BA96-63C6-5A4D40472ABF}"/>
+                  </a:ext>
+                </a:extLst>
+              </p:cNvPr>
+              <p:cNvSpPr txBox="1"/>
+              <p:nvPr/>
+            </p:nvSpPr>
+            <p:spPr>
+              <a:xfrm>
+                <a:off x="5243804" y="3853543"/>
+                <a:ext cx="475855" cy="369332"/>
+              </a:xfrm>
+              <a:prstGeom prst="rect">
+                <a:avLst/>
+              </a:prstGeom>
+              <a:solidFill>
+                <a:schemeClr val="bg1"/>
+              </a:solidFill>
+            </p:spPr>
+            <p:txBody>
+              <a:bodyPr wrap="square" rtlCol="0">
+                <a:spAutoFit/>
+              </a:bodyPr>
+              <a:lstStyle/>
+              <a:p>
+                <a:pPr algn="ctr"/>
+                <a:r>
+                  <a:rPr lang="en-IN" b="1" dirty="0">
+                    <a:solidFill>
+                      <a:srgbClr val="FF0000"/>
+                    </a:solidFill>
+                    <a:effectLst>
+                      <a:outerShdw blurRad="38100" dist="38100" dir="2700000" algn="tl">
+                        <a:srgbClr val="000000">
+                          <a:alpha val="43137"/>
+                        </a:srgbClr>
+                      </a:outerShdw>
+                    </a:effectLst>
+                  </a:rPr>
+                  <a:t>V</a:t>
+                </a:r>
+                <a:r>
+                  <a:rPr lang="en-IN" b="1" baseline="-25000" dirty="0">
+                    <a:solidFill>
+                      <a:srgbClr val="FF0000"/>
+                    </a:solidFill>
+                    <a:effectLst>
+                      <a:outerShdw blurRad="38100" dist="38100" dir="2700000" algn="tl">
+                        <a:srgbClr val="000000">
+                          <a:alpha val="43137"/>
+                        </a:srgbClr>
+                      </a:outerShdw>
+                    </a:effectLst>
+                  </a:rPr>
+                  <a:t>O</a:t>
+                </a:r>
+                <a:endParaRPr lang="en-IN" b="1" dirty="0">
+                  <a:solidFill>
+                    <a:srgbClr val="FF0000"/>
+                  </a:solidFill>
+                  <a:effectLst>
+                    <a:outerShdw blurRad="38100" dist="38100" dir="2700000" algn="tl">
+                      <a:srgbClr val="000000">
+                        <a:alpha val="43137"/>
+                      </a:srgbClr>
+                    </a:outerShdw>
+                  </a:effectLst>
+                </a:endParaRPr>
+              </a:p>
+            </p:txBody>
+          </p:sp>
+        </p:grpSp>
+        <p:sp>
+          <p:nvSpPr>
+            <p:cNvPr id="20" name="TextBox 19">
+              <a:extLst>
+                <a:ext uri="{FF2B5EF4-FFF2-40B4-BE49-F238E27FC236}">
+                  <a16:creationId xmlns:a16="http://schemas.microsoft.com/office/drawing/2014/main" id="{39EBE9D1-C8C6-205A-EC8D-C2FFE6B6348B}"/>
+                </a:ext>
+              </a:extLst>
+            </p:cNvPr>
+            <p:cNvSpPr txBox="1"/>
+            <p:nvPr/>
+          </p:nvSpPr>
+          <p:spPr>
+            <a:xfrm>
+              <a:off x="6476259" y="1539211"/>
+              <a:ext cx="847376" cy="315118"/>
+            </a:xfrm>
+            <a:prstGeom prst="rect">
+              <a:avLst/>
+            </a:prstGeom>
+            <a:noFill/>
+          </p:spPr>
+          <p:txBody>
+            <a:bodyPr wrap="square" rtlCol="0">
+              <a:spAutoFit/>
+            </a:bodyPr>
+            <a:lstStyle/>
+            <a:p>
+              <a:pPr algn="ctr"/>
+              <a:r>
+                <a:rPr lang="en-IN" sz="1600" b="1" dirty="0">
+                  <a:solidFill>
+                    <a:srgbClr val="0070C0"/>
+                  </a:solidFill>
+                  <a:latin typeface="Arial" panose="020B0604020202020204" pitchFamily="34" charset="0"/>
+                  <a:cs typeface="Arial" panose="020B0604020202020204" pitchFamily="34" charset="0"/>
+                </a:rPr>
+                <a:t>SW</a:t>
+              </a:r>
+            </a:p>
+          </p:txBody>
+        </p:sp>
+        <p:grpSp>
+          <p:nvGrpSpPr>
+            <p:cNvPr id="138" name="Group 137">
+              <a:extLst>
+                <a:ext uri="{FF2B5EF4-FFF2-40B4-BE49-F238E27FC236}">
+                  <a16:creationId xmlns:a16="http://schemas.microsoft.com/office/drawing/2014/main" id="{FA8C9A36-CDE7-747E-D7E8-90164939745B}"/>
+                </a:ext>
+              </a:extLst>
+            </p:cNvPr>
+            <p:cNvGrpSpPr/>
+            <p:nvPr/>
+          </p:nvGrpSpPr>
+          <p:grpSpPr>
+            <a:xfrm>
+              <a:off x="8580087" y="1347414"/>
+              <a:ext cx="392153" cy="2019193"/>
+              <a:chOff x="6096002" y="1241982"/>
+              <a:chExt cx="439795" cy="2745606"/>
+            </a:xfrm>
+          </p:grpSpPr>
+          <p:grpSp>
+            <p:nvGrpSpPr>
+              <p:cNvPr id="139" name="Group 138">
+                <a:extLst>
+                  <a:ext uri="{FF2B5EF4-FFF2-40B4-BE49-F238E27FC236}">
+                    <a16:creationId xmlns:a16="http://schemas.microsoft.com/office/drawing/2014/main" id="{D9D86CD3-F657-E411-FAD8-429F406F174F}"/>
+                  </a:ext>
+                </a:extLst>
+              </p:cNvPr>
+              <p:cNvGrpSpPr/>
+              <p:nvPr/>
+            </p:nvGrpSpPr>
+            <p:grpSpPr>
+              <a:xfrm rot="16200000">
+                <a:off x="5694916" y="2383113"/>
+                <a:ext cx="1241968" cy="439795"/>
+                <a:chOff x="2905113" y="3027281"/>
+                <a:chExt cx="1489971" cy="494935"/>
+              </a:xfrm>
+            </p:grpSpPr>
+            <p:cxnSp>
+              <p:nvCxnSpPr>
+                <p:cNvPr id="142" name="Straight Connector 141">
+                  <a:extLst>
+                    <a:ext uri="{FF2B5EF4-FFF2-40B4-BE49-F238E27FC236}">
+                      <a16:creationId xmlns:a16="http://schemas.microsoft.com/office/drawing/2014/main" id="{5137D1B5-C397-AF36-7E8C-7030FBC78ABC}"/>
+                    </a:ext>
+                  </a:extLst>
+                </p:cNvPr>
+                <p:cNvCxnSpPr>
+                  <a:cxnSpLocks/>
+                </p:cNvCxnSpPr>
+                <p:nvPr/>
+              </p:nvCxnSpPr>
+              <p:spPr>
+                <a:xfrm rot="5400000" flipH="1" flipV="1">
+                  <a:off x="2786718" y="3145681"/>
+                  <a:ext cx="394474" cy="157683"/>
+                </a:xfrm>
+                <a:prstGeom prst="line">
+                  <a:avLst/>
+                </a:prstGeom>
+                <a:ln w="57150"/>
+              </p:spPr>
+              <p:style>
+                <a:lnRef idx="1">
+                  <a:schemeClr val="accent1"/>
+                </a:lnRef>
+                <a:fillRef idx="0">
+                  <a:schemeClr val="accent1"/>
+                </a:fillRef>
+                <a:effectRef idx="0">
+                  <a:schemeClr val="accent1"/>
+                </a:effectRef>
+                <a:fontRef idx="minor">
+                  <a:schemeClr val="tx1"/>
+                </a:fontRef>
+              </p:style>
+            </p:cxnSp>
+            <p:grpSp>
+              <p:nvGrpSpPr>
+                <p:cNvPr id="143" name="Group 142">
+                  <a:extLst>
+                    <a:ext uri="{FF2B5EF4-FFF2-40B4-BE49-F238E27FC236}">
+                      <a16:creationId xmlns:a16="http://schemas.microsoft.com/office/drawing/2014/main" id="{FDEAA11A-4CAE-A1A3-05AE-938CBBFFD36F}"/>
+                    </a:ext>
+                  </a:extLst>
+                </p:cNvPr>
+                <p:cNvGrpSpPr/>
+                <p:nvPr/>
+              </p:nvGrpSpPr>
+              <p:grpSpPr>
+                <a:xfrm>
+                  <a:off x="3062796" y="3038382"/>
+                  <a:ext cx="301842" cy="483834"/>
+                  <a:chOff x="3062796" y="3027285"/>
+                  <a:chExt cx="301842" cy="483834"/>
+                </a:xfrm>
+              </p:grpSpPr>
+              <p:cxnSp>
+                <p:nvCxnSpPr>
+                  <p:cNvPr id="154" name="Straight Connector 153">
+                    <a:extLst>
+                      <a:ext uri="{FF2B5EF4-FFF2-40B4-BE49-F238E27FC236}">
+                        <a16:creationId xmlns:a16="http://schemas.microsoft.com/office/drawing/2014/main" id="{53F4E0EE-1ECC-FFC4-F302-C404207C6D72}"/>
+                      </a:ext>
+                    </a:extLst>
+                  </p:cNvPr>
+                  <p:cNvCxnSpPr>
+                    <a:cxnSpLocks/>
+                  </p:cNvCxnSpPr>
+                  <p:nvPr/>
+                </p:nvCxnSpPr>
+                <p:spPr>
+                  <a:xfrm flipH="1" flipV="1">
+                    <a:off x="3062796" y="3027285"/>
+                    <a:ext cx="150921" cy="483834"/>
+                  </a:xfrm>
+                  <a:prstGeom prst="line">
+                    <a:avLst/>
+                  </a:prstGeom>
+                  <a:ln w="57150"/>
+                </p:spPr>
+                <p:style>
+                  <a:lnRef idx="1">
+                    <a:schemeClr val="accent1"/>
+                  </a:lnRef>
+                  <a:fillRef idx="0">
+                    <a:schemeClr val="accent1"/>
+                  </a:fillRef>
+                  <a:effectRef idx="0">
+                    <a:schemeClr val="accent1"/>
+                  </a:effectRef>
+                  <a:fontRef idx="minor">
+                    <a:schemeClr val="tx1"/>
+                  </a:fontRef>
+                </p:style>
+              </p:cxnSp>
+              <p:cxnSp>
+                <p:nvCxnSpPr>
+                  <p:cNvPr id="155" name="Straight Connector 154">
+                    <a:extLst>
+                      <a:ext uri="{FF2B5EF4-FFF2-40B4-BE49-F238E27FC236}">
+                        <a16:creationId xmlns:a16="http://schemas.microsoft.com/office/drawing/2014/main" id="{B227C2DA-D332-02A2-C2CB-3E0ECABFD457}"/>
+                      </a:ext>
+                    </a:extLst>
+                  </p:cNvPr>
+                  <p:cNvCxnSpPr>
+                    <a:cxnSpLocks/>
+                  </p:cNvCxnSpPr>
+                  <p:nvPr/>
+                </p:nvCxnSpPr>
+                <p:spPr>
+                  <a:xfrm flipV="1">
+                    <a:off x="3213717" y="3027285"/>
+                    <a:ext cx="150921" cy="483834"/>
+                  </a:xfrm>
+                  <a:prstGeom prst="line">
+                    <a:avLst/>
+                  </a:prstGeom>
+                  <a:ln w="57150"/>
+                </p:spPr>
+                <p:style>
+                  <a:lnRef idx="1">
+                    <a:schemeClr val="accent1"/>
+                  </a:lnRef>
+                  <a:fillRef idx="0">
+                    <a:schemeClr val="accent1"/>
+                  </a:fillRef>
+                  <a:effectRef idx="0">
+                    <a:schemeClr val="accent1"/>
+                  </a:effectRef>
+                  <a:fontRef idx="minor">
+                    <a:schemeClr val="tx1"/>
+                  </a:fontRef>
+                </p:style>
+              </p:cxnSp>
+            </p:grpSp>
+            <p:grpSp>
+              <p:nvGrpSpPr>
+                <p:cNvPr id="144" name="Group 143">
+                  <a:extLst>
+                    <a:ext uri="{FF2B5EF4-FFF2-40B4-BE49-F238E27FC236}">
+                      <a16:creationId xmlns:a16="http://schemas.microsoft.com/office/drawing/2014/main" id="{07E97AA3-2283-545C-A708-43C2A4F6FB78}"/>
+                    </a:ext>
+                  </a:extLst>
+                </p:cNvPr>
+                <p:cNvGrpSpPr/>
+                <p:nvPr/>
+              </p:nvGrpSpPr>
+              <p:grpSpPr>
+                <a:xfrm>
+                  <a:off x="3366118" y="3027281"/>
+                  <a:ext cx="301842" cy="483838"/>
+                  <a:chOff x="3062796" y="3027281"/>
+                  <a:chExt cx="301842" cy="483838"/>
+                </a:xfrm>
+              </p:grpSpPr>
+              <p:cxnSp>
+                <p:nvCxnSpPr>
+                  <p:cNvPr id="152" name="Straight Connector 151">
+                    <a:extLst>
+                      <a:ext uri="{FF2B5EF4-FFF2-40B4-BE49-F238E27FC236}">
+                        <a16:creationId xmlns:a16="http://schemas.microsoft.com/office/drawing/2014/main" id="{F1C6005C-9A84-0827-C7F5-23DF3D76C478}"/>
+                      </a:ext>
+                    </a:extLst>
+                  </p:cNvPr>
+                  <p:cNvCxnSpPr>
+                    <a:cxnSpLocks/>
+                  </p:cNvCxnSpPr>
+                  <p:nvPr/>
+                </p:nvCxnSpPr>
+                <p:spPr>
+                  <a:xfrm flipH="1" flipV="1">
+                    <a:off x="3062796" y="3027281"/>
+                    <a:ext cx="150922" cy="483834"/>
+                  </a:xfrm>
+                  <a:prstGeom prst="line">
+                    <a:avLst/>
+                  </a:prstGeom>
+                  <a:ln w="57150"/>
+                </p:spPr>
+                <p:style>
+                  <a:lnRef idx="1">
+                    <a:schemeClr val="accent1"/>
+                  </a:lnRef>
+                  <a:fillRef idx="0">
+                    <a:schemeClr val="accent1"/>
+                  </a:fillRef>
+                  <a:effectRef idx="0">
+                    <a:schemeClr val="accent1"/>
+                  </a:effectRef>
+                  <a:fontRef idx="minor">
+                    <a:schemeClr val="tx1"/>
+                  </a:fontRef>
+                </p:style>
+              </p:cxnSp>
+              <p:cxnSp>
+                <p:nvCxnSpPr>
+                  <p:cNvPr id="153" name="Straight Connector 152">
+                    <a:extLst>
+                      <a:ext uri="{FF2B5EF4-FFF2-40B4-BE49-F238E27FC236}">
+                        <a16:creationId xmlns:a16="http://schemas.microsoft.com/office/drawing/2014/main" id="{D632F2E0-A2D1-9D9F-ED54-AE338ED9E589}"/>
+                      </a:ext>
+                    </a:extLst>
+                  </p:cNvPr>
+                  <p:cNvCxnSpPr>
+                    <a:cxnSpLocks/>
+                  </p:cNvCxnSpPr>
+                  <p:nvPr/>
+                </p:nvCxnSpPr>
+                <p:spPr>
+                  <a:xfrm flipV="1">
+                    <a:off x="3213717" y="3027285"/>
+                    <a:ext cx="150921" cy="483834"/>
+                  </a:xfrm>
+                  <a:prstGeom prst="line">
+                    <a:avLst/>
+                  </a:prstGeom>
+                  <a:ln w="57150"/>
+                </p:spPr>
+                <p:style>
+                  <a:lnRef idx="1">
+                    <a:schemeClr val="accent1"/>
+                  </a:lnRef>
+                  <a:fillRef idx="0">
+                    <a:schemeClr val="accent1"/>
+                  </a:fillRef>
+                  <a:effectRef idx="0">
+                    <a:schemeClr val="accent1"/>
+                  </a:effectRef>
+                  <a:fontRef idx="minor">
+                    <a:schemeClr val="tx1"/>
+                  </a:fontRef>
+                </p:style>
+              </p:cxnSp>
+            </p:grpSp>
+            <p:grpSp>
+              <p:nvGrpSpPr>
+                <p:cNvPr id="145" name="Group 144">
+                  <a:extLst>
+                    <a:ext uri="{FF2B5EF4-FFF2-40B4-BE49-F238E27FC236}">
+                      <a16:creationId xmlns:a16="http://schemas.microsoft.com/office/drawing/2014/main" id="{FE231466-BC8A-9A57-EF3B-259EF8A67001}"/>
+                    </a:ext>
+                  </a:extLst>
+                </p:cNvPr>
+                <p:cNvGrpSpPr/>
+                <p:nvPr/>
+              </p:nvGrpSpPr>
+              <p:grpSpPr>
+                <a:xfrm>
+                  <a:off x="3971282" y="3038382"/>
+                  <a:ext cx="301842" cy="483834"/>
+                  <a:chOff x="3062796" y="3027285"/>
+                  <a:chExt cx="301842" cy="483834"/>
+                </a:xfrm>
+              </p:grpSpPr>
+              <p:cxnSp>
+                <p:nvCxnSpPr>
+                  <p:cNvPr id="150" name="Straight Connector 149">
+                    <a:extLst>
+                      <a:ext uri="{FF2B5EF4-FFF2-40B4-BE49-F238E27FC236}">
+                        <a16:creationId xmlns:a16="http://schemas.microsoft.com/office/drawing/2014/main" id="{D80500F0-C371-B4EA-4CDB-CCC72FD787CA}"/>
+                      </a:ext>
+                    </a:extLst>
+                  </p:cNvPr>
+                  <p:cNvCxnSpPr>
+                    <a:cxnSpLocks/>
+                  </p:cNvCxnSpPr>
+                  <p:nvPr/>
+                </p:nvCxnSpPr>
+                <p:spPr>
+                  <a:xfrm flipH="1" flipV="1">
+                    <a:off x="3062796" y="3027285"/>
+                    <a:ext cx="150921" cy="483834"/>
+                  </a:xfrm>
+                  <a:prstGeom prst="line">
+                    <a:avLst/>
+                  </a:prstGeom>
+                  <a:ln w="57150"/>
+                </p:spPr>
+                <p:style>
+                  <a:lnRef idx="1">
+                    <a:schemeClr val="accent1"/>
+                  </a:lnRef>
+                  <a:fillRef idx="0">
+                    <a:schemeClr val="accent1"/>
+                  </a:fillRef>
+                  <a:effectRef idx="0">
+                    <a:schemeClr val="accent1"/>
+                  </a:effectRef>
+                  <a:fontRef idx="minor">
+                    <a:schemeClr val="tx1"/>
+                  </a:fontRef>
+                </p:style>
+              </p:cxnSp>
+              <p:cxnSp>
+                <p:nvCxnSpPr>
+                  <p:cNvPr id="151" name="Straight Connector 150">
+                    <a:extLst>
+                      <a:ext uri="{FF2B5EF4-FFF2-40B4-BE49-F238E27FC236}">
+                        <a16:creationId xmlns:a16="http://schemas.microsoft.com/office/drawing/2014/main" id="{36FB2A8C-308D-A14B-69B2-AFF9646D1BFC}"/>
+                      </a:ext>
+                    </a:extLst>
+                  </p:cNvPr>
+                  <p:cNvCxnSpPr>
+                    <a:cxnSpLocks/>
+                  </p:cNvCxnSpPr>
+                  <p:nvPr/>
+                </p:nvCxnSpPr>
+                <p:spPr>
+                  <a:xfrm flipV="1">
+                    <a:off x="3213717" y="3027285"/>
+                    <a:ext cx="150921" cy="483834"/>
+                  </a:xfrm>
+                  <a:prstGeom prst="line">
+                    <a:avLst/>
+                  </a:prstGeom>
+                  <a:ln w="57150"/>
+                </p:spPr>
+                <p:style>
+                  <a:lnRef idx="1">
+                    <a:schemeClr val="accent1"/>
+                  </a:lnRef>
+                  <a:fillRef idx="0">
+                    <a:schemeClr val="accent1"/>
+                  </a:fillRef>
+                  <a:effectRef idx="0">
+                    <a:schemeClr val="accent1"/>
+                  </a:effectRef>
+                  <a:fontRef idx="minor">
+                    <a:schemeClr val="tx1"/>
+                  </a:fontRef>
+                </p:style>
+              </p:cxnSp>
+            </p:grpSp>
+            <p:grpSp>
+              <p:nvGrpSpPr>
+                <p:cNvPr id="146" name="Group 145">
+                  <a:extLst>
+                    <a:ext uri="{FF2B5EF4-FFF2-40B4-BE49-F238E27FC236}">
+                      <a16:creationId xmlns:a16="http://schemas.microsoft.com/office/drawing/2014/main" id="{9482C497-9B3D-BF53-85A4-972FDBCDEBAF}"/>
+                    </a:ext>
+                  </a:extLst>
+                </p:cNvPr>
+                <p:cNvGrpSpPr/>
+                <p:nvPr/>
+              </p:nvGrpSpPr>
+              <p:grpSpPr>
+                <a:xfrm>
+                  <a:off x="3667960" y="3038382"/>
+                  <a:ext cx="301842" cy="483834"/>
+                  <a:chOff x="3062796" y="3027285"/>
+                  <a:chExt cx="301842" cy="483834"/>
+                </a:xfrm>
+              </p:grpSpPr>
+              <p:cxnSp>
+                <p:nvCxnSpPr>
+                  <p:cNvPr id="148" name="Straight Connector 147">
+                    <a:extLst>
+                      <a:ext uri="{FF2B5EF4-FFF2-40B4-BE49-F238E27FC236}">
+                        <a16:creationId xmlns:a16="http://schemas.microsoft.com/office/drawing/2014/main" id="{AA6AB0DE-E401-365B-9666-F7F33A886788}"/>
+                      </a:ext>
+                    </a:extLst>
+                  </p:cNvPr>
+                  <p:cNvCxnSpPr>
+                    <a:cxnSpLocks/>
+                  </p:cNvCxnSpPr>
+                  <p:nvPr/>
+                </p:nvCxnSpPr>
+                <p:spPr>
+                  <a:xfrm flipH="1" flipV="1">
+                    <a:off x="3062796" y="3027285"/>
+                    <a:ext cx="150921" cy="483834"/>
+                  </a:xfrm>
+                  <a:prstGeom prst="line">
+                    <a:avLst/>
+                  </a:prstGeom>
+                  <a:ln w="57150"/>
+                </p:spPr>
+                <p:style>
+                  <a:lnRef idx="1">
+                    <a:schemeClr val="accent1"/>
+                  </a:lnRef>
+                  <a:fillRef idx="0">
+                    <a:schemeClr val="accent1"/>
+                  </a:fillRef>
+                  <a:effectRef idx="0">
+                    <a:schemeClr val="accent1"/>
+                  </a:effectRef>
+                  <a:fontRef idx="minor">
+                    <a:schemeClr val="tx1"/>
+                  </a:fontRef>
+                </p:style>
+              </p:cxnSp>
+              <p:cxnSp>
+                <p:nvCxnSpPr>
+                  <p:cNvPr id="149" name="Straight Connector 148">
+                    <a:extLst>
+                      <a:ext uri="{FF2B5EF4-FFF2-40B4-BE49-F238E27FC236}">
+                        <a16:creationId xmlns:a16="http://schemas.microsoft.com/office/drawing/2014/main" id="{76302929-47EC-8E17-E18D-739F8011B3A9}"/>
+                      </a:ext>
+                    </a:extLst>
+                  </p:cNvPr>
+                  <p:cNvCxnSpPr>
+                    <a:cxnSpLocks/>
+                  </p:cNvCxnSpPr>
+                  <p:nvPr/>
+                </p:nvCxnSpPr>
+                <p:spPr>
+                  <a:xfrm flipV="1">
+                    <a:off x="3213717" y="3027285"/>
+                    <a:ext cx="150921" cy="483834"/>
+                  </a:xfrm>
+                  <a:prstGeom prst="line">
+                    <a:avLst/>
+                  </a:prstGeom>
+                  <a:ln w="57150"/>
+                </p:spPr>
+                <p:style>
+                  <a:lnRef idx="1">
+                    <a:schemeClr val="accent1"/>
+                  </a:lnRef>
+                  <a:fillRef idx="0">
+                    <a:schemeClr val="accent1"/>
+                  </a:fillRef>
+                  <a:effectRef idx="0">
+                    <a:schemeClr val="accent1"/>
+                  </a:effectRef>
+                  <a:fontRef idx="minor">
+                    <a:schemeClr val="tx1"/>
+                  </a:fontRef>
+                </p:style>
+              </p:cxnSp>
+            </p:grpSp>
+            <p:cxnSp>
+              <p:nvCxnSpPr>
+                <p:cNvPr id="147" name="Straight Connector 146">
+                  <a:extLst>
+                    <a:ext uri="{FF2B5EF4-FFF2-40B4-BE49-F238E27FC236}">
+                      <a16:creationId xmlns:a16="http://schemas.microsoft.com/office/drawing/2014/main" id="{708F94FF-63BC-44E4-EB08-33D7FF11D077}"/>
+                    </a:ext>
+                  </a:extLst>
+                </p:cNvPr>
+                <p:cNvCxnSpPr>
+                  <a:cxnSpLocks/>
+                </p:cNvCxnSpPr>
+                <p:nvPr/>
+              </p:nvCxnSpPr>
+              <p:spPr>
+                <a:xfrm rot="5400000" flipH="1">
+                  <a:off x="4136867" y="3163543"/>
+                  <a:ext cx="394475" cy="121959"/>
+                </a:xfrm>
+                <a:prstGeom prst="line">
+                  <a:avLst/>
+                </a:prstGeom>
+                <a:ln w="57150"/>
+              </p:spPr>
+              <p:style>
+                <a:lnRef idx="1">
+                  <a:schemeClr val="accent1"/>
+                </a:lnRef>
+                <a:fillRef idx="0">
+                  <a:schemeClr val="accent1"/>
+                </a:fillRef>
+                <a:effectRef idx="0">
+                  <a:schemeClr val="accent1"/>
+                </a:effectRef>
+                <a:fontRef idx="minor">
+                  <a:schemeClr val="tx1"/>
+                </a:fontRef>
+              </p:style>
+            </p:cxnSp>
+          </p:grpSp>
+          <p:cxnSp>
+            <p:nvCxnSpPr>
+              <p:cNvPr id="140" name="Straight Connector 139">
+                <a:extLst>
+                  <a:ext uri="{FF2B5EF4-FFF2-40B4-BE49-F238E27FC236}">
+                    <a16:creationId xmlns:a16="http://schemas.microsoft.com/office/drawing/2014/main" id="{05F7C5D1-15C3-5B1D-4908-B0D1A0634B89}"/>
+                  </a:ext>
+                </a:extLst>
+              </p:cNvPr>
+              <p:cNvCxnSpPr>
+                <a:cxnSpLocks/>
+              </p:cNvCxnSpPr>
+              <p:nvPr/>
+            </p:nvCxnSpPr>
+            <p:spPr>
+              <a:xfrm>
+                <a:off x="6434769" y="1241982"/>
+                <a:ext cx="0" cy="771457"/>
+              </a:xfrm>
+              <a:prstGeom prst="line">
+                <a:avLst/>
+              </a:prstGeom>
+              <a:ln w="38100"/>
+            </p:spPr>
+            <p:style>
+              <a:lnRef idx="1">
+                <a:schemeClr val="accent1"/>
+              </a:lnRef>
+              <a:fillRef idx="0">
+                <a:schemeClr val="accent1"/>
+              </a:fillRef>
+              <a:effectRef idx="0">
+                <a:schemeClr val="accent1"/>
+              </a:effectRef>
+              <a:fontRef idx="minor">
+                <a:schemeClr val="tx1"/>
+              </a:fontRef>
+            </p:style>
+          </p:cxnSp>
+          <p:cxnSp>
+            <p:nvCxnSpPr>
+              <p:cNvPr id="141" name="Straight Connector 140">
+                <a:extLst>
+                  <a:ext uri="{FF2B5EF4-FFF2-40B4-BE49-F238E27FC236}">
+                    <a16:creationId xmlns:a16="http://schemas.microsoft.com/office/drawing/2014/main" id="{152A87C1-0E12-B9FE-44E3-CF1067D8A67E}"/>
+                  </a:ext>
+                </a:extLst>
+              </p:cNvPr>
+              <p:cNvCxnSpPr>
+                <a:cxnSpLocks/>
+              </p:cNvCxnSpPr>
+              <p:nvPr/>
+            </p:nvCxnSpPr>
+            <p:spPr>
+              <a:xfrm>
+                <a:off x="6434769" y="3188904"/>
+                <a:ext cx="0" cy="798684"/>
+              </a:xfrm>
+              <a:prstGeom prst="line">
+                <a:avLst/>
+              </a:prstGeom>
+              <a:ln w="38100"/>
+            </p:spPr>
+            <p:style>
+              <a:lnRef idx="1">
+                <a:schemeClr val="accent1"/>
+              </a:lnRef>
+              <a:fillRef idx="0">
+                <a:schemeClr val="accent1"/>
+              </a:fillRef>
+              <a:effectRef idx="0">
+                <a:schemeClr val="accent1"/>
+              </a:effectRef>
+              <a:fontRef idx="minor">
+                <a:schemeClr val="tx1"/>
+              </a:fontRef>
+            </p:style>
+          </p:cxnSp>
+        </p:grpSp>
+        <p:grpSp>
+          <p:nvGrpSpPr>
+            <p:cNvPr id="158" name="Group 157">
+              <a:extLst>
+                <a:ext uri="{FF2B5EF4-FFF2-40B4-BE49-F238E27FC236}">
+                  <a16:creationId xmlns:a16="http://schemas.microsoft.com/office/drawing/2014/main" id="{6A03FE35-6514-68F5-0B3F-0A968AFB3536}"/>
+                </a:ext>
+              </a:extLst>
+            </p:cNvPr>
+            <p:cNvGrpSpPr/>
+            <p:nvPr/>
+          </p:nvGrpSpPr>
+          <p:grpSpPr>
+            <a:xfrm>
+              <a:off x="4552570" y="2028487"/>
+              <a:ext cx="592290" cy="587374"/>
+              <a:chOff x="5057339" y="2354902"/>
+              <a:chExt cx="1042108" cy="993632"/>
+            </a:xfrm>
+          </p:grpSpPr>
+          <p:sp>
+            <p:nvSpPr>
+              <p:cNvPr id="159" name="Oval 158">
+                <a:extLst>
+                  <a:ext uri="{FF2B5EF4-FFF2-40B4-BE49-F238E27FC236}">
+                    <a16:creationId xmlns:a16="http://schemas.microsoft.com/office/drawing/2014/main" id="{2E425F30-9833-990F-5809-A36780849915}"/>
+                  </a:ext>
+                </a:extLst>
+              </p:cNvPr>
+              <p:cNvSpPr/>
+              <p:nvPr/>
+            </p:nvSpPr>
+            <p:spPr>
+              <a:xfrm>
+                <a:off x="5057339" y="2354902"/>
+                <a:ext cx="1042108" cy="993632"/>
+              </a:xfrm>
+              <a:prstGeom prst="ellipse">
+                <a:avLst/>
+              </a:prstGeom>
+              <a:solidFill>
+                <a:schemeClr val="bg1">
+                  <a:lumMod val="95000"/>
+                </a:schemeClr>
+              </a:solidFill>
+              <a:ln w="38100"/>
+            </p:spPr>
+            <p:style>
+              <a:lnRef idx="2">
+                <a:schemeClr val="accent1">
+                  <a:shade val="50000"/>
+                </a:schemeClr>
+              </a:lnRef>
+              <a:fillRef idx="1">
+                <a:schemeClr val="accent1"/>
+              </a:fillRef>
+              <a:effectRef idx="0">
+                <a:schemeClr val="accent1"/>
+              </a:effectRef>
+              <a:fontRef idx="minor">
+                <a:schemeClr val="lt1"/>
+              </a:fontRef>
+            </p:style>
+            <p:txBody>
+              <a:bodyPr rtlCol="0" anchor="ctr"/>
+              <a:lstStyle/>
+              <a:p>
+                <a:pPr algn="ctr"/>
+                <a:endParaRPr lang="en-IN" dirty="0"/>
+              </a:p>
+            </p:txBody>
+          </p:sp>
+          <p:grpSp>
+            <p:nvGrpSpPr>
+              <p:cNvPr id="160" name="Group 159">
+                <a:extLst>
+                  <a:ext uri="{FF2B5EF4-FFF2-40B4-BE49-F238E27FC236}">
+                    <a16:creationId xmlns:a16="http://schemas.microsoft.com/office/drawing/2014/main" id="{2AFFE633-ADD8-7D3B-A98E-ECD7F5F69673}"/>
+                  </a:ext>
+                </a:extLst>
+              </p:cNvPr>
+              <p:cNvGrpSpPr/>
+              <p:nvPr/>
+            </p:nvGrpSpPr>
+            <p:grpSpPr>
+              <a:xfrm>
+                <a:off x="5415494" y="2585541"/>
+                <a:ext cx="325797" cy="325797"/>
+                <a:chOff x="5941524" y="3249334"/>
+                <a:chExt cx="325797" cy="325797"/>
+              </a:xfrm>
+              <a:solidFill>
+                <a:srgbClr val="FF0000"/>
+              </a:solidFill>
+            </p:grpSpPr>
+            <p:sp>
+              <p:nvSpPr>
+                <p:cNvPr id="162" name="Rectangle 161">
+                  <a:extLst>
+                    <a:ext uri="{FF2B5EF4-FFF2-40B4-BE49-F238E27FC236}">
+                      <a16:creationId xmlns:a16="http://schemas.microsoft.com/office/drawing/2014/main" id="{67A2E5A7-B99F-DEBC-8EB0-111551C004B3}"/>
+                    </a:ext>
+                  </a:extLst>
+                </p:cNvPr>
+                <p:cNvSpPr/>
+                <p:nvPr/>
+              </p:nvSpPr>
+              <p:spPr>
+                <a:xfrm rot="5400000">
+                  <a:off x="5941523" y="3376482"/>
+                  <a:ext cx="325797" cy="71501"/>
+                </a:xfrm>
+                <a:prstGeom prst="rect">
+                  <a:avLst/>
+                </a:prstGeom>
+                <a:grpFill/>
+                <a:ln>
+                  <a:noFill/>
+                </a:ln>
+              </p:spPr>
+              <p:style>
+                <a:lnRef idx="2">
+                  <a:schemeClr val="accent1">
+                    <a:shade val="50000"/>
+                  </a:schemeClr>
+                </a:lnRef>
+                <a:fillRef idx="1">
+                  <a:schemeClr val="accent1"/>
+                </a:fillRef>
+                <a:effectRef idx="0">
+                  <a:schemeClr val="accent1"/>
+                </a:effectRef>
+                <a:fontRef idx="minor">
+                  <a:schemeClr val="lt1"/>
+                </a:fontRef>
+              </p:style>
+              <p:txBody>
+                <a:bodyPr rtlCol="0" anchor="ctr"/>
+                <a:lstStyle/>
+                <a:p>
+                  <a:pPr algn="ctr"/>
+                  <a:endParaRPr lang="en-IN"/>
+                </a:p>
+              </p:txBody>
+            </p:sp>
+            <p:sp>
+              <p:nvSpPr>
+                <p:cNvPr id="163" name="Rectangle 162">
+                  <a:extLst>
+                    <a:ext uri="{FF2B5EF4-FFF2-40B4-BE49-F238E27FC236}">
+                      <a16:creationId xmlns:a16="http://schemas.microsoft.com/office/drawing/2014/main" id="{3F24D189-7BBE-1B4F-A3B4-ACEC7DCC76EC}"/>
+                    </a:ext>
+                  </a:extLst>
+                </p:cNvPr>
+                <p:cNvSpPr/>
+                <p:nvPr/>
+              </p:nvSpPr>
+              <p:spPr>
+                <a:xfrm>
+                  <a:off x="5941524" y="3376391"/>
+                  <a:ext cx="325797" cy="71501"/>
+                </a:xfrm>
+                <a:prstGeom prst="rect">
+                  <a:avLst/>
+                </a:prstGeom>
+                <a:grpFill/>
+                <a:ln>
+                  <a:noFill/>
+                </a:ln>
+              </p:spPr>
+              <p:style>
+                <a:lnRef idx="2">
+                  <a:schemeClr val="accent1">
+                    <a:shade val="50000"/>
+                  </a:schemeClr>
+                </a:lnRef>
+                <a:fillRef idx="1">
+                  <a:schemeClr val="accent1"/>
+                </a:fillRef>
+                <a:effectRef idx="0">
+                  <a:schemeClr val="accent1"/>
+                </a:effectRef>
+                <a:fontRef idx="minor">
+                  <a:schemeClr val="lt1"/>
+                </a:fontRef>
+              </p:style>
+              <p:txBody>
+                <a:bodyPr rtlCol="0" anchor="ctr"/>
+                <a:lstStyle/>
+                <a:p>
+                  <a:pPr algn="ctr"/>
+                  <a:endParaRPr lang="en-IN"/>
+                </a:p>
+              </p:txBody>
+            </p:sp>
+          </p:grpSp>
+          <p:sp>
+            <p:nvSpPr>
+              <p:cNvPr id="161" name="Rectangle 160">
+                <a:extLst>
+                  <a:ext uri="{FF2B5EF4-FFF2-40B4-BE49-F238E27FC236}">
+                    <a16:creationId xmlns:a16="http://schemas.microsoft.com/office/drawing/2014/main" id="{B5FE2429-C08F-EBC0-16FA-FF5694A3D6D5}"/>
+                  </a:ext>
+                </a:extLst>
+              </p:cNvPr>
+              <p:cNvSpPr/>
+              <p:nvPr/>
+            </p:nvSpPr>
+            <p:spPr>
+              <a:xfrm>
+                <a:off x="5415494" y="3080397"/>
+                <a:ext cx="325797" cy="71501"/>
+              </a:xfrm>
+              <a:prstGeom prst="rect">
+                <a:avLst/>
+              </a:prstGeom>
+              <a:solidFill>
+                <a:srgbClr val="FF0000"/>
+              </a:solidFill>
+              <a:ln>
+                <a:noFill/>
+              </a:ln>
+            </p:spPr>
+            <p:style>
+              <a:lnRef idx="2">
+                <a:schemeClr val="accent1">
+                  <a:shade val="50000"/>
+                </a:schemeClr>
+              </a:lnRef>
+              <a:fillRef idx="1">
+                <a:schemeClr val="accent1"/>
+              </a:fillRef>
+              <a:effectRef idx="0">
+                <a:schemeClr val="accent1"/>
+              </a:effectRef>
+              <a:fontRef idx="minor">
+                <a:schemeClr val="lt1"/>
+              </a:fontRef>
+            </p:style>
+            <p:txBody>
+              <a:bodyPr rtlCol="0" anchor="ctr"/>
+              <a:lstStyle/>
+              <a:p>
+                <a:pPr algn="ctr"/>
+                <a:endParaRPr lang="en-IN"/>
+              </a:p>
+            </p:txBody>
+          </p:sp>
+        </p:grpSp>
+      </p:grpSp>
+      <p:sp>
+        <p:nvSpPr>
+          <p:cNvPr id="169" name="Rectangle 168">
+            <a:extLst>
+              <a:ext uri="{FF2B5EF4-FFF2-40B4-BE49-F238E27FC236}">
+                <a16:creationId xmlns:a16="http://schemas.microsoft.com/office/drawing/2014/main" id="{C74C5303-69E1-C74C-016A-1776BC05595B}"/>
+              </a:ext>
+            </a:extLst>
+          </p:cNvPr>
+          <p:cNvSpPr/>
+          <p:nvPr/>
+        </p:nvSpPr>
+        <p:spPr>
+          <a:xfrm>
+            <a:off x="6096000" y="3414721"/>
+            <a:ext cx="5791200" cy="2923925"/>
+          </a:xfrm>
+          <a:prstGeom prst="rect">
+            <a:avLst/>
+          </a:prstGeom>
+          <a:noFill/>
+          <a:ln w="9525" cap="flat" cmpd="sng" algn="ctr">
+            <a:solidFill>
+              <a:schemeClr val="accent2"/>
+            </a:solidFill>
+            <a:prstDash val="solid"/>
+            <a:round/>
+            <a:headEnd type="none" w="med" len="med"/>
+            <a:tailEnd type="none" w="med" len="med"/>
+          </a:ln>
+        </p:spPr>
+        <p:style>
+          <a:lnRef idx="0">
+            <a:scrgbClr r="0" g="0" b="0"/>
+          </a:lnRef>
+          <a:fillRef idx="0">
+            <a:scrgbClr r="0" g="0" b="0"/>
+          </a:fillRef>
+          <a:effectRef idx="0">
+            <a:scrgbClr r="0" g="0" b="0"/>
+          </a:effectRef>
+          <a:fontRef idx="minor">
+            <a:schemeClr val="accent2"/>
+          </a:fontRef>
+        </p:style>
+        <p:txBody>
+          <a:bodyPr rtlCol="0" anchor="ctr"/>
+          <a:lstStyle/>
+          <a:p>
+            <a:pPr algn="ctr"/>
+            <a:endParaRPr lang="en-IN"/>
+          </a:p>
+        </p:txBody>
+      </p:sp>
+      <p:sp>
+        <p:nvSpPr>
+          <p:cNvPr id="170" name="Rectangle 169">
+            <a:extLst>
+              <a:ext uri="{FF2B5EF4-FFF2-40B4-BE49-F238E27FC236}">
+                <a16:creationId xmlns:a16="http://schemas.microsoft.com/office/drawing/2014/main" id="{88EE697D-D696-0E82-7790-4A4B48C2243E}"/>
+              </a:ext>
+            </a:extLst>
+          </p:cNvPr>
+          <p:cNvSpPr/>
+          <p:nvPr/>
+        </p:nvSpPr>
+        <p:spPr>
+          <a:xfrm>
+            <a:off x="312226" y="3414721"/>
+            <a:ext cx="5791200" cy="2923925"/>
+          </a:xfrm>
+          <a:prstGeom prst="rect">
+            <a:avLst/>
+          </a:prstGeom>
+          <a:noFill/>
+          <a:ln w="9525" cap="flat" cmpd="sng" algn="ctr">
+            <a:solidFill>
+              <a:schemeClr val="accent2"/>
+            </a:solidFill>
+            <a:prstDash val="solid"/>
+            <a:round/>
+            <a:headEnd type="none" w="med" len="med"/>
+            <a:tailEnd type="none" w="med" len="med"/>
+          </a:ln>
+        </p:spPr>
+        <p:style>
+          <a:lnRef idx="0">
+            <a:scrgbClr r="0" g="0" b="0"/>
+          </a:lnRef>
+          <a:fillRef idx="0">
+            <a:scrgbClr r="0" g="0" b="0"/>
+          </a:fillRef>
+          <a:effectRef idx="0">
+            <a:scrgbClr r="0" g="0" b="0"/>
+          </a:effectRef>
+          <a:fontRef idx="minor">
+            <a:schemeClr val="accent2"/>
+          </a:fontRef>
+        </p:style>
+        <p:txBody>
+          <a:bodyPr rtlCol="0" anchor="ctr"/>
+          <a:lstStyle/>
+          <a:p>
+            <a:pPr algn="ctr"/>
+            <a:endParaRPr lang="en-IN"/>
+          </a:p>
+        </p:txBody>
+      </p:sp>
+    </p:spTree>
+    <p:extLst>
+      <p:ext uri="{BB962C8B-B14F-4D97-AF65-F5344CB8AC3E}">
+        <p14:creationId xmlns:p14="http://schemas.microsoft.com/office/powerpoint/2010/main" val="3702910635"/>
       </p:ext>
     </p:extLst>
   </p:cSld>
@@ -20887,6 +25037,262 @@
           </mc:Fallback>
         </mc:AlternateContent>
       </p:grpSp>
+      <p:grpSp>
+        <p:nvGrpSpPr>
+          <p:cNvPr id="2" name="Group 1">
+            <a:extLst>
+              <a:ext uri="{FF2B5EF4-FFF2-40B4-BE49-F238E27FC236}">
+                <a16:creationId xmlns:a16="http://schemas.microsoft.com/office/drawing/2014/main" id="{3B5E3EED-6FC8-9CFE-E66B-1FBD2C49B2EB}"/>
+              </a:ext>
+            </a:extLst>
+          </p:cNvPr>
+          <p:cNvGrpSpPr/>
+          <p:nvPr/>
+        </p:nvGrpSpPr>
+        <p:grpSpPr>
+          <a:xfrm>
+            <a:off x="3188211" y="2281561"/>
+            <a:ext cx="2907790" cy="1147439"/>
+            <a:chOff x="8249494" y="4140600"/>
+            <a:chExt cx="3607981" cy="1455355"/>
+          </a:xfrm>
+        </p:grpSpPr>
+        <p:sp>
+          <p:nvSpPr>
+            <p:cNvPr id="3" name="Rectangle 2">
+              <a:extLst>
+                <a:ext uri="{FF2B5EF4-FFF2-40B4-BE49-F238E27FC236}">
+                  <a16:creationId xmlns:a16="http://schemas.microsoft.com/office/drawing/2014/main" id="{494C227D-0EC7-EC02-1863-AC84C094B0F6}"/>
+                </a:ext>
+              </a:extLst>
+            </p:cNvPr>
+            <p:cNvSpPr/>
+            <p:nvPr/>
+          </p:nvSpPr>
+          <p:spPr>
+            <a:xfrm>
+              <a:off x="8249494" y="4140600"/>
+              <a:ext cx="3607981" cy="1455355"/>
+            </a:xfrm>
+            <a:prstGeom prst="rect">
+              <a:avLst/>
+            </a:prstGeom>
+            <a:noFill/>
+            <a:ln w="9525" cap="flat" cmpd="sng" algn="ctr">
+              <a:solidFill>
+                <a:schemeClr val="dk1"/>
+              </a:solidFill>
+              <a:prstDash val="solid"/>
+              <a:round/>
+              <a:headEnd type="none" w="med" len="med"/>
+              <a:tailEnd type="none" w="med" len="med"/>
+            </a:ln>
+          </p:spPr>
+          <p:style>
+            <a:lnRef idx="0">
+              <a:scrgbClr r="0" g="0" b="0"/>
+            </a:lnRef>
+            <a:fillRef idx="0">
+              <a:scrgbClr r="0" g="0" b="0"/>
+            </a:fillRef>
+            <a:effectRef idx="0">
+              <a:scrgbClr r="0" g="0" b="0"/>
+            </a:effectRef>
+            <a:fontRef idx="minor">
+              <a:schemeClr val="dk1"/>
+            </a:fontRef>
+          </p:style>
+          <p:txBody>
+            <a:bodyPr rtlCol="0" anchor="ctr"/>
+            <a:lstStyle/>
+            <a:p>
+              <a:pPr algn="ctr"/>
+              <a:endParaRPr lang="en-IN"/>
+            </a:p>
+          </p:txBody>
+        </p:sp>
+        <mc:AlternateContent xmlns:mc="http://schemas.openxmlformats.org/markup-compatibility/2006">
+          <mc:Choice xmlns:a14="http://schemas.microsoft.com/office/drawing/2010/main" Requires="a14">
+            <p:sp>
+              <p:nvSpPr>
+                <p:cNvPr id="7" name="TextBox 6">
+                  <a:extLst>
+                    <a:ext uri="{FF2B5EF4-FFF2-40B4-BE49-F238E27FC236}">
+                      <a16:creationId xmlns:a16="http://schemas.microsoft.com/office/drawing/2014/main" id="{CB3E8FF0-C153-C2E3-955F-18AA31B3C31E}"/>
+                    </a:ext>
+                  </a:extLst>
+                </p:cNvPr>
+                <p:cNvSpPr txBox="1"/>
+                <p:nvPr/>
+              </p:nvSpPr>
+              <p:spPr>
+                <a:xfrm>
+                  <a:off x="8500256" y="4463821"/>
+                  <a:ext cx="3106457" cy="651269"/>
+                </a:xfrm>
+                <a:prstGeom prst="rect">
+                  <a:avLst/>
+                </a:prstGeom>
+                <a:noFill/>
+              </p:spPr>
+              <p:txBody>
+                <a:bodyPr wrap="square" lIns="0" tIns="0" rIns="0" bIns="0" rtlCol="0">
+                  <a:spAutoFit/>
+                </a:bodyPr>
+                <a:lstStyle/>
+                <a:p>
+                  <a:pPr algn="ctr"/>
+                  <a14:m>
+                    <m:oMathPara xmlns:m="http://schemas.openxmlformats.org/officeDocument/2006/math">
+                      <m:oMathParaPr>
+                        <m:jc m:val="centerGroup"/>
+                      </m:oMathParaPr>
+                      <m:oMath xmlns:m="http://schemas.openxmlformats.org/officeDocument/2006/math">
+                        <m:sSub>
+                          <m:sSubPr>
+                            <m:ctrlPr>
+                              <a:rPr lang="en-US" sz="2000" b="1" i="1" smtClean="0">
+                                <a:latin typeface="Cambria Math" panose="02040503050406030204" pitchFamily="18" charset="0"/>
+                              </a:rPr>
+                            </m:ctrlPr>
+                          </m:sSubPr>
+                          <m:e>
+                            <m:r>
+                              <a:rPr lang="en-US" sz="2000" b="1" i="1" smtClean="0">
+                                <a:latin typeface="Cambria Math" panose="02040503050406030204" pitchFamily="18" charset="0"/>
+                              </a:rPr>
+                              <m:t>𝑳</m:t>
+                            </m:r>
+                          </m:e>
+                          <m:sub>
+                            <m:r>
+                              <a:rPr lang="en-US" sz="2000" b="1" i="1" smtClean="0">
+                                <a:latin typeface="Cambria Math" panose="02040503050406030204" pitchFamily="18" charset="0"/>
+                              </a:rPr>
+                              <m:t>𝒃</m:t>
+                            </m:r>
+                          </m:sub>
+                        </m:sSub>
+                        <m:r>
+                          <a:rPr lang="en-IN" sz="2000" b="1" i="1" smtClean="0">
+                            <a:latin typeface="Cambria Math" panose="02040503050406030204" pitchFamily="18" charset="0"/>
+                          </a:rPr>
+                          <m:t>  =  </m:t>
+                        </m:r>
+                        <m:f>
+                          <m:fPr>
+                            <m:ctrlPr>
+                              <a:rPr lang="en-IN" sz="2000" b="1" i="1" smtClean="0">
+                                <a:latin typeface="Cambria Math" panose="02040503050406030204" pitchFamily="18" charset="0"/>
+                              </a:rPr>
+                            </m:ctrlPr>
+                          </m:fPr>
+                          <m:num>
+                            <m:d>
+                              <m:dPr>
+                                <m:ctrlPr>
+                                  <a:rPr lang="en-US" sz="2000" b="1" i="1" smtClean="0">
+                                    <a:latin typeface="Cambria Math" panose="02040503050406030204" pitchFamily="18" charset="0"/>
+                                  </a:rPr>
+                                </m:ctrlPr>
+                              </m:dPr>
+                              <m:e>
+                                <m:r>
+                                  <a:rPr lang="en-US" sz="2000" b="1" i="1" smtClean="0">
+                                    <a:latin typeface="Cambria Math" panose="02040503050406030204" pitchFamily="18" charset="0"/>
+                                  </a:rPr>
+                                  <m:t>𝟏</m:t>
+                                </m:r>
+                                <m:r>
+                                  <a:rPr lang="en-US" sz="2000" b="1" i="1" smtClean="0">
+                                    <a:latin typeface="Cambria Math" panose="02040503050406030204" pitchFamily="18" charset="0"/>
+                                  </a:rPr>
+                                  <m:t>−</m:t>
+                                </m:r>
+                                <m:r>
+                                  <a:rPr lang="en-US" sz="2000" b="1" i="1" smtClean="0">
+                                    <a:latin typeface="Cambria Math" panose="02040503050406030204" pitchFamily="18" charset="0"/>
+                                  </a:rPr>
+                                  <m:t>𝑫</m:t>
+                                </m:r>
+                              </m:e>
+                            </m:d>
+                            <m:r>
+                              <a:rPr lang="en-US" sz="2000" b="1" i="1" smtClean="0">
+                                <a:latin typeface="Cambria Math" panose="02040503050406030204" pitchFamily="18" charset="0"/>
+                              </a:rPr>
+                              <m:t>𝑹</m:t>
+                            </m:r>
+                          </m:num>
+                          <m:den>
+                            <m:r>
+                              <a:rPr lang="en-US" sz="2000" b="1" i="1" smtClean="0">
+                                <a:latin typeface="Cambria Math" panose="02040503050406030204" pitchFamily="18" charset="0"/>
+                              </a:rPr>
+                              <m:t>𝟐</m:t>
+                            </m:r>
+                            <m:r>
+                              <a:rPr lang="en-US" sz="2000" b="1" i="1" smtClean="0">
+                                <a:latin typeface="Cambria Math" panose="02040503050406030204" pitchFamily="18" charset="0"/>
+                              </a:rPr>
+                              <m:t>𝒇</m:t>
+                            </m:r>
+                          </m:den>
+                        </m:f>
+                      </m:oMath>
+                    </m:oMathPara>
+                  </a14:m>
+                  <a:endParaRPr lang="en-IN" sz="2000" b="1" dirty="0"/>
+                </a:p>
+              </p:txBody>
+            </p:sp>
+          </mc:Choice>
+          <mc:Fallback>
+            <p:sp>
+              <p:nvSpPr>
+                <p:cNvPr id="7" name="TextBox 6">
+                  <a:extLst>
+                    <a:ext uri="{FF2B5EF4-FFF2-40B4-BE49-F238E27FC236}">
+                      <a16:creationId xmlns:a16="http://schemas.microsoft.com/office/drawing/2014/main" id="{CB3E8FF0-C153-C2E3-955F-18AA31B3C31E}"/>
+                    </a:ext>
+                  </a:extLst>
+                </p:cNvPr>
+                <p:cNvSpPr txBox="1">
+                  <a:spLocks noRot="1" noChangeAspect="1" noMove="1" noResize="1" noEditPoints="1" noAdjustHandles="1" noChangeArrowheads="1" noChangeShapeType="1" noTextEdit="1"/>
+                </p:cNvSpPr>
+                <p:nvPr/>
+              </p:nvSpPr>
+              <p:spPr>
+                <a:xfrm>
+                  <a:off x="8500256" y="4463821"/>
+                  <a:ext cx="3106457" cy="651269"/>
+                </a:xfrm>
+                <a:prstGeom prst="rect">
+                  <a:avLst/>
+                </a:prstGeom>
+                <a:blipFill>
+                  <a:blip r:embed="rId3"/>
+                  <a:stretch>
+                    <a:fillRect b="-27381"/>
+                  </a:stretch>
+                </a:blipFill>
+              </p:spPr>
+              <p:txBody>
+                <a:bodyPr/>
+                <a:lstStyle/>
+                <a:p>
+                  <a:r>
+                    <a:rPr lang="en-IN">
+                      <a:noFill/>
+                    </a:rPr>
+                    <a:t> </a:t>
+                  </a:r>
+                </a:p>
+              </p:txBody>
+            </p:sp>
+          </mc:Fallback>
+        </mc:AlternateContent>
+      </p:grpSp>
     </p:spTree>
     <p:extLst>
       <p:ext uri="{BB962C8B-B14F-4D97-AF65-F5344CB8AC3E}">
@@ -27804,6 +32210,1003 @@
 </p:sld>
 </file>
 
+<file path=ppt/slides/slide9.xml><?xml version="1.0" encoding="utf-8"?>
+<p:sld xmlns:a="http://schemas.openxmlformats.org/drawingml/2006/main" xmlns:r="http://schemas.openxmlformats.org/officeDocument/2006/relationships" xmlns:p="http://schemas.openxmlformats.org/presentationml/2006/main">
+  <p:cSld>
+    <p:spTree>
+      <p:nvGrpSpPr>
+        <p:cNvPr id="1" name=""/>
+        <p:cNvGrpSpPr/>
+        <p:nvPr/>
+      </p:nvGrpSpPr>
+      <p:grpSpPr>
+        <a:xfrm>
+          <a:off x="0" y="0"/>
+          <a:ext cx="0" cy="0"/>
+          <a:chOff x="0" y="0"/>
+          <a:chExt cx="0" cy="0"/>
+        </a:xfrm>
+      </p:grpSpPr>
+      <p:sp>
+        <p:nvSpPr>
+          <p:cNvPr id="10" name="Rectangle 9">
+            <a:extLst>
+              <a:ext uri="{FF2B5EF4-FFF2-40B4-BE49-F238E27FC236}">
+                <a16:creationId xmlns:a16="http://schemas.microsoft.com/office/drawing/2014/main" id="{0552F9E2-997B-7AC3-F44F-5085E600A1B8}"/>
+              </a:ext>
+            </a:extLst>
+          </p:cNvPr>
+          <p:cNvSpPr/>
+          <p:nvPr/>
+        </p:nvSpPr>
+        <p:spPr>
+          <a:xfrm>
+            <a:off x="6100438" y="2011534"/>
+            <a:ext cx="1464807" cy="1417466"/>
+          </a:xfrm>
+          <a:prstGeom prst="rect">
+            <a:avLst/>
+          </a:prstGeom>
+          <a:solidFill>
+            <a:schemeClr val="accent1">
+              <a:lumMod val="20000"/>
+              <a:lumOff val="80000"/>
+            </a:schemeClr>
+          </a:solidFill>
+          <a:ln w="38100">
+            <a:solidFill>
+              <a:srgbClr val="0070C0"/>
+            </a:solidFill>
+          </a:ln>
+        </p:spPr>
+        <p:style>
+          <a:lnRef idx="2">
+            <a:schemeClr val="accent1">
+              <a:shade val="50000"/>
+            </a:schemeClr>
+          </a:lnRef>
+          <a:fillRef idx="1">
+            <a:schemeClr val="accent1"/>
+          </a:fillRef>
+          <a:effectRef idx="0">
+            <a:schemeClr val="accent1"/>
+          </a:effectRef>
+          <a:fontRef idx="minor">
+            <a:schemeClr val="lt1"/>
+          </a:fontRef>
+        </p:style>
+        <p:txBody>
+          <a:bodyPr rtlCol="0" anchor="ctr"/>
+          <a:lstStyle/>
+          <a:p>
+            <a:pPr algn="ctr"/>
+            <a:endParaRPr lang="en-IN" dirty="0"/>
+          </a:p>
+        </p:txBody>
+      </p:sp>
+      <p:cxnSp>
+        <p:nvCxnSpPr>
+          <p:cNvPr id="5" name="Straight Arrow Connector 4">
+            <a:extLst>
+              <a:ext uri="{FF2B5EF4-FFF2-40B4-BE49-F238E27FC236}">
+                <a16:creationId xmlns:a16="http://schemas.microsoft.com/office/drawing/2014/main" id="{E0F2C802-6829-3F90-CAB1-34AC65ABC987}"/>
+              </a:ext>
+            </a:extLst>
+          </p:cNvPr>
+          <p:cNvCxnSpPr>
+            <a:cxnSpLocks/>
+          </p:cNvCxnSpPr>
+          <p:nvPr/>
+        </p:nvCxnSpPr>
+        <p:spPr>
+          <a:xfrm>
+            <a:off x="6096000" y="1259520"/>
+            <a:ext cx="0" cy="4338961"/>
+          </a:xfrm>
+          <a:prstGeom prst="straightConnector1">
+            <a:avLst/>
+          </a:prstGeom>
+          <a:ln w="38100" cap="flat" cmpd="sng" algn="ctr">
+            <a:solidFill>
+              <a:schemeClr val="dk1"/>
+            </a:solidFill>
+            <a:prstDash val="solid"/>
+            <a:round/>
+            <a:headEnd type="arrow" w="med" len="med"/>
+            <a:tailEnd type="arrow" w="med" len="med"/>
+          </a:ln>
+        </p:spPr>
+        <p:style>
+          <a:lnRef idx="0">
+            <a:scrgbClr r="0" g="0" b="0"/>
+          </a:lnRef>
+          <a:fillRef idx="0">
+            <a:scrgbClr r="0" g="0" b="0"/>
+          </a:fillRef>
+          <a:effectRef idx="0">
+            <a:scrgbClr r="0" g="0" b="0"/>
+          </a:effectRef>
+          <a:fontRef idx="minor">
+            <a:schemeClr val="tx1"/>
+          </a:fontRef>
+        </p:style>
+      </p:cxnSp>
+      <p:cxnSp>
+        <p:nvCxnSpPr>
+          <p:cNvPr id="7" name="Straight Arrow Connector 6">
+            <a:extLst>
+              <a:ext uri="{FF2B5EF4-FFF2-40B4-BE49-F238E27FC236}">
+                <a16:creationId xmlns:a16="http://schemas.microsoft.com/office/drawing/2014/main" id="{AF455F98-3741-EF9A-A67E-B17813AFE8B7}"/>
+              </a:ext>
+            </a:extLst>
+          </p:cNvPr>
+          <p:cNvCxnSpPr>
+            <a:cxnSpLocks/>
+          </p:cNvCxnSpPr>
+          <p:nvPr/>
+        </p:nvCxnSpPr>
+        <p:spPr>
+          <a:xfrm>
+            <a:off x="3932807" y="3429001"/>
+            <a:ext cx="4317507" cy="0"/>
+          </a:xfrm>
+          <a:prstGeom prst="straightConnector1">
+            <a:avLst/>
+          </a:prstGeom>
+          <a:ln w="38100" cap="flat" cmpd="sng" algn="ctr">
+            <a:solidFill>
+              <a:schemeClr val="dk1"/>
+            </a:solidFill>
+            <a:prstDash val="solid"/>
+            <a:round/>
+            <a:headEnd type="arrow" w="med" len="med"/>
+            <a:tailEnd type="arrow" w="med" len="med"/>
+          </a:ln>
+        </p:spPr>
+        <p:style>
+          <a:lnRef idx="0">
+            <a:scrgbClr r="0" g="0" b="0"/>
+          </a:lnRef>
+          <a:fillRef idx="0">
+            <a:scrgbClr r="0" g="0" b="0"/>
+          </a:fillRef>
+          <a:effectRef idx="0">
+            <a:scrgbClr r="0" g="0" b="0"/>
+          </a:effectRef>
+          <a:fontRef idx="minor">
+            <a:schemeClr val="tx1"/>
+          </a:fontRef>
+        </p:style>
+      </p:cxnSp>
+      <p:sp>
+        <p:nvSpPr>
+          <p:cNvPr id="11" name="TextBox 10">
+            <a:extLst>
+              <a:ext uri="{FF2B5EF4-FFF2-40B4-BE49-F238E27FC236}">
+                <a16:creationId xmlns:a16="http://schemas.microsoft.com/office/drawing/2014/main" id="{A152501D-9211-CC2C-C8B0-A01F8351D586}"/>
+              </a:ext>
+            </a:extLst>
+          </p:cNvPr>
+          <p:cNvSpPr txBox="1"/>
+          <p:nvPr/>
+        </p:nvSpPr>
+        <p:spPr>
+          <a:xfrm>
+            <a:off x="6963055" y="1466250"/>
+            <a:ext cx="1296139" cy="338554"/>
+          </a:xfrm>
+          <a:prstGeom prst="rect">
+            <a:avLst/>
+          </a:prstGeom>
+          <a:noFill/>
+        </p:spPr>
+        <p:txBody>
+          <a:bodyPr wrap="square" rtlCol="0">
+            <a:spAutoFit/>
+          </a:bodyPr>
+          <a:lstStyle/>
+          <a:p>
+            <a:pPr algn="ctr"/>
+            <a:r>
+              <a:rPr lang="en-US" sz="1600" b="1" dirty="0">
+                <a:solidFill>
+                  <a:srgbClr val="0070C0"/>
+                </a:solidFill>
+              </a:rPr>
+              <a:t>Quadrant-1</a:t>
+            </a:r>
+            <a:endParaRPr lang="en-IN" sz="1600" b="1" dirty="0">
+              <a:solidFill>
+                <a:srgbClr val="0070C0"/>
+              </a:solidFill>
+            </a:endParaRPr>
+          </a:p>
+        </p:txBody>
+      </p:sp>
+      <p:sp>
+        <p:nvSpPr>
+          <p:cNvPr id="12" name="TextBox 11">
+            <a:extLst>
+              <a:ext uri="{FF2B5EF4-FFF2-40B4-BE49-F238E27FC236}">
+                <a16:creationId xmlns:a16="http://schemas.microsoft.com/office/drawing/2014/main" id="{71341361-8988-C3E0-131B-959122A24E99}"/>
+              </a:ext>
+            </a:extLst>
+          </p:cNvPr>
+          <p:cNvSpPr txBox="1"/>
+          <p:nvPr/>
+        </p:nvSpPr>
+        <p:spPr>
+          <a:xfrm>
+            <a:off x="6917175" y="4883920"/>
+            <a:ext cx="1296139" cy="338554"/>
+          </a:xfrm>
+          <a:prstGeom prst="rect">
+            <a:avLst/>
+          </a:prstGeom>
+          <a:noFill/>
+        </p:spPr>
+        <p:txBody>
+          <a:bodyPr wrap="square" rtlCol="0">
+            <a:spAutoFit/>
+          </a:bodyPr>
+          <a:lstStyle/>
+          <a:p>
+            <a:pPr algn="ctr"/>
+            <a:r>
+              <a:rPr lang="en-US" sz="1600" b="1" dirty="0">
+                <a:solidFill>
+                  <a:srgbClr val="0070C0"/>
+                </a:solidFill>
+              </a:rPr>
+              <a:t>Quadrant-4</a:t>
+            </a:r>
+            <a:endParaRPr lang="en-IN" sz="1600" b="1" dirty="0">
+              <a:solidFill>
+                <a:srgbClr val="0070C0"/>
+              </a:solidFill>
+            </a:endParaRPr>
+          </a:p>
+        </p:txBody>
+      </p:sp>
+      <p:sp>
+        <p:nvSpPr>
+          <p:cNvPr id="15" name="TextBox 14">
+            <a:extLst>
+              <a:ext uri="{FF2B5EF4-FFF2-40B4-BE49-F238E27FC236}">
+                <a16:creationId xmlns:a16="http://schemas.microsoft.com/office/drawing/2014/main" id="{528AD164-AC11-31FA-67EF-D8E9BF7239F3}"/>
+              </a:ext>
+            </a:extLst>
+          </p:cNvPr>
+          <p:cNvSpPr txBox="1"/>
+          <p:nvPr/>
+        </p:nvSpPr>
+        <p:spPr>
+          <a:xfrm>
+            <a:off x="3932807" y="1469490"/>
+            <a:ext cx="1296139" cy="338554"/>
+          </a:xfrm>
+          <a:prstGeom prst="rect">
+            <a:avLst/>
+          </a:prstGeom>
+          <a:noFill/>
+        </p:spPr>
+        <p:txBody>
+          <a:bodyPr wrap="square" rtlCol="0">
+            <a:spAutoFit/>
+          </a:bodyPr>
+          <a:lstStyle/>
+          <a:p>
+            <a:pPr algn="ctr"/>
+            <a:r>
+              <a:rPr lang="en-US" sz="1600" b="1" dirty="0">
+                <a:solidFill>
+                  <a:srgbClr val="0070C0"/>
+                </a:solidFill>
+              </a:rPr>
+              <a:t>Quadrant-2</a:t>
+            </a:r>
+            <a:endParaRPr lang="en-IN" sz="1600" b="1" dirty="0">
+              <a:solidFill>
+                <a:srgbClr val="0070C0"/>
+              </a:solidFill>
+            </a:endParaRPr>
+          </a:p>
+        </p:txBody>
+      </p:sp>
+      <p:sp>
+        <p:nvSpPr>
+          <p:cNvPr id="16" name="TextBox 15">
+            <a:extLst>
+              <a:ext uri="{FF2B5EF4-FFF2-40B4-BE49-F238E27FC236}">
+                <a16:creationId xmlns:a16="http://schemas.microsoft.com/office/drawing/2014/main" id="{E5526BB6-3B76-91A4-33D1-AA1142FE3191}"/>
+              </a:ext>
+            </a:extLst>
+          </p:cNvPr>
+          <p:cNvSpPr txBox="1"/>
+          <p:nvPr/>
+        </p:nvSpPr>
+        <p:spPr>
+          <a:xfrm>
+            <a:off x="3932806" y="4880680"/>
+            <a:ext cx="1296139" cy="338554"/>
+          </a:xfrm>
+          <a:prstGeom prst="rect">
+            <a:avLst/>
+          </a:prstGeom>
+          <a:noFill/>
+        </p:spPr>
+        <p:txBody>
+          <a:bodyPr wrap="square" rtlCol="0">
+            <a:spAutoFit/>
+          </a:bodyPr>
+          <a:lstStyle/>
+          <a:p>
+            <a:pPr algn="ctr"/>
+            <a:r>
+              <a:rPr lang="en-US" sz="1600" b="1" dirty="0">
+                <a:solidFill>
+                  <a:srgbClr val="0070C0"/>
+                </a:solidFill>
+              </a:rPr>
+              <a:t>Quadrant-3</a:t>
+            </a:r>
+            <a:endParaRPr lang="en-IN" sz="1600" b="1" dirty="0">
+              <a:solidFill>
+                <a:srgbClr val="0070C0"/>
+              </a:solidFill>
+            </a:endParaRPr>
+          </a:p>
+        </p:txBody>
+      </p:sp>
+      <p:sp>
+        <p:nvSpPr>
+          <p:cNvPr id="17" name="TextBox 16">
+            <a:extLst>
+              <a:ext uri="{FF2B5EF4-FFF2-40B4-BE49-F238E27FC236}">
+                <a16:creationId xmlns:a16="http://schemas.microsoft.com/office/drawing/2014/main" id="{8CC6E73A-D3DF-6D9A-5EC6-BB6C9450DFEF}"/>
+              </a:ext>
+            </a:extLst>
+          </p:cNvPr>
+          <p:cNvSpPr txBox="1"/>
+          <p:nvPr/>
+        </p:nvSpPr>
+        <p:spPr>
+          <a:xfrm>
+            <a:off x="8256977" y="3228945"/>
+            <a:ext cx="671742" cy="400110"/>
+          </a:xfrm>
+          <a:prstGeom prst="rect">
+            <a:avLst/>
+          </a:prstGeom>
+          <a:noFill/>
+        </p:spPr>
+        <p:txBody>
+          <a:bodyPr wrap="square" rtlCol="0">
+            <a:spAutoFit/>
+          </a:bodyPr>
+          <a:lstStyle/>
+          <a:p>
+            <a:pPr algn="ctr"/>
+            <a:r>
+              <a:rPr lang="en-US" sz="2000" b="1" dirty="0">
+                <a:latin typeface="Times New Roman" panose="02020603050405020304" pitchFamily="18" charset="0"/>
+                <a:cs typeface="Times New Roman" panose="02020603050405020304" pitchFamily="18" charset="0"/>
+              </a:rPr>
+              <a:t>I</a:t>
+            </a:r>
+            <a:r>
+              <a:rPr lang="en-US" sz="2000" b="1" baseline="-25000" dirty="0">
+                <a:latin typeface="Times New Roman" panose="02020603050405020304" pitchFamily="18" charset="0"/>
+                <a:cs typeface="Times New Roman" panose="02020603050405020304" pitchFamily="18" charset="0"/>
+              </a:rPr>
+              <a:t>O</a:t>
+            </a:r>
+            <a:endParaRPr lang="en-IN" sz="2000" b="1" dirty="0">
+              <a:latin typeface="Times New Roman" panose="02020603050405020304" pitchFamily="18" charset="0"/>
+              <a:cs typeface="Times New Roman" panose="02020603050405020304" pitchFamily="18" charset="0"/>
+            </a:endParaRPr>
+          </a:p>
+        </p:txBody>
+      </p:sp>
+      <p:sp>
+        <p:nvSpPr>
+          <p:cNvPr id="18" name="TextBox 17">
+            <a:extLst>
+              <a:ext uri="{FF2B5EF4-FFF2-40B4-BE49-F238E27FC236}">
+                <a16:creationId xmlns:a16="http://schemas.microsoft.com/office/drawing/2014/main" id="{64D15DA9-C6AE-FFEC-855E-CC8BAFF6FC6C}"/>
+              </a:ext>
+            </a:extLst>
+          </p:cNvPr>
+          <p:cNvSpPr txBox="1"/>
+          <p:nvPr/>
+        </p:nvSpPr>
+        <p:spPr>
+          <a:xfrm>
+            <a:off x="3241075" y="3228945"/>
+            <a:ext cx="671742" cy="400110"/>
+          </a:xfrm>
+          <a:prstGeom prst="rect">
+            <a:avLst/>
+          </a:prstGeom>
+          <a:noFill/>
+        </p:spPr>
+        <p:txBody>
+          <a:bodyPr wrap="square" rtlCol="0">
+            <a:spAutoFit/>
+          </a:bodyPr>
+          <a:lstStyle/>
+          <a:p>
+            <a:pPr algn="ctr"/>
+            <a:r>
+              <a:rPr lang="en-US" sz="2000" b="1" dirty="0">
+                <a:latin typeface="Times New Roman" panose="02020603050405020304" pitchFamily="18" charset="0"/>
+                <a:cs typeface="Times New Roman" panose="02020603050405020304" pitchFamily="18" charset="0"/>
+              </a:rPr>
+              <a:t>-I</a:t>
+            </a:r>
+            <a:r>
+              <a:rPr lang="en-US" sz="2000" b="1" baseline="-25000" dirty="0">
+                <a:latin typeface="Times New Roman" panose="02020603050405020304" pitchFamily="18" charset="0"/>
+                <a:cs typeface="Times New Roman" panose="02020603050405020304" pitchFamily="18" charset="0"/>
+              </a:rPr>
+              <a:t>O</a:t>
+            </a:r>
+            <a:endParaRPr lang="en-IN" sz="2000" b="1" dirty="0">
+              <a:latin typeface="Times New Roman" panose="02020603050405020304" pitchFamily="18" charset="0"/>
+              <a:cs typeface="Times New Roman" panose="02020603050405020304" pitchFamily="18" charset="0"/>
+            </a:endParaRPr>
+          </a:p>
+        </p:txBody>
+      </p:sp>
+      <p:sp>
+        <p:nvSpPr>
+          <p:cNvPr id="19" name="TextBox 18">
+            <a:extLst>
+              <a:ext uri="{FF2B5EF4-FFF2-40B4-BE49-F238E27FC236}">
+                <a16:creationId xmlns:a16="http://schemas.microsoft.com/office/drawing/2014/main" id="{13748FC8-13AA-C7F0-A2AC-DC7C447F0DF3}"/>
+              </a:ext>
+            </a:extLst>
+          </p:cNvPr>
+          <p:cNvSpPr txBox="1"/>
+          <p:nvPr/>
+        </p:nvSpPr>
+        <p:spPr>
+          <a:xfrm>
+            <a:off x="5764567" y="683458"/>
+            <a:ext cx="671742" cy="400110"/>
+          </a:xfrm>
+          <a:prstGeom prst="rect">
+            <a:avLst/>
+          </a:prstGeom>
+          <a:noFill/>
+        </p:spPr>
+        <p:txBody>
+          <a:bodyPr wrap="square" rtlCol="0">
+            <a:spAutoFit/>
+          </a:bodyPr>
+          <a:lstStyle/>
+          <a:p>
+            <a:pPr algn="ctr"/>
+            <a:r>
+              <a:rPr lang="en-US" sz="2000" b="1" dirty="0">
+                <a:latin typeface="Times New Roman" panose="02020603050405020304" pitchFamily="18" charset="0"/>
+                <a:cs typeface="Times New Roman" panose="02020603050405020304" pitchFamily="18" charset="0"/>
+              </a:rPr>
+              <a:t>V</a:t>
+            </a:r>
+            <a:r>
+              <a:rPr lang="en-US" sz="2000" b="1" baseline="-25000" dirty="0">
+                <a:latin typeface="Times New Roman" panose="02020603050405020304" pitchFamily="18" charset="0"/>
+                <a:cs typeface="Times New Roman" panose="02020603050405020304" pitchFamily="18" charset="0"/>
+              </a:rPr>
+              <a:t>O</a:t>
+            </a:r>
+            <a:endParaRPr lang="en-IN" sz="2000" b="1" dirty="0">
+              <a:latin typeface="Times New Roman" panose="02020603050405020304" pitchFamily="18" charset="0"/>
+              <a:cs typeface="Times New Roman" panose="02020603050405020304" pitchFamily="18" charset="0"/>
+            </a:endParaRPr>
+          </a:p>
+        </p:txBody>
+      </p:sp>
+      <p:sp>
+        <p:nvSpPr>
+          <p:cNvPr id="20" name="TextBox 19">
+            <a:extLst>
+              <a:ext uri="{FF2B5EF4-FFF2-40B4-BE49-F238E27FC236}">
+                <a16:creationId xmlns:a16="http://schemas.microsoft.com/office/drawing/2014/main" id="{7433386D-A945-D41E-1028-513EF0956FAA}"/>
+              </a:ext>
+            </a:extLst>
+          </p:cNvPr>
+          <p:cNvSpPr txBox="1"/>
+          <p:nvPr/>
+        </p:nvSpPr>
+        <p:spPr>
+          <a:xfrm>
+            <a:off x="5764567" y="5623786"/>
+            <a:ext cx="671742" cy="400110"/>
+          </a:xfrm>
+          <a:prstGeom prst="rect">
+            <a:avLst/>
+          </a:prstGeom>
+          <a:noFill/>
+        </p:spPr>
+        <p:txBody>
+          <a:bodyPr wrap="square" rtlCol="0">
+            <a:spAutoFit/>
+          </a:bodyPr>
+          <a:lstStyle/>
+          <a:p>
+            <a:pPr algn="ctr"/>
+            <a:r>
+              <a:rPr lang="en-US" sz="2000" b="1" dirty="0">
+                <a:latin typeface="Times New Roman" panose="02020603050405020304" pitchFamily="18" charset="0"/>
+                <a:cs typeface="Times New Roman" panose="02020603050405020304" pitchFamily="18" charset="0"/>
+              </a:rPr>
+              <a:t>-V</a:t>
+            </a:r>
+            <a:r>
+              <a:rPr lang="en-US" sz="2000" b="1" baseline="-25000" dirty="0">
+                <a:latin typeface="Times New Roman" panose="02020603050405020304" pitchFamily="18" charset="0"/>
+                <a:cs typeface="Times New Roman" panose="02020603050405020304" pitchFamily="18" charset="0"/>
+              </a:rPr>
+              <a:t>O</a:t>
+            </a:r>
+            <a:endParaRPr lang="en-IN" sz="2000" b="1" dirty="0">
+              <a:latin typeface="Times New Roman" panose="02020603050405020304" pitchFamily="18" charset="0"/>
+              <a:cs typeface="Times New Roman" panose="02020603050405020304" pitchFamily="18" charset="0"/>
+            </a:endParaRPr>
+          </a:p>
+        </p:txBody>
+      </p:sp>
+      <p:sp>
+        <p:nvSpPr>
+          <p:cNvPr id="21" name="TextBox 20">
+            <a:extLst>
+              <a:ext uri="{FF2B5EF4-FFF2-40B4-BE49-F238E27FC236}">
+                <a16:creationId xmlns:a16="http://schemas.microsoft.com/office/drawing/2014/main" id="{25EEF779-8440-9921-4C52-D6AB50BAD009}"/>
+              </a:ext>
+            </a:extLst>
+          </p:cNvPr>
+          <p:cNvSpPr txBox="1"/>
+          <p:nvPr/>
+        </p:nvSpPr>
+        <p:spPr>
+          <a:xfrm>
+            <a:off x="6184771" y="2393991"/>
+            <a:ext cx="1296139" cy="523220"/>
+          </a:xfrm>
+          <a:prstGeom prst="rect">
+            <a:avLst/>
+          </a:prstGeom>
+          <a:noFill/>
+        </p:spPr>
+        <p:txBody>
+          <a:bodyPr wrap="square" rtlCol="0">
+            <a:spAutoFit/>
+          </a:bodyPr>
+          <a:lstStyle/>
+          <a:p>
+            <a:pPr algn="ctr"/>
+            <a:r>
+              <a:rPr lang="en-US" sz="1400" b="1" dirty="0">
+                <a:solidFill>
+                  <a:srgbClr val="FF0000"/>
+                </a:solidFill>
+                <a:latin typeface="Arial" panose="020B0604020202020204" pitchFamily="34" charset="0"/>
+                <a:cs typeface="Arial" panose="020B0604020202020204" pitchFamily="34" charset="0"/>
+              </a:rPr>
+              <a:t>V</a:t>
+            </a:r>
+            <a:r>
+              <a:rPr lang="en-US" sz="1400" b="1" baseline="-25000" dirty="0">
+                <a:solidFill>
+                  <a:srgbClr val="FF0000"/>
+                </a:solidFill>
+                <a:latin typeface="Arial" panose="020B0604020202020204" pitchFamily="34" charset="0"/>
+                <a:cs typeface="Arial" panose="020B0604020202020204" pitchFamily="34" charset="0"/>
+              </a:rPr>
+              <a:t>O</a:t>
+            </a:r>
+            <a:r>
+              <a:rPr lang="en-US" sz="1400" b="1" dirty="0">
+                <a:solidFill>
+                  <a:srgbClr val="FF0000"/>
+                </a:solidFill>
+                <a:latin typeface="Arial" panose="020B0604020202020204" pitchFamily="34" charset="0"/>
+                <a:cs typeface="Arial" panose="020B0604020202020204" pitchFamily="34" charset="0"/>
+              </a:rPr>
+              <a:t> and I</a:t>
+            </a:r>
+            <a:r>
+              <a:rPr lang="en-US" sz="1400" b="1" baseline="-25000" dirty="0">
+                <a:solidFill>
+                  <a:srgbClr val="FF0000"/>
+                </a:solidFill>
+                <a:latin typeface="Arial" panose="020B0604020202020204" pitchFamily="34" charset="0"/>
+                <a:cs typeface="Arial" panose="020B0604020202020204" pitchFamily="34" charset="0"/>
+              </a:rPr>
+              <a:t>O</a:t>
+            </a:r>
+            <a:r>
+              <a:rPr lang="en-US" sz="1400" b="1" dirty="0">
+                <a:solidFill>
+                  <a:srgbClr val="FF0000"/>
+                </a:solidFill>
+                <a:latin typeface="Arial" panose="020B0604020202020204" pitchFamily="34" charset="0"/>
+                <a:cs typeface="Arial" panose="020B0604020202020204" pitchFamily="34" charset="0"/>
+              </a:rPr>
+              <a:t> both positive</a:t>
+            </a:r>
+            <a:endParaRPr lang="en-IN" sz="1400" b="1" dirty="0">
+              <a:solidFill>
+                <a:srgbClr val="FF0000"/>
+              </a:solidFill>
+              <a:latin typeface="Arial" panose="020B0604020202020204" pitchFamily="34" charset="0"/>
+              <a:cs typeface="Arial" panose="020B0604020202020204" pitchFamily="34" charset="0"/>
+            </a:endParaRPr>
+          </a:p>
+        </p:txBody>
+      </p:sp>
+      <p:sp>
+        <p:nvSpPr>
+          <p:cNvPr id="22" name="TextBox 21">
+            <a:extLst>
+              <a:ext uri="{FF2B5EF4-FFF2-40B4-BE49-F238E27FC236}">
+                <a16:creationId xmlns:a16="http://schemas.microsoft.com/office/drawing/2014/main" id="{C45484B4-3A3A-901B-EE09-722E5C9FE184}"/>
+              </a:ext>
+            </a:extLst>
+          </p:cNvPr>
+          <p:cNvSpPr txBox="1"/>
+          <p:nvPr/>
+        </p:nvSpPr>
+        <p:spPr>
+          <a:xfrm>
+            <a:off x="4536859" y="3893231"/>
+            <a:ext cx="1384172" cy="523220"/>
+          </a:xfrm>
+          <a:prstGeom prst="rect">
+            <a:avLst/>
+          </a:prstGeom>
+          <a:noFill/>
+        </p:spPr>
+        <p:txBody>
+          <a:bodyPr wrap="square" rtlCol="0">
+            <a:spAutoFit/>
+          </a:bodyPr>
+          <a:lstStyle/>
+          <a:p>
+            <a:pPr algn="ctr"/>
+            <a:r>
+              <a:rPr lang="en-US" sz="1400" b="1" dirty="0">
+                <a:solidFill>
+                  <a:srgbClr val="FF0000"/>
+                </a:solidFill>
+                <a:latin typeface="Arial" panose="020B0604020202020204" pitchFamily="34" charset="0"/>
+                <a:cs typeface="Arial" panose="020B0604020202020204" pitchFamily="34" charset="0"/>
+              </a:rPr>
+              <a:t>V</a:t>
+            </a:r>
+            <a:r>
+              <a:rPr lang="en-US" sz="1400" b="1" baseline="-25000" dirty="0">
+                <a:solidFill>
+                  <a:srgbClr val="FF0000"/>
+                </a:solidFill>
+                <a:latin typeface="Arial" panose="020B0604020202020204" pitchFamily="34" charset="0"/>
+                <a:cs typeface="Arial" panose="020B0604020202020204" pitchFamily="34" charset="0"/>
+              </a:rPr>
+              <a:t>O</a:t>
+            </a:r>
+            <a:r>
+              <a:rPr lang="en-US" sz="1400" b="1" dirty="0">
+                <a:solidFill>
+                  <a:srgbClr val="FF0000"/>
+                </a:solidFill>
+                <a:latin typeface="Arial" panose="020B0604020202020204" pitchFamily="34" charset="0"/>
+                <a:cs typeface="Arial" panose="020B0604020202020204" pitchFamily="34" charset="0"/>
+              </a:rPr>
+              <a:t> and I</a:t>
+            </a:r>
+            <a:r>
+              <a:rPr lang="en-US" sz="1400" b="1" baseline="-25000" dirty="0">
+                <a:solidFill>
+                  <a:srgbClr val="FF0000"/>
+                </a:solidFill>
+                <a:latin typeface="Arial" panose="020B0604020202020204" pitchFamily="34" charset="0"/>
+                <a:cs typeface="Arial" panose="020B0604020202020204" pitchFamily="34" charset="0"/>
+              </a:rPr>
+              <a:t>O</a:t>
+            </a:r>
+            <a:r>
+              <a:rPr lang="en-US" sz="1400" b="1" dirty="0">
+                <a:solidFill>
+                  <a:srgbClr val="FF0000"/>
+                </a:solidFill>
+                <a:latin typeface="Arial" panose="020B0604020202020204" pitchFamily="34" charset="0"/>
+                <a:cs typeface="Arial" panose="020B0604020202020204" pitchFamily="34" charset="0"/>
+              </a:rPr>
+              <a:t> both negative</a:t>
+            </a:r>
+            <a:endParaRPr lang="en-IN" sz="1400" b="1" dirty="0">
+              <a:solidFill>
+                <a:srgbClr val="FF0000"/>
+              </a:solidFill>
+              <a:latin typeface="Arial" panose="020B0604020202020204" pitchFamily="34" charset="0"/>
+              <a:cs typeface="Arial" panose="020B0604020202020204" pitchFamily="34" charset="0"/>
+            </a:endParaRPr>
+          </a:p>
+        </p:txBody>
+      </p:sp>
+      <p:sp>
+        <p:nvSpPr>
+          <p:cNvPr id="23" name="TextBox 22">
+            <a:extLst>
+              <a:ext uri="{FF2B5EF4-FFF2-40B4-BE49-F238E27FC236}">
+                <a16:creationId xmlns:a16="http://schemas.microsoft.com/office/drawing/2014/main" id="{F482E2BD-A9F8-0ACE-2D18-F30CE97F2670}"/>
+              </a:ext>
+            </a:extLst>
+          </p:cNvPr>
+          <p:cNvSpPr txBox="1"/>
+          <p:nvPr/>
+        </p:nvSpPr>
+        <p:spPr>
+          <a:xfrm>
+            <a:off x="4536859" y="2442915"/>
+            <a:ext cx="1384172" cy="523220"/>
+          </a:xfrm>
+          <a:prstGeom prst="rect">
+            <a:avLst/>
+          </a:prstGeom>
+          <a:noFill/>
+        </p:spPr>
+        <p:txBody>
+          <a:bodyPr wrap="square" rtlCol="0">
+            <a:spAutoFit/>
+          </a:bodyPr>
+          <a:lstStyle/>
+          <a:p>
+            <a:pPr algn="ctr"/>
+            <a:r>
+              <a:rPr lang="en-US" sz="1400" b="1" dirty="0">
+                <a:solidFill>
+                  <a:srgbClr val="FF0000"/>
+                </a:solidFill>
+                <a:latin typeface="Arial" panose="020B0604020202020204" pitchFamily="34" charset="0"/>
+                <a:cs typeface="Arial" panose="020B0604020202020204" pitchFamily="34" charset="0"/>
+              </a:rPr>
+              <a:t>V</a:t>
+            </a:r>
+            <a:r>
+              <a:rPr lang="en-US" sz="1400" b="1" baseline="-25000" dirty="0">
+                <a:solidFill>
+                  <a:srgbClr val="FF0000"/>
+                </a:solidFill>
+                <a:latin typeface="Arial" panose="020B0604020202020204" pitchFamily="34" charset="0"/>
+                <a:cs typeface="Arial" panose="020B0604020202020204" pitchFamily="34" charset="0"/>
+              </a:rPr>
+              <a:t>O</a:t>
+            </a:r>
+            <a:r>
+              <a:rPr lang="en-US" sz="1400" b="1" dirty="0">
+                <a:solidFill>
+                  <a:srgbClr val="FF0000"/>
+                </a:solidFill>
+                <a:latin typeface="Arial" panose="020B0604020202020204" pitchFamily="34" charset="0"/>
+                <a:cs typeface="Arial" panose="020B0604020202020204" pitchFamily="34" charset="0"/>
+              </a:rPr>
+              <a:t> positive</a:t>
+            </a:r>
+          </a:p>
+          <a:p>
+            <a:pPr algn="ctr"/>
+            <a:r>
+              <a:rPr lang="en-US" sz="1400" b="1" dirty="0">
+                <a:solidFill>
+                  <a:srgbClr val="FF0000"/>
+                </a:solidFill>
+                <a:latin typeface="Arial" panose="020B0604020202020204" pitchFamily="34" charset="0"/>
+                <a:cs typeface="Arial" panose="020B0604020202020204" pitchFamily="34" charset="0"/>
+              </a:rPr>
+              <a:t>I</a:t>
+            </a:r>
+            <a:r>
+              <a:rPr lang="en-US" sz="1400" b="1" baseline="-25000" dirty="0">
+                <a:solidFill>
+                  <a:srgbClr val="FF0000"/>
+                </a:solidFill>
+                <a:latin typeface="Arial" panose="020B0604020202020204" pitchFamily="34" charset="0"/>
+                <a:cs typeface="Arial" panose="020B0604020202020204" pitchFamily="34" charset="0"/>
+              </a:rPr>
+              <a:t>O</a:t>
+            </a:r>
+            <a:r>
+              <a:rPr lang="en-US" sz="1400" b="1" dirty="0">
+                <a:solidFill>
+                  <a:srgbClr val="FF0000"/>
+                </a:solidFill>
+                <a:latin typeface="Arial" panose="020B0604020202020204" pitchFamily="34" charset="0"/>
+                <a:cs typeface="Arial" panose="020B0604020202020204" pitchFamily="34" charset="0"/>
+              </a:rPr>
+              <a:t> negative</a:t>
+            </a:r>
+            <a:endParaRPr lang="en-IN" sz="1400" b="1" dirty="0">
+              <a:solidFill>
+                <a:srgbClr val="FF0000"/>
+              </a:solidFill>
+              <a:latin typeface="Arial" panose="020B0604020202020204" pitchFamily="34" charset="0"/>
+              <a:cs typeface="Arial" panose="020B0604020202020204" pitchFamily="34" charset="0"/>
+            </a:endParaRPr>
+          </a:p>
+        </p:txBody>
+      </p:sp>
+      <p:sp>
+        <p:nvSpPr>
+          <p:cNvPr id="24" name="TextBox 23">
+            <a:extLst>
+              <a:ext uri="{FF2B5EF4-FFF2-40B4-BE49-F238E27FC236}">
+                <a16:creationId xmlns:a16="http://schemas.microsoft.com/office/drawing/2014/main" id="{EF57DE1F-93CB-B1D9-40A4-88C4388621A3}"/>
+              </a:ext>
+            </a:extLst>
+          </p:cNvPr>
+          <p:cNvSpPr txBox="1"/>
+          <p:nvPr/>
+        </p:nvSpPr>
+        <p:spPr>
+          <a:xfrm>
+            <a:off x="6210296" y="3891866"/>
+            <a:ext cx="1384172" cy="523220"/>
+          </a:xfrm>
+          <a:prstGeom prst="rect">
+            <a:avLst/>
+          </a:prstGeom>
+          <a:noFill/>
+        </p:spPr>
+        <p:txBody>
+          <a:bodyPr wrap="square" rtlCol="0">
+            <a:spAutoFit/>
+          </a:bodyPr>
+          <a:lstStyle/>
+          <a:p>
+            <a:pPr algn="ctr"/>
+            <a:r>
+              <a:rPr lang="en-US" sz="1400" b="1" dirty="0">
+                <a:solidFill>
+                  <a:srgbClr val="FF0000"/>
+                </a:solidFill>
+                <a:latin typeface="Arial" panose="020B0604020202020204" pitchFamily="34" charset="0"/>
+                <a:cs typeface="Arial" panose="020B0604020202020204" pitchFamily="34" charset="0"/>
+              </a:rPr>
+              <a:t>V</a:t>
+            </a:r>
+            <a:r>
+              <a:rPr lang="en-US" sz="1400" b="1" baseline="-25000" dirty="0">
+                <a:solidFill>
+                  <a:srgbClr val="FF0000"/>
+                </a:solidFill>
+                <a:latin typeface="Arial" panose="020B0604020202020204" pitchFamily="34" charset="0"/>
+                <a:cs typeface="Arial" panose="020B0604020202020204" pitchFamily="34" charset="0"/>
+              </a:rPr>
+              <a:t>O</a:t>
+            </a:r>
+            <a:r>
+              <a:rPr lang="en-US" sz="1400" b="1" dirty="0">
+                <a:solidFill>
+                  <a:srgbClr val="FF0000"/>
+                </a:solidFill>
+                <a:latin typeface="Arial" panose="020B0604020202020204" pitchFamily="34" charset="0"/>
+                <a:cs typeface="Arial" panose="020B0604020202020204" pitchFamily="34" charset="0"/>
+              </a:rPr>
+              <a:t> negative</a:t>
+            </a:r>
+          </a:p>
+          <a:p>
+            <a:pPr algn="ctr"/>
+            <a:r>
+              <a:rPr lang="en-US" sz="1400" b="1" dirty="0">
+                <a:solidFill>
+                  <a:srgbClr val="FF0000"/>
+                </a:solidFill>
+                <a:latin typeface="Arial" panose="020B0604020202020204" pitchFamily="34" charset="0"/>
+                <a:cs typeface="Arial" panose="020B0604020202020204" pitchFamily="34" charset="0"/>
+              </a:rPr>
+              <a:t>I</a:t>
+            </a:r>
+            <a:r>
+              <a:rPr lang="en-US" sz="1400" b="1" baseline="-25000" dirty="0">
+                <a:solidFill>
+                  <a:srgbClr val="FF0000"/>
+                </a:solidFill>
+                <a:latin typeface="Arial" panose="020B0604020202020204" pitchFamily="34" charset="0"/>
+                <a:cs typeface="Arial" panose="020B0604020202020204" pitchFamily="34" charset="0"/>
+              </a:rPr>
+              <a:t>O</a:t>
+            </a:r>
+            <a:r>
+              <a:rPr lang="en-US" sz="1400" b="1" dirty="0">
+                <a:solidFill>
+                  <a:srgbClr val="FF0000"/>
+                </a:solidFill>
+                <a:latin typeface="Arial" panose="020B0604020202020204" pitchFamily="34" charset="0"/>
+                <a:cs typeface="Arial" panose="020B0604020202020204" pitchFamily="34" charset="0"/>
+              </a:rPr>
+              <a:t> positive</a:t>
+            </a:r>
+            <a:endParaRPr lang="en-IN" sz="1400" b="1" dirty="0">
+              <a:solidFill>
+                <a:srgbClr val="FF0000"/>
+              </a:solidFill>
+              <a:latin typeface="Arial" panose="020B0604020202020204" pitchFamily="34" charset="0"/>
+              <a:cs typeface="Arial" panose="020B0604020202020204" pitchFamily="34" charset="0"/>
+            </a:endParaRPr>
+          </a:p>
+        </p:txBody>
+      </p:sp>
+      <p:sp>
+        <p:nvSpPr>
+          <p:cNvPr id="25" name="Rectangle 24">
+            <a:extLst>
+              <a:ext uri="{FF2B5EF4-FFF2-40B4-BE49-F238E27FC236}">
+                <a16:creationId xmlns:a16="http://schemas.microsoft.com/office/drawing/2014/main" id="{26314F35-972F-1D39-3DE4-321F2A8980C1}"/>
+              </a:ext>
+            </a:extLst>
+          </p:cNvPr>
+          <p:cNvSpPr/>
+          <p:nvPr/>
+        </p:nvSpPr>
+        <p:spPr>
+          <a:xfrm>
+            <a:off x="3241075" y="532660"/>
+            <a:ext cx="5752005" cy="5779363"/>
+          </a:xfrm>
+          <a:prstGeom prst="rect">
+            <a:avLst/>
+          </a:prstGeom>
+          <a:noFill/>
+          <a:ln w="9525" cap="flat" cmpd="sng" algn="ctr">
+            <a:solidFill>
+              <a:schemeClr val="dk1"/>
+            </a:solidFill>
+            <a:prstDash val="solid"/>
+            <a:round/>
+            <a:headEnd type="none" w="med" len="med"/>
+            <a:tailEnd type="none" w="med" len="med"/>
+          </a:ln>
+        </p:spPr>
+        <p:style>
+          <a:lnRef idx="0">
+            <a:scrgbClr r="0" g="0" b="0"/>
+          </a:lnRef>
+          <a:fillRef idx="0">
+            <a:scrgbClr r="0" g="0" b="0"/>
+          </a:fillRef>
+          <a:effectRef idx="0">
+            <a:scrgbClr r="0" g="0" b="0"/>
+          </a:effectRef>
+          <a:fontRef idx="minor">
+            <a:schemeClr val="dk1"/>
+          </a:fontRef>
+        </p:style>
+        <p:txBody>
+          <a:bodyPr rtlCol="0" anchor="ctr"/>
+          <a:lstStyle/>
+          <a:p>
+            <a:pPr algn="ctr"/>
+            <a:endParaRPr lang="en-IN"/>
+          </a:p>
+        </p:txBody>
+      </p:sp>
+    </p:spTree>
+    <p:extLst>
+      <p:ext uri="{BB962C8B-B14F-4D97-AF65-F5344CB8AC3E}">
+        <p14:creationId xmlns:p14="http://schemas.microsoft.com/office/powerpoint/2010/main" val="626865693"/>
+      </p:ext>
+    </p:extLst>
+  </p:cSld>
+  <p:clrMapOvr>
+    <a:masterClrMapping/>
+  </p:clrMapOvr>
+</p:sld>
+</file>
+
 <file path=ppt/theme/theme1.xml><?xml version="1.0" encoding="utf-8"?>
 <a:theme xmlns:a="http://schemas.openxmlformats.org/drawingml/2006/main" name="Office Theme">
   <a:themeElements>

--- a/Assets/Powerpoints/DC Chopper.pptx
+++ b/Assets/Powerpoints/DC Chopper.pptx
@@ -25111,8 +25111,8 @@
             </a:p>
           </p:txBody>
         </p:sp>
-        <mc:AlternateContent xmlns:mc="http://schemas.openxmlformats.org/markup-compatibility/2006">
-          <mc:Choice xmlns:a14="http://schemas.microsoft.com/office/drawing/2010/main" Requires="a14">
+        <mc:AlternateContent xmlns:mc="http://schemas.openxmlformats.org/markup-compatibility/2006" xmlns:a14="http://schemas.microsoft.com/office/drawing/2010/main">
+          <mc:Choice Requires="a14">
             <p:sp>
               <p:nvSpPr>
                 <p:cNvPr id="7" name="TextBox 6">
@@ -25247,7 +25247,7 @@
               </p:txBody>
             </p:sp>
           </mc:Choice>
-          <mc:Fallback>
+          <mc:Fallback xmlns="">
             <p:sp>
               <p:nvSpPr>
                 <p:cNvPr id="7" name="TextBox 6">

--- a/Assets/Powerpoints/DC Chopper.pptx
+++ b/Assets/Powerpoints/DC Chopper.pptx
@@ -270,7 +270,7 @@
           <a:p>
             <a:fld id="{349876DB-90CB-4857-A9D0-B3C87AAB9427}" type="datetimeFigureOut">
               <a:rPr lang="en-IN" smtClean="0"/>
-              <a:t>21-12-2022</a:t>
+              <a:t>16-02-2023</a:t>
             </a:fld>
             <a:endParaRPr lang="en-IN"/>
           </a:p>
@@ -470,7 +470,7 @@
           <a:p>
             <a:fld id="{349876DB-90CB-4857-A9D0-B3C87AAB9427}" type="datetimeFigureOut">
               <a:rPr lang="en-IN" smtClean="0"/>
-              <a:t>21-12-2022</a:t>
+              <a:t>16-02-2023</a:t>
             </a:fld>
             <a:endParaRPr lang="en-IN"/>
           </a:p>
@@ -680,7 +680,7 @@
           <a:p>
             <a:fld id="{349876DB-90CB-4857-A9D0-B3C87AAB9427}" type="datetimeFigureOut">
               <a:rPr lang="en-IN" smtClean="0"/>
-              <a:t>21-12-2022</a:t>
+              <a:t>16-02-2023</a:t>
             </a:fld>
             <a:endParaRPr lang="en-IN"/>
           </a:p>
@@ -880,7 +880,7 @@
           <a:p>
             <a:fld id="{349876DB-90CB-4857-A9D0-B3C87AAB9427}" type="datetimeFigureOut">
               <a:rPr lang="en-IN" smtClean="0"/>
-              <a:t>21-12-2022</a:t>
+              <a:t>16-02-2023</a:t>
             </a:fld>
             <a:endParaRPr lang="en-IN"/>
           </a:p>
@@ -1156,7 +1156,7 @@
           <a:p>
             <a:fld id="{349876DB-90CB-4857-A9D0-B3C87AAB9427}" type="datetimeFigureOut">
               <a:rPr lang="en-IN" smtClean="0"/>
-              <a:t>21-12-2022</a:t>
+              <a:t>16-02-2023</a:t>
             </a:fld>
             <a:endParaRPr lang="en-IN"/>
           </a:p>
@@ -1424,7 +1424,7 @@
           <a:p>
             <a:fld id="{349876DB-90CB-4857-A9D0-B3C87AAB9427}" type="datetimeFigureOut">
               <a:rPr lang="en-IN" smtClean="0"/>
-              <a:t>21-12-2022</a:t>
+              <a:t>16-02-2023</a:t>
             </a:fld>
             <a:endParaRPr lang="en-IN"/>
           </a:p>
@@ -1839,7 +1839,7 @@
           <a:p>
             <a:fld id="{349876DB-90CB-4857-A9D0-B3C87AAB9427}" type="datetimeFigureOut">
               <a:rPr lang="en-IN" smtClean="0"/>
-              <a:t>21-12-2022</a:t>
+              <a:t>16-02-2023</a:t>
             </a:fld>
             <a:endParaRPr lang="en-IN"/>
           </a:p>
@@ -1981,7 +1981,7 @@
           <a:p>
             <a:fld id="{349876DB-90CB-4857-A9D0-B3C87AAB9427}" type="datetimeFigureOut">
               <a:rPr lang="en-IN" smtClean="0"/>
-              <a:t>21-12-2022</a:t>
+              <a:t>16-02-2023</a:t>
             </a:fld>
             <a:endParaRPr lang="en-IN"/>
           </a:p>
@@ -2094,7 +2094,7 @@
           <a:p>
             <a:fld id="{349876DB-90CB-4857-A9D0-B3C87AAB9427}" type="datetimeFigureOut">
               <a:rPr lang="en-IN" smtClean="0"/>
-              <a:t>21-12-2022</a:t>
+              <a:t>16-02-2023</a:t>
             </a:fld>
             <a:endParaRPr lang="en-IN"/>
           </a:p>
@@ -2407,7 +2407,7 @@
           <a:p>
             <a:fld id="{349876DB-90CB-4857-A9D0-B3C87AAB9427}" type="datetimeFigureOut">
               <a:rPr lang="en-IN" smtClean="0"/>
-              <a:t>21-12-2022</a:t>
+              <a:t>16-02-2023</a:t>
             </a:fld>
             <a:endParaRPr lang="en-IN"/>
           </a:p>
@@ -2696,7 +2696,7 @@
           <a:p>
             <a:fld id="{349876DB-90CB-4857-A9D0-B3C87AAB9427}" type="datetimeFigureOut">
               <a:rPr lang="en-IN" smtClean="0"/>
-              <a:t>21-12-2022</a:t>
+              <a:t>16-02-2023</a:t>
             </a:fld>
             <a:endParaRPr lang="en-IN"/>
           </a:p>
@@ -2939,7 +2939,7 @@
           <a:p>
             <a:fld id="{349876DB-90CB-4857-A9D0-B3C87AAB9427}" type="datetimeFigureOut">
               <a:rPr lang="en-IN" smtClean="0"/>
-              <a:t>21-12-2022</a:t>
+              <a:t>16-02-2023</a:t>
             </a:fld>
             <a:endParaRPr lang="en-IN"/>
           </a:p>
@@ -19001,7 +19001,7 @@
         </p:nvGrpSpPr>
         <p:grpSpPr>
           <a:xfrm>
-            <a:off x="224572" y="466716"/>
+            <a:off x="224572" y="365116"/>
             <a:ext cx="4468675" cy="2461198"/>
             <a:chOff x="436745" y="355547"/>
             <a:chExt cx="5011561" cy="2644246"/>
